--- a/resources/MiniGameWorld.pptx
+++ b/resources/MiniGameWorld.pptx
@@ -261,7 +261,7 @@
           <a:p>
             <a:fld id="{68DD77C6-9199-49BA-BC71-D4B35AFBC7B4}" type="datetimeFigureOut">
               <a:rPr lang="ko-KR" altLang="en-US" smtClean="0"/>
-              <a:t>2021-09-13</a:t>
+              <a:t>2021-10-05</a:t>
             </a:fld>
             <a:endParaRPr lang="ko-KR" altLang="en-US"/>
           </a:p>
@@ -459,7 +459,7 @@
           <a:p>
             <a:fld id="{68DD77C6-9199-49BA-BC71-D4B35AFBC7B4}" type="datetimeFigureOut">
               <a:rPr lang="ko-KR" altLang="en-US" smtClean="0"/>
-              <a:t>2021-09-13</a:t>
+              <a:t>2021-10-05</a:t>
             </a:fld>
             <a:endParaRPr lang="ko-KR" altLang="en-US"/>
           </a:p>
@@ -667,7 +667,7 @@
           <a:p>
             <a:fld id="{68DD77C6-9199-49BA-BC71-D4B35AFBC7B4}" type="datetimeFigureOut">
               <a:rPr lang="ko-KR" altLang="en-US" smtClean="0"/>
-              <a:t>2021-09-13</a:t>
+              <a:t>2021-10-05</a:t>
             </a:fld>
             <a:endParaRPr lang="ko-KR" altLang="en-US"/>
           </a:p>
@@ -865,7 +865,7 @@
           <a:p>
             <a:fld id="{68DD77C6-9199-49BA-BC71-D4B35AFBC7B4}" type="datetimeFigureOut">
               <a:rPr lang="ko-KR" altLang="en-US" smtClean="0"/>
-              <a:t>2021-09-13</a:t>
+              <a:t>2021-10-05</a:t>
             </a:fld>
             <a:endParaRPr lang="ko-KR" altLang="en-US"/>
           </a:p>
@@ -1140,7 +1140,7 @@
           <a:p>
             <a:fld id="{68DD77C6-9199-49BA-BC71-D4B35AFBC7B4}" type="datetimeFigureOut">
               <a:rPr lang="ko-KR" altLang="en-US" smtClean="0"/>
-              <a:t>2021-09-13</a:t>
+              <a:t>2021-10-05</a:t>
             </a:fld>
             <a:endParaRPr lang="ko-KR" altLang="en-US"/>
           </a:p>
@@ -1405,7 +1405,7 @@
           <a:p>
             <a:fld id="{68DD77C6-9199-49BA-BC71-D4B35AFBC7B4}" type="datetimeFigureOut">
               <a:rPr lang="ko-KR" altLang="en-US" smtClean="0"/>
-              <a:t>2021-09-13</a:t>
+              <a:t>2021-10-05</a:t>
             </a:fld>
             <a:endParaRPr lang="ko-KR" altLang="en-US"/>
           </a:p>
@@ -1817,7 +1817,7 @@
           <a:p>
             <a:fld id="{68DD77C6-9199-49BA-BC71-D4B35AFBC7B4}" type="datetimeFigureOut">
               <a:rPr lang="ko-KR" altLang="en-US" smtClean="0"/>
-              <a:t>2021-09-13</a:t>
+              <a:t>2021-10-05</a:t>
             </a:fld>
             <a:endParaRPr lang="ko-KR" altLang="en-US"/>
           </a:p>
@@ -1958,7 +1958,7 @@
           <a:p>
             <a:fld id="{68DD77C6-9199-49BA-BC71-D4B35AFBC7B4}" type="datetimeFigureOut">
               <a:rPr lang="ko-KR" altLang="en-US" smtClean="0"/>
-              <a:t>2021-09-13</a:t>
+              <a:t>2021-10-05</a:t>
             </a:fld>
             <a:endParaRPr lang="ko-KR" altLang="en-US"/>
           </a:p>
@@ -2071,7 +2071,7 @@
           <a:p>
             <a:fld id="{68DD77C6-9199-49BA-BC71-D4B35AFBC7B4}" type="datetimeFigureOut">
               <a:rPr lang="ko-KR" altLang="en-US" smtClean="0"/>
-              <a:t>2021-09-13</a:t>
+              <a:t>2021-10-05</a:t>
             </a:fld>
             <a:endParaRPr lang="ko-KR" altLang="en-US"/>
           </a:p>
@@ -2382,7 +2382,7 @@
           <a:p>
             <a:fld id="{68DD77C6-9199-49BA-BC71-D4B35AFBC7B4}" type="datetimeFigureOut">
               <a:rPr lang="ko-KR" altLang="en-US" smtClean="0"/>
-              <a:t>2021-09-13</a:t>
+              <a:t>2021-10-05</a:t>
             </a:fld>
             <a:endParaRPr lang="ko-KR" altLang="en-US"/>
           </a:p>
@@ -2670,7 +2670,7 @@
           <a:p>
             <a:fld id="{68DD77C6-9199-49BA-BC71-D4B35AFBC7B4}" type="datetimeFigureOut">
               <a:rPr lang="ko-KR" altLang="en-US" smtClean="0"/>
-              <a:t>2021-09-13</a:t>
+              <a:t>2021-10-05</a:t>
             </a:fld>
             <a:endParaRPr lang="ko-KR" altLang="en-US"/>
           </a:p>
@@ -2911,7 +2911,7 @@
           <a:p>
             <a:fld id="{68DD77C6-9199-49BA-BC71-D4B35AFBC7B4}" type="datetimeFigureOut">
               <a:rPr lang="ko-KR" altLang="en-US" smtClean="0"/>
-              <a:t>2021-09-13</a:t>
+              <a:t>2021-10-05</a:t>
             </a:fld>
             <a:endParaRPr lang="ko-KR" altLang="en-US"/>
           </a:p>
@@ -3366,21 +3366,18 @@
           <a:p>
             <a:pPr algn="ctr"/>
             <a:r>
-              <a:rPr lang="en-US" altLang="ko-KR" sz="8000" b="1" dirty="0">
+              <a:rPr lang="en-US" altLang="ko-KR" sz="8000" b="1" dirty="0" err="1">
                 <a:solidFill>
                   <a:schemeClr val="bg1"/>
                 </a:solidFill>
               </a:rPr>
-              <a:t>Paper </a:t>
-            </a:r>
-            <a:r>
-              <a:rPr lang="ko-KR" altLang="en-US" sz="8000" b="1" dirty="0">
-                <a:solidFill>
-                  <a:schemeClr val="bg1"/>
-                </a:solidFill>
-              </a:rPr>
-              <a:t>버킷</a:t>
-            </a:r>
+              <a:t>Bukkit</a:t>
+            </a:r>
+            <a:endParaRPr lang="ko-KR" altLang="en-US" sz="8000" b="1" dirty="0">
+              <a:solidFill>
+                <a:schemeClr val="bg1"/>
+              </a:solidFill>
+            </a:endParaRPr>
           </a:p>
         </p:txBody>
       </p:sp>
@@ -3399,7 +3396,7 @@
         <p:spPr>
           <a:xfrm>
             <a:off x="4218834" y="2636131"/>
-            <a:ext cx="3778898" cy="1200329"/>
+            <a:ext cx="3778898" cy="646331"/>
           </a:xfrm>
           <a:prstGeom prst="rect">
             <a:avLst/>
@@ -3435,17 +3432,6 @@
               </a:solidFill>
             </a:endParaRPr>
           </a:p>
-          <a:p>
-            <a:pPr algn="ctr"/>
-            <a:r>
-              <a:rPr lang="ko-KR" altLang="en-US" sz="3600" dirty="0">
-                <a:solidFill>
-                  <a:schemeClr val="bg1"/>
-                </a:solidFill>
-              </a:rPr>
-              <a:t>플러그인</a:t>
-            </a:r>
-          </a:p>
         </p:txBody>
       </p:sp>
       <p:sp>
@@ -3462,8 +3448,8 @@
         </p:nvSpPr>
         <p:spPr>
           <a:xfrm>
-            <a:off x="2519107" y="4757431"/>
-            <a:ext cx="2206690" cy="954107"/>
+            <a:off x="2506824" y="4391079"/>
+            <a:ext cx="2206690" cy="523220"/>
           </a:xfrm>
           <a:prstGeom prst="rect">
             <a:avLst/>
@@ -3485,22 +3471,11 @@
               </a:rPr>
               <a:t>MiniGameA</a:t>
             </a:r>
-            <a:r>
-              <a:rPr lang="en-US" altLang="ko-KR" sz="2800" dirty="0">
-                <a:solidFill>
-                  <a:schemeClr val="bg1"/>
-                </a:solidFill>
-              </a:rPr>
-              <a:t> </a:t>
-            </a:r>
-            <a:r>
-              <a:rPr lang="ko-KR" altLang="en-US" sz="2800" dirty="0">
-                <a:solidFill>
-                  <a:schemeClr val="bg1"/>
-                </a:solidFill>
-              </a:rPr>
-              <a:t>플러그인</a:t>
-            </a:r>
+            <a:endParaRPr lang="ko-KR" altLang="en-US" sz="2800" dirty="0">
+              <a:solidFill>
+                <a:schemeClr val="bg1"/>
+              </a:solidFill>
+            </a:endParaRPr>
           </a:p>
         </p:txBody>
       </p:sp>
@@ -3518,8 +3493,8 @@
         </p:nvSpPr>
         <p:spPr>
           <a:xfrm>
-            <a:off x="5004938" y="4771019"/>
-            <a:ext cx="2206690" cy="954107"/>
+            <a:off x="4992655" y="4404667"/>
+            <a:ext cx="2206690" cy="523220"/>
           </a:xfrm>
           <a:prstGeom prst="rect">
             <a:avLst/>
@@ -3541,22 +3516,11 @@
               </a:rPr>
               <a:t>MiniGameB</a:t>
             </a:r>
-            <a:r>
-              <a:rPr lang="en-US" altLang="ko-KR" sz="2800" u="sng" dirty="0">
-                <a:solidFill>
-                  <a:schemeClr val="bg1"/>
-                </a:solidFill>
-              </a:rPr>
-              <a:t> </a:t>
-            </a:r>
-            <a:r>
-              <a:rPr lang="ko-KR" altLang="en-US" sz="2800" dirty="0">
-                <a:solidFill>
-                  <a:schemeClr val="bg1"/>
-                </a:solidFill>
-              </a:rPr>
-              <a:t>플러그인</a:t>
-            </a:r>
+            <a:endParaRPr lang="ko-KR" altLang="en-US" sz="2800" dirty="0">
+              <a:solidFill>
+                <a:schemeClr val="bg1"/>
+              </a:solidFill>
+            </a:endParaRPr>
           </a:p>
         </p:txBody>
       </p:sp>
@@ -3574,8 +3538,8 @@
         </p:nvSpPr>
         <p:spPr>
           <a:xfrm>
-            <a:off x="7568524" y="4757431"/>
-            <a:ext cx="2206690" cy="954107"/>
+            <a:off x="7556241" y="4391079"/>
+            <a:ext cx="2206690" cy="523220"/>
           </a:xfrm>
           <a:prstGeom prst="rect">
             <a:avLst/>
@@ -3597,22 +3561,11 @@
               </a:rPr>
               <a:t>MiniGameC</a:t>
             </a:r>
-            <a:r>
-              <a:rPr lang="en-US" altLang="ko-KR" sz="2800" b="1" dirty="0">
-                <a:solidFill>
-                  <a:schemeClr val="bg1"/>
-                </a:solidFill>
-              </a:rPr>
-              <a:t> </a:t>
-            </a:r>
-            <a:r>
-              <a:rPr lang="ko-KR" altLang="en-US" sz="2800" dirty="0">
-                <a:solidFill>
-                  <a:schemeClr val="bg1"/>
-                </a:solidFill>
-              </a:rPr>
-              <a:t>플러그인</a:t>
-            </a:r>
+            <a:endParaRPr lang="ko-KR" altLang="en-US" sz="2800" dirty="0">
+              <a:solidFill>
+                <a:schemeClr val="bg1"/>
+              </a:solidFill>
+            </a:endParaRPr>
           </a:p>
         </p:txBody>
       </p:sp>
@@ -3630,7 +3583,7 @@
         </p:nvSpPr>
         <p:spPr>
           <a:xfrm rot="10800000">
-            <a:off x="5813907" y="3919246"/>
+            <a:off x="5801624" y="3552894"/>
             <a:ext cx="263322" cy="749438"/>
           </a:xfrm>
           <a:prstGeom prst="downArrow">
@@ -3683,7 +3636,7 @@
         </p:nvSpPr>
         <p:spPr>
           <a:xfrm rot="13177881">
-            <a:off x="3721724" y="3917102"/>
+            <a:off x="3709441" y="3550750"/>
             <a:ext cx="263322" cy="749438"/>
           </a:xfrm>
           <a:prstGeom prst="downArrow">
@@ -3736,7 +3689,7 @@
         </p:nvSpPr>
         <p:spPr>
           <a:xfrm rot="8254239">
-            <a:off x="7915671" y="3907784"/>
+            <a:off x="7903388" y="3541432"/>
             <a:ext cx="263322" cy="749438"/>
           </a:xfrm>
           <a:prstGeom prst="downArrow">

--- a/resources/MiniGameWorld.pptx
+++ b/resources/MiniGameWorld.pptx
@@ -2,20 +2,22 @@
 <file path=ppt/presentation.xml><?xml version="1.0" encoding="utf-8"?>
 <p:presentation xmlns:a="http://schemas.openxmlformats.org/drawingml/2006/main" xmlns:r="http://schemas.openxmlformats.org/officeDocument/2006/relationships" xmlns:p="http://schemas.openxmlformats.org/presentationml/2006/main" saveSubsetFonts="1">
   <p:sldMasterIdLst>
-    <p:sldMasterId id="2147483648" r:id="rId1"/>
+    <p:sldMasterId id="2147483672" r:id="rId1"/>
   </p:sldMasterIdLst>
   <p:sldIdLst>
     <p:sldId id="256" r:id="rId2"/>
     <p:sldId id="257" r:id="rId3"/>
     <p:sldId id="258" r:id="rId4"/>
+    <p:sldId id="259" r:id="rId5"/>
+    <p:sldId id="260" r:id="rId6"/>
   </p:sldIdLst>
-  <p:sldSz cx="12192000" cy="6858000"/>
+  <p:sldSz cx="24384000" cy="13716000"/>
   <p:notesSz cx="6858000" cy="9144000"/>
   <p:defaultTextStyle>
     <a:defPPr>
-      <a:defRPr lang="ko-KR"/>
+      <a:defRPr lang="en-US"/>
     </a:defPPr>
-    <a:lvl1pPr marL="0" algn="l" defTabSz="914400" rtl="0" eaLnBrk="1" latinLnBrk="1" hangingPunct="1">
+    <a:lvl1pPr marL="0" algn="l" defTabSz="457200" rtl="0" eaLnBrk="1" latinLnBrk="0" hangingPunct="1">
       <a:defRPr sz="1800" kern="1200">
         <a:solidFill>
           <a:schemeClr val="tx1"/>
@@ -25,7 +27,7 @@
         <a:cs typeface="+mn-cs"/>
       </a:defRPr>
     </a:lvl1pPr>
-    <a:lvl2pPr marL="457200" algn="l" defTabSz="914400" rtl="0" eaLnBrk="1" latinLnBrk="1" hangingPunct="1">
+    <a:lvl2pPr marL="457200" algn="l" defTabSz="457200" rtl="0" eaLnBrk="1" latinLnBrk="0" hangingPunct="1">
       <a:defRPr sz="1800" kern="1200">
         <a:solidFill>
           <a:schemeClr val="tx1"/>
@@ -35,7 +37,7 @@
         <a:cs typeface="+mn-cs"/>
       </a:defRPr>
     </a:lvl2pPr>
-    <a:lvl3pPr marL="914400" algn="l" defTabSz="914400" rtl="0" eaLnBrk="1" latinLnBrk="1" hangingPunct="1">
+    <a:lvl3pPr marL="914400" algn="l" defTabSz="457200" rtl="0" eaLnBrk="1" latinLnBrk="0" hangingPunct="1">
       <a:defRPr sz="1800" kern="1200">
         <a:solidFill>
           <a:schemeClr val="tx1"/>
@@ -45,7 +47,7 @@
         <a:cs typeface="+mn-cs"/>
       </a:defRPr>
     </a:lvl3pPr>
-    <a:lvl4pPr marL="1371600" algn="l" defTabSz="914400" rtl="0" eaLnBrk="1" latinLnBrk="1" hangingPunct="1">
+    <a:lvl4pPr marL="1371600" algn="l" defTabSz="457200" rtl="0" eaLnBrk="1" latinLnBrk="0" hangingPunct="1">
       <a:defRPr sz="1800" kern="1200">
         <a:solidFill>
           <a:schemeClr val="tx1"/>
@@ -55,7 +57,7 @@
         <a:cs typeface="+mn-cs"/>
       </a:defRPr>
     </a:lvl4pPr>
-    <a:lvl5pPr marL="1828800" algn="l" defTabSz="914400" rtl="0" eaLnBrk="1" latinLnBrk="1" hangingPunct="1">
+    <a:lvl5pPr marL="1828800" algn="l" defTabSz="457200" rtl="0" eaLnBrk="1" latinLnBrk="0" hangingPunct="1">
       <a:defRPr sz="1800" kern="1200">
         <a:solidFill>
           <a:schemeClr val="tx1"/>
@@ -65,7 +67,7 @@
         <a:cs typeface="+mn-cs"/>
       </a:defRPr>
     </a:lvl5pPr>
-    <a:lvl6pPr marL="2286000" algn="l" defTabSz="914400" rtl="0" eaLnBrk="1" latinLnBrk="1" hangingPunct="1">
+    <a:lvl6pPr marL="2286000" algn="l" defTabSz="457200" rtl="0" eaLnBrk="1" latinLnBrk="0" hangingPunct="1">
       <a:defRPr sz="1800" kern="1200">
         <a:solidFill>
           <a:schemeClr val="tx1"/>
@@ -75,7 +77,7 @@
         <a:cs typeface="+mn-cs"/>
       </a:defRPr>
     </a:lvl6pPr>
-    <a:lvl7pPr marL="2743200" algn="l" defTabSz="914400" rtl="0" eaLnBrk="1" latinLnBrk="1" hangingPunct="1">
+    <a:lvl7pPr marL="2743200" algn="l" defTabSz="457200" rtl="0" eaLnBrk="1" latinLnBrk="0" hangingPunct="1">
       <a:defRPr sz="1800" kern="1200">
         <a:solidFill>
           <a:schemeClr val="tx1"/>
@@ -85,7 +87,7 @@
         <a:cs typeface="+mn-cs"/>
       </a:defRPr>
     </a:lvl7pPr>
-    <a:lvl8pPr marL="3200400" algn="l" defTabSz="914400" rtl="0" eaLnBrk="1" latinLnBrk="1" hangingPunct="1">
+    <a:lvl8pPr marL="3200400" algn="l" defTabSz="457200" rtl="0" eaLnBrk="1" latinLnBrk="0" hangingPunct="1">
       <a:defRPr sz="1800" kern="1200">
         <a:solidFill>
           <a:schemeClr val="tx1"/>
@@ -95,7 +97,7 @@
         <a:cs typeface="+mn-cs"/>
       </a:defRPr>
     </a:lvl8pPr>
-    <a:lvl9pPr marL="3657600" algn="l" defTabSz="914400" rtl="0" eaLnBrk="1" latinLnBrk="1" hangingPunct="1">
+    <a:lvl9pPr marL="3657600" algn="l" defTabSz="457200" rtl="0" eaLnBrk="1" latinLnBrk="0" hangingPunct="1">
       <a:defRPr sz="1800" kern="1200">
         <a:solidFill>
           <a:schemeClr val="tx1"/>
@@ -116,7 +118,7 @@
 
 <file path=ppt/slideLayouts/slideLayout1.xml><?xml version="1.0" encoding="utf-8"?>
 <p:sldLayout xmlns:a="http://schemas.openxmlformats.org/drawingml/2006/main" xmlns:r="http://schemas.openxmlformats.org/officeDocument/2006/relationships" xmlns:p="http://schemas.openxmlformats.org/presentationml/2006/main" type="title" preserve="1">
-  <p:cSld name="제목 슬라이드">
+  <p:cSld name="Title Slide">
     <p:spTree>
       <p:nvGrpSpPr>
         <p:cNvPr id="1" name=""/>
@@ -133,13 +135,7 @@
       </p:grpSpPr>
       <p:sp>
         <p:nvSpPr>
-          <p:cNvPr id="2" name="제목 1">
-            <a:extLst>
-              <a:ext uri="{FF2B5EF4-FFF2-40B4-BE49-F238E27FC236}">
-                <a16:creationId xmlns:a16="http://schemas.microsoft.com/office/drawing/2014/main" id="{D8E0F5C8-DE94-424C-9014-525C264A0DD0}"/>
-              </a:ext>
-            </a:extLst>
-          </p:cNvPr>
+          <p:cNvPr id="2" name="Title 1"/>
           <p:cNvSpPr>
             <a:spLocks noGrp="1"/>
           </p:cNvSpPr>
@@ -149,34 +145,29 @@
         </p:nvSpPr>
         <p:spPr>
           <a:xfrm>
-            <a:off x="1524000" y="1122363"/>
-            <a:ext cx="9144000" cy="2387600"/>
+            <a:off x="3048000" y="2244726"/>
+            <a:ext cx="18288000" cy="4775200"/>
           </a:xfrm>
         </p:spPr>
         <p:txBody>
           <a:bodyPr anchor="b"/>
           <a:lstStyle>
             <a:lvl1pPr algn="ctr">
-              <a:defRPr sz="6000"/>
+              <a:defRPr sz="12000"/>
             </a:lvl1pPr>
           </a:lstStyle>
           <a:p>
             <a:r>
-              <a:rPr lang="ko-KR" altLang="en-US"/>
-              <a:t>마스터 제목 스타일 편집</a:t>
-            </a:r>
-          </a:p>
-        </p:txBody>
-      </p:sp>
-      <p:sp>
-        <p:nvSpPr>
-          <p:cNvPr id="3" name="부제목 2">
-            <a:extLst>
-              <a:ext uri="{FF2B5EF4-FFF2-40B4-BE49-F238E27FC236}">
-                <a16:creationId xmlns:a16="http://schemas.microsoft.com/office/drawing/2014/main" id="{F4D90BB7-C976-4B10-BF16-67BFA96D6692}"/>
-              </a:ext>
-            </a:extLst>
-          </p:cNvPr>
+              <a:rPr lang="en-US" altLang="ko-KR"/>
+              <a:t>Click to edit Master title style</a:t>
+            </a:r>
+            <a:endParaRPr lang="en-US" dirty="0"/>
+          </a:p>
+        </p:txBody>
+      </p:sp>
+      <p:sp>
+        <p:nvSpPr>
+          <p:cNvPr id="3" name="Subtitle 2"/>
           <p:cNvSpPr>
             <a:spLocks noGrp="1"/>
           </p:cNvSpPr>
@@ -186,8 +177,8 @@
         </p:nvSpPr>
         <p:spPr>
           <a:xfrm>
-            <a:off x="1524000" y="3602038"/>
-            <a:ext cx="9144000" cy="1655762"/>
+            <a:off x="3048000" y="7204076"/>
+            <a:ext cx="18288000" cy="3311524"/>
           </a:xfrm>
         </p:spPr>
         <p:txBody>
@@ -195,58 +186,53 @@
           <a:lstStyle>
             <a:lvl1pPr marL="0" indent="0" algn="ctr">
               <a:buNone/>
-              <a:defRPr sz="2400"/>
+              <a:defRPr sz="4800"/>
             </a:lvl1pPr>
-            <a:lvl2pPr marL="457200" indent="0" algn="ctr">
+            <a:lvl2pPr marL="914400" indent="0" algn="ctr">
               <a:buNone/>
-              <a:defRPr sz="2000"/>
+              <a:defRPr sz="4000"/>
             </a:lvl2pPr>
-            <a:lvl3pPr marL="914400" indent="0" algn="ctr">
+            <a:lvl3pPr marL="1828800" indent="0" algn="ctr">
               <a:buNone/>
-              <a:defRPr sz="1800"/>
+              <a:defRPr sz="3600"/>
             </a:lvl3pPr>
-            <a:lvl4pPr marL="1371600" indent="0" algn="ctr">
+            <a:lvl4pPr marL="2743200" indent="0" algn="ctr">
               <a:buNone/>
-              <a:defRPr sz="1600"/>
+              <a:defRPr sz="3200"/>
             </a:lvl4pPr>
-            <a:lvl5pPr marL="1828800" indent="0" algn="ctr">
+            <a:lvl5pPr marL="3657600" indent="0" algn="ctr">
               <a:buNone/>
-              <a:defRPr sz="1600"/>
+              <a:defRPr sz="3200"/>
             </a:lvl5pPr>
-            <a:lvl6pPr marL="2286000" indent="0" algn="ctr">
+            <a:lvl6pPr marL="4572000" indent="0" algn="ctr">
               <a:buNone/>
-              <a:defRPr sz="1600"/>
+              <a:defRPr sz="3200"/>
             </a:lvl6pPr>
-            <a:lvl7pPr marL="2743200" indent="0" algn="ctr">
+            <a:lvl7pPr marL="5486400" indent="0" algn="ctr">
               <a:buNone/>
-              <a:defRPr sz="1600"/>
+              <a:defRPr sz="3200"/>
             </a:lvl7pPr>
-            <a:lvl8pPr marL="3200400" indent="0" algn="ctr">
+            <a:lvl8pPr marL="6400800" indent="0" algn="ctr">
               <a:buNone/>
-              <a:defRPr sz="1600"/>
+              <a:defRPr sz="3200"/>
             </a:lvl8pPr>
-            <a:lvl9pPr marL="3657600" indent="0" algn="ctr">
+            <a:lvl9pPr marL="7315200" indent="0" algn="ctr">
               <a:buNone/>
-              <a:defRPr sz="1600"/>
+              <a:defRPr sz="3200"/>
             </a:lvl9pPr>
           </a:lstStyle>
           <a:p>
             <a:r>
-              <a:rPr lang="ko-KR" altLang="en-US"/>
-              <a:t>클릭하여 마스터 부제목 스타일 편집</a:t>
-            </a:r>
-          </a:p>
-        </p:txBody>
-      </p:sp>
-      <p:sp>
-        <p:nvSpPr>
-          <p:cNvPr id="4" name="날짜 개체 틀 3">
-            <a:extLst>
-              <a:ext uri="{FF2B5EF4-FFF2-40B4-BE49-F238E27FC236}">
-                <a16:creationId xmlns:a16="http://schemas.microsoft.com/office/drawing/2014/main" id="{DF8C082B-BB49-4A2B-905D-7E3C8E1160F3}"/>
-              </a:ext>
-            </a:extLst>
-          </p:cNvPr>
+              <a:rPr lang="en-US" altLang="ko-KR"/>
+              <a:t>Click to edit Master subtitle style</a:t>
+            </a:r>
+            <a:endParaRPr lang="en-US" dirty="0"/>
+          </a:p>
+        </p:txBody>
+      </p:sp>
+      <p:sp>
+        <p:nvSpPr>
+          <p:cNvPr id="4" name="Date Placeholder 3"/>
           <p:cNvSpPr>
             <a:spLocks noGrp="1"/>
           </p:cNvSpPr>
@@ -261,7 +247,7 @@
           <a:p>
             <a:fld id="{68DD77C6-9199-49BA-BC71-D4B35AFBC7B4}" type="datetimeFigureOut">
               <a:rPr lang="ko-KR" altLang="en-US" smtClean="0"/>
-              <a:t>2021-10-05</a:t>
+              <a:t>2021-10-08</a:t>
             </a:fld>
             <a:endParaRPr lang="ko-KR" altLang="en-US"/>
           </a:p>
@@ -269,13 +255,7 @@
       </p:sp>
       <p:sp>
         <p:nvSpPr>
-          <p:cNvPr id="5" name="바닥글 개체 틀 4">
-            <a:extLst>
-              <a:ext uri="{FF2B5EF4-FFF2-40B4-BE49-F238E27FC236}">
-                <a16:creationId xmlns:a16="http://schemas.microsoft.com/office/drawing/2014/main" id="{E8B72F96-E7B2-462E-9888-54598D704DF7}"/>
-              </a:ext>
-            </a:extLst>
-          </p:cNvPr>
+          <p:cNvPr id="5" name="Footer Placeholder 4"/>
           <p:cNvSpPr>
             <a:spLocks noGrp="1"/>
           </p:cNvSpPr>
@@ -294,13 +274,7 @@
       </p:sp>
       <p:sp>
         <p:nvSpPr>
-          <p:cNvPr id="6" name="슬라이드 번호 개체 틀 5">
-            <a:extLst>
-              <a:ext uri="{FF2B5EF4-FFF2-40B4-BE49-F238E27FC236}">
-                <a16:creationId xmlns:a16="http://schemas.microsoft.com/office/drawing/2014/main" id="{E94F4525-8318-4D77-B9F7-5F7923F40381}"/>
-              </a:ext>
-            </a:extLst>
-          </p:cNvPr>
+          <p:cNvPr id="6" name="Slide Number Placeholder 5"/>
           <p:cNvSpPr>
             <a:spLocks noGrp="1"/>
           </p:cNvSpPr>
@@ -324,7 +298,7 @@
     </p:spTree>
     <p:extLst>
       <p:ext uri="{BB962C8B-B14F-4D97-AF65-F5344CB8AC3E}">
-        <p14:creationId xmlns:p14="http://schemas.microsoft.com/office/powerpoint/2010/main" val="3897582947"/>
+        <p14:creationId xmlns:p14="http://schemas.microsoft.com/office/powerpoint/2010/main" val="3874821423"/>
       </p:ext>
     </p:extLst>
   </p:cSld>
@@ -336,7 +310,7 @@
 
 <file path=ppt/slideLayouts/slideLayout10.xml><?xml version="1.0" encoding="utf-8"?>
 <p:sldLayout xmlns:a="http://schemas.openxmlformats.org/drawingml/2006/main" xmlns:r="http://schemas.openxmlformats.org/officeDocument/2006/relationships" xmlns:p="http://schemas.openxmlformats.org/presentationml/2006/main" type="vertTx" preserve="1">
-  <p:cSld name="제목 및 세로 텍스트">
+  <p:cSld name="Title and Vertical Text">
     <p:spTree>
       <p:nvGrpSpPr>
         <p:cNvPr id="1" name=""/>
@@ -353,13 +327,7 @@
       </p:grpSpPr>
       <p:sp>
         <p:nvSpPr>
-          <p:cNvPr id="2" name="제목 1">
-            <a:extLst>
-              <a:ext uri="{FF2B5EF4-FFF2-40B4-BE49-F238E27FC236}">
-                <a16:creationId xmlns:a16="http://schemas.microsoft.com/office/drawing/2014/main" id="{BF6125C8-2467-4DDE-85B1-6C93B614043C}"/>
-              </a:ext>
-            </a:extLst>
-          </p:cNvPr>
+          <p:cNvPr id="2" name="Title 1"/>
           <p:cNvSpPr>
             <a:spLocks noGrp="1"/>
           </p:cNvSpPr>
@@ -373,21 +341,16 @@
           <a:lstStyle/>
           <a:p>
             <a:r>
-              <a:rPr lang="ko-KR" altLang="en-US"/>
-              <a:t>마스터 제목 스타일 편집</a:t>
-            </a:r>
-          </a:p>
-        </p:txBody>
-      </p:sp>
-      <p:sp>
-        <p:nvSpPr>
-          <p:cNvPr id="3" name="세로 텍스트 개체 틀 2">
-            <a:extLst>
-              <a:ext uri="{FF2B5EF4-FFF2-40B4-BE49-F238E27FC236}">
-                <a16:creationId xmlns:a16="http://schemas.microsoft.com/office/drawing/2014/main" id="{10D118CD-6837-4602-AC84-E8866B0A9FAE}"/>
-              </a:ext>
-            </a:extLst>
-          </p:cNvPr>
+              <a:rPr lang="en-US" altLang="ko-KR"/>
+              <a:t>Click to edit Master title style</a:t>
+            </a:r>
+            <a:endParaRPr lang="en-US" dirty="0"/>
+          </a:p>
+        </p:txBody>
+      </p:sp>
+      <p:sp>
+        <p:nvSpPr>
+          <p:cNvPr id="3" name="Vertical Text Placeholder 2"/>
           <p:cNvSpPr>
             <a:spLocks noGrp="1"/>
           </p:cNvSpPr>
@@ -402,49 +365,44 @@
           <a:p>
             <a:pPr lvl="0"/>
             <a:r>
-              <a:rPr lang="ko-KR" altLang="en-US"/>
-              <a:t>마스터 텍스트 스타일을 편집하려면 클릭</a:t>
+              <a:rPr lang="en-US" altLang="ko-KR"/>
+              <a:t>Click to edit Master text styles</a:t>
             </a:r>
           </a:p>
           <a:p>
             <a:pPr lvl="1"/>
             <a:r>
-              <a:rPr lang="ko-KR" altLang="en-US"/>
-              <a:t>두 번째 수준</a:t>
+              <a:rPr lang="en-US" altLang="ko-KR"/>
+              <a:t>Second level</a:t>
             </a:r>
           </a:p>
           <a:p>
             <a:pPr lvl="2"/>
             <a:r>
-              <a:rPr lang="ko-KR" altLang="en-US"/>
-              <a:t>세 번째 수준</a:t>
+              <a:rPr lang="en-US" altLang="ko-KR"/>
+              <a:t>Third level</a:t>
             </a:r>
           </a:p>
           <a:p>
             <a:pPr lvl="3"/>
             <a:r>
-              <a:rPr lang="ko-KR" altLang="en-US"/>
-              <a:t>네 번째 수준</a:t>
+              <a:rPr lang="en-US" altLang="ko-KR"/>
+              <a:t>Fourth level</a:t>
             </a:r>
           </a:p>
           <a:p>
             <a:pPr lvl="4"/>
             <a:r>
-              <a:rPr lang="ko-KR" altLang="en-US"/>
-              <a:t>다섯 번째 수준</a:t>
-            </a:r>
-          </a:p>
-        </p:txBody>
-      </p:sp>
-      <p:sp>
-        <p:nvSpPr>
-          <p:cNvPr id="4" name="날짜 개체 틀 3">
-            <a:extLst>
-              <a:ext uri="{FF2B5EF4-FFF2-40B4-BE49-F238E27FC236}">
-                <a16:creationId xmlns:a16="http://schemas.microsoft.com/office/drawing/2014/main" id="{7CDAC07E-D610-4369-9106-505B880A2E86}"/>
-              </a:ext>
-            </a:extLst>
-          </p:cNvPr>
+              <a:rPr lang="en-US" altLang="ko-KR"/>
+              <a:t>Fifth level</a:t>
+            </a:r>
+            <a:endParaRPr lang="en-US" dirty="0"/>
+          </a:p>
+        </p:txBody>
+      </p:sp>
+      <p:sp>
+        <p:nvSpPr>
+          <p:cNvPr id="4" name="Date Placeholder 3"/>
           <p:cNvSpPr>
             <a:spLocks noGrp="1"/>
           </p:cNvSpPr>
@@ -459,7 +417,7 @@
           <a:p>
             <a:fld id="{68DD77C6-9199-49BA-BC71-D4B35AFBC7B4}" type="datetimeFigureOut">
               <a:rPr lang="ko-KR" altLang="en-US" smtClean="0"/>
-              <a:t>2021-10-05</a:t>
+              <a:t>2021-10-08</a:t>
             </a:fld>
             <a:endParaRPr lang="ko-KR" altLang="en-US"/>
           </a:p>
@@ -467,13 +425,7 @@
       </p:sp>
       <p:sp>
         <p:nvSpPr>
-          <p:cNvPr id="5" name="바닥글 개체 틀 4">
-            <a:extLst>
-              <a:ext uri="{FF2B5EF4-FFF2-40B4-BE49-F238E27FC236}">
-                <a16:creationId xmlns:a16="http://schemas.microsoft.com/office/drawing/2014/main" id="{5E87501C-384A-4003-892C-D230023DE00B}"/>
-              </a:ext>
-            </a:extLst>
-          </p:cNvPr>
+          <p:cNvPr id="5" name="Footer Placeholder 4"/>
           <p:cNvSpPr>
             <a:spLocks noGrp="1"/>
           </p:cNvSpPr>
@@ -492,13 +444,7 @@
       </p:sp>
       <p:sp>
         <p:nvSpPr>
-          <p:cNvPr id="6" name="슬라이드 번호 개체 틀 5">
-            <a:extLst>
-              <a:ext uri="{FF2B5EF4-FFF2-40B4-BE49-F238E27FC236}">
-                <a16:creationId xmlns:a16="http://schemas.microsoft.com/office/drawing/2014/main" id="{47562FED-F09B-4ED4-8F24-CC3F00CF1B7C}"/>
-              </a:ext>
-            </a:extLst>
-          </p:cNvPr>
+          <p:cNvPr id="6" name="Slide Number Placeholder 5"/>
           <p:cNvSpPr>
             <a:spLocks noGrp="1"/>
           </p:cNvSpPr>
@@ -522,7 +468,7 @@
     </p:spTree>
     <p:extLst>
       <p:ext uri="{BB962C8B-B14F-4D97-AF65-F5344CB8AC3E}">
-        <p14:creationId xmlns:p14="http://schemas.microsoft.com/office/powerpoint/2010/main" val="2258428977"/>
+        <p14:creationId xmlns:p14="http://schemas.microsoft.com/office/powerpoint/2010/main" val="1286213709"/>
       </p:ext>
     </p:extLst>
   </p:cSld>
@@ -534,7 +480,7 @@
 
 <file path=ppt/slideLayouts/slideLayout11.xml><?xml version="1.0" encoding="utf-8"?>
 <p:sldLayout xmlns:a="http://schemas.openxmlformats.org/drawingml/2006/main" xmlns:r="http://schemas.openxmlformats.org/officeDocument/2006/relationships" xmlns:p="http://schemas.openxmlformats.org/presentationml/2006/main" type="vertTitleAndTx" preserve="1">
-  <p:cSld name="세로 제목 및 텍스트">
+  <p:cSld name="Vertical Title and Text">
     <p:spTree>
       <p:nvGrpSpPr>
         <p:cNvPr id="1" name=""/>
@@ -551,13 +497,7 @@
       </p:grpSpPr>
       <p:sp>
         <p:nvSpPr>
-          <p:cNvPr id="2" name="세로 제목 1">
-            <a:extLst>
-              <a:ext uri="{FF2B5EF4-FFF2-40B4-BE49-F238E27FC236}">
-                <a16:creationId xmlns:a16="http://schemas.microsoft.com/office/drawing/2014/main" id="{11539B5C-20BF-4511-A337-5CC12B27D6ED}"/>
-              </a:ext>
-            </a:extLst>
-          </p:cNvPr>
+          <p:cNvPr id="2" name="Vertical Title 1"/>
           <p:cNvSpPr>
             <a:spLocks noGrp="1"/>
           </p:cNvSpPr>
@@ -567,8 +507,8 @@
         </p:nvSpPr>
         <p:spPr>
           <a:xfrm>
-            <a:off x="8724900" y="365125"/>
-            <a:ext cx="2628900" cy="5811838"/>
+            <a:off x="17449800" y="730250"/>
+            <a:ext cx="5257800" cy="11623676"/>
           </a:xfrm>
         </p:spPr>
         <p:txBody>
@@ -576,21 +516,16 @@
           <a:lstStyle/>
           <a:p>
             <a:r>
-              <a:rPr lang="ko-KR" altLang="en-US"/>
-              <a:t>마스터 제목 스타일 편집</a:t>
-            </a:r>
-          </a:p>
-        </p:txBody>
-      </p:sp>
-      <p:sp>
-        <p:nvSpPr>
-          <p:cNvPr id="3" name="세로 텍스트 개체 틀 2">
-            <a:extLst>
-              <a:ext uri="{FF2B5EF4-FFF2-40B4-BE49-F238E27FC236}">
-                <a16:creationId xmlns:a16="http://schemas.microsoft.com/office/drawing/2014/main" id="{3112ABC9-097D-4272-9FE8-24A3D84C0A77}"/>
-              </a:ext>
-            </a:extLst>
-          </p:cNvPr>
+              <a:rPr lang="en-US" altLang="ko-KR"/>
+              <a:t>Click to edit Master title style</a:t>
+            </a:r>
+            <a:endParaRPr lang="en-US" dirty="0"/>
+          </a:p>
+        </p:txBody>
+      </p:sp>
+      <p:sp>
+        <p:nvSpPr>
+          <p:cNvPr id="3" name="Vertical Text Placeholder 2"/>
           <p:cNvSpPr>
             <a:spLocks noGrp="1"/>
           </p:cNvSpPr>
@@ -600,8 +535,8 @@
         </p:nvSpPr>
         <p:spPr>
           <a:xfrm>
-            <a:off x="838200" y="365125"/>
-            <a:ext cx="7734300" cy="5811838"/>
+            <a:off x="1676400" y="730250"/>
+            <a:ext cx="15468600" cy="11623676"/>
           </a:xfrm>
         </p:spPr>
         <p:txBody>
@@ -610,49 +545,44 @@
           <a:p>
             <a:pPr lvl="0"/>
             <a:r>
-              <a:rPr lang="ko-KR" altLang="en-US"/>
-              <a:t>마스터 텍스트 스타일을 편집하려면 클릭</a:t>
+              <a:rPr lang="en-US" altLang="ko-KR"/>
+              <a:t>Click to edit Master text styles</a:t>
             </a:r>
           </a:p>
           <a:p>
             <a:pPr lvl="1"/>
             <a:r>
-              <a:rPr lang="ko-KR" altLang="en-US"/>
-              <a:t>두 번째 수준</a:t>
+              <a:rPr lang="en-US" altLang="ko-KR"/>
+              <a:t>Second level</a:t>
             </a:r>
           </a:p>
           <a:p>
             <a:pPr lvl="2"/>
             <a:r>
-              <a:rPr lang="ko-KR" altLang="en-US"/>
-              <a:t>세 번째 수준</a:t>
+              <a:rPr lang="en-US" altLang="ko-KR"/>
+              <a:t>Third level</a:t>
             </a:r>
           </a:p>
           <a:p>
             <a:pPr lvl="3"/>
             <a:r>
-              <a:rPr lang="ko-KR" altLang="en-US"/>
-              <a:t>네 번째 수준</a:t>
+              <a:rPr lang="en-US" altLang="ko-KR"/>
+              <a:t>Fourth level</a:t>
             </a:r>
           </a:p>
           <a:p>
             <a:pPr lvl="4"/>
             <a:r>
-              <a:rPr lang="ko-KR" altLang="en-US"/>
-              <a:t>다섯 번째 수준</a:t>
-            </a:r>
-          </a:p>
-        </p:txBody>
-      </p:sp>
-      <p:sp>
-        <p:nvSpPr>
-          <p:cNvPr id="4" name="날짜 개체 틀 3">
-            <a:extLst>
-              <a:ext uri="{FF2B5EF4-FFF2-40B4-BE49-F238E27FC236}">
-                <a16:creationId xmlns:a16="http://schemas.microsoft.com/office/drawing/2014/main" id="{63401311-E9EF-4DD4-B533-61F6BD73DF70}"/>
-              </a:ext>
-            </a:extLst>
-          </p:cNvPr>
+              <a:rPr lang="en-US" altLang="ko-KR"/>
+              <a:t>Fifth level</a:t>
+            </a:r>
+            <a:endParaRPr lang="en-US" dirty="0"/>
+          </a:p>
+        </p:txBody>
+      </p:sp>
+      <p:sp>
+        <p:nvSpPr>
+          <p:cNvPr id="4" name="Date Placeholder 3"/>
           <p:cNvSpPr>
             <a:spLocks noGrp="1"/>
           </p:cNvSpPr>
@@ -667,7 +597,7 @@
           <a:p>
             <a:fld id="{68DD77C6-9199-49BA-BC71-D4B35AFBC7B4}" type="datetimeFigureOut">
               <a:rPr lang="ko-KR" altLang="en-US" smtClean="0"/>
-              <a:t>2021-10-05</a:t>
+              <a:t>2021-10-08</a:t>
             </a:fld>
             <a:endParaRPr lang="ko-KR" altLang="en-US"/>
           </a:p>
@@ -675,13 +605,7 @@
       </p:sp>
       <p:sp>
         <p:nvSpPr>
-          <p:cNvPr id="5" name="바닥글 개체 틀 4">
-            <a:extLst>
-              <a:ext uri="{FF2B5EF4-FFF2-40B4-BE49-F238E27FC236}">
-                <a16:creationId xmlns:a16="http://schemas.microsoft.com/office/drawing/2014/main" id="{59AE0A39-46F0-4DD4-82E5-286BC41F6C2E}"/>
-              </a:ext>
-            </a:extLst>
-          </p:cNvPr>
+          <p:cNvPr id="5" name="Footer Placeholder 4"/>
           <p:cNvSpPr>
             <a:spLocks noGrp="1"/>
           </p:cNvSpPr>
@@ -700,13 +624,7 @@
       </p:sp>
       <p:sp>
         <p:nvSpPr>
-          <p:cNvPr id="6" name="슬라이드 번호 개체 틀 5">
-            <a:extLst>
-              <a:ext uri="{FF2B5EF4-FFF2-40B4-BE49-F238E27FC236}">
-                <a16:creationId xmlns:a16="http://schemas.microsoft.com/office/drawing/2014/main" id="{F5AA3DCB-BB4D-4CE0-9685-C2C73C0549CB}"/>
-              </a:ext>
-            </a:extLst>
-          </p:cNvPr>
+          <p:cNvPr id="6" name="Slide Number Placeholder 5"/>
           <p:cNvSpPr>
             <a:spLocks noGrp="1"/>
           </p:cNvSpPr>
@@ -730,7 +648,7 @@
     </p:spTree>
     <p:extLst>
       <p:ext uri="{BB962C8B-B14F-4D97-AF65-F5344CB8AC3E}">
-        <p14:creationId xmlns:p14="http://schemas.microsoft.com/office/powerpoint/2010/main" val="1665248768"/>
+        <p14:creationId xmlns:p14="http://schemas.microsoft.com/office/powerpoint/2010/main" val="2815866082"/>
       </p:ext>
     </p:extLst>
   </p:cSld>
@@ -742,7 +660,7 @@
 
 <file path=ppt/slideLayouts/slideLayout2.xml><?xml version="1.0" encoding="utf-8"?>
 <p:sldLayout xmlns:a="http://schemas.openxmlformats.org/drawingml/2006/main" xmlns:r="http://schemas.openxmlformats.org/officeDocument/2006/relationships" xmlns:p="http://schemas.openxmlformats.org/presentationml/2006/main" type="obj" preserve="1">
-  <p:cSld name="제목 및 내용">
+  <p:cSld name="Title and Content">
     <p:spTree>
       <p:nvGrpSpPr>
         <p:cNvPr id="1" name=""/>
@@ -759,13 +677,7 @@
       </p:grpSpPr>
       <p:sp>
         <p:nvSpPr>
-          <p:cNvPr id="2" name="제목 1">
-            <a:extLst>
-              <a:ext uri="{FF2B5EF4-FFF2-40B4-BE49-F238E27FC236}">
-                <a16:creationId xmlns:a16="http://schemas.microsoft.com/office/drawing/2014/main" id="{7375D6ED-935C-463C-B70E-60A83A439462}"/>
-              </a:ext>
-            </a:extLst>
-          </p:cNvPr>
+          <p:cNvPr id="2" name="Title 1"/>
           <p:cNvSpPr>
             <a:spLocks noGrp="1"/>
           </p:cNvSpPr>
@@ -779,21 +691,16 @@
           <a:lstStyle/>
           <a:p>
             <a:r>
-              <a:rPr lang="ko-KR" altLang="en-US"/>
-              <a:t>마스터 제목 스타일 편집</a:t>
-            </a:r>
-          </a:p>
-        </p:txBody>
-      </p:sp>
-      <p:sp>
-        <p:nvSpPr>
-          <p:cNvPr id="3" name="내용 개체 틀 2">
-            <a:extLst>
-              <a:ext uri="{FF2B5EF4-FFF2-40B4-BE49-F238E27FC236}">
-                <a16:creationId xmlns:a16="http://schemas.microsoft.com/office/drawing/2014/main" id="{70941883-4E39-4CB9-B7E2-31C645D61CCF}"/>
-              </a:ext>
-            </a:extLst>
-          </p:cNvPr>
+              <a:rPr lang="en-US" altLang="ko-KR"/>
+              <a:t>Click to edit Master title style</a:t>
+            </a:r>
+            <a:endParaRPr lang="en-US" dirty="0"/>
+          </a:p>
+        </p:txBody>
+      </p:sp>
+      <p:sp>
+        <p:nvSpPr>
+          <p:cNvPr id="3" name="Content Placeholder 2"/>
           <p:cNvSpPr>
             <a:spLocks noGrp="1"/>
           </p:cNvSpPr>
@@ -808,49 +715,44 @@
           <a:p>
             <a:pPr lvl="0"/>
             <a:r>
-              <a:rPr lang="ko-KR" altLang="en-US"/>
-              <a:t>마스터 텍스트 스타일을 편집하려면 클릭</a:t>
+              <a:rPr lang="en-US" altLang="ko-KR"/>
+              <a:t>Click to edit Master text styles</a:t>
             </a:r>
           </a:p>
           <a:p>
             <a:pPr lvl="1"/>
             <a:r>
-              <a:rPr lang="ko-KR" altLang="en-US"/>
-              <a:t>두 번째 수준</a:t>
+              <a:rPr lang="en-US" altLang="ko-KR"/>
+              <a:t>Second level</a:t>
             </a:r>
           </a:p>
           <a:p>
             <a:pPr lvl="2"/>
             <a:r>
-              <a:rPr lang="ko-KR" altLang="en-US"/>
-              <a:t>세 번째 수준</a:t>
+              <a:rPr lang="en-US" altLang="ko-KR"/>
+              <a:t>Third level</a:t>
             </a:r>
           </a:p>
           <a:p>
             <a:pPr lvl="3"/>
             <a:r>
-              <a:rPr lang="ko-KR" altLang="en-US"/>
-              <a:t>네 번째 수준</a:t>
+              <a:rPr lang="en-US" altLang="ko-KR"/>
+              <a:t>Fourth level</a:t>
             </a:r>
           </a:p>
           <a:p>
             <a:pPr lvl="4"/>
             <a:r>
-              <a:rPr lang="ko-KR" altLang="en-US"/>
-              <a:t>다섯 번째 수준</a:t>
-            </a:r>
-          </a:p>
-        </p:txBody>
-      </p:sp>
-      <p:sp>
-        <p:nvSpPr>
-          <p:cNvPr id="4" name="날짜 개체 틀 3">
-            <a:extLst>
-              <a:ext uri="{FF2B5EF4-FFF2-40B4-BE49-F238E27FC236}">
-                <a16:creationId xmlns:a16="http://schemas.microsoft.com/office/drawing/2014/main" id="{5922811C-DDF5-4E51-98E9-9B116DB51A9F}"/>
-              </a:ext>
-            </a:extLst>
-          </p:cNvPr>
+              <a:rPr lang="en-US" altLang="ko-KR"/>
+              <a:t>Fifth level</a:t>
+            </a:r>
+            <a:endParaRPr lang="en-US" dirty="0"/>
+          </a:p>
+        </p:txBody>
+      </p:sp>
+      <p:sp>
+        <p:nvSpPr>
+          <p:cNvPr id="4" name="Date Placeholder 3"/>
           <p:cNvSpPr>
             <a:spLocks noGrp="1"/>
           </p:cNvSpPr>
@@ -865,7 +767,7 @@
           <a:p>
             <a:fld id="{68DD77C6-9199-49BA-BC71-D4B35AFBC7B4}" type="datetimeFigureOut">
               <a:rPr lang="ko-KR" altLang="en-US" smtClean="0"/>
-              <a:t>2021-10-05</a:t>
+              <a:t>2021-10-08</a:t>
             </a:fld>
             <a:endParaRPr lang="ko-KR" altLang="en-US"/>
           </a:p>
@@ -873,13 +775,7 @@
       </p:sp>
       <p:sp>
         <p:nvSpPr>
-          <p:cNvPr id="5" name="바닥글 개체 틀 4">
-            <a:extLst>
-              <a:ext uri="{FF2B5EF4-FFF2-40B4-BE49-F238E27FC236}">
-                <a16:creationId xmlns:a16="http://schemas.microsoft.com/office/drawing/2014/main" id="{6EF4DACE-C758-4AF7-8402-1DFB41A614F6}"/>
-              </a:ext>
-            </a:extLst>
-          </p:cNvPr>
+          <p:cNvPr id="5" name="Footer Placeholder 4"/>
           <p:cNvSpPr>
             <a:spLocks noGrp="1"/>
           </p:cNvSpPr>
@@ -898,13 +794,7 @@
       </p:sp>
       <p:sp>
         <p:nvSpPr>
-          <p:cNvPr id="6" name="슬라이드 번호 개체 틀 5">
-            <a:extLst>
-              <a:ext uri="{FF2B5EF4-FFF2-40B4-BE49-F238E27FC236}">
-                <a16:creationId xmlns:a16="http://schemas.microsoft.com/office/drawing/2014/main" id="{96C4C8A6-5902-4F62-A3BC-98E056D226DC}"/>
-              </a:ext>
-            </a:extLst>
-          </p:cNvPr>
+          <p:cNvPr id="6" name="Slide Number Placeholder 5"/>
           <p:cNvSpPr>
             <a:spLocks noGrp="1"/>
           </p:cNvSpPr>
@@ -928,7 +818,7 @@
     </p:spTree>
     <p:extLst>
       <p:ext uri="{BB962C8B-B14F-4D97-AF65-F5344CB8AC3E}">
-        <p14:creationId xmlns:p14="http://schemas.microsoft.com/office/powerpoint/2010/main" val="2972816886"/>
+        <p14:creationId xmlns:p14="http://schemas.microsoft.com/office/powerpoint/2010/main" val="86397241"/>
       </p:ext>
     </p:extLst>
   </p:cSld>
@@ -940,7 +830,7 @@
 
 <file path=ppt/slideLayouts/slideLayout3.xml><?xml version="1.0" encoding="utf-8"?>
 <p:sldLayout xmlns:a="http://schemas.openxmlformats.org/drawingml/2006/main" xmlns:r="http://schemas.openxmlformats.org/officeDocument/2006/relationships" xmlns:p="http://schemas.openxmlformats.org/presentationml/2006/main" type="secHead" preserve="1">
-  <p:cSld name="구역 머리글">
+  <p:cSld name="Section Header">
     <p:spTree>
       <p:nvGrpSpPr>
         <p:cNvPr id="1" name=""/>
@@ -957,13 +847,7 @@
       </p:grpSpPr>
       <p:sp>
         <p:nvSpPr>
-          <p:cNvPr id="2" name="제목 1">
-            <a:extLst>
-              <a:ext uri="{FF2B5EF4-FFF2-40B4-BE49-F238E27FC236}">
-                <a16:creationId xmlns:a16="http://schemas.microsoft.com/office/drawing/2014/main" id="{BFB24C83-42DA-42C6-87B2-14D1F30F062A}"/>
-              </a:ext>
-            </a:extLst>
-          </p:cNvPr>
+          <p:cNvPr id="2" name="Title 1"/>
           <p:cNvSpPr>
             <a:spLocks noGrp="1"/>
           </p:cNvSpPr>
@@ -973,34 +857,29 @@
         </p:nvSpPr>
         <p:spPr>
           <a:xfrm>
-            <a:off x="831850" y="1709738"/>
-            <a:ext cx="10515600" cy="2852737"/>
+            <a:off x="1663700" y="3419477"/>
+            <a:ext cx="21031200" cy="5705474"/>
           </a:xfrm>
         </p:spPr>
         <p:txBody>
           <a:bodyPr anchor="b"/>
           <a:lstStyle>
             <a:lvl1pPr>
-              <a:defRPr sz="6000"/>
+              <a:defRPr sz="12000"/>
             </a:lvl1pPr>
           </a:lstStyle>
           <a:p>
             <a:r>
-              <a:rPr lang="ko-KR" altLang="en-US"/>
-              <a:t>마스터 제목 스타일 편집</a:t>
-            </a:r>
-          </a:p>
-        </p:txBody>
-      </p:sp>
-      <p:sp>
-        <p:nvSpPr>
-          <p:cNvPr id="3" name="텍스트 개체 틀 2">
-            <a:extLst>
-              <a:ext uri="{FF2B5EF4-FFF2-40B4-BE49-F238E27FC236}">
-                <a16:creationId xmlns:a16="http://schemas.microsoft.com/office/drawing/2014/main" id="{CC4BB787-7732-4E08-AA40-BC607A461DA6}"/>
-              </a:ext>
-            </a:extLst>
-          </p:cNvPr>
+              <a:rPr lang="en-US" altLang="ko-KR"/>
+              <a:t>Click to edit Master title style</a:t>
+            </a:r>
+            <a:endParaRPr lang="en-US" dirty="0"/>
+          </a:p>
+        </p:txBody>
+      </p:sp>
+      <p:sp>
+        <p:nvSpPr>
+          <p:cNvPr id="3" name="Text Placeholder 2"/>
           <p:cNvSpPr>
             <a:spLocks noGrp="1"/>
           </p:cNvSpPr>
@@ -1010,8 +889,8 @@
         </p:nvSpPr>
         <p:spPr>
           <a:xfrm>
-            <a:off x="831850" y="4589463"/>
-            <a:ext cx="10515600" cy="1500187"/>
+            <a:off x="1663700" y="9178927"/>
+            <a:ext cx="21031200" cy="3000374"/>
           </a:xfrm>
         </p:spPr>
         <p:txBody>
@@ -1019,7 +898,7 @@
           <a:lstStyle>
             <a:lvl1pPr marL="0" indent="0">
               <a:buNone/>
-              <a:defRPr sz="2400">
+              <a:defRPr sz="4800">
                 <a:solidFill>
                   <a:schemeClr val="tx1">
                     <a:tint val="75000"/>
@@ -1027,9 +906,9 @@
                 </a:solidFill>
               </a:defRPr>
             </a:lvl1pPr>
-            <a:lvl2pPr marL="457200" indent="0">
+            <a:lvl2pPr marL="914400" indent="0">
               <a:buNone/>
-              <a:defRPr sz="2000">
+              <a:defRPr sz="4000">
                 <a:solidFill>
                   <a:schemeClr val="tx1">
                     <a:tint val="75000"/>
@@ -1037,9 +916,9 @@
                 </a:solidFill>
               </a:defRPr>
             </a:lvl2pPr>
-            <a:lvl3pPr marL="914400" indent="0">
+            <a:lvl3pPr marL="1828800" indent="0">
               <a:buNone/>
-              <a:defRPr sz="1800">
+              <a:defRPr sz="3600">
                 <a:solidFill>
                   <a:schemeClr val="tx1">
                     <a:tint val="75000"/>
@@ -1047,9 +926,9 @@
                 </a:solidFill>
               </a:defRPr>
             </a:lvl3pPr>
-            <a:lvl4pPr marL="1371600" indent="0">
+            <a:lvl4pPr marL="2743200" indent="0">
               <a:buNone/>
-              <a:defRPr sz="1600">
+              <a:defRPr sz="3200">
                 <a:solidFill>
                   <a:schemeClr val="tx1">
                     <a:tint val="75000"/>
@@ -1057,9 +936,9 @@
                 </a:solidFill>
               </a:defRPr>
             </a:lvl4pPr>
-            <a:lvl5pPr marL="1828800" indent="0">
+            <a:lvl5pPr marL="3657600" indent="0">
               <a:buNone/>
-              <a:defRPr sz="1600">
+              <a:defRPr sz="3200">
                 <a:solidFill>
                   <a:schemeClr val="tx1">
                     <a:tint val="75000"/>
@@ -1067,9 +946,9 @@
                 </a:solidFill>
               </a:defRPr>
             </a:lvl5pPr>
-            <a:lvl6pPr marL="2286000" indent="0">
+            <a:lvl6pPr marL="4572000" indent="0">
               <a:buNone/>
-              <a:defRPr sz="1600">
+              <a:defRPr sz="3200">
                 <a:solidFill>
                   <a:schemeClr val="tx1">
                     <a:tint val="75000"/>
@@ -1077,9 +956,9 @@
                 </a:solidFill>
               </a:defRPr>
             </a:lvl6pPr>
-            <a:lvl7pPr marL="2743200" indent="0">
+            <a:lvl7pPr marL="5486400" indent="0">
               <a:buNone/>
-              <a:defRPr sz="1600">
+              <a:defRPr sz="3200">
                 <a:solidFill>
                   <a:schemeClr val="tx1">
                     <a:tint val="75000"/>
@@ -1087,9 +966,9 @@
                 </a:solidFill>
               </a:defRPr>
             </a:lvl7pPr>
-            <a:lvl8pPr marL="3200400" indent="0">
+            <a:lvl8pPr marL="6400800" indent="0">
               <a:buNone/>
-              <a:defRPr sz="1600">
+              <a:defRPr sz="3200">
                 <a:solidFill>
                   <a:schemeClr val="tx1">
                     <a:tint val="75000"/>
@@ -1097,9 +976,9 @@
                 </a:solidFill>
               </a:defRPr>
             </a:lvl8pPr>
-            <a:lvl9pPr marL="3657600" indent="0">
+            <a:lvl9pPr marL="7315200" indent="0">
               <a:buNone/>
-              <a:defRPr sz="1600">
+              <a:defRPr sz="3200">
                 <a:solidFill>
                   <a:schemeClr val="tx1">
                     <a:tint val="75000"/>
@@ -1111,21 +990,15 @@
           <a:p>
             <a:pPr lvl="0"/>
             <a:r>
-              <a:rPr lang="ko-KR" altLang="en-US"/>
-              <a:t>마스터 텍스트 스타일을 편집하려면 클릭</a:t>
-            </a:r>
-          </a:p>
-        </p:txBody>
-      </p:sp>
-      <p:sp>
-        <p:nvSpPr>
-          <p:cNvPr id="4" name="날짜 개체 틀 3">
-            <a:extLst>
-              <a:ext uri="{FF2B5EF4-FFF2-40B4-BE49-F238E27FC236}">
-                <a16:creationId xmlns:a16="http://schemas.microsoft.com/office/drawing/2014/main" id="{8FFDF11B-4BBB-4092-870D-16C1F1C31285}"/>
-              </a:ext>
-            </a:extLst>
-          </p:cNvPr>
+              <a:rPr lang="en-US" altLang="ko-KR"/>
+              <a:t>Click to edit Master text styles</a:t>
+            </a:r>
+          </a:p>
+        </p:txBody>
+      </p:sp>
+      <p:sp>
+        <p:nvSpPr>
+          <p:cNvPr id="4" name="Date Placeholder 3"/>
           <p:cNvSpPr>
             <a:spLocks noGrp="1"/>
           </p:cNvSpPr>
@@ -1140,7 +1013,7 @@
           <a:p>
             <a:fld id="{68DD77C6-9199-49BA-BC71-D4B35AFBC7B4}" type="datetimeFigureOut">
               <a:rPr lang="ko-KR" altLang="en-US" smtClean="0"/>
-              <a:t>2021-10-05</a:t>
+              <a:t>2021-10-08</a:t>
             </a:fld>
             <a:endParaRPr lang="ko-KR" altLang="en-US"/>
           </a:p>
@@ -1148,13 +1021,7 @@
       </p:sp>
       <p:sp>
         <p:nvSpPr>
-          <p:cNvPr id="5" name="바닥글 개체 틀 4">
-            <a:extLst>
-              <a:ext uri="{FF2B5EF4-FFF2-40B4-BE49-F238E27FC236}">
-                <a16:creationId xmlns:a16="http://schemas.microsoft.com/office/drawing/2014/main" id="{3F2A0600-F6B5-4B4D-A87B-5CC518CF9828}"/>
-              </a:ext>
-            </a:extLst>
-          </p:cNvPr>
+          <p:cNvPr id="5" name="Footer Placeholder 4"/>
           <p:cNvSpPr>
             <a:spLocks noGrp="1"/>
           </p:cNvSpPr>
@@ -1173,13 +1040,7 @@
       </p:sp>
       <p:sp>
         <p:nvSpPr>
-          <p:cNvPr id="6" name="슬라이드 번호 개체 틀 5">
-            <a:extLst>
-              <a:ext uri="{FF2B5EF4-FFF2-40B4-BE49-F238E27FC236}">
-                <a16:creationId xmlns:a16="http://schemas.microsoft.com/office/drawing/2014/main" id="{4E00C213-E9C7-4D63-82BF-1EABCF2067D7}"/>
-              </a:ext>
-            </a:extLst>
-          </p:cNvPr>
+          <p:cNvPr id="6" name="Slide Number Placeholder 5"/>
           <p:cNvSpPr>
             <a:spLocks noGrp="1"/>
           </p:cNvSpPr>
@@ -1203,7 +1064,7 @@
     </p:spTree>
     <p:extLst>
       <p:ext uri="{BB962C8B-B14F-4D97-AF65-F5344CB8AC3E}">
-        <p14:creationId xmlns:p14="http://schemas.microsoft.com/office/powerpoint/2010/main" val="4038142046"/>
+        <p14:creationId xmlns:p14="http://schemas.microsoft.com/office/powerpoint/2010/main" val="3790250226"/>
       </p:ext>
     </p:extLst>
   </p:cSld>
@@ -1215,7 +1076,7 @@
 
 <file path=ppt/slideLayouts/slideLayout4.xml><?xml version="1.0" encoding="utf-8"?>
 <p:sldLayout xmlns:a="http://schemas.openxmlformats.org/drawingml/2006/main" xmlns:r="http://schemas.openxmlformats.org/officeDocument/2006/relationships" xmlns:p="http://schemas.openxmlformats.org/presentationml/2006/main" type="twoObj" preserve="1">
-  <p:cSld name="콘텐츠 2개">
+  <p:cSld name="Two Content">
     <p:spTree>
       <p:nvGrpSpPr>
         <p:cNvPr id="1" name=""/>
@@ -1232,13 +1093,7 @@
       </p:grpSpPr>
       <p:sp>
         <p:nvSpPr>
-          <p:cNvPr id="2" name="제목 1">
-            <a:extLst>
-              <a:ext uri="{FF2B5EF4-FFF2-40B4-BE49-F238E27FC236}">
-                <a16:creationId xmlns:a16="http://schemas.microsoft.com/office/drawing/2014/main" id="{D88AA605-2EFA-45CF-BC16-A8E28095F941}"/>
-              </a:ext>
-            </a:extLst>
-          </p:cNvPr>
+          <p:cNvPr id="2" name="Title 1"/>
           <p:cNvSpPr>
             <a:spLocks noGrp="1"/>
           </p:cNvSpPr>
@@ -1252,21 +1107,16 @@
           <a:lstStyle/>
           <a:p>
             <a:r>
-              <a:rPr lang="ko-KR" altLang="en-US"/>
-              <a:t>마스터 제목 스타일 편집</a:t>
-            </a:r>
-          </a:p>
-        </p:txBody>
-      </p:sp>
-      <p:sp>
-        <p:nvSpPr>
-          <p:cNvPr id="3" name="내용 개체 틀 2">
-            <a:extLst>
-              <a:ext uri="{FF2B5EF4-FFF2-40B4-BE49-F238E27FC236}">
-                <a16:creationId xmlns:a16="http://schemas.microsoft.com/office/drawing/2014/main" id="{4646E53A-8430-4638-848D-A7274FF736D2}"/>
-              </a:ext>
-            </a:extLst>
-          </p:cNvPr>
+              <a:rPr lang="en-US" altLang="ko-KR"/>
+              <a:t>Click to edit Master title style</a:t>
+            </a:r>
+            <a:endParaRPr lang="en-US" dirty="0"/>
+          </a:p>
+        </p:txBody>
+      </p:sp>
+      <p:sp>
+        <p:nvSpPr>
+          <p:cNvPr id="3" name="Content Placeholder 2"/>
           <p:cNvSpPr>
             <a:spLocks noGrp="1"/>
           </p:cNvSpPr>
@@ -1276,8 +1126,8 @@
         </p:nvSpPr>
         <p:spPr>
           <a:xfrm>
-            <a:off x="838200" y="1825625"/>
-            <a:ext cx="5181600" cy="4351338"/>
+            <a:off x="1676400" y="3651250"/>
+            <a:ext cx="10363200" cy="8702676"/>
           </a:xfrm>
         </p:spPr>
         <p:txBody>
@@ -1286,49 +1136,44 @@
           <a:p>
             <a:pPr lvl="0"/>
             <a:r>
-              <a:rPr lang="ko-KR" altLang="en-US"/>
-              <a:t>마스터 텍스트 스타일을 편집하려면 클릭</a:t>
+              <a:rPr lang="en-US" altLang="ko-KR"/>
+              <a:t>Click to edit Master text styles</a:t>
             </a:r>
           </a:p>
           <a:p>
             <a:pPr lvl="1"/>
             <a:r>
-              <a:rPr lang="ko-KR" altLang="en-US"/>
-              <a:t>두 번째 수준</a:t>
+              <a:rPr lang="en-US" altLang="ko-KR"/>
+              <a:t>Second level</a:t>
             </a:r>
           </a:p>
           <a:p>
             <a:pPr lvl="2"/>
             <a:r>
-              <a:rPr lang="ko-KR" altLang="en-US"/>
-              <a:t>세 번째 수준</a:t>
+              <a:rPr lang="en-US" altLang="ko-KR"/>
+              <a:t>Third level</a:t>
             </a:r>
           </a:p>
           <a:p>
             <a:pPr lvl="3"/>
             <a:r>
-              <a:rPr lang="ko-KR" altLang="en-US"/>
-              <a:t>네 번째 수준</a:t>
+              <a:rPr lang="en-US" altLang="ko-KR"/>
+              <a:t>Fourth level</a:t>
             </a:r>
           </a:p>
           <a:p>
             <a:pPr lvl="4"/>
             <a:r>
-              <a:rPr lang="ko-KR" altLang="en-US"/>
-              <a:t>다섯 번째 수준</a:t>
-            </a:r>
-          </a:p>
-        </p:txBody>
-      </p:sp>
-      <p:sp>
-        <p:nvSpPr>
-          <p:cNvPr id="4" name="내용 개체 틀 3">
-            <a:extLst>
-              <a:ext uri="{FF2B5EF4-FFF2-40B4-BE49-F238E27FC236}">
-                <a16:creationId xmlns:a16="http://schemas.microsoft.com/office/drawing/2014/main" id="{7F9D7AB8-8E36-4E1C-A93B-E0A12834EEE6}"/>
-              </a:ext>
-            </a:extLst>
-          </p:cNvPr>
+              <a:rPr lang="en-US" altLang="ko-KR"/>
+              <a:t>Fifth level</a:t>
+            </a:r>
+            <a:endParaRPr lang="en-US" dirty="0"/>
+          </a:p>
+        </p:txBody>
+      </p:sp>
+      <p:sp>
+        <p:nvSpPr>
+          <p:cNvPr id="4" name="Content Placeholder 3"/>
           <p:cNvSpPr>
             <a:spLocks noGrp="1"/>
           </p:cNvSpPr>
@@ -1338,8 +1183,8 @@
         </p:nvSpPr>
         <p:spPr>
           <a:xfrm>
-            <a:off x="6172200" y="1825625"/>
-            <a:ext cx="5181600" cy="4351338"/>
+            <a:off x="12344400" y="3651250"/>
+            <a:ext cx="10363200" cy="8702676"/>
           </a:xfrm>
         </p:spPr>
         <p:txBody>
@@ -1348,49 +1193,44 @@
           <a:p>
             <a:pPr lvl="0"/>
             <a:r>
-              <a:rPr lang="ko-KR" altLang="en-US"/>
-              <a:t>마스터 텍스트 스타일을 편집하려면 클릭</a:t>
+              <a:rPr lang="en-US" altLang="ko-KR"/>
+              <a:t>Click to edit Master text styles</a:t>
             </a:r>
           </a:p>
           <a:p>
             <a:pPr lvl="1"/>
             <a:r>
-              <a:rPr lang="ko-KR" altLang="en-US"/>
-              <a:t>두 번째 수준</a:t>
+              <a:rPr lang="en-US" altLang="ko-KR"/>
+              <a:t>Second level</a:t>
             </a:r>
           </a:p>
           <a:p>
             <a:pPr lvl="2"/>
             <a:r>
-              <a:rPr lang="ko-KR" altLang="en-US"/>
-              <a:t>세 번째 수준</a:t>
+              <a:rPr lang="en-US" altLang="ko-KR"/>
+              <a:t>Third level</a:t>
             </a:r>
           </a:p>
           <a:p>
             <a:pPr lvl="3"/>
             <a:r>
-              <a:rPr lang="ko-KR" altLang="en-US"/>
-              <a:t>네 번째 수준</a:t>
+              <a:rPr lang="en-US" altLang="ko-KR"/>
+              <a:t>Fourth level</a:t>
             </a:r>
           </a:p>
           <a:p>
             <a:pPr lvl="4"/>
             <a:r>
-              <a:rPr lang="ko-KR" altLang="en-US"/>
-              <a:t>다섯 번째 수준</a:t>
-            </a:r>
-          </a:p>
-        </p:txBody>
-      </p:sp>
-      <p:sp>
-        <p:nvSpPr>
-          <p:cNvPr id="5" name="날짜 개체 틀 4">
-            <a:extLst>
-              <a:ext uri="{FF2B5EF4-FFF2-40B4-BE49-F238E27FC236}">
-                <a16:creationId xmlns:a16="http://schemas.microsoft.com/office/drawing/2014/main" id="{A24FE32E-EF76-4752-9675-F047B6DA36B6}"/>
-              </a:ext>
-            </a:extLst>
-          </p:cNvPr>
+              <a:rPr lang="en-US" altLang="ko-KR"/>
+              <a:t>Fifth level</a:t>
+            </a:r>
+            <a:endParaRPr lang="en-US" dirty="0"/>
+          </a:p>
+        </p:txBody>
+      </p:sp>
+      <p:sp>
+        <p:nvSpPr>
+          <p:cNvPr id="5" name="Date Placeholder 4"/>
           <p:cNvSpPr>
             <a:spLocks noGrp="1"/>
           </p:cNvSpPr>
@@ -1405,7 +1245,7 @@
           <a:p>
             <a:fld id="{68DD77C6-9199-49BA-BC71-D4B35AFBC7B4}" type="datetimeFigureOut">
               <a:rPr lang="ko-KR" altLang="en-US" smtClean="0"/>
-              <a:t>2021-10-05</a:t>
+              <a:t>2021-10-08</a:t>
             </a:fld>
             <a:endParaRPr lang="ko-KR" altLang="en-US"/>
           </a:p>
@@ -1413,13 +1253,7 @@
       </p:sp>
       <p:sp>
         <p:nvSpPr>
-          <p:cNvPr id="6" name="바닥글 개체 틀 5">
-            <a:extLst>
-              <a:ext uri="{FF2B5EF4-FFF2-40B4-BE49-F238E27FC236}">
-                <a16:creationId xmlns:a16="http://schemas.microsoft.com/office/drawing/2014/main" id="{A91D92C6-331F-4F61-974D-D3BB1DD65063}"/>
-              </a:ext>
-            </a:extLst>
-          </p:cNvPr>
+          <p:cNvPr id="6" name="Footer Placeholder 5"/>
           <p:cNvSpPr>
             <a:spLocks noGrp="1"/>
           </p:cNvSpPr>
@@ -1438,13 +1272,7 @@
       </p:sp>
       <p:sp>
         <p:nvSpPr>
-          <p:cNvPr id="7" name="슬라이드 번호 개체 틀 6">
-            <a:extLst>
-              <a:ext uri="{FF2B5EF4-FFF2-40B4-BE49-F238E27FC236}">
-                <a16:creationId xmlns:a16="http://schemas.microsoft.com/office/drawing/2014/main" id="{70EA2737-ABBC-46FB-B908-8D0EA181344C}"/>
-              </a:ext>
-            </a:extLst>
-          </p:cNvPr>
+          <p:cNvPr id="7" name="Slide Number Placeholder 6"/>
           <p:cNvSpPr>
             <a:spLocks noGrp="1"/>
           </p:cNvSpPr>
@@ -1468,7 +1296,7 @@
     </p:spTree>
     <p:extLst>
       <p:ext uri="{BB962C8B-B14F-4D97-AF65-F5344CB8AC3E}">
-        <p14:creationId xmlns:p14="http://schemas.microsoft.com/office/powerpoint/2010/main" val="975797434"/>
+        <p14:creationId xmlns:p14="http://schemas.microsoft.com/office/powerpoint/2010/main" val="2425403006"/>
       </p:ext>
     </p:extLst>
   </p:cSld>
@@ -1480,7 +1308,7 @@
 
 <file path=ppt/slideLayouts/slideLayout5.xml><?xml version="1.0" encoding="utf-8"?>
 <p:sldLayout xmlns:a="http://schemas.openxmlformats.org/drawingml/2006/main" xmlns:r="http://schemas.openxmlformats.org/officeDocument/2006/relationships" xmlns:p="http://schemas.openxmlformats.org/presentationml/2006/main" type="twoTxTwoObj" preserve="1">
-  <p:cSld name="비교">
+  <p:cSld name="Comparison">
     <p:spTree>
       <p:nvGrpSpPr>
         <p:cNvPr id="1" name=""/>
@@ -1497,13 +1325,7 @@
       </p:grpSpPr>
       <p:sp>
         <p:nvSpPr>
-          <p:cNvPr id="2" name="제목 1">
-            <a:extLst>
-              <a:ext uri="{FF2B5EF4-FFF2-40B4-BE49-F238E27FC236}">
-                <a16:creationId xmlns:a16="http://schemas.microsoft.com/office/drawing/2014/main" id="{9BC22A5C-3469-4624-A97D-4AD7F1731EB5}"/>
-              </a:ext>
-            </a:extLst>
-          </p:cNvPr>
+          <p:cNvPr id="2" name="Title 1"/>
           <p:cNvSpPr>
             <a:spLocks noGrp="1"/>
           </p:cNvSpPr>
@@ -1513,8 +1335,8 @@
         </p:nvSpPr>
         <p:spPr>
           <a:xfrm>
-            <a:off x="839788" y="365125"/>
-            <a:ext cx="10515600" cy="1325563"/>
+            <a:off x="1679576" y="730251"/>
+            <a:ext cx="21031200" cy="2651126"/>
           </a:xfrm>
         </p:spPr>
         <p:txBody>
@@ -1522,21 +1344,16 @@
           <a:lstStyle/>
           <a:p>
             <a:r>
-              <a:rPr lang="ko-KR" altLang="en-US"/>
-              <a:t>마스터 제목 스타일 편집</a:t>
-            </a:r>
-          </a:p>
-        </p:txBody>
-      </p:sp>
-      <p:sp>
-        <p:nvSpPr>
-          <p:cNvPr id="3" name="텍스트 개체 틀 2">
-            <a:extLst>
-              <a:ext uri="{FF2B5EF4-FFF2-40B4-BE49-F238E27FC236}">
-                <a16:creationId xmlns:a16="http://schemas.microsoft.com/office/drawing/2014/main" id="{C83D5F53-06A8-4DBC-B7A1-F09097CE4FBE}"/>
-              </a:ext>
-            </a:extLst>
-          </p:cNvPr>
+              <a:rPr lang="en-US" altLang="ko-KR"/>
+              <a:t>Click to edit Master title style</a:t>
+            </a:r>
+            <a:endParaRPr lang="en-US" dirty="0"/>
+          </a:p>
+        </p:txBody>
+      </p:sp>
+      <p:sp>
+        <p:nvSpPr>
+          <p:cNvPr id="3" name="Text Placeholder 2"/>
           <p:cNvSpPr>
             <a:spLocks noGrp="1"/>
           </p:cNvSpPr>
@@ -1546,8 +1363,8 @@
         </p:nvSpPr>
         <p:spPr>
           <a:xfrm>
-            <a:off x="839788" y="1681163"/>
-            <a:ext cx="5157787" cy="823912"/>
+            <a:off x="1679577" y="3362326"/>
+            <a:ext cx="10315574" cy="1647824"/>
           </a:xfrm>
         </p:spPr>
         <p:txBody>
@@ -1555,59 +1372,53 @@
           <a:lstStyle>
             <a:lvl1pPr marL="0" indent="0">
               <a:buNone/>
-              <a:defRPr sz="2400" b="1"/>
+              <a:defRPr sz="4800" b="1"/>
             </a:lvl1pPr>
-            <a:lvl2pPr marL="457200" indent="0">
+            <a:lvl2pPr marL="914400" indent="0">
               <a:buNone/>
-              <a:defRPr sz="2000" b="1"/>
+              <a:defRPr sz="4000" b="1"/>
             </a:lvl2pPr>
-            <a:lvl3pPr marL="914400" indent="0">
+            <a:lvl3pPr marL="1828800" indent="0">
               <a:buNone/>
-              <a:defRPr sz="1800" b="1"/>
+              <a:defRPr sz="3600" b="1"/>
             </a:lvl3pPr>
-            <a:lvl4pPr marL="1371600" indent="0">
+            <a:lvl4pPr marL="2743200" indent="0">
               <a:buNone/>
-              <a:defRPr sz="1600" b="1"/>
+              <a:defRPr sz="3200" b="1"/>
             </a:lvl4pPr>
-            <a:lvl5pPr marL="1828800" indent="0">
+            <a:lvl5pPr marL="3657600" indent="0">
               <a:buNone/>
-              <a:defRPr sz="1600" b="1"/>
+              <a:defRPr sz="3200" b="1"/>
             </a:lvl5pPr>
-            <a:lvl6pPr marL="2286000" indent="0">
+            <a:lvl6pPr marL="4572000" indent="0">
               <a:buNone/>
-              <a:defRPr sz="1600" b="1"/>
+              <a:defRPr sz="3200" b="1"/>
             </a:lvl6pPr>
-            <a:lvl7pPr marL="2743200" indent="0">
+            <a:lvl7pPr marL="5486400" indent="0">
               <a:buNone/>
-              <a:defRPr sz="1600" b="1"/>
+              <a:defRPr sz="3200" b="1"/>
             </a:lvl7pPr>
-            <a:lvl8pPr marL="3200400" indent="0">
+            <a:lvl8pPr marL="6400800" indent="0">
               <a:buNone/>
-              <a:defRPr sz="1600" b="1"/>
+              <a:defRPr sz="3200" b="1"/>
             </a:lvl8pPr>
-            <a:lvl9pPr marL="3657600" indent="0">
+            <a:lvl9pPr marL="7315200" indent="0">
               <a:buNone/>
-              <a:defRPr sz="1600" b="1"/>
+              <a:defRPr sz="3200" b="1"/>
             </a:lvl9pPr>
           </a:lstStyle>
           <a:p>
             <a:pPr lvl="0"/>
             <a:r>
-              <a:rPr lang="ko-KR" altLang="en-US"/>
-              <a:t>마스터 텍스트 스타일을 편집하려면 클릭</a:t>
-            </a:r>
-          </a:p>
-        </p:txBody>
-      </p:sp>
-      <p:sp>
-        <p:nvSpPr>
-          <p:cNvPr id="4" name="내용 개체 틀 3">
-            <a:extLst>
-              <a:ext uri="{FF2B5EF4-FFF2-40B4-BE49-F238E27FC236}">
-                <a16:creationId xmlns:a16="http://schemas.microsoft.com/office/drawing/2014/main" id="{5BAF3231-5E2C-4E03-B143-7A3C3CAE91A6}"/>
-              </a:ext>
-            </a:extLst>
-          </p:cNvPr>
+              <a:rPr lang="en-US" altLang="ko-KR"/>
+              <a:t>Click to edit Master text styles</a:t>
+            </a:r>
+          </a:p>
+        </p:txBody>
+      </p:sp>
+      <p:sp>
+        <p:nvSpPr>
+          <p:cNvPr id="4" name="Content Placeholder 3"/>
           <p:cNvSpPr>
             <a:spLocks noGrp="1"/>
           </p:cNvSpPr>
@@ -1617,8 +1428,8 @@
         </p:nvSpPr>
         <p:spPr>
           <a:xfrm>
-            <a:off x="839788" y="2505075"/>
-            <a:ext cx="5157787" cy="3684588"/>
+            <a:off x="1679577" y="5010150"/>
+            <a:ext cx="10315574" cy="7369176"/>
           </a:xfrm>
         </p:spPr>
         <p:txBody>
@@ -1627,49 +1438,44 @@
           <a:p>
             <a:pPr lvl="0"/>
             <a:r>
-              <a:rPr lang="ko-KR" altLang="en-US"/>
-              <a:t>마스터 텍스트 스타일을 편집하려면 클릭</a:t>
+              <a:rPr lang="en-US" altLang="ko-KR"/>
+              <a:t>Click to edit Master text styles</a:t>
             </a:r>
           </a:p>
           <a:p>
             <a:pPr lvl="1"/>
             <a:r>
-              <a:rPr lang="ko-KR" altLang="en-US"/>
-              <a:t>두 번째 수준</a:t>
+              <a:rPr lang="en-US" altLang="ko-KR"/>
+              <a:t>Second level</a:t>
             </a:r>
           </a:p>
           <a:p>
             <a:pPr lvl="2"/>
             <a:r>
-              <a:rPr lang="ko-KR" altLang="en-US"/>
-              <a:t>세 번째 수준</a:t>
+              <a:rPr lang="en-US" altLang="ko-KR"/>
+              <a:t>Third level</a:t>
             </a:r>
           </a:p>
           <a:p>
             <a:pPr lvl="3"/>
             <a:r>
-              <a:rPr lang="ko-KR" altLang="en-US"/>
-              <a:t>네 번째 수준</a:t>
+              <a:rPr lang="en-US" altLang="ko-KR"/>
+              <a:t>Fourth level</a:t>
             </a:r>
           </a:p>
           <a:p>
             <a:pPr lvl="4"/>
             <a:r>
-              <a:rPr lang="ko-KR" altLang="en-US"/>
-              <a:t>다섯 번째 수준</a:t>
-            </a:r>
-          </a:p>
-        </p:txBody>
-      </p:sp>
-      <p:sp>
-        <p:nvSpPr>
-          <p:cNvPr id="5" name="텍스트 개체 틀 4">
-            <a:extLst>
-              <a:ext uri="{FF2B5EF4-FFF2-40B4-BE49-F238E27FC236}">
-                <a16:creationId xmlns:a16="http://schemas.microsoft.com/office/drawing/2014/main" id="{31C1EA09-57A9-4FBF-A3A1-D15DD588B18D}"/>
-              </a:ext>
-            </a:extLst>
-          </p:cNvPr>
+              <a:rPr lang="en-US" altLang="ko-KR"/>
+              <a:t>Fifth level</a:t>
+            </a:r>
+            <a:endParaRPr lang="en-US" dirty="0"/>
+          </a:p>
+        </p:txBody>
+      </p:sp>
+      <p:sp>
+        <p:nvSpPr>
+          <p:cNvPr id="5" name="Text Placeholder 4"/>
           <p:cNvSpPr>
             <a:spLocks noGrp="1"/>
           </p:cNvSpPr>
@@ -1679,8 +1485,8 @@
         </p:nvSpPr>
         <p:spPr>
           <a:xfrm>
-            <a:off x="6172200" y="1681163"/>
-            <a:ext cx="5183188" cy="823912"/>
+            <a:off x="12344400" y="3362326"/>
+            <a:ext cx="10366376" cy="1647824"/>
           </a:xfrm>
         </p:spPr>
         <p:txBody>
@@ -1688,59 +1494,53 @@
           <a:lstStyle>
             <a:lvl1pPr marL="0" indent="0">
               <a:buNone/>
-              <a:defRPr sz="2400" b="1"/>
+              <a:defRPr sz="4800" b="1"/>
             </a:lvl1pPr>
-            <a:lvl2pPr marL="457200" indent="0">
+            <a:lvl2pPr marL="914400" indent="0">
               <a:buNone/>
-              <a:defRPr sz="2000" b="1"/>
+              <a:defRPr sz="4000" b="1"/>
             </a:lvl2pPr>
-            <a:lvl3pPr marL="914400" indent="0">
+            <a:lvl3pPr marL="1828800" indent="0">
               <a:buNone/>
-              <a:defRPr sz="1800" b="1"/>
+              <a:defRPr sz="3600" b="1"/>
             </a:lvl3pPr>
-            <a:lvl4pPr marL="1371600" indent="0">
+            <a:lvl4pPr marL="2743200" indent="0">
               <a:buNone/>
-              <a:defRPr sz="1600" b="1"/>
+              <a:defRPr sz="3200" b="1"/>
             </a:lvl4pPr>
-            <a:lvl5pPr marL="1828800" indent="0">
+            <a:lvl5pPr marL="3657600" indent="0">
               <a:buNone/>
-              <a:defRPr sz="1600" b="1"/>
+              <a:defRPr sz="3200" b="1"/>
             </a:lvl5pPr>
-            <a:lvl6pPr marL="2286000" indent="0">
+            <a:lvl6pPr marL="4572000" indent="0">
               <a:buNone/>
-              <a:defRPr sz="1600" b="1"/>
+              <a:defRPr sz="3200" b="1"/>
             </a:lvl6pPr>
-            <a:lvl7pPr marL="2743200" indent="0">
+            <a:lvl7pPr marL="5486400" indent="0">
               <a:buNone/>
-              <a:defRPr sz="1600" b="1"/>
+              <a:defRPr sz="3200" b="1"/>
             </a:lvl7pPr>
-            <a:lvl8pPr marL="3200400" indent="0">
+            <a:lvl8pPr marL="6400800" indent="0">
               <a:buNone/>
-              <a:defRPr sz="1600" b="1"/>
+              <a:defRPr sz="3200" b="1"/>
             </a:lvl8pPr>
-            <a:lvl9pPr marL="3657600" indent="0">
+            <a:lvl9pPr marL="7315200" indent="0">
               <a:buNone/>
-              <a:defRPr sz="1600" b="1"/>
+              <a:defRPr sz="3200" b="1"/>
             </a:lvl9pPr>
           </a:lstStyle>
           <a:p>
             <a:pPr lvl="0"/>
             <a:r>
-              <a:rPr lang="ko-KR" altLang="en-US"/>
-              <a:t>마스터 텍스트 스타일을 편집하려면 클릭</a:t>
-            </a:r>
-          </a:p>
-        </p:txBody>
-      </p:sp>
-      <p:sp>
-        <p:nvSpPr>
-          <p:cNvPr id="6" name="내용 개체 틀 5">
-            <a:extLst>
-              <a:ext uri="{FF2B5EF4-FFF2-40B4-BE49-F238E27FC236}">
-                <a16:creationId xmlns:a16="http://schemas.microsoft.com/office/drawing/2014/main" id="{5EE02B43-C168-440E-87CF-02A83911E711}"/>
-              </a:ext>
-            </a:extLst>
-          </p:cNvPr>
+              <a:rPr lang="en-US" altLang="ko-KR"/>
+              <a:t>Click to edit Master text styles</a:t>
+            </a:r>
+          </a:p>
+        </p:txBody>
+      </p:sp>
+      <p:sp>
+        <p:nvSpPr>
+          <p:cNvPr id="6" name="Content Placeholder 5"/>
           <p:cNvSpPr>
             <a:spLocks noGrp="1"/>
           </p:cNvSpPr>
@@ -1750,8 +1550,8 @@
         </p:nvSpPr>
         <p:spPr>
           <a:xfrm>
-            <a:off x="6172200" y="2505075"/>
-            <a:ext cx="5183188" cy="3684588"/>
+            <a:off x="12344400" y="5010150"/>
+            <a:ext cx="10366376" cy="7369176"/>
           </a:xfrm>
         </p:spPr>
         <p:txBody>
@@ -1760,49 +1560,44 @@
           <a:p>
             <a:pPr lvl="0"/>
             <a:r>
-              <a:rPr lang="ko-KR" altLang="en-US"/>
-              <a:t>마스터 텍스트 스타일을 편집하려면 클릭</a:t>
+              <a:rPr lang="en-US" altLang="ko-KR"/>
+              <a:t>Click to edit Master text styles</a:t>
             </a:r>
           </a:p>
           <a:p>
             <a:pPr lvl="1"/>
             <a:r>
-              <a:rPr lang="ko-KR" altLang="en-US"/>
-              <a:t>두 번째 수준</a:t>
+              <a:rPr lang="en-US" altLang="ko-KR"/>
+              <a:t>Second level</a:t>
             </a:r>
           </a:p>
           <a:p>
             <a:pPr lvl="2"/>
             <a:r>
-              <a:rPr lang="ko-KR" altLang="en-US"/>
-              <a:t>세 번째 수준</a:t>
+              <a:rPr lang="en-US" altLang="ko-KR"/>
+              <a:t>Third level</a:t>
             </a:r>
           </a:p>
           <a:p>
             <a:pPr lvl="3"/>
             <a:r>
-              <a:rPr lang="ko-KR" altLang="en-US"/>
-              <a:t>네 번째 수준</a:t>
+              <a:rPr lang="en-US" altLang="ko-KR"/>
+              <a:t>Fourth level</a:t>
             </a:r>
           </a:p>
           <a:p>
             <a:pPr lvl="4"/>
             <a:r>
-              <a:rPr lang="ko-KR" altLang="en-US"/>
-              <a:t>다섯 번째 수준</a:t>
-            </a:r>
-          </a:p>
-        </p:txBody>
-      </p:sp>
-      <p:sp>
-        <p:nvSpPr>
-          <p:cNvPr id="7" name="날짜 개체 틀 6">
-            <a:extLst>
-              <a:ext uri="{FF2B5EF4-FFF2-40B4-BE49-F238E27FC236}">
-                <a16:creationId xmlns:a16="http://schemas.microsoft.com/office/drawing/2014/main" id="{7E8E6FAB-4839-4B9E-856A-ACF4C47B1E66}"/>
-              </a:ext>
-            </a:extLst>
-          </p:cNvPr>
+              <a:rPr lang="en-US" altLang="ko-KR"/>
+              <a:t>Fifth level</a:t>
+            </a:r>
+            <a:endParaRPr lang="en-US" dirty="0"/>
+          </a:p>
+        </p:txBody>
+      </p:sp>
+      <p:sp>
+        <p:nvSpPr>
+          <p:cNvPr id="7" name="Date Placeholder 6"/>
           <p:cNvSpPr>
             <a:spLocks noGrp="1"/>
           </p:cNvSpPr>
@@ -1817,7 +1612,7 @@
           <a:p>
             <a:fld id="{68DD77C6-9199-49BA-BC71-D4B35AFBC7B4}" type="datetimeFigureOut">
               <a:rPr lang="ko-KR" altLang="en-US" smtClean="0"/>
-              <a:t>2021-10-05</a:t>
+              <a:t>2021-10-08</a:t>
             </a:fld>
             <a:endParaRPr lang="ko-KR" altLang="en-US"/>
           </a:p>
@@ -1825,13 +1620,7 @@
       </p:sp>
       <p:sp>
         <p:nvSpPr>
-          <p:cNvPr id="8" name="바닥글 개체 틀 7">
-            <a:extLst>
-              <a:ext uri="{FF2B5EF4-FFF2-40B4-BE49-F238E27FC236}">
-                <a16:creationId xmlns:a16="http://schemas.microsoft.com/office/drawing/2014/main" id="{76BC6B17-7E02-46A4-A0F6-FD8C7B900D23}"/>
-              </a:ext>
-            </a:extLst>
-          </p:cNvPr>
+          <p:cNvPr id="8" name="Footer Placeholder 7"/>
           <p:cNvSpPr>
             <a:spLocks noGrp="1"/>
           </p:cNvSpPr>
@@ -1850,13 +1639,7 @@
       </p:sp>
       <p:sp>
         <p:nvSpPr>
-          <p:cNvPr id="9" name="슬라이드 번호 개체 틀 8">
-            <a:extLst>
-              <a:ext uri="{FF2B5EF4-FFF2-40B4-BE49-F238E27FC236}">
-                <a16:creationId xmlns:a16="http://schemas.microsoft.com/office/drawing/2014/main" id="{B927FEB8-D18D-47DD-AF02-3AF84E1C9D35}"/>
-              </a:ext>
-            </a:extLst>
-          </p:cNvPr>
+          <p:cNvPr id="9" name="Slide Number Placeholder 8"/>
           <p:cNvSpPr>
             <a:spLocks noGrp="1"/>
           </p:cNvSpPr>
@@ -1880,7 +1663,7 @@
     </p:spTree>
     <p:extLst>
       <p:ext uri="{BB962C8B-B14F-4D97-AF65-F5344CB8AC3E}">
-        <p14:creationId xmlns:p14="http://schemas.microsoft.com/office/powerpoint/2010/main" val="1857152667"/>
+        <p14:creationId xmlns:p14="http://schemas.microsoft.com/office/powerpoint/2010/main" val="2776653369"/>
       </p:ext>
     </p:extLst>
   </p:cSld>
@@ -1892,7 +1675,7 @@
 
 <file path=ppt/slideLayouts/slideLayout6.xml><?xml version="1.0" encoding="utf-8"?>
 <p:sldLayout xmlns:a="http://schemas.openxmlformats.org/drawingml/2006/main" xmlns:r="http://schemas.openxmlformats.org/officeDocument/2006/relationships" xmlns:p="http://schemas.openxmlformats.org/presentationml/2006/main" type="titleOnly" preserve="1">
-  <p:cSld name="제목만">
+  <p:cSld name="Title Only">
     <p:spTree>
       <p:nvGrpSpPr>
         <p:cNvPr id="1" name=""/>
@@ -1909,13 +1692,7 @@
       </p:grpSpPr>
       <p:sp>
         <p:nvSpPr>
-          <p:cNvPr id="2" name="제목 1">
-            <a:extLst>
-              <a:ext uri="{FF2B5EF4-FFF2-40B4-BE49-F238E27FC236}">
-                <a16:creationId xmlns:a16="http://schemas.microsoft.com/office/drawing/2014/main" id="{DC987EC8-13C3-4507-A421-0FBC07995ED7}"/>
-              </a:ext>
-            </a:extLst>
-          </p:cNvPr>
+          <p:cNvPr id="2" name="Title 1"/>
           <p:cNvSpPr>
             <a:spLocks noGrp="1"/>
           </p:cNvSpPr>
@@ -1929,21 +1706,16 @@
           <a:lstStyle/>
           <a:p>
             <a:r>
-              <a:rPr lang="ko-KR" altLang="en-US"/>
-              <a:t>마스터 제목 스타일 편집</a:t>
-            </a:r>
-          </a:p>
-        </p:txBody>
-      </p:sp>
-      <p:sp>
-        <p:nvSpPr>
-          <p:cNvPr id="3" name="날짜 개체 틀 2">
-            <a:extLst>
-              <a:ext uri="{FF2B5EF4-FFF2-40B4-BE49-F238E27FC236}">
-                <a16:creationId xmlns:a16="http://schemas.microsoft.com/office/drawing/2014/main" id="{2DBC1A05-FF82-4181-BA5A-A2A821C979A5}"/>
-              </a:ext>
-            </a:extLst>
-          </p:cNvPr>
+              <a:rPr lang="en-US" altLang="ko-KR"/>
+              <a:t>Click to edit Master title style</a:t>
+            </a:r>
+            <a:endParaRPr lang="en-US" dirty="0"/>
+          </a:p>
+        </p:txBody>
+      </p:sp>
+      <p:sp>
+        <p:nvSpPr>
+          <p:cNvPr id="3" name="Date Placeholder 2"/>
           <p:cNvSpPr>
             <a:spLocks noGrp="1"/>
           </p:cNvSpPr>
@@ -1958,7 +1730,7 @@
           <a:p>
             <a:fld id="{68DD77C6-9199-49BA-BC71-D4B35AFBC7B4}" type="datetimeFigureOut">
               <a:rPr lang="ko-KR" altLang="en-US" smtClean="0"/>
-              <a:t>2021-10-05</a:t>
+              <a:t>2021-10-08</a:t>
             </a:fld>
             <a:endParaRPr lang="ko-KR" altLang="en-US"/>
           </a:p>
@@ -1966,13 +1738,7 @@
       </p:sp>
       <p:sp>
         <p:nvSpPr>
-          <p:cNvPr id="4" name="바닥글 개체 틀 3">
-            <a:extLst>
-              <a:ext uri="{FF2B5EF4-FFF2-40B4-BE49-F238E27FC236}">
-                <a16:creationId xmlns:a16="http://schemas.microsoft.com/office/drawing/2014/main" id="{ED7875CB-71C8-40FE-9A31-8BBADFEE1584}"/>
-              </a:ext>
-            </a:extLst>
-          </p:cNvPr>
+          <p:cNvPr id="4" name="Footer Placeholder 3"/>
           <p:cNvSpPr>
             <a:spLocks noGrp="1"/>
           </p:cNvSpPr>
@@ -1991,13 +1757,7 @@
       </p:sp>
       <p:sp>
         <p:nvSpPr>
-          <p:cNvPr id="5" name="슬라이드 번호 개체 틀 4">
-            <a:extLst>
-              <a:ext uri="{FF2B5EF4-FFF2-40B4-BE49-F238E27FC236}">
-                <a16:creationId xmlns:a16="http://schemas.microsoft.com/office/drawing/2014/main" id="{4DD17DD5-1494-4811-B58B-ED0298A57AF3}"/>
-              </a:ext>
-            </a:extLst>
-          </p:cNvPr>
+          <p:cNvPr id="5" name="Slide Number Placeholder 4"/>
           <p:cNvSpPr>
             <a:spLocks noGrp="1"/>
           </p:cNvSpPr>
@@ -2021,7 +1781,7 @@
     </p:spTree>
     <p:extLst>
       <p:ext uri="{BB962C8B-B14F-4D97-AF65-F5344CB8AC3E}">
-        <p14:creationId xmlns:p14="http://schemas.microsoft.com/office/powerpoint/2010/main" val="2184709319"/>
+        <p14:creationId xmlns:p14="http://schemas.microsoft.com/office/powerpoint/2010/main" val="2077292479"/>
       </p:ext>
     </p:extLst>
   </p:cSld>
@@ -2033,7 +1793,7 @@
 
 <file path=ppt/slideLayouts/slideLayout7.xml><?xml version="1.0" encoding="utf-8"?>
 <p:sldLayout xmlns:a="http://schemas.openxmlformats.org/drawingml/2006/main" xmlns:r="http://schemas.openxmlformats.org/officeDocument/2006/relationships" xmlns:p="http://schemas.openxmlformats.org/presentationml/2006/main" type="blank" preserve="1">
-  <p:cSld name="빈 화면">
+  <p:cSld name="Blank">
     <p:spTree>
       <p:nvGrpSpPr>
         <p:cNvPr id="1" name=""/>
@@ -2050,13 +1810,7 @@
       </p:grpSpPr>
       <p:sp>
         <p:nvSpPr>
-          <p:cNvPr id="2" name="날짜 개체 틀 1">
-            <a:extLst>
-              <a:ext uri="{FF2B5EF4-FFF2-40B4-BE49-F238E27FC236}">
-                <a16:creationId xmlns:a16="http://schemas.microsoft.com/office/drawing/2014/main" id="{BB02823B-F1CA-44A4-B0FE-8FA50BFD2112}"/>
-              </a:ext>
-            </a:extLst>
-          </p:cNvPr>
+          <p:cNvPr id="2" name="Date Placeholder 1"/>
           <p:cNvSpPr>
             <a:spLocks noGrp="1"/>
           </p:cNvSpPr>
@@ -2071,7 +1825,7 @@
           <a:p>
             <a:fld id="{68DD77C6-9199-49BA-BC71-D4B35AFBC7B4}" type="datetimeFigureOut">
               <a:rPr lang="ko-KR" altLang="en-US" smtClean="0"/>
-              <a:t>2021-10-05</a:t>
+              <a:t>2021-10-08</a:t>
             </a:fld>
             <a:endParaRPr lang="ko-KR" altLang="en-US"/>
           </a:p>
@@ -2079,13 +1833,7 @@
       </p:sp>
       <p:sp>
         <p:nvSpPr>
-          <p:cNvPr id="3" name="바닥글 개체 틀 2">
-            <a:extLst>
-              <a:ext uri="{FF2B5EF4-FFF2-40B4-BE49-F238E27FC236}">
-                <a16:creationId xmlns:a16="http://schemas.microsoft.com/office/drawing/2014/main" id="{10EFBD89-29F3-486B-ABE5-6681151C6BCF}"/>
-              </a:ext>
-            </a:extLst>
-          </p:cNvPr>
+          <p:cNvPr id="3" name="Footer Placeholder 2"/>
           <p:cNvSpPr>
             <a:spLocks noGrp="1"/>
           </p:cNvSpPr>
@@ -2104,13 +1852,7 @@
       </p:sp>
       <p:sp>
         <p:nvSpPr>
-          <p:cNvPr id="4" name="슬라이드 번호 개체 틀 3">
-            <a:extLst>
-              <a:ext uri="{FF2B5EF4-FFF2-40B4-BE49-F238E27FC236}">
-                <a16:creationId xmlns:a16="http://schemas.microsoft.com/office/drawing/2014/main" id="{82825502-0B18-4124-8B75-87017FD2D499}"/>
-              </a:ext>
-            </a:extLst>
-          </p:cNvPr>
+          <p:cNvPr id="4" name="Slide Number Placeholder 3"/>
           <p:cNvSpPr>
             <a:spLocks noGrp="1"/>
           </p:cNvSpPr>
@@ -2134,7 +1876,7 @@
     </p:spTree>
     <p:extLst>
       <p:ext uri="{BB962C8B-B14F-4D97-AF65-F5344CB8AC3E}">
-        <p14:creationId xmlns:p14="http://schemas.microsoft.com/office/powerpoint/2010/main" val="572147889"/>
+        <p14:creationId xmlns:p14="http://schemas.microsoft.com/office/powerpoint/2010/main" val="1873131569"/>
       </p:ext>
     </p:extLst>
   </p:cSld>
@@ -2146,7 +1888,7 @@
 
 <file path=ppt/slideLayouts/slideLayout8.xml><?xml version="1.0" encoding="utf-8"?>
 <p:sldLayout xmlns:a="http://schemas.openxmlformats.org/drawingml/2006/main" xmlns:r="http://schemas.openxmlformats.org/officeDocument/2006/relationships" xmlns:p="http://schemas.openxmlformats.org/presentationml/2006/main" type="objTx" preserve="1">
-  <p:cSld name="캡션 있는 콘텐츠">
+  <p:cSld name="Content with Caption">
     <p:spTree>
       <p:nvGrpSpPr>
         <p:cNvPr id="1" name=""/>
@@ -2163,13 +1905,7 @@
       </p:grpSpPr>
       <p:sp>
         <p:nvSpPr>
-          <p:cNvPr id="2" name="제목 1">
-            <a:extLst>
-              <a:ext uri="{FF2B5EF4-FFF2-40B4-BE49-F238E27FC236}">
-                <a16:creationId xmlns:a16="http://schemas.microsoft.com/office/drawing/2014/main" id="{B5D3C5BC-FBF9-4808-955E-84477AC8210E}"/>
-              </a:ext>
-            </a:extLst>
-          </p:cNvPr>
+          <p:cNvPr id="2" name="Title 1"/>
           <p:cNvSpPr>
             <a:spLocks noGrp="1"/>
           </p:cNvSpPr>
@@ -2179,34 +1915,29 @@
         </p:nvSpPr>
         <p:spPr>
           <a:xfrm>
-            <a:off x="839788" y="457200"/>
-            <a:ext cx="3932237" cy="1600200"/>
+            <a:off x="1679577" y="914400"/>
+            <a:ext cx="7864474" cy="3200400"/>
           </a:xfrm>
         </p:spPr>
         <p:txBody>
           <a:bodyPr anchor="b"/>
           <a:lstStyle>
             <a:lvl1pPr>
-              <a:defRPr sz="3200"/>
+              <a:defRPr sz="6400"/>
             </a:lvl1pPr>
           </a:lstStyle>
           <a:p>
             <a:r>
-              <a:rPr lang="ko-KR" altLang="en-US"/>
-              <a:t>마스터 제목 스타일 편집</a:t>
-            </a:r>
-          </a:p>
-        </p:txBody>
-      </p:sp>
-      <p:sp>
-        <p:nvSpPr>
-          <p:cNvPr id="3" name="내용 개체 틀 2">
-            <a:extLst>
-              <a:ext uri="{FF2B5EF4-FFF2-40B4-BE49-F238E27FC236}">
-                <a16:creationId xmlns:a16="http://schemas.microsoft.com/office/drawing/2014/main" id="{1801DD26-29E2-4232-BF0D-CA2CB1C5896E}"/>
-              </a:ext>
-            </a:extLst>
-          </p:cNvPr>
+              <a:rPr lang="en-US" altLang="ko-KR"/>
+              <a:t>Click to edit Master title style</a:t>
+            </a:r>
+            <a:endParaRPr lang="en-US" dirty="0"/>
+          </a:p>
+        </p:txBody>
+      </p:sp>
+      <p:sp>
+        <p:nvSpPr>
+          <p:cNvPr id="3" name="Content Placeholder 2"/>
           <p:cNvSpPr>
             <a:spLocks noGrp="1"/>
           </p:cNvSpPr>
@@ -2216,87 +1947,82 @@
         </p:nvSpPr>
         <p:spPr>
           <a:xfrm>
-            <a:off x="5183188" y="987425"/>
-            <a:ext cx="6172200" cy="4873625"/>
+            <a:off x="10366376" y="1974851"/>
+            <a:ext cx="12344400" cy="9747250"/>
           </a:xfrm>
         </p:spPr>
         <p:txBody>
           <a:bodyPr/>
           <a:lstStyle>
             <a:lvl1pPr>
-              <a:defRPr sz="3200"/>
+              <a:defRPr sz="6400"/>
             </a:lvl1pPr>
             <a:lvl2pPr>
-              <a:defRPr sz="2800"/>
+              <a:defRPr sz="5600"/>
             </a:lvl2pPr>
             <a:lvl3pPr>
-              <a:defRPr sz="2400"/>
+              <a:defRPr sz="4800"/>
             </a:lvl3pPr>
             <a:lvl4pPr>
-              <a:defRPr sz="2000"/>
+              <a:defRPr sz="4000"/>
             </a:lvl4pPr>
             <a:lvl5pPr>
-              <a:defRPr sz="2000"/>
+              <a:defRPr sz="4000"/>
             </a:lvl5pPr>
             <a:lvl6pPr>
-              <a:defRPr sz="2000"/>
+              <a:defRPr sz="4000"/>
             </a:lvl6pPr>
             <a:lvl7pPr>
-              <a:defRPr sz="2000"/>
+              <a:defRPr sz="4000"/>
             </a:lvl7pPr>
             <a:lvl8pPr>
-              <a:defRPr sz="2000"/>
+              <a:defRPr sz="4000"/>
             </a:lvl8pPr>
             <a:lvl9pPr>
-              <a:defRPr sz="2000"/>
+              <a:defRPr sz="4000"/>
             </a:lvl9pPr>
           </a:lstStyle>
           <a:p>
             <a:pPr lvl="0"/>
             <a:r>
-              <a:rPr lang="ko-KR" altLang="en-US"/>
-              <a:t>마스터 텍스트 스타일을 편집하려면 클릭</a:t>
+              <a:rPr lang="en-US" altLang="ko-KR"/>
+              <a:t>Click to edit Master text styles</a:t>
             </a:r>
           </a:p>
           <a:p>
             <a:pPr lvl="1"/>
             <a:r>
-              <a:rPr lang="ko-KR" altLang="en-US"/>
-              <a:t>두 번째 수준</a:t>
+              <a:rPr lang="en-US" altLang="ko-KR"/>
+              <a:t>Second level</a:t>
             </a:r>
           </a:p>
           <a:p>
             <a:pPr lvl="2"/>
             <a:r>
-              <a:rPr lang="ko-KR" altLang="en-US"/>
-              <a:t>세 번째 수준</a:t>
+              <a:rPr lang="en-US" altLang="ko-KR"/>
+              <a:t>Third level</a:t>
             </a:r>
           </a:p>
           <a:p>
             <a:pPr lvl="3"/>
             <a:r>
-              <a:rPr lang="ko-KR" altLang="en-US"/>
-              <a:t>네 번째 수준</a:t>
+              <a:rPr lang="en-US" altLang="ko-KR"/>
+              <a:t>Fourth level</a:t>
             </a:r>
           </a:p>
           <a:p>
             <a:pPr lvl="4"/>
             <a:r>
-              <a:rPr lang="ko-KR" altLang="en-US"/>
-              <a:t>다섯 번째 수준</a:t>
-            </a:r>
-          </a:p>
-        </p:txBody>
-      </p:sp>
-      <p:sp>
-        <p:nvSpPr>
-          <p:cNvPr id="4" name="텍스트 개체 틀 3">
-            <a:extLst>
-              <a:ext uri="{FF2B5EF4-FFF2-40B4-BE49-F238E27FC236}">
-                <a16:creationId xmlns:a16="http://schemas.microsoft.com/office/drawing/2014/main" id="{B199867B-895B-4731-A549-1165D4AA1BBB}"/>
-              </a:ext>
-            </a:extLst>
-          </p:cNvPr>
+              <a:rPr lang="en-US" altLang="ko-KR"/>
+              <a:t>Fifth level</a:t>
+            </a:r>
+            <a:endParaRPr lang="en-US" dirty="0"/>
+          </a:p>
+        </p:txBody>
+      </p:sp>
+      <p:sp>
+        <p:nvSpPr>
+          <p:cNvPr id="4" name="Text Placeholder 3"/>
           <p:cNvSpPr>
             <a:spLocks noGrp="1"/>
           </p:cNvSpPr>
@@ -2306,8 +2032,8 @@
         </p:nvSpPr>
         <p:spPr>
           <a:xfrm>
-            <a:off x="839788" y="2057400"/>
-            <a:ext cx="3932237" cy="3811588"/>
+            <a:off x="1679577" y="4114800"/>
+            <a:ext cx="7864474" cy="7623176"/>
           </a:xfrm>
         </p:spPr>
         <p:txBody>
@@ -2315,59 +2041,53 @@
           <a:lstStyle>
             <a:lvl1pPr marL="0" indent="0">
               <a:buNone/>
-              <a:defRPr sz="1600"/>
+              <a:defRPr sz="3200"/>
             </a:lvl1pPr>
-            <a:lvl2pPr marL="457200" indent="0">
+            <a:lvl2pPr marL="914400" indent="0">
               <a:buNone/>
-              <a:defRPr sz="1400"/>
+              <a:defRPr sz="2800"/>
             </a:lvl2pPr>
-            <a:lvl3pPr marL="914400" indent="0">
+            <a:lvl3pPr marL="1828800" indent="0">
               <a:buNone/>
-              <a:defRPr sz="1200"/>
+              <a:defRPr sz="2400"/>
             </a:lvl3pPr>
-            <a:lvl4pPr marL="1371600" indent="0">
+            <a:lvl4pPr marL="2743200" indent="0">
               <a:buNone/>
-              <a:defRPr sz="1000"/>
+              <a:defRPr sz="2000"/>
             </a:lvl4pPr>
-            <a:lvl5pPr marL="1828800" indent="0">
+            <a:lvl5pPr marL="3657600" indent="0">
               <a:buNone/>
-              <a:defRPr sz="1000"/>
+              <a:defRPr sz="2000"/>
             </a:lvl5pPr>
-            <a:lvl6pPr marL="2286000" indent="0">
+            <a:lvl6pPr marL="4572000" indent="0">
               <a:buNone/>
-              <a:defRPr sz="1000"/>
+              <a:defRPr sz="2000"/>
             </a:lvl6pPr>
-            <a:lvl7pPr marL="2743200" indent="0">
+            <a:lvl7pPr marL="5486400" indent="0">
               <a:buNone/>
-              <a:defRPr sz="1000"/>
+              <a:defRPr sz="2000"/>
             </a:lvl7pPr>
-            <a:lvl8pPr marL="3200400" indent="0">
+            <a:lvl8pPr marL="6400800" indent="0">
               <a:buNone/>
-              <a:defRPr sz="1000"/>
+              <a:defRPr sz="2000"/>
             </a:lvl8pPr>
-            <a:lvl9pPr marL="3657600" indent="0">
+            <a:lvl9pPr marL="7315200" indent="0">
               <a:buNone/>
-              <a:defRPr sz="1000"/>
+              <a:defRPr sz="2000"/>
             </a:lvl9pPr>
           </a:lstStyle>
           <a:p>
             <a:pPr lvl="0"/>
             <a:r>
-              <a:rPr lang="ko-KR" altLang="en-US"/>
-              <a:t>마스터 텍스트 스타일을 편집하려면 클릭</a:t>
-            </a:r>
-          </a:p>
-        </p:txBody>
-      </p:sp>
-      <p:sp>
-        <p:nvSpPr>
-          <p:cNvPr id="5" name="날짜 개체 틀 4">
-            <a:extLst>
-              <a:ext uri="{FF2B5EF4-FFF2-40B4-BE49-F238E27FC236}">
-                <a16:creationId xmlns:a16="http://schemas.microsoft.com/office/drawing/2014/main" id="{282D8F46-3813-410D-BAEA-E5A7A3FFE8FA}"/>
-              </a:ext>
-            </a:extLst>
-          </p:cNvPr>
+              <a:rPr lang="en-US" altLang="ko-KR"/>
+              <a:t>Click to edit Master text styles</a:t>
+            </a:r>
+          </a:p>
+        </p:txBody>
+      </p:sp>
+      <p:sp>
+        <p:nvSpPr>
+          <p:cNvPr id="5" name="Date Placeholder 4"/>
           <p:cNvSpPr>
             <a:spLocks noGrp="1"/>
           </p:cNvSpPr>
@@ -2382,7 +2102,7 @@
           <a:p>
             <a:fld id="{68DD77C6-9199-49BA-BC71-D4B35AFBC7B4}" type="datetimeFigureOut">
               <a:rPr lang="ko-KR" altLang="en-US" smtClean="0"/>
-              <a:t>2021-10-05</a:t>
+              <a:t>2021-10-08</a:t>
             </a:fld>
             <a:endParaRPr lang="ko-KR" altLang="en-US"/>
           </a:p>
@@ -2390,13 +2110,7 @@
       </p:sp>
       <p:sp>
         <p:nvSpPr>
-          <p:cNvPr id="6" name="바닥글 개체 틀 5">
-            <a:extLst>
-              <a:ext uri="{FF2B5EF4-FFF2-40B4-BE49-F238E27FC236}">
-                <a16:creationId xmlns:a16="http://schemas.microsoft.com/office/drawing/2014/main" id="{2B06F1AD-7B68-472C-B7CF-17686F665EE0}"/>
-              </a:ext>
-            </a:extLst>
-          </p:cNvPr>
+          <p:cNvPr id="6" name="Footer Placeholder 5"/>
           <p:cNvSpPr>
             <a:spLocks noGrp="1"/>
           </p:cNvSpPr>
@@ -2415,13 +2129,7 @@
       </p:sp>
       <p:sp>
         <p:nvSpPr>
-          <p:cNvPr id="7" name="슬라이드 번호 개체 틀 6">
-            <a:extLst>
-              <a:ext uri="{FF2B5EF4-FFF2-40B4-BE49-F238E27FC236}">
-                <a16:creationId xmlns:a16="http://schemas.microsoft.com/office/drawing/2014/main" id="{E1652F67-EC6A-4C00-AA7F-AECE09016489}"/>
-              </a:ext>
-            </a:extLst>
-          </p:cNvPr>
+          <p:cNvPr id="7" name="Slide Number Placeholder 6"/>
           <p:cNvSpPr>
             <a:spLocks noGrp="1"/>
           </p:cNvSpPr>
@@ -2445,7 +2153,7 @@
     </p:spTree>
     <p:extLst>
       <p:ext uri="{BB962C8B-B14F-4D97-AF65-F5344CB8AC3E}">
-        <p14:creationId xmlns:p14="http://schemas.microsoft.com/office/powerpoint/2010/main" val="97847592"/>
+        <p14:creationId xmlns:p14="http://schemas.microsoft.com/office/powerpoint/2010/main" val="2651480729"/>
       </p:ext>
     </p:extLst>
   </p:cSld>
@@ -2457,7 +2165,7 @@
 
 <file path=ppt/slideLayouts/slideLayout9.xml><?xml version="1.0" encoding="utf-8"?>
 <p:sldLayout xmlns:a="http://schemas.openxmlformats.org/drawingml/2006/main" xmlns:r="http://schemas.openxmlformats.org/officeDocument/2006/relationships" xmlns:p="http://schemas.openxmlformats.org/presentationml/2006/main" type="picTx" preserve="1">
-  <p:cSld name="캡션 있는 그림">
+  <p:cSld name="Picture with Caption">
     <p:spTree>
       <p:nvGrpSpPr>
         <p:cNvPr id="1" name=""/>
@@ -2474,13 +2182,7 @@
       </p:grpSpPr>
       <p:sp>
         <p:nvSpPr>
-          <p:cNvPr id="2" name="제목 1">
-            <a:extLst>
-              <a:ext uri="{FF2B5EF4-FFF2-40B4-BE49-F238E27FC236}">
-                <a16:creationId xmlns:a16="http://schemas.microsoft.com/office/drawing/2014/main" id="{F5CABCF8-DF28-4F7F-9369-6FD8BFA2C915}"/>
-              </a:ext>
-            </a:extLst>
-          </p:cNvPr>
+          <p:cNvPr id="2" name="Title 1"/>
           <p:cNvSpPr>
             <a:spLocks noGrp="1"/>
           </p:cNvSpPr>
@@ -2490,45 +2192,105 @@
         </p:nvSpPr>
         <p:spPr>
           <a:xfrm>
-            <a:off x="839788" y="457200"/>
-            <a:ext cx="3932237" cy="1600200"/>
+            <a:off x="1679577" y="914400"/>
+            <a:ext cx="7864474" cy="3200400"/>
           </a:xfrm>
         </p:spPr>
         <p:txBody>
           <a:bodyPr anchor="b"/>
           <a:lstStyle>
             <a:lvl1pPr>
-              <a:defRPr sz="3200"/>
+              <a:defRPr sz="6400"/>
             </a:lvl1pPr>
           </a:lstStyle>
           <a:p>
             <a:r>
-              <a:rPr lang="ko-KR" altLang="en-US"/>
-              <a:t>마스터 제목 스타일 편집</a:t>
-            </a:r>
-          </a:p>
-        </p:txBody>
-      </p:sp>
-      <p:sp>
-        <p:nvSpPr>
-          <p:cNvPr id="3" name="그림 개체 틀 2">
-            <a:extLst>
-              <a:ext uri="{FF2B5EF4-FFF2-40B4-BE49-F238E27FC236}">
-                <a16:creationId xmlns:a16="http://schemas.microsoft.com/office/drawing/2014/main" id="{E3567570-5B0A-46E7-B359-07896C5DEDE1}"/>
-              </a:ext>
-            </a:extLst>
-          </p:cNvPr>
+              <a:rPr lang="en-US" altLang="ko-KR"/>
+              <a:t>Click to edit Master title style</a:t>
+            </a:r>
+            <a:endParaRPr lang="en-US" dirty="0"/>
+          </a:p>
+        </p:txBody>
+      </p:sp>
+      <p:sp>
+        <p:nvSpPr>
+          <p:cNvPr id="3" name="Picture Placeholder 2"/>
+          <p:cNvSpPr>
+            <a:spLocks noGrp="1" noChangeAspect="1"/>
+          </p:cNvSpPr>
+          <p:nvPr>
+            <p:ph type="pic" idx="1"/>
+          </p:nvPr>
+        </p:nvSpPr>
+        <p:spPr>
+          <a:xfrm>
+            <a:off x="10366376" y="1974851"/>
+            <a:ext cx="12344400" cy="9747250"/>
+          </a:xfrm>
+        </p:spPr>
+        <p:txBody>
+          <a:bodyPr anchor="t"/>
+          <a:lstStyle>
+            <a:lvl1pPr marL="0" indent="0">
+              <a:buNone/>
+              <a:defRPr sz="6400"/>
+            </a:lvl1pPr>
+            <a:lvl2pPr marL="914400" indent="0">
+              <a:buNone/>
+              <a:defRPr sz="5600"/>
+            </a:lvl2pPr>
+            <a:lvl3pPr marL="1828800" indent="0">
+              <a:buNone/>
+              <a:defRPr sz="4800"/>
+            </a:lvl3pPr>
+            <a:lvl4pPr marL="2743200" indent="0">
+              <a:buNone/>
+              <a:defRPr sz="4000"/>
+            </a:lvl4pPr>
+            <a:lvl5pPr marL="3657600" indent="0">
+              <a:buNone/>
+              <a:defRPr sz="4000"/>
+            </a:lvl5pPr>
+            <a:lvl6pPr marL="4572000" indent="0">
+              <a:buNone/>
+              <a:defRPr sz="4000"/>
+            </a:lvl6pPr>
+            <a:lvl7pPr marL="5486400" indent="0">
+              <a:buNone/>
+              <a:defRPr sz="4000"/>
+            </a:lvl7pPr>
+            <a:lvl8pPr marL="6400800" indent="0">
+              <a:buNone/>
+              <a:defRPr sz="4000"/>
+            </a:lvl8pPr>
+            <a:lvl9pPr marL="7315200" indent="0">
+              <a:buNone/>
+              <a:defRPr sz="4000"/>
+            </a:lvl9pPr>
+          </a:lstStyle>
+          <a:p>
+            <a:r>
+              <a:rPr lang="en-US" altLang="ko-KR"/>
+              <a:t>Click icon to add picture</a:t>
+            </a:r>
+            <a:endParaRPr lang="en-US" dirty="0"/>
+          </a:p>
+        </p:txBody>
+      </p:sp>
+      <p:sp>
+        <p:nvSpPr>
+          <p:cNvPr id="4" name="Text Placeholder 3"/>
           <p:cNvSpPr>
             <a:spLocks noGrp="1"/>
           </p:cNvSpPr>
           <p:nvPr>
-            <p:ph type="pic" idx="1"/>
+            <p:ph type="body" sz="half" idx="2"/>
           </p:nvPr>
         </p:nvSpPr>
         <p:spPr>
           <a:xfrm>
-            <a:off x="5183188" y="987425"/>
-            <a:ext cx="6172200" cy="4873625"/>
+            <a:off x="1679577" y="4114800"/>
+            <a:ext cx="7864474" cy="7623176"/>
           </a:xfrm>
         </p:spPr>
         <p:txBody>
@@ -2538,124 +2300,51 @@
               <a:buNone/>
               <a:defRPr sz="3200"/>
             </a:lvl1pPr>
-            <a:lvl2pPr marL="457200" indent="0">
+            <a:lvl2pPr marL="914400" indent="0">
               <a:buNone/>
               <a:defRPr sz="2800"/>
             </a:lvl2pPr>
-            <a:lvl3pPr marL="914400" indent="0">
+            <a:lvl3pPr marL="1828800" indent="0">
               <a:buNone/>
               <a:defRPr sz="2400"/>
             </a:lvl3pPr>
-            <a:lvl4pPr marL="1371600" indent="0">
+            <a:lvl4pPr marL="2743200" indent="0">
               <a:buNone/>
               <a:defRPr sz="2000"/>
             </a:lvl4pPr>
-            <a:lvl5pPr marL="1828800" indent="0">
+            <a:lvl5pPr marL="3657600" indent="0">
               <a:buNone/>
               <a:defRPr sz="2000"/>
             </a:lvl5pPr>
-            <a:lvl6pPr marL="2286000" indent="0">
+            <a:lvl6pPr marL="4572000" indent="0">
               <a:buNone/>
               <a:defRPr sz="2000"/>
             </a:lvl6pPr>
-            <a:lvl7pPr marL="2743200" indent="0">
+            <a:lvl7pPr marL="5486400" indent="0">
               <a:buNone/>
               <a:defRPr sz="2000"/>
             </a:lvl7pPr>
-            <a:lvl8pPr marL="3200400" indent="0">
+            <a:lvl8pPr marL="6400800" indent="0">
               <a:buNone/>
               <a:defRPr sz="2000"/>
             </a:lvl8pPr>
-            <a:lvl9pPr marL="3657600" indent="0">
+            <a:lvl9pPr marL="7315200" indent="0">
               <a:buNone/>
               <a:defRPr sz="2000"/>
             </a:lvl9pPr>
           </a:lstStyle>
           <a:p>
-            <a:endParaRPr lang="ko-KR" altLang="en-US"/>
-          </a:p>
-        </p:txBody>
-      </p:sp>
-      <p:sp>
-        <p:nvSpPr>
-          <p:cNvPr id="4" name="텍스트 개체 틀 3">
-            <a:extLst>
-              <a:ext uri="{FF2B5EF4-FFF2-40B4-BE49-F238E27FC236}">
-                <a16:creationId xmlns:a16="http://schemas.microsoft.com/office/drawing/2014/main" id="{8B893FE9-5301-4019-B084-5B0A5C3F9CD9}"/>
-              </a:ext>
-            </a:extLst>
-          </p:cNvPr>
-          <p:cNvSpPr>
-            <a:spLocks noGrp="1"/>
-          </p:cNvSpPr>
-          <p:nvPr>
-            <p:ph type="body" sz="half" idx="2"/>
-          </p:nvPr>
-        </p:nvSpPr>
-        <p:spPr>
-          <a:xfrm>
-            <a:off x="839788" y="2057400"/>
-            <a:ext cx="3932237" cy="3811588"/>
-          </a:xfrm>
-        </p:spPr>
-        <p:txBody>
-          <a:bodyPr/>
-          <a:lstStyle>
-            <a:lvl1pPr marL="0" indent="0">
-              <a:buNone/>
-              <a:defRPr sz="1600"/>
-            </a:lvl1pPr>
-            <a:lvl2pPr marL="457200" indent="0">
-              <a:buNone/>
-              <a:defRPr sz="1400"/>
-            </a:lvl2pPr>
-            <a:lvl3pPr marL="914400" indent="0">
-              <a:buNone/>
-              <a:defRPr sz="1200"/>
-            </a:lvl3pPr>
-            <a:lvl4pPr marL="1371600" indent="0">
-              <a:buNone/>
-              <a:defRPr sz="1000"/>
-            </a:lvl4pPr>
-            <a:lvl5pPr marL="1828800" indent="0">
-              <a:buNone/>
-              <a:defRPr sz="1000"/>
-            </a:lvl5pPr>
-            <a:lvl6pPr marL="2286000" indent="0">
-              <a:buNone/>
-              <a:defRPr sz="1000"/>
-            </a:lvl6pPr>
-            <a:lvl7pPr marL="2743200" indent="0">
-              <a:buNone/>
-              <a:defRPr sz="1000"/>
-            </a:lvl7pPr>
-            <a:lvl8pPr marL="3200400" indent="0">
-              <a:buNone/>
-              <a:defRPr sz="1000"/>
-            </a:lvl8pPr>
-            <a:lvl9pPr marL="3657600" indent="0">
-              <a:buNone/>
-              <a:defRPr sz="1000"/>
-            </a:lvl9pPr>
-          </a:lstStyle>
-          <a:p>
             <a:pPr lvl="0"/>
             <a:r>
-              <a:rPr lang="ko-KR" altLang="en-US"/>
-              <a:t>마스터 텍스트 스타일을 편집하려면 클릭</a:t>
-            </a:r>
-          </a:p>
-        </p:txBody>
-      </p:sp>
-      <p:sp>
-        <p:nvSpPr>
-          <p:cNvPr id="5" name="날짜 개체 틀 4">
-            <a:extLst>
-              <a:ext uri="{FF2B5EF4-FFF2-40B4-BE49-F238E27FC236}">
-                <a16:creationId xmlns:a16="http://schemas.microsoft.com/office/drawing/2014/main" id="{1BCAA92B-4351-4C91-805C-826F6CB2AFFC}"/>
-              </a:ext>
-            </a:extLst>
-          </p:cNvPr>
+              <a:rPr lang="en-US" altLang="ko-KR"/>
+              <a:t>Click to edit Master text styles</a:t>
+            </a:r>
+          </a:p>
+        </p:txBody>
+      </p:sp>
+      <p:sp>
+        <p:nvSpPr>
+          <p:cNvPr id="5" name="Date Placeholder 4"/>
           <p:cNvSpPr>
             <a:spLocks noGrp="1"/>
           </p:cNvSpPr>
@@ -2670,7 +2359,7 @@
           <a:p>
             <a:fld id="{68DD77C6-9199-49BA-BC71-D4B35AFBC7B4}" type="datetimeFigureOut">
               <a:rPr lang="ko-KR" altLang="en-US" smtClean="0"/>
-              <a:t>2021-10-05</a:t>
+              <a:t>2021-10-08</a:t>
             </a:fld>
             <a:endParaRPr lang="ko-KR" altLang="en-US"/>
           </a:p>
@@ -2678,13 +2367,7 @@
       </p:sp>
       <p:sp>
         <p:nvSpPr>
-          <p:cNvPr id="6" name="바닥글 개체 틀 5">
-            <a:extLst>
-              <a:ext uri="{FF2B5EF4-FFF2-40B4-BE49-F238E27FC236}">
-                <a16:creationId xmlns:a16="http://schemas.microsoft.com/office/drawing/2014/main" id="{89C6C126-BDDE-4199-9E4F-0C03D0C15213}"/>
-              </a:ext>
-            </a:extLst>
-          </p:cNvPr>
+          <p:cNvPr id="6" name="Footer Placeholder 5"/>
           <p:cNvSpPr>
             <a:spLocks noGrp="1"/>
           </p:cNvSpPr>
@@ -2703,13 +2386,7 @@
       </p:sp>
       <p:sp>
         <p:nvSpPr>
-          <p:cNvPr id="7" name="슬라이드 번호 개체 틀 6">
-            <a:extLst>
-              <a:ext uri="{FF2B5EF4-FFF2-40B4-BE49-F238E27FC236}">
-                <a16:creationId xmlns:a16="http://schemas.microsoft.com/office/drawing/2014/main" id="{E2682112-D41F-4585-9AE0-5FF4D3581234}"/>
-              </a:ext>
-            </a:extLst>
-          </p:cNvPr>
+          <p:cNvPr id="7" name="Slide Number Placeholder 6"/>
           <p:cNvSpPr>
             <a:spLocks noGrp="1"/>
           </p:cNvSpPr>
@@ -2733,7 +2410,7 @@
     </p:spTree>
     <p:extLst>
       <p:ext uri="{BB962C8B-B14F-4D97-AF65-F5344CB8AC3E}">
-        <p14:creationId xmlns:p14="http://schemas.microsoft.com/office/powerpoint/2010/main" val="1657366432"/>
+        <p14:creationId xmlns:p14="http://schemas.microsoft.com/office/powerpoint/2010/main" val="3431625195"/>
       </p:ext>
     </p:extLst>
   </p:cSld>
@@ -2767,13 +2444,7 @@
       </p:grpSpPr>
       <p:sp>
         <p:nvSpPr>
-          <p:cNvPr id="2" name="제목 개체 틀 1">
-            <a:extLst>
-              <a:ext uri="{FF2B5EF4-FFF2-40B4-BE49-F238E27FC236}">
-                <a16:creationId xmlns:a16="http://schemas.microsoft.com/office/drawing/2014/main" id="{08A38F55-5440-4F0F-AC43-C1B165209149}"/>
-              </a:ext>
-            </a:extLst>
-          </p:cNvPr>
+          <p:cNvPr id="2" name="Title Placeholder 1"/>
           <p:cNvSpPr>
             <a:spLocks noGrp="1"/>
           </p:cNvSpPr>
@@ -2783,8 +2454,8 @@
         </p:nvSpPr>
         <p:spPr>
           <a:xfrm>
-            <a:off x="838200" y="365125"/>
-            <a:ext cx="10515600" cy="1325563"/>
+            <a:off x="1676400" y="730251"/>
+            <a:ext cx="21031200" cy="2651126"/>
           </a:xfrm>
           <a:prstGeom prst="rect">
             <a:avLst/>
@@ -2797,21 +2468,16 @@
           <a:lstStyle/>
           <a:p>
             <a:r>
-              <a:rPr lang="ko-KR" altLang="en-US"/>
-              <a:t>마스터 제목 스타일 편집</a:t>
-            </a:r>
-          </a:p>
-        </p:txBody>
-      </p:sp>
-      <p:sp>
-        <p:nvSpPr>
-          <p:cNvPr id="3" name="텍스트 개체 틀 2">
-            <a:extLst>
-              <a:ext uri="{FF2B5EF4-FFF2-40B4-BE49-F238E27FC236}">
-                <a16:creationId xmlns:a16="http://schemas.microsoft.com/office/drawing/2014/main" id="{EBB55831-7A1D-4D81-8197-4BE5BBF76794}"/>
-              </a:ext>
-            </a:extLst>
-          </p:cNvPr>
+              <a:rPr lang="en-US" altLang="ko-KR"/>
+              <a:t>Click to edit Master title style</a:t>
+            </a:r>
+            <a:endParaRPr lang="en-US" dirty="0"/>
+          </a:p>
+        </p:txBody>
+      </p:sp>
+      <p:sp>
+        <p:nvSpPr>
+          <p:cNvPr id="3" name="Text Placeholder 2"/>
           <p:cNvSpPr>
             <a:spLocks noGrp="1"/>
           </p:cNvSpPr>
@@ -2821,8 +2487,8 @@
         </p:nvSpPr>
         <p:spPr>
           <a:xfrm>
-            <a:off x="838200" y="1825625"/>
-            <a:ext cx="10515600" cy="4351338"/>
+            <a:off x="1676400" y="3651250"/>
+            <a:ext cx="21031200" cy="8702676"/>
           </a:xfrm>
           <a:prstGeom prst="rect">
             <a:avLst/>
@@ -2836,49 +2502,44 @@
           <a:p>
             <a:pPr lvl="0"/>
             <a:r>
-              <a:rPr lang="ko-KR" altLang="en-US"/>
-              <a:t>마스터 텍스트 스타일을 편집하려면 클릭</a:t>
+              <a:rPr lang="en-US" altLang="ko-KR"/>
+              <a:t>Click to edit Master text styles</a:t>
             </a:r>
           </a:p>
           <a:p>
             <a:pPr lvl="1"/>
             <a:r>
-              <a:rPr lang="ko-KR" altLang="en-US"/>
-              <a:t>두 번째 수준</a:t>
+              <a:rPr lang="en-US" altLang="ko-KR"/>
+              <a:t>Second level</a:t>
             </a:r>
           </a:p>
           <a:p>
             <a:pPr lvl="2"/>
             <a:r>
-              <a:rPr lang="ko-KR" altLang="en-US"/>
-              <a:t>세 번째 수준</a:t>
+              <a:rPr lang="en-US" altLang="ko-KR"/>
+              <a:t>Third level</a:t>
             </a:r>
           </a:p>
           <a:p>
             <a:pPr lvl="3"/>
             <a:r>
-              <a:rPr lang="ko-KR" altLang="en-US"/>
-              <a:t>네 번째 수준</a:t>
+              <a:rPr lang="en-US" altLang="ko-KR"/>
+              <a:t>Fourth level</a:t>
             </a:r>
           </a:p>
           <a:p>
             <a:pPr lvl="4"/>
             <a:r>
-              <a:rPr lang="ko-KR" altLang="en-US"/>
-              <a:t>다섯 번째 수준</a:t>
-            </a:r>
-          </a:p>
-        </p:txBody>
-      </p:sp>
-      <p:sp>
-        <p:nvSpPr>
-          <p:cNvPr id="4" name="날짜 개체 틀 3">
-            <a:extLst>
-              <a:ext uri="{FF2B5EF4-FFF2-40B4-BE49-F238E27FC236}">
-                <a16:creationId xmlns:a16="http://schemas.microsoft.com/office/drawing/2014/main" id="{72676306-40F1-45C9-AD4A-F13E425F5D43}"/>
-              </a:ext>
-            </a:extLst>
-          </p:cNvPr>
+              <a:rPr lang="en-US" altLang="ko-KR"/>
+              <a:t>Fifth level</a:t>
+            </a:r>
+            <a:endParaRPr lang="en-US" dirty="0"/>
+          </a:p>
+        </p:txBody>
+      </p:sp>
+      <p:sp>
+        <p:nvSpPr>
+          <p:cNvPr id="4" name="Date Placeholder 3"/>
           <p:cNvSpPr>
             <a:spLocks noGrp="1"/>
           </p:cNvSpPr>
@@ -2888,8 +2549,8 @@
         </p:nvSpPr>
         <p:spPr>
           <a:xfrm>
-            <a:off x="838200" y="6356350"/>
-            <a:ext cx="2743200" cy="365125"/>
+            <a:off x="1676400" y="12712701"/>
+            <a:ext cx="5486400" cy="730250"/>
           </a:xfrm>
           <a:prstGeom prst="rect">
             <a:avLst/>
@@ -2899,7 +2560,7 @@
           <a:bodyPr vert="horz" lIns="91440" tIns="45720" rIns="91440" bIns="45720" rtlCol="0" anchor="ctr"/>
           <a:lstStyle>
             <a:lvl1pPr algn="l">
-              <a:defRPr sz="1200">
+              <a:defRPr sz="2400">
                 <a:solidFill>
                   <a:schemeClr val="tx1">
                     <a:tint val="75000"/>
@@ -2911,7 +2572,7 @@
           <a:p>
             <a:fld id="{68DD77C6-9199-49BA-BC71-D4B35AFBC7B4}" type="datetimeFigureOut">
               <a:rPr lang="ko-KR" altLang="en-US" smtClean="0"/>
-              <a:t>2021-10-05</a:t>
+              <a:t>2021-10-08</a:t>
             </a:fld>
             <a:endParaRPr lang="ko-KR" altLang="en-US"/>
           </a:p>
@@ -2919,13 +2580,7 @@
       </p:sp>
       <p:sp>
         <p:nvSpPr>
-          <p:cNvPr id="5" name="바닥글 개체 틀 4">
-            <a:extLst>
-              <a:ext uri="{FF2B5EF4-FFF2-40B4-BE49-F238E27FC236}">
-                <a16:creationId xmlns:a16="http://schemas.microsoft.com/office/drawing/2014/main" id="{593D7B63-5333-4D0C-8D88-329FAF69D8F3}"/>
-              </a:ext>
-            </a:extLst>
-          </p:cNvPr>
+          <p:cNvPr id="5" name="Footer Placeholder 4"/>
           <p:cNvSpPr>
             <a:spLocks noGrp="1"/>
           </p:cNvSpPr>
@@ -2935,8 +2590,8 @@
         </p:nvSpPr>
         <p:spPr>
           <a:xfrm>
-            <a:off x="4038600" y="6356350"/>
-            <a:ext cx="4114800" cy="365125"/>
+            <a:off x="8077200" y="12712701"/>
+            <a:ext cx="8229600" cy="730250"/>
           </a:xfrm>
           <a:prstGeom prst="rect">
             <a:avLst/>
@@ -2946,7 +2601,7 @@
           <a:bodyPr vert="horz" lIns="91440" tIns="45720" rIns="91440" bIns="45720" rtlCol="0" anchor="ctr"/>
           <a:lstStyle>
             <a:lvl1pPr algn="ctr">
-              <a:defRPr sz="1200">
+              <a:defRPr sz="2400">
                 <a:solidFill>
                   <a:schemeClr val="tx1">
                     <a:tint val="75000"/>
@@ -2962,13 +2617,7 @@
       </p:sp>
       <p:sp>
         <p:nvSpPr>
-          <p:cNvPr id="6" name="슬라이드 번호 개체 틀 5">
-            <a:extLst>
-              <a:ext uri="{FF2B5EF4-FFF2-40B4-BE49-F238E27FC236}">
-                <a16:creationId xmlns:a16="http://schemas.microsoft.com/office/drawing/2014/main" id="{4CD05677-5221-4EBA-B5B3-08220490AB86}"/>
-              </a:ext>
-            </a:extLst>
-          </p:cNvPr>
+          <p:cNvPr id="6" name="Slide Number Placeholder 5"/>
           <p:cNvSpPr>
             <a:spLocks noGrp="1"/>
           </p:cNvSpPr>
@@ -2978,8 +2627,8 @@
         </p:nvSpPr>
         <p:spPr>
           <a:xfrm>
-            <a:off x="8610600" y="6356350"/>
-            <a:ext cx="2743200" cy="365125"/>
+            <a:off x="17221200" y="12712701"/>
+            <a:ext cx="5486400" cy="730250"/>
           </a:xfrm>
           <a:prstGeom prst="rect">
             <a:avLst/>
@@ -2989,7 +2638,7 @@
           <a:bodyPr vert="horz" lIns="91440" tIns="45720" rIns="91440" bIns="45720" rtlCol="0" anchor="ctr"/>
           <a:lstStyle>
             <a:lvl1pPr algn="r">
-              <a:defRPr sz="1200">
+              <a:defRPr sz="2400">
                 <a:solidFill>
                   <a:schemeClr val="tx1">
                     <a:tint val="75000"/>
@@ -3010,27 +2659,27 @@
     </p:spTree>
     <p:extLst>
       <p:ext uri="{BB962C8B-B14F-4D97-AF65-F5344CB8AC3E}">
-        <p14:creationId xmlns:p14="http://schemas.microsoft.com/office/powerpoint/2010/main" val="2610662118"/>
+        <p14:creationId xmlns:p14="http://schemas.microsoft.com/office/powerpoint/2010/main" val="3050036269"/>
       </p:ext>
     </p:extLst>
   </p:cSld>
   <p:clrMap bg1="lt1" tx1="dk1" bg2="lt2" tx2="dk2" accent1="accent1" accent2="accent2" accent3="accent3" accent4="accent4" accent5="accent5" accent6="accent6" hlink="hlink" folHlink="folHlink"/>
   <p:sldLayoutIdLst>
-    <p:sldLayoutId id="2147483649" r:id="rId1"/>
-    <p:sldLayoutId id="2147483650" r:id="rId2"/>
-    <p:sldLayoutId id="2147483651" r:id="rId3"/>
-    <p:sldLayoutId id="2147483652" r:id="rId4"/>
-    <p:sldLayoutId id="2147483653" r:id="rId5"/>
-    <p:sldLayoutId id="2147483654" r:id="rId6"/>
-    <p:sldLayoutId id="2147483655" r:id="rId7"/>
-    <p:sldLayoutId id="2147483656" r:id="rId8"/>
-    <p:sldLayoutId id="2147483657" r:id="rId9"/>
-    <p:sldLayoutId id="2147483658" r:id="rId10"/>
-    <p:sldLayoutId id="2147483659" r:id="rId11"/>
+    <p:sldLayoutId id="2147483673" r:id="rId1"/>
+    <p:sldLayoutId id="2147483674" r:id="rId2"/>
+    <p:sldLayoutId id="2147483675" r:id="rId3"/>
+    <p:sldLayoutId id="2147483676" r:id="rId4"/>
+    <p:sldLayoutId id="2147483677" r:id="rId5"/>
+    <p:sldLayoutId id="2147483678" r:id="rId6"/>
+    <p:sldLayoutId id="2147483679" r:id="rId7"/>
+    <p:sldLayoutId id="2147483680" r:id="rId8"/>
+    <p:sldLayoutId id="2147483681" r:id="rId9"/>
+    <p:sldLayoutId id="2147483682" r:id="rId10"/>
+    <p:sldLayoutId id="2147483683" r:id="rId11"/>
   </p:sldLayoutIdLst>
   <p:txStyles>
     <p:titleStyle>
-      <a:lvl1pPr algn="l" defTabSz="914400" rtl="0" eaLnBrk="1" latinLnBrk="1" hangingPunct="1">
+      <a:lvl1pPr algn="l" defTabSz="1828800" rtl="0" eaLnBrk="1" latinLnBrk="1" hangingPunct="1">
         <a:lnSpc>
           <a:spcPct val="90000"/>
         </a:lnSpc>
@@ -3038,7 +2687,7 @@
           <a:spcPct val="0"/>
         </a:spcBef>
         <a:buNone/>
-        <a:defRPr sz="4400" kern="1200">
+        <a:defRPr sz="8800" kern="1200">
           <a:solidFill>
             <a:schemeClr val="tx1"/>
           </a:solidFill>
@@ -3049,7 +2698,25 @@
       </a:lvl1pPr>
     </p:titleStyle>
     <p:bodyStyle>
-      <a:lvl1pPr marL="228600" indent="-228600" algn="l" defTabSz="914400" rtl="0" eaLnBrk="1" latinLnBrk="1" hangingPunct="1">
+      <a:lvl1pPr marL="457200" indent="-457200" algn="l" defTabSz="1828800" rtl="0" eaLnBrk="1" latinLnBrk="1" hangingPunct="1">
+        <a:lnSpc>
+          <a:spcPct val="90000"/>
+        </a:lnSpc>
+        <a:spcBef>
+          <a:spcPts val="2000"/>
+        </a:spcBef>
+        <a:buFont typeface="Arial" panose="020B0604020202020204" pitchFamily="34" charset="0"/>
+        <a:buChar char="•"/>
+        <a:defRPr sz="5600" kern="1200">
+          <a:solidFill>
+            <a:schemeClr val="tx1"/>
+          </a:solidFill>
+          <a:latin typeface="+mn-lt"/>
+          <a:ea typeface="+mn-ea"/>
+          <a:cs typeface="+mn-cs"/>
+        </a:defRPr>
+      </a:lvl1pPr>
+      <a:lvl2pPr marL="1371600" indent="-457200" algn="l" defTabSz="1828800" rtl="0" eaLnBrk="1" latinLnBrk="1" hangingPunct="1">
         <a:lnSpc>
           <a:spcPct val="90000"/>
         </a:lnSpc>
@@ -3058,25 +2725,7 @@
         </a:spcBef>
         <a:buFont typeface="Arial" panose="020B0604020202020204" pitchFamily="34" charset="0"/>
         <a:buChar char="•"/>
-        <a:defRPr sz="2800" kern="1200">
-          <a:solidFill>
-            <a:schemeClr val="tx1"/>
-          </a:solidFill>
-          <a:latin typeface="+mn-lt"/>
-          <a:ea typeface="+mn-ea"/>
-          <a:cs typeface="+mn-cs"/>
-        </a:defRPr>
-      </a:lvl1pPr>
-      <a:lvl2pPr marL="685800" indent="-228600" algn="l" defTabSz="914400" rtl="0" eaLnBrk="1" latinLnBrk="1" hangingPunct="1">
-        <a:lnSpc>
-          <a:spcPct val="90000"/>
-        </a:lnSpc>
-        <a:spcBef>
-          <a:spcPts val="500"/>
-        </a:spcBef>
-        <a:buFont typeface="Arial" panose="020B0604020202020204" pitchFamily="34" charset="0"/>
-        <a:buChar char="•"/>
-        <a:defRPr sz="2400" kern="1200">
+        <a:defRPr sz="4800" kern="1200">
           <a:solidFill>
             <a:schemeClr val="tx1"/>
           </a:solidFill>
@@ -3085,16 +2734,16 @@
           <a:cs typeface="+mn-cs"/>
         </a:defRPr>
       </a:lvl2pPr>
-      <a:lvl3pPr marL="1143000" indent="-228600" algn="l" defTabSz="914400" rtl="0" eaLnBrk="1" latinLnBrk="1" hangingPunct="1">
+      <a:lvl3pPr marL="2286000" indent="-457200" algn="l" defTabSz="1828800" rtl="0" eaLnBrk="1" latinLnBrk="1" hangingPunct="1">
         <a:lnSpc>
           <a:spcPct val="90000"/>
         </a:lnSpc>
         <a:spcBef>
-          <a:spcPts val="500"/>
+          <a:spcPts val="1000"/>
         </a:spcBef>
         <a:buFont typeface="Arial" panose="020B0604020202020204" pitchFamily="34" charset="0"/>
         <a:buChar char="•"/>
-        <a:defRPr sz="2000" kern="1200">
+        <a:defRPr sz="4000" kern="1200">
           <a:solidFill>
             <a:schemeClr val="tx1"/>
           </a:solidFill>
@@ -3103,16 +2752,16 @@
           <a:cs typeface="+mn-cs"/>
         </a:defRPr>
       </a:lvl3pPr>
-      <a:lvl4pPr marL="1600200" indent="-228600" algn="l" defTabSz="914400" rtl="0" eaLnBrk="1" latinLnBrk="1" hangingPunct="1">
+      <a:lvl4pPr marL="3200400" indent="-457200" algn="l" defTabSz="1828800" rtl="0" eaLnBrk="1" latinLnBrk="1" hangingPunct="1">
         <a:lnSpc>
           <a:spcPct val="90000"/>
         </a:lnSpc>
         <a:spcBef>
-          <a:spcPts val="500"/>
+          <a:spcPts val="1000"/>
         </a:spcBef>
         <a:buFont typeface="Arial" panose="020B0604020202020204" pitchFamily="34" charset="0"/>
         <a:buChar char="•"/>
-        <a:defRPr sz="1800" kern="1200">
+        <a:defRPr sz="3600" kern="1200">
           <a:solidFill>
             <a:schemeClr val="tx1"/>
           </a:solidFill>
@@ -3121,16 +2770,16 @@
           <a:cs typeface="+mn-cs"/>
         </a:defRPr>
       </a:lvl4pPr>
-      <a:lvl5pPr marL="2057400" indent="-228600" algn="l" defTabSz="914400" rtl="0" eaLnBrk="1" latinLnBrk="1" hangingPunct="1">
+      <a:lvl5pPr marL="4114800" indent="-457200" algn="l" defTabSz="1828800" rtl="0" eaLnBrk="1" latinLnBrk="1" hangingPunct="1">
         <a:lnSpc>
           <a:spcPct val="90000"/>
         </a:lnSpc>
         <a:spcBef>
-          <a:spcPts val="500"/>
+          <a:spcPts val="1000"/>
         </a:spcBef>
         <a:buFont typeface="Arial" panose="020B0604020202020204" pitchFamily="34" charset="0"/>
         <a:buChar char="•"/>
-        <a:defRPr sz="1800" kern="1200">
+        <a:defRPr sz="3600" kern="1200">
           <a:solidFill>
             <a:schemeClr val="tx1"/>
           </a:solidFill>
@@ -3139,16 +2788,16 @@
           <a:cs typeface="+mn-cs"/>
         </a:defRPr>
       </a:lvl5pPr>
-      <a:lvl6pPr marL="2514600" indent="-228600" algn="l" defTabSz="914400" rtl="0" eaLnBrk="1" latinLnBrk="1" hangingPunct="1">
+      <a:lvl6pPr marL="5029200" indent="-457200" algn="l" defTabSz="1828800" rtl="0" eaLnBrk="1" latinLnBrk="1" hangingPunct="1">
         <a:lnSpc>
           <a:spcPct val="90000"/>
         </a:lnSpc>
         <a:spcBef>
-          <a:spcPts val="500"/>
+          <a:spcPts val="1000"/>
         </a:spcBef>
         <a:buFont typeface="Arial" panose="020B0604020202020204" pitchFamily="34" charset="0"/>
         <a:buChar char="•"/>
-        <a:defRPr sz="1800" kern="1200">
+        <a:defRPr sz="3600" kern="1200">
           <a:solidFill>
             <a:schemeClr val="tx1"/>
           </a:solidFill>
@@ -3157,16 +2806,16 @@
           <a:cs typeface="+mn-cs"/>
         </a:defRPr>
       </a:lvl6pPr>
-      <a:lvl7pPr marL="2971800" indent="-228600" algn="l" defTabSz="914400" rtl="0" eaLnBrk="1" latinLnBrk="1" hangingPunct="1">
+      <a:lvl7pPr marL="5943600" indent="-457200" algn="l" defTabSz="1828800" rtl="0" eaLnBrk="1" latinLnBrk="1" hangingPunct="1">
         <a:lnSpc>
           <a:spcPct val="90000"/>
         </a:lnSpc>
         <a:spcBef>
-          <a:spcPts val="500"/>
+          <a:spcPts val="1000"/>
         </a:spcBef>
         <a:buFont typeface="Arial" panose="020B0604020202020204" pitchFamily="34" charset="0"/>
         <a:buChar char="•"/>
-        <a:defRPr sz="1800" kern="1200">
+        <a:defRPr sz="3600" kern="1200">
           <a:solidFill>
             <a:schemeClr val="tx1"/>
           </a:solidFill>
@@ -3175,16 +2824,16 @@
           <a:cs typeface="+mn-cs"/>
         </a:defRPr>
       </a:lvl7pPr>
-      <a:lvl8pPr marL="3429000" indent="-228600" algn="l" defTabSz="914400" rtl="0" eaLnBrk="1" latinLnBrk="1" hangingPunct="1">
+      <a:lvl8pPr marL="6858000" indent="-457200" algn="l" defTabSz="1828800" rtl="0" eaLnBrk="1" latinLnBrk="1" hangingPunct="1">
         <a:lnSpc>
           <a:spcPct val="90000"/>
         </a:lnSpc>
         <a:spcBef>
-          <a:spcPts val="500"/>
+          <a:spcPts val="1000"/>
         </a:spcBef>
         <a:buFont typeface="Arial" panose="020B0604020202020204" pitchFamily="34" charset="0"/>
         <a:buChar char="•"/>
-        <a:defRPr sz="1800" kern="1200">
+        <a:defRPr sz="3600" kern="1200">
           <a:solidFill>
             <a:schemeClr val="tx1"/>
           </a:solidFill>
@@ -3193,16 +2842,16 @@
           <a:cs typeface="+mn-cs"/>
         </a:defRPr>
       </a:lvl8pPr>
-      <a:lvl9pPr marL="3886200" indent="-228600" algn="l" defTabSz="914400" rtl="0" eaLnBrk="1" latinLnBrk="1" hangingPunct="1">
+      <a:lvl9pPr marL="7772400" indent="-457200" algn="l" defTabSz="1828800" rtl="0" eaLnBrk="1" latinLnBrk="1" hangingPunct="1">
         <a:lnSpc>
           <a:spcPct val="90000"/>
         </a:lnSpc>
         <a:spcBef>
-          <a:spcPts val="500"/>
+          <a:spcPts val="1000"/>
         </a:spcBef>
         <a:buFont typeface="Arial" panose="020B0604020202020204" pitchFamily="34" charset="0"/>
         <a:buChar char="•"/>
-        <a:defRPr sz="1800" kern="1200">
+        <a:defRPr sz="3600" kern="1200">
           <a:solidFill>
             <a:schemeClr val="tx1"/>
           </a:solidFill>
@@ -3214,10 +2863,10 @@
     </p:bodyStyle>
     <p:otherStyle>
       <a:defPPr>
-        <a:defRPr lang="ko-KR"/>
+        <a:defRPr lang="en-US"/>
       </a:defPPr>
-      <a:lvl1pPr marL="0" algn="l" defTabSz="914400" rtl="0" eaLnBrk="1" latinLnBrk="1" hangingPunct="1">
-        <a:defRPr sz="1800" kern="1200">
+      <a:lvl1pPr marL="0" algn="l" defTabSz="1828800" rtl="0" eaLnBrk="1" latinLnBrk="1" hangingPunct="1">
+        <a:defRPr sz="3600" kern="1200">
           <a:solidFill>
             <a:schemeClr val="tx1"/>
           </a:solidFill>
@@ -3226,8 +2875,8 @@
           <a:cs typeface="+mn-cs"/>
         </a:defRPr>
       </a:lvl1pPr>
-      <a:lvl2pPr marL="457200" algn="l" defTabSz="914400" rtl="0" eaLnBrk="1" latinLnBrk="1" hangingPunct="1">
-        <a:defRPr sz="1800" kern="1200">
+      <a:lvl2pPr marL="914400" algn="l" defTabSz="1828800" rtl="0" eaLnBrk="1" latinLnBrk="1" hangingPunct="1">
+        <a:defRPr sz="3600" kern="1200">
           <a:solidFill>
             <a:schemeClr val="tx1"/>
           </a:solidFill>
@@ -3236,8 +2885,8 @@
           <a:cs typeface="+mn-cs"/>
         </a:defRPr>
       </a:lvl2pPr>
-      <a:lvl3pPr marL="914400" algn="l" defTabSz="914400" rtl="0" eaLnBrk="1" latinLnBrk="1" hangingPunct="1">
-        <a:defRPr sz="1800" kern="1200">
+      <a:lvl3pPr marL="1828800" algn="l" defTabSz="1828800" rtl="0" eaLnBrk="1" latinLnBrk="1" hangingPunct="1">
+        <a:defRPr sz="3600" kern="1200">
           <a:solidFill>
             <a:schemeClr val="tx1"/>
           </a:solidFill>
@@ -3246,8 +2895,8 @@
           <a:cs typeface="+mn-cs"/>
         </a:defRPr>
       </a:lvl3pPr>
-      <a:lvl4pPr marL="1371600" algn="l" defTabSz="914400" rtl="0" eaLnBrk="1" latinLnBrk="1" hangingPunct="1">
-        <a:defRPr sz="1800" kern="1200">
+      <a:lvl4pPr marL="2743200" algn="l" defTabSz="1828800" rtl="0" eaLnBrk="1" latinLnBrk="1" hangingPunct="1">
+        <a:defRPr sz="3600" kern="1200">
           <a:solidFill>
             <a:schemeClr val="tx1"/>
           </a:solidFill>
@@ -3256,8 +2905,8 @@
           <a:cs typeface="+mn-cs"/>
         </a:defRPr>
       </a:lvl4pPr>
-      <a:lvl5pPr marL="1828800" algn="l" defTabSz="914400" rtl="0" eaLnBrk="1" latinLnBrk="1" hangingPunct="1">
-        <a:defRPr sz="1800" kern="1200">
+      <a:lvl5pPr marL="3657600" algn="l" defTabSz="1828800" rtl="0" eaLnBrk="1" latinLnBrk="1" hangingPunct="1">
+        <a:defRPr sz="3600" kern="1200">
           <a:solidFill>
             <a:schemeClr val="tx1"/>
           </a:solidFill>
@@ -3266,8 +2915,8 @@
           <a:cs typeface="+mn-cs"/>
         </a:defRPr>
       </a:lvl5pPr>
-      <a:lvl6pPr marL="2286000" algn="l" defTabSz="914400" rtl="0" eaLnBrk="1" latinLnBrk="1" hangingPunct="1">
-        <a:defRPr sz="1800" kern="1200">
+      <a:lvl6pPr marL="4572000" algn="l" defTabSz="1828800" rtl="0" eaLnBrk="1" latinLnBrk="1" hangingPunct="1">
+        <a:defRPr sz="3600" kern="1200">
           <a:solidFill>
             <a:schemeClr val="tx1"/>
           </a:solidFill>
@@ -3276,8 +2925,8 @@
           <a:cs typeface="+mn-cs"/>
         </a:defRPr>
       </a:lvl6pPr>
-      <a:lvl7pPr marL="2743200" algn="l" defTabSz="914400" rtl="0" eaLnBrk="1" latinLnBrk="1" hangingPunct="1">
-        <a:defRPr sz="1800" kern="1200">
+      <a:lvl7pPr marL="5486400" algn="l" defTabSz="1828800" rtl="0" eaLnBrk="1" latinLnBrk="1" hangingPunct="1">
+        <a:defRPr sz="3600" kern="1200">
           <a:solidFill>
             <a:schemeClr val="tx1"/>
           </a:solidFill>
@@ -3286,8 +2935,8 @@
           <a:cs typeface="+mn-cs"/>
         </a:defRPr>
       </a:lvl7pPr>
-      <a:lvl8pPr marL="3200400" algn="l" defTabSz="914400" rtl="0" eaLnBrk="1" latinLnBrk="1" hangingPunct="1">
-        <a:defRPr sz="1800" kern="1200">
+      <a:lvl8pPr marL="6400800" algn="l" defTabSz="1828800" rtl="0" eaLnBrk="1" latinLnBrk="1" hangingPunct="1">
+        <a:defRPr sz="3600" kern="1200">
           <a:solidFill>
             <a:schemeClr val="tx1"/>
           </a:solidFill>
@@ -3296,8 +2945,8 @@
           <a:cs typeface="+mn-cs"/>
         </a:defRPr>
       </a:lvl8pPr>
-      <a:lvl9pPr marL="3657600" algn="l" defTabSz="914400" rtl="0" eaLnBrk="1" latinLnBrk="1" hangingPunct="1">
-        <a:defRPr sz="1800" kern="1200">
+      <a:lvl9pPr marL="7315200" algn="l" defTabSz="1828800" rtl="0" eaLnBrk="1" latinLnBrk="1" hangingPunct="1">
+        <a:defRPr sz="3600" kern="1200">
           <a:solidFill>
             <a:schemeClr val="tx1"/>
           </a:solidFill>
@@ -3350,8 +2999,8 @@
         </p:nvSpPr>
         <p:spPr>
           <a:xfrm>
-            <a:off x="2964881" y="190487"/>
-            <a:ext cx="5999583" cy="1323439"/>
+            <a:off x="5929765" y="380975"/>
+            <a:ext cx="11999166" cy="2554545"/>
           </a:xfrm>
           <a:prstGeom prst="rect">
             <a:avLst/>
@@ -3366,14 +3015,14 @@
           <a:p>
             <a:pPr algn="ctr"/>
             <a:r>
-              <a:rPr lang="en-US" altLang="ko-KR" sz="8000" b="1" dirty="0" err="1">
+              <a:rPr lang="en-US" altLang="ko-KR" sz="16000" b="1" dirty="0" err="1">
                 <a:solidFill>
                   <a:schemeClr val="bg1"/>
                 </a:solidFill>
               </a:rPr>
               <a:t>Bukkit</a:t>
             </a:r>
-            <a:endParaRPr lang="ko-KR" altLang="en-US" sz="8000" b="1" dirty="0">
+            <a:endParaRPr lang="ko-KR" altLang="en-US" sz="16000" b="1" dirty="0">
               <a:solidFill>
                 <a:schemeClr val="bg1"/>
               </a:solidFill>
@@ -3395,8 +3044,8 @@
         </p:nvSpPr>
         <p:spPr>
           <a:xfrm>
-            <a:off x="4218834" y="2636131"/>
-            <a:ext cx="3778898" cy="646331"/>
+            <a:off x="8437667" y="5272261"/>
+            <a:ext cx="7557796" cy="1200329"/>
           </a:xfrm>
           <a:prstGeom prst="rect">
             <a:avLst/>
@@ -3411,7 +3060,7 @@
           <a:p>
             <a:pPr algn="ctr"/>
             <a:r>
-              <a:rPr lang="en-US" altLang="ko-KR" sz="3600" b="1" dirty="0" err="1">
+              <a:rPr lang="en-US" altLang="ko-KR" sz="7200" b="1" dirty="0" err="1">
                 <a:solidFill>
                   <a:schemeClr val="bg1"/>
                 </a:solidFill>
@@ -3419,14 +3068,14 @@
               <a:t>MiniGameWorld</a:t>
             </a:r>
             <a:r>
-              <a:rPr lang="ko-KR" altLang="en-US" sz="3600" b="1" dirty="0">
+              <a:rPr lang="ko-KR" altLang="en-US" sz="7200" b="1" dirty="0">
                 <a:solidFill>
                   <a:schemeClr val="bg1"/>
                 </a:solidFill>
               </a:rPr>
               <a:t> </a:t>
             </a:r>
-            <a:endParaRPr lang="en-US" altLang="ko-KR" sz="3600" b="1" dirty="0">
+            <a:endParaRPr lang="en-US" altLang="ko-KR" sz="7200" b="1" dirty="0">
               <a:solidFill>
                 <a:schemeClr val="bg1"/>
               </a:solidFill>
@@ -3448,8 +3097,8 @@
         </p:nvSpPr>
         <p:spPr>
           <a:xfrm>
-            <a:off x="2506824" y="4391079"/>
-            <a:ext cx="2206690" cy="523220"/>
+            <a:off x="5013648" y="8782158"/>
+            <a:ext cx="4413380" cy="954107"/>
           </a:xfrm>
           <a:prstGeom prst="rect">
             <a:avLst/>
@@ -3464,14 +3113,14 @@
           <a:p>
             <a:pPr algn="ctr"/>
             <a:r>
-              <a:rPr lang="en-US" altLang="ko-KR" sz="2800" b="1" dirty="0" err="1">
+              <a:rPr lang="en-US" altLang="ko-KR" sz="5600" b="1" dirty="0" err="1">
                 <a:solidFill>
                   <a:schemeClr val="bg1"/>
                 </a:solidFill>
               </a:rPr>
               <a:t>MiniGameA</a:t>
             </a:r>
-            <a:endParaRPr lang="ko-KR" altLang="en-US" sz="2800" dirty="0">
+            <a:endParaRPr lang="ko-KR" altLang="en-US" sz="5600" dirty="0">
               <a:solidFill>
                 <a:schemeClr val="bg1"/>
               </a:solidFill>
@@ -3493,8 +3142,8 @@
         </p:nvSpPr>
         <p:spPr>
           <a:xfrm>
-            <a:off x="4992655" y="4404667"/>
-            <a:ext cx="2206690" cy="523220"/>
+            <a:off x="9985310" y="8809335"/>
+            <a:ext cx="4413380" cy="954107"/>
           </a:xfrm>
           <a:prstGeom prst="rect">
             <a:avLst/>
@@ -3509,14 +3158,14 @@
           <a:p>
             <a:pPr algn="ctr"/>
             <a:r>
-              <a:rPr lang="en-US" altLang="ko-KR" sz="2800" b="1" dirty="0" err="1">
+              <a:rPr lang="en-US" altLang="ko-KR" sz="5600" b="1" dirty="0" err="1">
                 <a:solidFill>
                   <a:schemeClr val="bg1"/>
                 </a:solidFill>
               </a:rPr>
               <a:t>MiniGameB</a:t>
             </a:r>
-            <a:endParaRPr lang="ko-KR" altLang="en-US" sz="2800" dirty="0">
+            <a:endParaRPr lang="ko-KR" altLang="en-US" sz="5600" dirty="0">
               <a:solidFill>
                 <a:schemeClr val="bg1"/>
               </a:solidFill>
@@ -3538,8 +3187,8 @@
         </p:nvSpPr>
         <p:spPr>
           <a:xfrm>
-            <a:off x="7556241" y="4391079"/>
-            <a:ext cx="2206690" cy="523220"/>
+            <a:off x="15112482" y="8782158"/>
+            <a:ext cx="4413380" cy="954107"/>
           </a:xfrm>
           <a:prstGeom prst="rect">
             <a:avLst/>
@@ -3554,14 +3203,14 @@
           <a:p>
             <a:pPr algn="ctr"/>
             <a:r>
-              <a:rPr lang="en-US" altLang="ko-KR" sz="2800" b="1" dirty="0" err="1">
+              <a:rPr lang="en-US" altLang="ko-KR" sz="5600" b="1" dirty="0" err="1">
                 <a:solidFill>
                   <a:schemeClr val="bg1"/>
                 </a:solidFill>
               </a:rPr>
               <a:t>MiniGameC</a:t>
             </a:r>
-            <a:endParaRPr lang="ko-KR" altLang="en-US" sz="2800" dirty="0">
+            <a:endParaRPr lang="ko-KR" altLang="en-US" sz="5600" dirty="0">
               <a:solidFill>
                 <a:schemeClr val="bg1"/>
               </a:solidFill>
@@ -3583,8 +3232,8 @@
         </p:nvSpPr>
         <p:spPr>
           <a:xfrm rot="10800000">
-            <a:off x="5801624" y="3552894"/>
-            <a:ext cx="263322" cy="749438"/>
+            <a:off x="11603249" y="7105789"/>
+            <a:ext cx="526644" cy="1498876"/>
           </a:xfrm>
           <a:prstGeom prst="downArrow">
             <a:avLst/>
@@ -3614,7 +3263,7 @@
           <a:lstStyle/>
           <a:p>
             <a:pPr algn="ctr"/>
-            <a:endParaRPr lang="ko-KR" altLang="en-US">
+            <a:endParaRPr lang="ko-KR" altLang="en-US" sz="5184">
               <a:solidFill>
                 <a:schemeClr val="bg1"/>
               </a:solidFill>
@@ -3636,8 +3285,8 @@
         </p:nvSpPr>
         <p:spPr>
           <a:xfrm rot="13177881">
-            <a:off x="3709441" y="3550750"/>
-            <a:ext cx="263322" cy="749438"/>
+            <a:off x="7418882" y="7101501"/>
+            <a:ext cx="526644" cy="1498876"/>
           </a:xfrm>
           <a:prstGeom prst="downArrow">
             <a:avLst/>
@@ -3667,7 +3316,7 @@
           <a:lstStyle/>
           <a:p>
             <a:pPr algn="ctr"/>
-            <a:endParaRPr lang="ko-KR" altLang="en-US">
+            <a:endParaRPr lang="ko-KR" altLang="en-US" sz="5184">
               <a:solidFill>
                 <a:schemeClr val="bg1"/>
               </a:solidFill>
@@ -3689,8 +3338,8 @@
         </p:nvSpPr>
         <p:spPr>
           <a:xfrm rot="8254239">
-            <a:off x="7903388" y="3541432"/>
-            <a:ext cx="263322" cy="749438"/>
+            <a:off x="15806778" y="7082864"/>
+            <a:ext cx="526644" cy="1498876"/>
           </a:xfrm>
           <a:prstGeom prst="downArrow">
             <a:avLst/>
@@ -3720,7 +3369,7 @@
           <a:lstStyle/>
           <a:p>
             <a:pPr algn="ctr"/>
-            <a:endParaRPr lang="ko-KR" altLang="en-US">
+            <a:endParaRPr lang="ko-KR" altLang="en-US" sz="5184">
               <a:solidFill>
                 <a:schemeClr val="bg1"/>
               </a:solidFill>
@@ -3742,8 +3391,8 @@
         </p:nvSpPr>
         <p:spPr>
           <a:xfrm rot="10800000">
-            <a:off x="5801514" y="1784358"/>
-            <a:ext cx="263322" cy="749438"/>
+            <a:off x="11603028" y="3568717"/>
+            <a:ext cx="526644" cy="1498876"/>
           </a:xfrm>
           <a:prstGeom prst="downArrow">
             <a:avLst/>
@@ -3773,7 +3422,7 @@
           <a:lstStyle/>
           <a:p>
             <a:pPr algn="ctr"/>
-            <a:endParaRPr lang="ko-KR" altLang="en-US">
+            <a:endParaRPr lang="ko-KR" altLang="en-US" sz="5184">
               <a:solidFill>
                 <a:schemeClr val="bg1"/>
               </a:solidFill>
@@ -3833,8 +3482,8 @@
         </p:nvSpPr>
         <p:spPr>
           <a:xfrm>
-            <a:off x="284084" y="220833"/>
-            <a:ext cx="3045041" cy="1047565"/>
+            <a:off x="568170" y="441668"/>
+            <a:ext cx="6090082" cy="2095131"/>
           </a:xfrm>
           <a:prstGeom prst="flowChartProcess">
             <a:avLst/>
@@ -3870,22 +3519,22 @@
           <a:p>
             <a:pPr algn="ctr"/>
             <a:r>
-              <a:rPr lang="en-US" altLang="ko-KR" sz="2000" b="1" dirty="0" err="1"/>
+              <a:rPr lang="en-US" altLang="ko-KR" sz="4000" b="1" dirty="0" err="1"/>
               <a:t>CommonEventListener</a:t>
             </a:r>
-            <a:endParaRPr lang="en-US" altLang="ko-KR" sz="2000" b="1" dirty="0"/>
+            <a:endParaRPr lang="en-US" altLang="ko-KR" sz="4000" b="1" dirty="0"/>
           </a:p>
           <a:p>
             <a:pPr algn="ctr"/>
             <a:r>
-              <a:rPr lang="en-US" altLang="ko-KR" sz="2000" dirty="0" err="1"/>
+              <a:rPr lang="en-US" altLang="ko-KR" sz="4000" dirty="0" err="1"/>
               <a:t>onEvent</a:t>
             </a:r>
             <a:r>
-              <a:rPr lang="en-US" altLang="ko-KR" sz="2000" dirty="0"/>
+              <a:rPr lang="en-US" altLang="ko-KR" sz="4000" dirty="0"/>
               <a:t>();</a:t>
             </a:r>
-            <a:endParaRPr lang="ko-KR" altLang="en-US" sz="2000" dirty="0"/>
+            <a:endParaRPr lang="ko-KR" altLang="en-US" sz="4000" dirty="0"/>
           </a:p>
         </p:txBody>
       </p:sp>
@@ -3903,8 +3552,8 @@
         </p:nvSpPr>
         <p:spPr>
           <a:xfrm>
-            <a:off x="1927934" y="1723551"/>
-            <a:ext cx="2672178" cy="1363280"/>
+            <a:off x="3855868" y="3447102"/>
+            <a:ext cx="5344356" cy="2726560"/>
           </a:xfrm>
           <a:prstGeom prst="flowChartProcess">
             <a:avLst/>
@@ -3940,44 +3589,44 @@
           <a:p>
             <a:pPr algn="ctr"/>
             <a:r>
-              <a:rPr lang="en-US" altLang="ko-KR" sz="2000" b="1" dirty="0" err="1"/>
+              <a:rPr lang="en-US" altLang="ko-KR" sz="4000" b="1" dirty="0" err="1"/>
               <a:t>MiniGameManager</a:t>
             </a:r>
-            <a:endParaRPr lang="en-US" altLang="ko-KR" sz="2000" b="1" dirty="0"/>
+            <a:endParaRPr lang="en-US" altLang="ko-KR" sz="4000" b="1" dirty="0"/>
           </a:p>
           <a:p>
             <a:pPr algn="ctr"/>
             <a:r>
-              <a:rPr lang="en-US" altLang="ko-KR" sz="2000" dirty="0" err="1"/>
+              <a:rPr lang="en-US" altLang="ko-KR" sz="4000" dirty="0" err="1"/>
               <a:t>joinGame</a:t>
             </a:r>
             <a:r>
-              <a:rPr lang="en-US" altLang="ko-KR" sz="2000" dirty="0"/>
+              <a:rPr lang="en-US" altLang="ko-KR" sz="4000" dirty="0"/>
               <a:t>();</a:t>
             </a:r>
           </a:p>
           <a:p>
             <a:pPr algn="ctr"/>
             <a:r>
-              <a:rPr lang="en-US" altLang="ko-KR" sz="2000" dirty="0" err="1"/>
+              <a:rPr lang="en-US" altLang="ko-KR" sz="4000" dirty="0" err="1"/>
               <a:t>LeaveGame</a:t>
             </a:r>
             <a:r>
-              <a:rPr lang="en-US" altLang="ko-KR" sz="2000" dirty="0"/>
+              <a:rPr lang="en-US" altLang="ko-KR" sz="4000" dirty="0"/>
               <a:t>();</a:t>
             </a:r>
           </a:p>
           <a:p>
             <a:pPr algn="ctr"/>
             <a:r>
-              <a:rPr lang="en-US" altLang="ko-KR" sz="2000" dirty="0" err="1"/>
+              <a:rPr lang="en-US" altLang="ko-KR" sz="4000" dirty="0" err="1"/>
               <a:t>processEvent</a:t>
             </a:r>
             <a:r>
-              <a:rPr lang="en-US" altLang="ko-KR" sz="2000" dirty="0"/>
+              <a:rPr lang="en-US" altLang="ko-KR" sz="4000" dirty="0"/>
               <a:t>();</a:t>
             </a:r>
-            <a:endParaRPr lang="ko-KR" altLang="en-US" sz="2000" dirty="0"/>
+            <a:endParaRPr lang="ko-KR" altLang="en-US" sz="4000" dirty="0"/>
           </a:p>
         </p:txBody>
       </p:sp>
@@ -3995,8 +3644,8 @@
         </p:nvSpPr>
         <p:spPr>
           <a:xfrm>
-            <a:off x="216023" y="4104066"/>
-            <a:ext cx="3113102" cy="1506618"/>
+            <a:off x="432046" y="8208132"/>
+            <a:ext cx="6226204" cy="3013236"/>
           </a:xfrm>
           <a:prstGeom prst="flowChartProcess">
             <a:avLst/>
@@ -4032,44 +3681,44 @@
           <a:p>
             <a:pPr algn="ctr"/>
             <a:r>
-              <a:rPr lang="en-US" altLang="ko-KR" sz="2000" b="1" dirty="0" err="1"/>
+              <a:rPr lang="en-US" altLang="ko-KR" sz="4000" b="1" dirty="0" err="1"/>
               <a:t>MiniGameDataManager</a:t>
             </a:r>
-            <a:endParaRPr lang="en-US" altLang="ko-KR" sz="2000" b="1" dirty="0"/>
+            <a:endParaRPr lang="en-US" altLang="ko-KR" sz="4000" b="1" dirty="0"/>
           </a:p>
           <a:p>
             <a:pPr algn="ctr"/>
             <a:r>
-              <a:rPr lang="en-US" altLang="ko-KR" sz="2000" dirty="0" err="1"/>
+              <a:rPr lang="en-US" altLang="ko-KR" sz="4000" dirty="0" err="1"/>
               <a:t>addMiniGame</a:t>
             </a:r>
             <a:r>
-              <a:rPr lang="en-US" altLang="ko-KR" sz="2000" dirty="0"/>
+              <a:rPr lang="en-US" altLang="ko-KR" sz="4000" dirty="0"/>
               <a:t>();</a:t>
             </a:r>
           </a:p>
           <a:p>
             <a:pPr algn="ctr"/>
             <a:r>
-              <a:rPr lang="en-US" altLang="ko-KR" sz="2000" dirty="0" err="1"/>
+              <a:rPr lang="en-US" altLang="ko-KR" sz="4000" dirty="0" err="1"/>
               <a:t>removeMiniGame</a:t>
             </a:r>
             <a:r>
-              <a:rPr lang="en-US" altLang="ko-KR" sz="2000" dirty="0"/>
+              <a:rPr lang="en-US" altLang="ko-KR" sz="4000" dirty="0"/>
               <a:t>();</a:t>
             </a:r>
           </a:p>
           <a:p>
             <a:pPr algn="ctr"/>
             <a:r>
-              <a:rPr lang="en-US" altLang="ko-KR" sz="2000" dirty="0" err="1"/>
+              <a:rPr lang="en-US" altLang="ko-KR" sz="4000" dirty="0" err="1"/>
               <a:t>applyMiniGame</a:t>
             </a:r>
             <a:r>
-              <a:rPr lang="en-US" altLang="ko-KR" sz="2000" dirty="0"/>
+              <a:rPr lang="en-US" altLang="ko-KR" sz="4000" dirty="0"/>
               <a:t>();</a:t>
             </a:r>
-            <a:endParaRPr lang="ko-KR" altLang="en-US" sz="2000" dirty="0"/>
+            <a:endParaRPr lang="ko-KR" altLang="en-US" sz="4000" dirty="0"/>
           </a:p>
         </p:txBody>
       </p:sp>
@@ -4087,8 +3736,8 @@
         </p:nvSpPr>
         <p:spPr>
           <a:xfrm>
-            <a:off x="147960" y="6065837"/>
-            <a:ext cx="2219418" cy="600725"/>
+            <a:off x="295921" y="12131675"/>
+            <a:ext cx="4438836" cy="1201451"/>
           </a:xfrm>
           <a:prstGeom prst="flowChartProcess">
             <a:avLst/>
@@ -4124,17 +3773,17 @@
           <a:p>
             <a:pPr algn="ctr"/>
             <a:r>
-              <a:rPr lang="en-US" altLang="ko-KR" sz="2000" b="1" dirty="0"/>
+              <a:rPr lang="en-US" altLang="ko-KR" sz="4000" b="1" dirty="0"/>
               <a:t>&lt;File&gt;</a:t>
             </a:r>
           </a:p>
           <a:p>
             <a:pPr algn="ctr"/>
             <a:r>
-              <a:rPr lang="en-US" altLang="ko-KR" sz="2000" dirty="0" err="1"/>
+              <a:rPr lang="en-US" altLang="ko-KR" sz="4000" dirty="0" err="1"/>
               <a:t>minigames.yml</a:t>
             </a:r>
-            <a:endParaRPr lang="en-US" altLang="ko-KR" sz="2000" dirty="0"/>
+            <a:endParaRPr lang="en-US" altLang="ko-KR" sz="4000" dirty="0"/>
           </a:p>
         </p:txBody>
       </p:sp>
@@ -4152,8 +3801,8 @@
         </p:nvSpPr>
         <p:spPr>
           <a:xfrm>
-            <a:off x="57705" y="2821994"/>
-            <a:ext cx="1740024" cy="597397"/>
+            <a:off x="115411" y="5643989"/>
+            <a:ext cx="3480048" cy="1194795"/>
           </a:xfrm>
           <a:prstGeom prst="flowChartProcess">
             <a:avLst/>
@@ -4189,17 +3838,17 @@
           <a:p>
             <a:pPr algn="ctr"/>
             <a:r>
-              <a:rPr lang="en-US" altLang="ko-KR" sz="2000" b="1" dirty="0"/>
+              <a:rPr lang="en-US" altLang="ko-KR" sz="4000" b="1" dirty="0"/>
               <a:t>&lt;File&gt;</a:t>
             </a:r>
           </a:p>
           <a:p>
             <a:pPr algn="ctr"/>
             <a:r>
-              <a:rPr lang="en-US" altLang="ko-KR" sz="2000" dirty="0" err="1"/>
+              <a:rPr lang="en-US" altLang="ko-KR" sz="4000" dirty="0" err="1"/>
               <a:t>setting.yml</a:t>
             </a:r>
-            <a:endParaRPr lang="en-US" altLang="ko-KR" sz="2000" dirty="0"/>
+            <a:endParaRPr lang="en-US" altLang="ko-KR" sz="4000" dirty="0"/>
           </a:p>
         </p:txBody>
       </p:sp>
@@ -4217,8 +3866,8 @@
         </p:nvSpPr>
         <p:spPr>
           <a:xfrm>
-            <a:off x="6691544" y="1673249"/>
-            <a:ext cx="2672178" cy="757930"/>
+            <a:off x="13383088" y="3346498"/>
+            <a:ext cx="5344356" cy="1515860"/>
           </a:xfrm>
           <a:prstGeom prst="flowChartProcess">
             <a:avLst/>
@@ -4254,19 +3903,19 @@
           <a:p>
             <a:pPr algn="ctr"/>
             <a:r>
-              <a:rPr lang="en-US" altLang="ko-KR" sz="2000" b="1" dirty="0" err="1"/>
+              <a:rPr lang="en-US" altLang="ko-KR" sz="4000" b="1" dirty="0" err="1"/>
               <a:t>MiniGame</a:t>
             </a:r>
-            <a:endParaRPr lang="en-US" altLang="ko-KR" sz="2000" b="1" dirty="0"/>
+            <a:endParaRPr lang="en-US" altLang="ko-KR" sz="4000" b="1" dirty="0"/>
           </a:p>
           <a:p>
             <a:pPr algn="ctr"/>
             <a:r>
-              <a:rPr lang="en-US" altLang="ko-KR" sz="2000" dirty="0" err="1"/>
+              <a:rPr lang="en-US" altLang="ko-KR" sz="4000" dirty="0" err="1"/>
               <a:t>processEvent</a:t>
             </a:r>
             <a:r>
-              <a:rPr lang="en-US" altLang="ko-KR" sz="2000" dirty="0"/>
+              <a:rPr lang="en-US" altLang="ko-KR" sz="4000" dirty="0"/>
               <a:t>();</a:t>
             </a:r>
           </a:p>
@@ -4286,8 +3935,8 @@
         </p:nvSpPr>
         <p:spPr>
           <a:xfrm>
-            <a:off x="4905469" y="3086831"/>
-            <a:ext cx="2009313" cy="597397"/>
+            <a:off x="9810939" y="6173662"/>
+            <a:ext cx="4018626" cy="1194795"/>
           </a:xfrm>
           <a:prstGeom prst="flowChartProcess">
             <a:avLst/>
@@ -4323,10 +3972,10 @@
           <a:p>
             <a:pPr algn="ctr"/>
             <a:r>
-              <a:rPr lang="en-US" altLang="ko-KR" sz="2000" b="1" dirty="0" err="1"/>
+              <a:rPr lang="en-US" altLang="ko-KR" sz="4000" b="1" dirty="0" err="1"/>
               <a:t>SoloMiniGame</a:t>
             </a:r>
-            <a:endParaRPr lang="en-US" altLang="ko-KR" sz="2000" b="1" dirty="0"/>
+            <a:endParaRPr lang="en-US" altLang="ko-KR" sz="4000" b="1" dirty="0"/>
           </a:p>
         </p:txBody>
       </p:sp>
@@ -4344,8 +3993,8 @@
         </p:nvSpPr>
         <p:spPr>
           <a:xfrm>
-            <a:off x="8129542" y="3184144"/>
-            <a:ext cx="2075894" cy="597397"/>
+            <a:off x="16259086" y="6368288"/>
+            <a:ext cx="4151788" cy="1194795"/>
           </a:xfrm>
           <a:prstGeom prst="flowChartProcess">
             <a:avLst/>
@@ -4381,10 +4030,10 @@
           <a:p>
             <a:pPr algn="ctr"/>
             <a:r>
-              <a:rPr lang="en-US" altLang="ko-KR" sz="2000" b="1" dirty="0" err="1"/>
+              <a:rPr lang="en-US" altLang="ko-KR" sz="4000" b="1" dirty="0" err="1"/>
               <a:t>TeamMiniGame</a:t>
             </a:r>
-            <a:endParaRPr lang="en-US" altLang="ko-KR" sz="2000" b="1" dirty="0"/>
+            <a:endParaRPr lang="en-US" altLang="ko-KR" sz="4000" b="1" dirty="0"/>
           </a:p>
         </p:txBody>
       </p:sp>
@@ -4402,8 +4051,8 @@
         </p:nvSpPr>
         <p:spPr>
           <a:xfrm>
-            <a:off x="9376297" y="4017529"/>
-            <a:ext cx="2759475" cy="597397"/>
+            <a:off x="18752597" y="8035059"/>
+            <a:ext cx="5518949" cy="1194795"/>
           </a:xfrm>
           <a:prstGeom prst="flowChartProcess">
             <a:avLst/>
@@ -4439,10 +4088,10 @@
           <a:p>
             <a:pPr algn="ctr"/>
             <a:r>
-              <a:rPr lang="en-US" altLang="ko-KR" sz="2000" b="1" dirty="0" err="1"/>
+              <a:rPr lang="en-US" altLang="ko-KR" sz="4000" b="1" dirty="0" err="1"/>
               <a:t>TeamBattleMiniGame</a:t>
             </a:r>
-            <a:endParaRPr lang="en-US" altLang="ko-KR" sz="2000" b="1" dirty="0"/>
+            <a:endParaRPr lang="en-US" altLang="ko-KR" sz="4000" b="1" dirty="0"/>
           </a:p>
         </p:txBody>
       </p:sp>
@@ -4460,8 +4109,8 @@
         </p:nvSpPr>
         <p:spPr>
           <a:xfrm>
-            <a:off x="6223247" y="4154182"/>
-            <a:ext cx="2672178" cy="597397"/>
+            <a:off x="12446494" y="8308364"/>
+            <a:ext cx="5344356" cy="1194795"/>
           </a:xfrm>
           <a:prstGeom prst="flowChartProcess">
             <a:avLst/>
@@ -4497,10 +4146,10 @@
           <a:p>
             <a:pPr algn="ctr"/>
             <a:r>
-              <a:rPr lang="en-US" altLang="ko-KR" sz="2000" b="1" dirty="0" err="1"/>
+              <a:rPr lang="en-US" altLang="ko-KR" sz="4000" b="1" dirty="0" err="1"/>
               <a:t>SoloBattleMiniGame</a:t>
             </a:r>
-            <a:endParaRPr lang="en-US" altLang="ko-KR" sz="2000" b="1" dirty="0"/>
+            <a:endParaRPr lang="en-US" altLang="ko-KR" sz="4000" b="1" dirty="0"/>
           </a:p>
         </p:txBody>
       </p:sp>
@@ -4518,8 +4167,8 @@
         </p:nvSpPr>
         <p:spPr>
           <a:xfrm>
-            <a:off x="4438835" y="5086900"/>
-            <a:ext cx="1632013" cy="523783"/>
+            <a:off x="8877672" y="10173801"/>
+            <a:ext cx="3264027" cy="1047566"/>
           </a:xfrm>
           <a:prstGeom prst="flowChartProcess">
             <a:avLst/>
@@ -4555,10 +4204,10 @@
           <a:p>
             <a:pPr algn="ctr"/>
             <a:r>
-              <a:rPr lang="en-US" altLang="ko-KR" sz="2000" b="1" dirty="0" err="1"/>
+              <a:rPr lang="en-US" altLang="ko-KR" sz="4000" b="1" dirty="0" err="1"/>
               <a:t>MiniGameA</a:t>
             </a:r>
-            <a:endParaRPr lang="en-US" altLang="ko-KR" sz="2000" b="1" dirty="0"/>
+            <a:endParaRPr lang="en-US" altLang="ko-KR" sz="4000" b="1" dirty="0"/>
           </a:p>
         </p:txBody>
       </p:sp>
@@ -4576,8 +4225,8 @@
         </p:nvSpPr>
         <p:spPr>
           <a:xfrm>
-            <a:off x="6421082" y="5928068"/>
-            <a:ext cx="1600201" cy="523783"/>
+            <a:off x="12842165" y="11856137"/>
+            <a:ext cx="3200402" cy="1047566"/>
           </a:xfrm>
           <a:prstGeom prst="flowChartProcess">
             <a:avLst/>
@@ -4613,10 +4262,10 @@
           <a:p>
             <a:pPr algn="ctr"/>
             <a:r>
-              <a:rPr lang="en-US" altLang="ko-KR" sz="2000" b="1" dirty="0" err="1"/>
+              <a:rPr lang="en-US" altLang="ko-KR" sz="4000" b="1" dirty="0" err="1"/>
               <a:t>MiniGameB</a:t>
             </a:r>
-            <a:endParaRPr lang="en-US" altLang="ko-KR" sz="2000" b="1" dirty="0"/>
+            <a:endParaRPr lang="en-US" altLang="ko-KR" sz="4000" b="1" dirty="0"/>
           </a:p>
         </p:txBody>
       </p:sp>
@@ -4634,8 +4283,8 @@
         </p:nvSpPr>
         <p:spPr>
           <a:xfrm>
-            <a:off x="8367388" y="5243749"/>
-            <a:ext cx="1600202" cy="523783"/>
+            <a:off x="16734778" y="10487499"/>
+            <a:ext cx="3200404" cy="1047566"/>
           </a:xfrm>
           <a:prstGeom prst="flowChartProcess">
             <a:avLst/>
@@ -4671,10 +4320,10 @@
           <a:p>
             <a:pPr algn="ctr"/>
             <a:r>
-              <a:rPr lang="en-US" altLang="ko-KR" sz="2000" b="1" dirty="0" err="1"/>
+              <a:rPr lang="en-US" altLang="ko-KR" sz="4000" b="1" dirty="0" err="1"/>
               <a:t>MiniGameC</a:t>
             </a:r>
-            <a:endParaRPr lang="en-US" altLang="ko-KR" sz="2000" b="1" dirty="0"/>
+            <a:endParaRPr lang="en-US" altLang="ko-KR" sz="4000" b="1" dirty="0"/>
           </a:p>
         </p:txBody>
       </p:sp>
@@ -4692,8 +4341,8 @@
         </p:nvSpPr>
         <p:spPr>
           <a:xfrm>
-            <a:off x="9940029" y="5872574"/>
-            <a:ext cx="1632013" cy="523783"/>
+            <a:off x="19880059" y="11745149"/>
+            <a:ext cx="3264027" cy="1047566"/>
           </a:xfrm>
           <a:prstGeom prst="flowChartProcess">
             <a:avLst/>
@@ -4729,10 +4378,10 @@
           <a:p>
             <a:pPr algn="ctr"/>
             <a:r>
-              <a:rPr lang="en-US" altLang="ko-KR" sz="2000" b="1" dirty="0" err="1"/>
+              <a:rPr lang="en-US" altLang="ko-KR" sz="4000" b="1" dirty="0" err="1"/>
               <a:t>MiniGameD</a:t>
             </a:r>
-            <a:endParaRPr lang="en-US" altLang="ko-KR" sz="2000" b="1" dirty="0"/>
+            <a:endParaRPr lang="en-US" altLang="ko-KR" sz="4000" b="1" dirty="0"/>
           </a:p>
         </p:txBody>
       </p:sp>
@@ -4750,8 +4399,8 @@
         </p:nvSpPr>
         <p:spPr>
           <a:xfrm>
-            <a:off x="3761175" y="386157"/>
-            <a:ext cx="2309673" cy="597397"/>
+            <a:off x="7522352" y="772315"/>
+            <a:ext cx="4619346" cy="1194795"/>
           </a:xfrm>
           <a:prstGeom prst="flowChartProcess">
             <a:avLst/>
@@ -4787,10 +4436,10 @@
           <a:p>
             <a:pPr algn="ctr"/>
             <a:r>
-              <a:rPr lang="en-US" altLang="ko-KR" sz="2000" b="1" dirty="0" err="1"/>
+              <a:rPr lang="en-US" altLang="ko-KR" sz="4000" b="1" dirty="0" err="1"/>
               <a:t>MiniGameSetting</a:t>
             </a:r>
-            <a:endParaRPr lang="en-US" altLang="ko-KR" sz="2000" b="1" dirty="0"/>
+            <a:endParaRPr lang="en-US" altLang="ko-KR" sz="4000" b="1" dirty="0"/>
           </a:p>
         </p:txBody>
       </p:sp>
@@ -4808,8 +4457,8 @@
         </p:nvSpPr>
         <p:spPr>
           <a:xfrm>
-            <a:off x="6223247" y="380160"/>
-            <a:ext cx="1862830" cy="597397"/>
+            <a:off x="12446494" y="760320"/>
+            <a:ext cx="3725660" cy="1194795"/>
           </a:xfrm>
           <a:prstGeom prst="flowChartProcess">
             <a:avLst/>
@@ -4845,10 +4494,10 @@
           <a:p>
             <a:pPr algn="ctr"/>
             <a:r>
-              <a:rPr lang="en-US" altLang="ko-KR" sz="2000" b="1" dirty="0" err="1"/>
+              <a:rPr lang="en-US" altLang="ko-KR" sz="4000" b="1" dirty="0" err="1"/>
               <a:t>RankManager</a:t>
             </a:r>
-            <a:endParaRPr lang="en-US" altLang="ko-KR" sz="2000" b="1" dirty="0"/>
+            <a:endParaRPr lang="en-US" altLang="ko-KR" sz="4000" b="1" dirty="0"/>
           </a:p>
         </p:txBody>
       </p:sp>
@@ -4866,8 +4515,8 @@
         </p:nvSpPr>
         <p:spPr>
           <a:xfrm>
-            <a:off x="8205185" y="378230"/>
-            <a:ext cx="2550849" cy="597397"/>
+            <a:off x="16410372" y="756460"/>
+            <a:ext cx="5101698" cy="1194795"/>
           </a:xfrm>
           <a:prstGeom prst="flowChartProcess">
             <a:avLst/>
@@ -4903,10 +4552,10 @@
           <a:p>
             <a:pPr algn="ctr"/>
             <a:r>
-              <a:rPr lang="en-US" altLang="ko-KR" sz="2000" b="1" dirty="0" err="1"/>
+              <a:rPr lang="en-US" altLang="ko-KR" sz="4000" b="1" dirty="0" err="1"/>
               <a:t>BukkitTaskManager</a:t>
             </a:r>
-            <a:endParaRPr lang="en-US" altLang="ko-KR" sz="2000" b="1" dirty="0"/>
+            <a:endParaRPr lang="en-US" altLang="ko-KR" sz="4000" b="1" dirty="0"/>
           </a:p>
         </p:txBody>
       </p:sp>
@@ -4927,8 +4576,8 @@
         </p:nvCxnSpPr>
         <p:spPr>
           <a:xfrm rot="16200000" flipH="1">
-            <a:off x="2319314" y="778842"/>
-            <a:ext cx="432000" cy="1457418"/>
+            <a:off x="4638628" y="1557684"/>
+            <a:ext cx="864000" cy="2914836"/>
           </a:xfrm>
           <a:prstGeom prst="bentConnector3">
             <a:avLst/>
@@ -4973,8 +4622,8 @@
         </p:nvCxnSpPr>
         <p:spPr>
           <a:xfrm rot="5400000">
-            <a:off x="2009682" y="2849724"/>
-            <a:ext cx="1017235" cy="1491449"/>
+            <a:off x="4019366" y="5699449"/>
+            <a:ext cx="2034469" cy="2982898"/>
           </a:xfrm>
           <a:prstGeom prst="bentConnector3">
             <a:avLst>
@@ -5021,8 +4670,8 @@
         </p:nvCxnSpPr>
         <p:spPr>
           <a:xfrm rot="5400000">
-            <a:off x="1287546" y="5580808"/>
-            <a:ext cx="455153" cy="514905"/>
+            <a:off x="2575094" y="11161618"/>
+            <a:ext cx="910306" cy="1029810"/>
           </a:xfrm>
           <a:prstGeom prst="bentConnector3">
             <a:avLst>
@@ -5069,8 +4718,8 @@
         </p:nvCxnSpPr>
         <p:spPr>
           <a:xfrm rot="10800000" flipV="1">
-            <a:off x="927718" y="2405190"/>
-            <a:ext cx="1000217" cy="416803"/>
+            <a:off x="1855436" y="4810383"/>
+            <a:ext cx="2000434" cy="833605"/>
           </a:xfrm>
           <a:prstGeom prst="bentConnector2">
             <a:avLst/>
@@ -5115,8 +4764,8 @@
         </p:nvCxnSpPr>
         <p:spPr>
           <a:xfrm flipV="1">
-            <a:off x="4600112" y="2052214"/>
-            <a:ext cx="2091432" cy="352977"/>
+            <a:off x="9200225" y="4104429"/>
+            <a:ext cx="4182864" cy="705954"/>
           </a:xfrm>
           <a:prstGeom prst="bentConnector3">
             <a:avLst/>
@@ -5161,8 +4810,8 @@
         </p:nvCxnSpPr>
         <p:spPr>
           <a:xfrm rot="16200000" flipV="1">
-            <a:off x="6126976" y="-227409"/>
-            <a:ext cx="689695" cy="3111621"/>
+            <a:off x="12253955" y="-454818"/>
+            <a:ext cx="1379390" cy="6223243"/>
           </a:xfrm>
           <a:prstGeom prst="bentConnector3">
             <a:avLst>
@@ -5209,8 +4858,8 @@
         </p:nvCxnSpPr>
         <p:spPr>
           <a:xfrm rot="16200000" flipV="1">
-            <a:off x="7243302" y="888917"/>
-            <a:ext cx="695692" cy="872971"/>
+            <a:off x="14486604" y="1777835"/>
+            <a:ext cx="1391385" cy="1745941"/>
           </a:xfrm>
           <a:prstGeom prst="bentConnector3">
             <a:avLst>
@@ -5257,8 +4906,8 @@
         </p:nvCxnSpPr>
         <p:spPr>
           <a:xfrm rot="5400000" flipH="1" flipV="1">
-            <a:off x="8405310" y="597950"/>
-            <a:ext cx="697622" cy="1452977"/>
+            <a:off x="16810622" y="1195901"/>
+            <a:ext cx="1395244" cy="2905954"/>
           </a:xfrm>
           <a:prstGeom prst="bentConnector3">
             <a:avLst>
@@ -5305,8 +4954,8 @@
         </p:nvCxnSpPr>
         <p:spPr>
           <a:xfrm rot="5400000" flipH="1" flipV="1">
-            <a:off x="6641053" y="1700252"/>
-            <a:ext cx="655652" cy="2117507"/>
+            <a:off x="13282106" y="3400506"/>
+            <a:ext cx="1311305" cy="4235013"/>
           </a:xfrm>
           <a:prstGeom prst="bentConnector3">
             <a:avLst>
@@ -5356,8 +5005,8 @@
         </p:nvCxnSpPr>
         <p:spPr>
           <a:xfrm rot="16200000" flipV="1">
-            <a:off x="8221079" y="2237734"/>
-            <a:ext cx="752965" cy="1139856"/>
+            <a:off x="16442158" y="4475468"/>
+            <a:ext cx="1505931" cy="2279712"/>
           </a:xfrm>
           <a:prstGeom prst="bentConnector3">
             <a:avLst/>
@@ -5405,8 +5054,8 @@
         </p:nvCxnSpPr>
         <p:spPr>
           <a:xfrm rot="5400000" flipH="1" flipV="1">
-            <a:off x="6931983" y="3058533"/>
-            <a:ext cx="1723003" cy="468297"/>
+            <a:off x="13863968" y="6117067"/>
+            <a:ext cx="3446005" cy="936594"/>
           </a:xfrm>
           <a:prstGeom prst="bentConnector3">
             <a:avLst>
@@ -5456,8 +5105,8 @@
         </p:nvCxnSpPr>
         <p:spPr>
           <a:xfrm rot="16200000" flipV="1">
-            <a:off x="8598659" y="1860153"/>
-            <a:ext cx="1586350" cy="2728402"/>
+            <a:off x="17197318" y="3720306"/>
+            <a:ext cx="3172700" cy="5456804"/>
           </a:xfrm>
           <a:prstGeom prst="bentConnector3">
             <a:avLst>
@@ -5507,8 +5156,8 @@
         </p:nvCxnSpPr>
         <p:spPr>
           <a:xfrm rot="5400000" flipH="1" flipV="1">
-            <a:off x="4881148" y="4057922"/>
-            <a:ext cx="1402672" cy="655284"/>
+            <a:off x="9762297" y="8115844"/>
+            <a:ext cx="2805344" cy="1310569"/>
           </a:xfrm>
           <a:prstGeom prst="bentConnector3">
             <a:avLst>
@@ -5558,8 +5207,8 @@
         </p:nvCxnSpPr>
         <p:spPr>
           <a:xfrm rot="5400000" flipH="1" flipV="1">
-            <a:off x="6802015" y="5170748"/>
-            <a:ext cx="1176489" cy="338153"/>
+            <a:off x="13604032" y="10341497"/>
+            <a:ext cx="2352978" cy="676306"/>
           </a:xfrm>
           <a:prstGeom prst="bentConnector3">
             <a:avLst>
@@ -5609,8 +5258,8 @@
         </p:nvCxnSpPr>
         <p:spPr>
           <a:xfrm rot="5400000" flipH="1" flipV="1">
-            <a:off x="8436385" y="4512645"/>
-            <a:ext cx="1462208" cy="12700"/>
+            <a:off x="16872770" y="9025289"/>
+            <a:ext cx="2924416" cy="25401"/>
           </a:xfrm>
           <a:prstGeom prst="bentConnector3">
             <a:avLst>
@@ -5660,8 +5309,8 @@
         </p:nvCxnSpPr>
         <p:spPr>
           <a:xfrm rot="16200000" flipV="1">
-            <a:off x="10127212" y="5243749"/>
-            <a:ext cx="1257648" cy="1"/>
+            <a:off x="20254425" y="10487499"/>
+            <a:ext cx="2515296" cy="2"/>
           </a:xfrm>
           <a:prstGeom prst="bentConnector3">
             <a:avLst>
@@ -5707,8 +5356,8 @@
         </p:nvSpPr>
         <p:spPr>
           <a:xfrm>
-            <a:off x="9641151" y="1180756"/>
-            <a:ext cx="2550849" cy="597397"/>
+            <a:off x="19282305" y="2361513"/>
+            <a:ext cx="5101698" cy="1194795"/>
           </a:xfrm>
           <a:prstGeom prst="flowChartProcess">
             <a:avLst/>
@@ -5744,10 +5393,10 @@
           <a:p>
             <a:pPr algn="ctr"/>
             <a:r>
-              <a:rPr lang="en-US" altLang="ko-KR" sz="2000" b="1" dirty="0" err="1"/>
+              <a:rPr lang="en-US" altLang="ko-KR" sz="4000" b="1" dirty="0" err="1"/>
               <a:t>PlayerInvManager</a:t>
             </a:r>
-            <a:endParaRPr lang="en-US" altLang="ko-KR" sz="2000" b="1" dirty="0"/>
+            <a:endParaRPr lang="en-US" altLang="ko-KR" sz="4000" b="1" dirty="0"/>
           </a:p>
         </p:txBody>
       </p:sp>
@@ -5769,8 +5418,8 @@
         </p:nvCxnSpPr>
         <p:spPr>
           <a:xfrm flipV="1">
-            <a:off x="9363722" y="1479455"/>
-            <a:ext cx="277429" cy="572759"/>
+            <a:off x="18727445" y="2958910"/>
+            <a:ext cx="554859" cy="1145518"/>
           </a:xfrm>
           <a:prstGeom prst="bentConnector3">
             <a:avLst>
@@ -5851,8 +5500,8 @@
         </p:nvSpPr>
         <p:spPr>
           <a:xfrm>
-            <a:off x="4704521" y="3879949"/>
-            <a:ext cx="3021496" cy="2100745"/>
+            <a:off x="9409043" y="7759899"/>
+            <a:ext cx="6042992" cy="4201490"/>
           </a:xfrm>
           <a:prstGeom prst="flowChartProcess">
             <a:avLst/>
@@ -5888,59 +5537,59 @@
           <a:p>
             <a:pPr algn="ctr"/>
             <a:r>
-              <a:rPr lang="en-US" altLang="ko-KR" b="1" dirty="0"/>
+              <a:rPr lang="en-US" altLang="ko-KR" sz="5184" b="1" dirty="0"/>
               <a:t>&lt;API&gt;</a:t>
             </a:r>
           </a:p>
           <a:p>
             <a:pPr algn="ctr"/>
             <a:r>
-              <a:rPr lang="en-US" altLang="ko-KR" sz="2000" b="1" dirty="0" err="1"/>
+              <a:rPr lang="en-US" altLang="ko-KR" sz="4000" b="1" dirty="0" err="1"/>
               <a:t>MiniGameAccessor</a:t>
             </a:r>
-            <a:endParaRPr lang="en-US" altLang="ko-KR" sz="2000" b="1" dirty="0"/>
+            <a:endParaRPr lang="en-US" altLang="ko-KR" sz="4000" b="1" dirty="0"/>
           </a:p>
           <a:p>
             <a:pPr algn="ctr"/>
             <a:r>
-              <a:rPr lang="en-US" altLang="ko-KR" sz="2000" dirty="0" err="1"/>
+              <a:rPr lang="en-US" altLang="ko-KR" sz="4000" dirty="0" err="1"/>
               <a:t>getTitle</a:t>
             </a:r>
             <a:r>
-              <a:rPr lang="en-US" altLang="ko-KR" sz="2000" dirty="0"/>
+              <a:rPr lang="en-US" altLang="ko-KR" sz="4000" dirty="0"/>
               <a:t>();</a:t>
             </a:r>
           </a:p>
           <a:p>
             <a:pPr algn="ctr"/>
             <a:r>
-              <a:rPr lang="en-US" altLang="ko-KR" sz="2000" dirty="0" err="1"/>
+              <a:rPr lang="en-US" altLang="ko-KR" sz="4000" dirty="0" err="1"/>
               <a:t>getPlayers</a:t>
             </a:r>
             <a:r>
-              <a:rPr lang="en-US" altLang="ko-KR" sz="2000" dirty="0"/>
+              <a:rPr lang="en-US" altLang="ko-KR" sz="4000" dirty="0"/>
               <a:t>();</a:t>
             </a:r>
           </a:p>
           <a:p>
             <a:pPr algn="ctr"/>
             <a:r>
-              <a:rPr lang="en-US" altLang="ko-KR" sz="2000" dirty="0" err="1"/>
+              <a:rPr lang="en-US" altLang="ko-KR" sz="4000" dirty="0" err="1"/>
               <a:t>getPlayerScore</a:t>
             </a:r>
             <a:r>
-              <a:rPr lang="en-US" altLang="ko-KR" sz="2000" dirty="0"/>
+              <a:rPr lang="en-US" altLang="ko-KR" sz="4000" dirty="0"/>
               <a:t>();</a:t>
             </a:r>
           </a:p>
           <a:p>
             <a:pPr algn="ctr"/>
             <a:r>
-              <a:rPr lang="en-US" altLang="ko-KR" sz="2000" dirty="0" err="1"/>
+              <a:rPr lang="en-US" altLang="ko-KR" sz="4000" dirty="0" err="1"/>
               <a:t>isActive</a:t>
             </a:r>
             <a:r>
-              <a:rPr lang="en-US" altLang="ko-KR" sz="2000" dirty="0"/>
+              <a:rPr lang="en-US" altLang="ko-KR" sz="4000" dirty="0"/>
               <a:t>();</a:t>
             </a:r>
           </a:p>
@@ -5960,8 +5609,8 @@
         </p:nvSpPr>
         <p:spPr>
           <a:xfrm>
-            <a:off x="4704521" y="1172542"/>
-            <a:ext cx="3021496" cy="2100745"/>
+            <a:off x="9409043" y="2345084"/>
+            <a:ext cx="6042992" cy="4201490"/>
           </a:xfrm>
           <a:prstGeom prst="flowChartProcess">
             <a:avLst/>
@@ -5997,59 +5646,59 @@
           <a:p>
             <a:pPr algn="ctr"/>
             <a:r>
-              <a:rPr lang="en-US" altLang="ko-KR" b="1" dirty="0"/>
+              <a:rPr lang="en-US" altLang="ko-KR" sz="5184" b="1" dirty="0"/>
               <a:t>&lt;API&gt;</a:t>
             </a:r>
           </a:p>
           <a:p>
             <a:pPr algn="ctr"/>
             <a:r>
-              <a:rPr lang="en-US" altLang="ko-KR" sz="2000" b="1" dirty="0" err="1"/>
+              <a:rPr lang="en-US" altLang="ko-KR" sz="4000" b="1" dirty="0" err="1"/>
               <a:t>MiniGameWorld</a:t>
             </a:r>
-            <a:endParaRPr lang="en-US" altLang="ko-KR" sz="2000" b="1" dirty="0"/>
+            <a:endParaRPr lang="en-US" altLang="ko-KR" sz="4000" b="1" dirty="0"/>
           </a:p>
           <a:p>
             <a:pPr algn="ctr"/>
             <a:r>
-              <a:rPr lang="en-US" altLang="ko-KR" sz="2000" dirty="0" err="1"/>
+              <a:rPr lang="en-US" altLang="ko-KR" sz="4000" dirty="0" err="1"/>
               <a:t>registerMiniGame</a:t>
             </a:r>
             <a:r>
-              <a:rPr lang="en-US" altLang="ko-KR" sz="2000" dirty="0"/>
+              <a:rPr lang="en-US" altLang="ko-KR" sz="4000" dirty="0"/>
               <a:t>();</a:t>
             </a:r>
           </a:p>
           <a:p>
             <a:pPr algn="ctr"/>
             <a:r>
-              <a:rPr lang="en-US" altLang="ko-KR" sz="2000" dirty="0" err="1"/>
+              <a:rPr lang="en-US" altLang="ko-KR" sz="4000" dirty="0" err="1"/>
               <a:t>getMiniGameList</a:t>
             </a:r>
             <a:r>
-              <a:rPr lang="en-US" altLang="ko-KR" sz="2000" dirty="0"/>
+              <a:rPr lang="en-US" altLang="ko-KR" sz="4000" dirty="0"/>
               <a:t>();</a:t>
             </a:r>
           </a:p>
           <a:p>
             <a:pPr algn="ctr"/>
             <a:r>
-              <a:rPr lang="en-US" altLang="ko-KR" sz="2000" dirty="0" err="1"/>
+              <a:rPr lang="en-US" altLang="ko-KR" sz="4000" dirty="0" err="1"/>
               <a:t>joinGame</a:t>
             </a:r>
             <a:r>
-              <a:rPr lang="en-US" altLang="ko-KR" sz="2000" dirty="0"/>
+              <a:rPr lang="en-US" altLang="ko-KR" sz="4000" dirty="0"/>
               <a:t>();</a:t>
             </a:r>
           </a:p>
           <a:p>
             <a:pPr algn="ctr"/>
             <a:r>
-              <a:rPr lang="en-US" altLang="ko-KR" sz="2000" dirty="0" err="1"/>
+              <a:rPr lang="en-US" altLang="ko-KR" sz="4000" dirty="0" err="1"/>
               <a:t>leaveGame</a:t>
             </a:r>
             <a:r>
-              <a:rPr lang="en-US" altLang="ko-KR" sz="2000" dirty="0"/>
+              <a:rPr lang="en-US" altLang="ko-KR" sz="4000" dirty="0"/>
               <a:t>();</a:t>
             </a:r>
           </a:p>
@@ -6073,8 +5722,8 @@
         </p:nvCxnSpPr>
         <p:spPr>
           <a:xfrm rot="16200000" flipH="1">
-            <a:off x="2792363" y="310756"/>
-            <a:ext cx="1013011" cy="2811305"/>
+            <a:off x="5584728" y="621513"/>
+            <a:ext cx="2026021" cy="5622610"/>
           </a:xfrm>
           <a:prstGeom prst="bentConnector2">
             <a:avLst/>
@@ -6119,8 +5768,8 @@
         </p:nvCxnSpPr>
         <p:spPr>
           <a:xfrm rot="5400000" flipH="1" flipV="1">
-            <a:off x="5911938" y="3576618"/>
-            <a:ext cx="606662" cy="12700"/>
+            <a:off x="11823877" y="7153236"/>
+            <a:ext cx="1213324" cy="25401"/>
           </a:xfrm>
           <a:prstGeom prst="bentConnector3">
             <a:avLst>
@@ -6163,8 +5812,8 @@
         </p:nvSpPr>
         <p:spPr>
           <a:xfrm>
-            <a:off x="8401878" y="-172279"/>
-            <a:ext cx="3790122" cy="7248939"/>
+            <a:off x="16803757" y="-344556"/>
+            <a:ext cx="7580244" cy="14497877"/>
           </a:xfrm>
           <a:prstGeom prst="flowChartProcess">
             <a:avLst/>
@@ -6200,27 +5849,27 @@
           <a:p>
             <a:pPr algn="ctr"/>
             <a:r>
-              <a:rPr lang="en-US" altLang="ko-KR" sz="7200" b="1" dirty="0"/>
+              <a:rPr lang="en-US" altLang="ko-KR" sz="14400" b="1" dirty="0"/>
               <a:t>Mini</a:t>
             </a:r>
           </a:p>
           <a:p>
             <a:pPr algn="ctr"/>
             <a:r>
-              <a:rPr lang="en-US" altLang="ko-KR" sz="7200" b="1" dirty="0"/>
+              <a:rPr lang="en-US" altLang="ko-KR" sz="14400" b="1" dirty="0"/>
               <a:t>Game</a:t>
             </a:r>
           </a:p>
           <a:p>
             <a:pPr algn="ctr"/>
             <a:r>
-              <a:rPr lang="en-US" altLang="ko-KR" sz="7200" b="1" dirty="0"/>
+              <a:rPr lang="en-US" altLang="ko-KR" sz="14400" b="1" dirty="0"/>
               <a:t>World</a:t>
             </a:r>
           </a:p>
           <a:p>
             <a:pPr algn="ctr"/>
-            <a:endParaRPr lang="en-US" altLang="ko-KR" sz="7200" b="1" dirty="0"/>
+            <a:endParaRPr lang="en-US" altLang="ko-KR" sz="14400" b="1" dirty="0"/>
           </a:p>
         </p:txBody>
       </p:sp>
@@ -6242,8 +5891,8 @@
         </p:nvCxnSpPr>
         <p:spPr>
           <a:xfrm>
-            <a:off x="7726017" y="2222915"/>
-            <a:ext cx="675861" cy="1229276"/>
+            <a:off x="15452035" y="4445829"/>
+            <a:ext cx="1351723" cy="2458553"/>
           </a:xfrm>
           <a:prstGeom prst="bentConnector3">
             <a:avLst/>
@@ -6284,8 +5933,8 @@
         </p:nvSpPr>
         <p:spPr>
           <a:xfrm>
-            <a:off x="535672" y="479941"/>
-            <a:ext cx="2715088" cy="729963"/>
+            <a:off x="1071344" y="959883"/>
+            <a:ext cx="5430176" cy="1459925"/>
           </a:xfrm>
           <a:prstGeom prst="flowChartProcess">
             <a:avLst/>
@@ -6321,10 +5970,10 @@
           <a:p>
             <a:pPr algn="ctr"/>
             <a:r>
-              <a:rPr lang="en-US" altLang="ko-KR" sz="2000" b="1" dirty="0" err="1"/>
+              <a:rPr lang="en-US" altLang="ko-KR" sz="4000" b="1" dirty="0" err="1"/>
               <a:t>ExampleMiniGame</a:t>
             </a:r>
-            <a:endParaRPr lang="en-US" altLang="ko-KR" sz="2000" dirty="0"/>
+            <a:endParaRPr lang="en-US" altLang="ko-KR" sz="4000" dirty="0"/>
           </a:p>
         </p:txBody>
       </p:sp>
@@ -6342,8 +5991,8 @@
         </p:nvSpPr>
         <p:spPr>
           <a:xfrm>
-            <a:off x="535671" y="3064018"/>
-            <a:ext cx="2715088" cy="729963"/>
+            <a:off x="1071342" y="6128038"/>
+            <a:ext cx="5430176" cy="1459925"/>
           </a:xfrm>
           <a:prstGeom prst="flowChartProcess">
             <a:avLst/>
@@ -6379,7 +6028,7 @@
           <a:p>
             <a:pPr algn="ctr"/>
             <a:r>
-              <a:rPr lang="en-US" altLang="ko-KR" sz="2000" b="1" dirty="0"/>
+              <a:rPr lang="en-US" altLang="ko-KR" sz="4000" b="1" dirty="0"/>
               <a:t>3rd-party Plugin</a:t>
             </a:r>
           </a:p>
@@ -6403,8 +6052,8 @@
         </p:nvCxnSpPr>
         <p:spPr>
           <a:xfrm rot="5400000" flipH="1" flipV="1">
-            <a:off x="2878317" y="1237814"/>
-            <a:ext cx="841103" cy="2811306"/>
+            <a:off x="5756636" y="2475629"/>
+            <a:ext cx="1682206" cy="5622612"/>
           </a:xfrm>
           <a:prstGeom prst="bentConnector2">
             <a:avLst/>
@@ -6444,10 +6093,1849 @@
 </p:sld>
 </file>
 
+<file path=ppt/slides/slide4.xml><?xml version="1.0" encoding="utf-8"?>
+<p:sld xmlns:a="http://schemas.openxmlformats.org/drawingml/2006/main" xmlns:r="http://schemas.openxmlformats.org/officeDocument/2006/relationships" xmlns:p="http://schemas.openxmlformats.org/presentationml/2006/main">
+  <p:cSld>
+    <p:spTree>
+      <p:nvGrpSpPr>
+        <p:cNvPr id="1" name=""/>
+        <p:cNvGrpSpPr/>
+        <p:nvPr/>
+      </p:nvGrpSpPr>
+      <p:grpSpPr>
+        <a:xfrm>
+          <a:off x="0" y="0"/>
+          <a:ext cx="0" cy="0"/>
+          <a:chOff x="0" y="0"/>
+          <a:chExt cx="0" cy="0"/>
+        </a:xfrm>
+      </p:grpSpPr>
+      <p:sp>
+        <p:nvSpPr>
+          <p:cNvPr id="2" name="Title 1">
+            <a:extLst>
+              <a:ext uri="{FF2B5EF4-FFF2-40B4-BE49-F238E27FC236}">
+                <a16:creationId xmlns:a16="http://schemas.microsoft.com/office/drawing/2014/main" id="{1E95617C-8AAE-48C8-A687-AC6DE5B9F620}"/>
+              </a:ext>
+            </a:extLst>
+          </p:cNvPr>
+          <p:cNvSpPr>
+            <a:spLocks noGrp="1"/>
+          </p:cNvSpPr>
+          <p:nvPr>
+            <p:ph type="ctrTitle"/>
+          </p:nvPr>
+        </p:nvSpPr>
+        <p:spPr>
+          <a:xfrm>
+            <a:off x="21527779" y="11490045"/>
+            <a:ext cx="1430180" cy="1607820"/>
+          </a:xfrm>
+        </p:spPr>
+        <p:txBody>
+          <a:bodyPr anchor="ctr">
+            <a:noAutofit/>
+          </a:bodyPr>
+          <a:lstStyle/>
+          <a:p>
+            <a:r>
+              <a:rPr lang="en-US" altLang="ko-KR" sz="11200" b="1" dirty="0"/>
+              <a:t>M</a:t>
+            </a:r>
+            <a:endParaRPr lang="ko-KR" altLang="en-US" sz="11200" b="1" dirty="0"/>
+          </a:p>
+        </p:txBody>
+      </p:sp>
+      <p:sp>
+        <p:nvSpPr>
+          <p:cNvPr id="4" name="Title 1">
+            <a:extLst>
+              <a:ext uri="{FF2B5EF4-FFF2-40B4-BE49-F238E27FC236}">
+                <a16:creationId xmlns:a16="http://schemas.microsoft.com/office/drawing/2014/main" id="{3090121A-9843-491C-9B63-67914ED18D3A}"/>
+              </a:ext>
+            </a:extLst>
+          </p:cNvPr>
+          <p:cNvSpPr txBox="1">
+            <a:spLocks/>
+          </p:cNvSpPr>
+          <p:nvPr/>
+        </p:nvSpPr>
+        <p:spPr>
+          <a:xfrm rot="10800000">
+            <a:off x="21583432" y="11278762"/>
+            <a:ext cx="1424917" cy="1592795"/>
+          </a:xfrm>
+          <a:prstGeom prst="rect">
+            <a:avLst/>
+          </a:prstGeom>
+        </p:spPr>
+        <p:txBody>
+          <a:bodyPr vert="horz" lIns="182880" tIns="91440" rIns="182880" bIns="91440" rtlCol="0" anchor="ctr">
+            <a:normAutofit fontScale="92500" lnSpcReduction="10000"/>
+          </a:bodyPr>
+          <a:lstStyle>
+            <a:lvl1pPr algn="ctr" defTabSz="914400" rtl="0" eaLnBrk="1" latinLnBrk="1" hangingPunct="1">
+              <a:lnSpc>
+                <a:spcPct val="90000"/>
+              </a:lnSpc>
+              <a:spcBef>
+                <a:spcPct val="0"/>
+              </a:spcBef>
+              <a:buNone/>
+              <a:defRPr sz="6000" kern="1200">
+                <a:solidFill>
+                  <a:schemeClr val="tx1"/>
+                </a:solidFill>
+                <a:latin typeface="+mj-lt"/>
+                <a:ea typeface="+mj-ea"/>
+                <a:cs typeface="+mj-cs"/>
+              </a:defRPr>
+            </a:lvl1pPr>
+          </a:lstStyle>
+          <a:p>
+            <a:r>
+              <a:rPr lang="en-US" altLang="ko-KR" sz="12000" b="1" dirty="0"/>
+              <a:t>M</a:t>
+            </a:r>
+            <a:endParaRPr lang="ko-KR" altLang="en-US" sz="12000" b="1" dirty="0"/>
+          </a:p>
+        </p:txBody>
+      </p:sp>
+      <p:sp>
+        <p:nvSpPr>
+          <p:cNvPr id="6" name="Flowchart: Decision 5">
+            <a:extLst>
+              <a:ext uri="{FF2B5EF4-FFF2-40B4-BE49-F238E27FC236}">
+                <a16:creationId xmlns:a16="http://schemas.microsoft.com/office/drawing/2014/main" id="{2B4E820E-9E27-433B-951C-111FDDDFCD4C}"/>
+              </a:ext>
+            </a:extLst>
+          </p:cNvPr>
+          <p:cNvSpPr/>
+          <p:nvPr/>
+        </p:nvSpPr>
+        <p:spPr>
+          <a:xfrm>
+            <a:off x="22129844" y="11856607"/>
+            <a:ext cx="279942" cy="690880"/>
+          </a:xfrm>
+          <a:prstGeom prst="flowChartDecision">
+            <a:avLst/>
+          </a:prstGeom>
+          <a:solidFill>
+            <a:srgbClr val="FF0000"/>
+          </a:solidFill>
+          <a:ln>
+            <a:solidFill>
+              <a:srgbClr val="C00000"/>
+            </a:solidFill>
+          </a:ln>
+        </p:spPr>
+        <p:style>
+          <a:lnRef idx="2">
+            <a:schemeClr val="accent1">
+              <a:shade val="50000"/>
+            </a:schemeClr>
+          </a:lnRef>
+          <a:fillRef idx="1">
+            <a:schemeClr val="accent1"/>
+          </a:fillRef>
+          <a:effectRef idx="0">
+            <a:schemeClr val="accent1"/>
+          </a:effectRef>
+          <a:fontRef idx="minor">
+            <a:schemeClr val="lt1"/>
+          </a:fontRef>
+        </p:style>
+        <p:txBody>
+          <a:bodyPr rtlCol="0" anchor="ctr"/>
+          <a:lstStyle/>
+          <a:p>
+            <a:pPr algn="ctr"/>
+            <a:endParaRPr lang="ko-KR" altLang="en-US" sz="5184"/>
+          </a:p>
+        </p:txBody>
+      </p:sp>
+      <p:sp>
+        <p:nvSpPr>
+          <p:cNvPr id="8" name="Isosceles Triangle 7">
+            <a:extLst>
+              <a:ext uri="{FF2B5EF4-FFF2-40B4-BE49-F238E27FC236}">
+                <a16:creationId xmlns:a16="http://schemas.microsoft.com/office/drawing/2014/main" id="{B1EBF264-50F6-44A6-867F-EF594E5FB160}"/>
+              </a:ext>
+            </a:extLst>
+          </p:cNvPr>
+          <p:cNvSpPr/>
+          <p:nvPr/>
+        </p:nvSpPr>
+        <p:spPr>
+          <a:xfrm rot="5400000">
+            <a:off x="21614679" y="12111392"/>
+            <a:ext cx="651051" cy="146686"/>
+          </a:xfrm>
+          <a:prstGeom prst="triangle">
+            <a:avLst/>
+          </a:prstGeom>
+        </p:spPr>
+        <p:style>
+          <a:lnRef idx="2">
+            <a:schemeClr val="accent1">
+              <a:shade val="50000"/>
+            </a:schemeClr>
+          </a:lnRef>
+          <a:fillRef idx="1">
+            <a:schemeClr val="accent1"/>
+          </a:fillRef>
+          <a:effectRef idx="0">
+            <a:schemeClr val="accent1"/>
+          </a:effectRef>
+          <a:fontRef idx="minor">
+            <a:schemeClr val="lt1"/>
+          </a:fontRef>
+        </p:style>
+        <p:txBody>
+          <a:bodyPr rtlCol="0" anchor="ctr"/>
+          <a:lstStyle/>
+          <a:p>
+            <a:pPr algn="ctr"/>
+            <a:endParaRPr lang="ko-KR" altLang="en-US" sz="5184"/>
+          </a:p>
+        </p:txBody>
+      </p:sp>
+      <p:sp>
+        <p:nvSpPr>
+          <p:cNvPr id="9" name="Isosceles Triangle 8">
+            <a:extLst>
+              <a:ext uri="{FF2B5EF4-FFF2-40B4-BE49-F238E27FC236}">
+                <a16:creationId xmlns:a16="http://schemas.microsoft.com/office/drawing/2014/main" id="{76D00278-F887-4C3F-A8D0-2DAC29798E40}"/>
+              </a:ext>
+            </a:extLst>
+          </p:cNvPr>
+          <p:cNvSpPr/>
+          <p:nvPr/>
+        </p:nvSpPr>
+        <p:spPr>
+          <a:xfrm rot="16200000">
+            <a:off x="22222997" y="12095342"/>
+            <a:ext cx="651051" cy="146686"/>
+          </a:xfrm>
+          <a:prstGeom prst="triangle">
+            <a:avLst/>
+          </a:prstGeom>
+        </p:spPr>
+        <p:style>
+          <a:lnRef idx="2">
+            <a:schemeClr val="accent1">
+              <a:shade val="50000"/>
+            </a:schemeClr>
+          </a:lnRef>
+          <a:fillRef idx="1">
+            <a:schemeClr val="accent1"/>
+          </a:fillRef>
+          <a:effectRef idx="0">
+            <a:schemeClr val="accent1"/>
+          </a:effectRef>
+          <a:fontRef idx="minor">
+            <a:schemeClr val="lt1"/>
+          </a:fontRef>
+        </p:style>
+        <p:txBody>
+          <a:bodyPr rtlCol="0" anchor="ctr"/>
+          <a:lstStyle/>
+          <a:p>
+            <a:pPr algn="ctr"/>
+            <a:endParaRPr lang="ko-KR" altLang="en-US" sz="5184"/>
+          </a:p>
+        </p:txBody>
+      </p:sp>
+      <p:sp>
+        <p:nvSpPr>
+          <p:cNvPr id="11" name="Isosceles Triangle 10">
+            <a:extLst>
+              <a:ext uri="{FF2B5EF4-FFF2-40B4-BE49-F238E27FC236}">
+                <a16:creationId xmlns:a16="http://schemas.microsoft.com/office/drawing/2014/main" id="{99C79B06-D087-4E25-8F43-64F3A9DE2939}"/>
+              </a:ext>
+            </a:extLst>
+          </p:cNvPr>
+          <p:cNvSpPr/>
+          <p:nvPr/>
+        </p:nvSpPr>
+        <p:spPr>
+          <a:xfrm rot="10800000">
+            <a:off x="22320205" y="11686585"/>
+            <a:ext cx="201108" cy="270793"/>
+          </a:xfrm>
+          <a:prstGeom prst="triangle">
+            <a:avLst/>
+          </a:prstGeom>
+          <a:solidFill>
+            <a:srgbClr val="00B050"/>
+          </a:solidFill>
+          <a:ln>
+            <a:solidFill>
+              <a:srgbClr val="008000"/>
+            </a:solidFill>
+          </a:ln>
+        </p:spPr>
+        <p:style>
+          <a:lnRef idx="2">
+            <a:schemeClr val="accent1">
+              <a:shade val="50000"/>
+            </a:schemeClr>
+          </a:lnRef>
+          <a:fillRef idx="1">
+            <a:schemeClr val="accent1"/>
+          </a:fillRef>
+          <a:effectRef idx="0">
+            <a:schemeClr val="accent1"/>
+          </a:effectRef>
+          <a:fontRef idx="minor">
+            <a:schemeClr val="lt1"/>
+          </a:fontRef>
+        </p:style>
+        <p:txBody>
+          <a:bodyPr rtlCol="0" anchor="ctr"/>
+          <a:lstStyle/>
+          <a:p>
+            <a:pPr algn="ctr"/>
+            <a:endParaRPr lang="ko-KR" altLang="en-US" sz="5184"/>
+          </a:p>
+        </p:txBody>
+      </p:sp>
+      <p:sp>
+        <p:nvSpPr>
+          <p:cNvPr id="12" name="Isosceles Triangle 11">
+            <a:extLst>
+              <a:ext uri="{FF2B5EF4-FFF2-40B4-BE49-F238E27FC236}">
+                <a16:creationId xmlns:a16="http://schemas.microsoft.com/office/drawing/2014/main" id="{693B51BB-38E3-4693-B29E-989E13265EB2}"/>
+              </a:ext>
+            </a:extLst>
+          </p:cNvPr>
+          <p:cNvSpPr/>
+          <p:nvPr/>
+        </p:nvSpPr>
+        <p:spPr>
+          <a:xfrm rot="10800000">
+            <a:off x="21959165" y="11686585"/>
+            <a:ext cx="201108" cy="270793"/>
+          </a:xfrm>
+          <a:prstGeom prst="triangle">
+            <a:avLst/>
+          </a:prstGeom>
+          <a:ln/>
+        </p:spPr>
+        <p:style>
+          <a:lnRef idx="2">
+            <a:schemeClr val="accent4">
+              <a:shade val="50000"/>
+            </a:schemeClr>
+          </a:lnRef>
+          <a:fillRef idx="1">
+            <a:schemeClr val="accent4"/>
+          </a:fillRef>
+          <a:effectRef idx="0">
+            <a:schemeClr val="accent4"/>
+          </a:effectRef>
+          <a:fontRef idx="minor">
+            <a:schemeClr val="lt1"/>
+          </a:fontRef>
+        </p:style>
+        <p:txBody>
+          <a:bodyPr rtlCol="0" anchor="ctr"/>
+          <a:lstStyle/>
+          <a:p>
+            <a:pPr algn="ctr"/>
+            <a:endParaRPr lang="ko-KR" altLang="en-US" sz="5184"/>
+          </a:p>
+        </p:txBody>
+      </p:sp>
+      <p:sp>
+        <p:nvSpPr>
+          <p:cNvPr id="13" name="Isosceles Triangle 12">
+            <a:extLst>
+              <a:ext uri="{FF2B5EF4-FFF2-40B4-BE49-F238E27FC236}">
+                <a16:creationId xmlns:a16="http://schemas.microsoft.com/office/drawing/2014/main" id="{53FBB6EC-A458-4B4B-9F73-192E6CFC3EFC}"/>
+              </a:ext>
+            </a:extLst>
+          </p:cNvPr>
+          <p:cNvSpPr/>
+          <p:nvPr/>
+        </p:nvSpPr>
+        <p:spPr>
+          <a:xfrm>
+            <a:off x="21945234" y="12412091"/>
+            <a:ext cx="201108" cy="270793"/>
+          </a:xfrm>
+          <a:prstGeom prst="triangle">
+            <a:avLst/>
+          </a:prstGeom>
+          <a:solidFill>
+            <a:srgbClr val="00B050"/>
+          </a:solidFill>
+          <a:ln>
+            <a:solidFill>
+              <a:srgbClr val="008000"/>
+            </a:solidFill>
+          </a:ln>
+        </p:spPr>
+        <p:style>
+          <a:lnRef idx="2">
+            <a:schemeClr val="accent1">
+              <a:shade val="50000"/>
+            </a:schemeClr>
+          </a:lnRef>
+          <a:fillRef idx="1">
+            <a:schemeClr val="accent1"/>
+          </a:fillRef>
+          <a:effectRef idx="0">
+            <a:schemeClr val="accent1"/>
+          </a:effectRef>
+          <a:fontRef idx="minor">
+            <a:schemeClr val="lt1"/>
+          </a:fontRef>
+        </p:style>
+        <p:txBody>
+          <a:bodyPr rtlCol="0" anchor="ctr"/>
+          <a:lstStyle/>
+          <a:p>
+            <a:pPr algn="ctr"/>
+            <a:endParaRPr lang="ko-KR" altLang="en-US" sz="5184" dirty="0"/>
+          </a:p>
+        </p:txBody>
+      </p:sp>
+      <p:sp>
+        <p:nvSpPr>
+          <p:cNvPr id="14" name="Isosceles Triangle 13">
+            <a:extLst>
+              <a:ext uri="{FF2B5EF4-FFF2-40B4-BE49-F238E27FC236}">
+                <a16:creationId xmlns:a16="http://schemas.microsoft.com/office/drawing/2014/main" id="{4A868FA8-5916-4990-859B-190803BCDCE2}"/>
+              </a:ext>
+            </a:extLst>
+          </p:cNvPr>
+          <p:cNvSpPr/>
+          <p:nvPr/>
+        </p:nvSpPr>
+        <p:spPr>
+          <a:xfrm>
+            <a:off x="22309226" y="12412091"/>
+            <a:ext cx="201108" cy="270793"/>
+          </a:xfrm>
+          <a:prstGeom prst="triangle">
+            <a:avLst/>
+          </a:prstGeom>
+          <a:ln/>
+        </p:spPr>
+        <p:style>
+          <a:lnRef idx="2">
+            <a:schemeClr val="accent4">
+              <a:shade val="50000"/>
+            </a:schemeClr>
+          </a:lnRef>
+          <a:fillRef idx="1">
+            <a:schemeClr val="accent4"/>
+          </a:fillRef>
+          <a:effectRef idx="0">
+            <a:schemeClr val="accent4"/>
+          </a:effectRef>
+          <a:fontRef idx="minor">
+            <a:schemeClr val="lt1"/>
+          </a:fontRef>
+        </p:style>
+        <p:txBody>
+          <a:bodyPr rtlCol="0" anchor="ctr"/>
+          <a:lstStyle/>
+          <a:p>
+            <a:pPr algn="ctr"/>
+            <a:endParaRPr lang="ko-KR" altLang="en-US" sz="5184"/>
+          </a:p>
+        </p:txBody>
+      </p:sp>
+      <p:grpSp>
+        <p:nvGrpSpPr>
+          <p:cNvPr id="22" name="Group 21">
+            <a:extLst>
+              <a:ext uri="{FF2B5EF4-FFF2-40B4-BE49-F238E27FC236}">
+                <a16:creationId xmlns:a16="http://schemas.microsoft.com/office/drawing/2014/main" id="{2ECD6269-F7F4-404D-866B-E2DF20BF7D62}"/>
+              </a:ext>
+            </a:extLst>
+          </p:cNvPr>
+          <p:cNvGrpSpPr/>
+          <p:nvPr/>
+        </p:nvGrpSpPr>
+        <p:grpSpPr>
+          <a:xfrm>
+            <a:off x="7630858" y="2296859"/>
+            <a:ext cx="9122283" cy="9122282"/>
+            <a:chOff x="6924541" y="2161585"/>
+            <a:chExt cx="9525001" cy="9525000"/>
+          </a:xfrm>
+        </p:grpSpPr>
+        <p:pic>
+          <p:nvPicPr>
+            <p:cNvPr id="20" name="Picture 19">
+              <a:extLst>
+                <a:ext uri="{FF2B5EF4-FFF2-40B4-BE49-F238E27FC236}">
+                  <a16:creationId xmlns:a16="http://schemas.microsoft.com/office/drawing/2014/main" id="{492B3541-0188-44B6-AE85-841C2519F2F1}"/>
+                </a:ext>
+              </a:extLst>
+            </p:cNvPr>
+            <p:cNvPicPr>
+              <a:picLocks noChangeAspect="1"/>
+            </p:cNvPicPr>
+            <p:nvPr/>
+          </p:nvPicPr>
+          <p:blipFill>
+            <a:blip r:embed="rId2">
+              <a:extLst>
+                <a:ext uri="{28A0092B-C50C-407E-A947-70E740481C1C}">
+                  <a14:useLocalDpi xmlns:a14="http://schemas.microsoft.com/office/drawing/2010/main" val="0"/>
+                </a:ext>
+              </a:extLst>
+            </a:blip>
+            <a:stretch>
+              <a:fillRect/>
+            </a:stretch>
+          </p:blipFill>
+          <p:spPr>
+            <a:xfrm>
+              <a:off x="6924541" y="2161585"/>
+              <a:ext cx="9525000" cy="9525000"/>
+            </a:xfrm>
+            <a:prstGeom prst="rect">
+              <a:avLst/>
+            </a:prstGeom>
+          </p:spPr>
+        </p:pic>
+        <p:pic>
+          <p:nvPicPr>
+            <p:cNvPr id="21" name="Picture 20">
+              <a:extLst>
+                <a:ext uri="{FF2B5EF4-FFF2-40B4-BE49-F238E27FC236}">
+                  <a16:creationId xmlns:a16="http://schemas.microsoft.com/office/drawing/2014/main" id="{44BC982A-98C1-4B19-8019-4FF5D303F471}"/>
+                </a:ext>
+              </a:extLst>
+            </p:cNvPr>
+            <p:cNvPicPr>
+              <a:picLocks noChangeAspect="1"/>
+            </p:cNvPicPr>
+            <p:nvPr/>
+          </p:nvPicPr>
+          <p:blipFill>
+            <a:blip r:embed="rId2">
+              <a:extLst>
+                <a:ext uri="{28A0092B-C50C-407E-A947-70E740481C1C}">
+                  <a14:useLocalDpi xmlns:a14="http://schemas.microsoft.com/office/drawing/2010/main" val="0"/>
+                </a:ext>
+              </a:extLst>
+            </a:blip>
+            <a:stretch>
+              <a:fillRect/>
+            </a:stretch>
+          </p:blipFill>
+          <p:spPr>
+            <a:xfrm rot="10800000">
+              <a:off x="6924542" y="2161585"/>
+              <a:ext cx="9525000" cy="9525000"/>
+            </a:xfrm>
+            <a:prstGeom prst="rect">
+              <a:avLst/>
+            </a:prstGeom>
+          </p:spPr>
+        </p:pic>
+      </p:grpSp>
+      <p:sp>
+        <p:nvSpPr>
+          <p:cNvPr id="23" name="Title 1">
+            <a:extLst>
+              <a:ext uri="{FF2B5EF4-FFF2-40B4-BE49-F238E27FC236}">
+                <a16:creationId xmlns:a16="http://schemas.microsoft.com/office/drawing/2014/main" id="{763BFD39-C019-4D62-A66E-C00ABAEFF545}"/>
+              </a:ext>
+            </a:extLst>
+          </p:cNvPr>
+          <p:cNvSpPr txBox="1">
+            <a:spLocks/>
+          </p:cNvSpPr>
+          <p:nvPr/>
+        </p:nvSpPr>
+        <p:spPr>
+          <a:xfrm>
+            <a:off x="21889581" y="8128280"/>
+            <a:ext cx="1430180" cy="1607820"/>
+          </a:xfrm>
+          <a:prstGeom prst="rect">
+            <a:avLst/>
+          </a:prstGeom>
+        </p:spPr>
+        <p:txBody>
+          <a:bodyPr vert="horz" lIns="91440" tIns="45720" rIns="91440" bIns="45720" rtlCol="0" anchor="ctr">
+            <a:noAutofit/>
+          </a:bodyPr>
+          <a:lstStyle>
+            <a:lvl1pPr algn="ctr" defTabSz="1828800" rtl="0" eaLnBrk="1" latinLnBrk="1" hangingPunct="1">
+              <a:lnSpc>
+                <a:spcPct val="90000"/>
+              </a:lnSpc>
+              <a:spcBef>
+                <a:spcPct val="0"/>
+              </a:spcBef>
+              <a:buNone/>
+              <a:defRPr sz="12000" kern="1200">
+                <a:solidFill>
+                  <a:schemeClr val="tx1"/>
+                </a:solidFill>
+                <a:latin typeface="+mj-lt"/>
+                <a:ea typeface="+mj-ea"/>
+                <a:cs typeface="+mj-cs"/>
+              </a:defRPr>
+            </a:lvl1pPr>
+          </a:lstStyle>
+          <a:p>
+            <a:r>
+              <a:rPr lang="en-US" altLang="ko-KR" sz="11200" b="1"/>
+              <a:t>M</a:t>
+            </a:r>
+            <a:endParaRPr lang="ko-KR" altLang="en-US" sz="11200" b="1" dirty="0"/>
+          </a:p>
+        </p:txBody>
+      </p:sp>
+      <p:sp>
+        <p:nvSpPr>
+          <p:cNvPr id="24" name="Title 1">
+            <a:extLst>
+              <a:ext uri="{FF2B5EF4-FFF2-40B4-BE49-F238E27FC236}">
+                <a16:creationId xmlns:a16="http://schemas.microsoft.com/office/drawing/2014/main" id="{4D508394-C818-4932-AC41-2BE3CE115853}"/>
+              </a:ext>
+            </a:extLst>
+          </p:cNvPr>
+          <p:cNvSpPr txBox="1">
+            <a:spLocks/>
+          </p:cNvSpPr>
+          <p:nvPr/>
+        </p:nvSpPr>
+        <p:spPr>
+          <a:xfrm rot="10800000">
+            <a:off x="21945234" y="7916997"/>
+            <a:ext cx="1424917" cy="1592795"/>
+          </a:xfrm>
+          <a:prstGeom prst="rect">
+            <a:avLst/>
+          </a:prstGeom>
+        </p:spPr>
+        <p:txBody>
+          <a:bodyPr vert="horz" lIns="182880" tIns="91440" rIns="182880" bIns="91440" rtlCol="0" anchor="ctr">
+            <a:normAutofit fontScale="92500" lnSpcReduction="10000"/>
+          </a:bodyPr>
+          <a:lstStyle>
+            <a:lvl1pPr algn="ctr" defTabSz="914400" rtl="0" eaLnBrk="1" latinLnBrk="1" hangingPunct="1">
+              <a:lnSpc>
+                <a:spcPct val="90000"/>
+              </a:lnSpc>
+              <a:spcBef>
+                <a:spcPct val="0"/>
+              </a:spcBef>
+              <a:buNone/>
+              <a:defRPr sz="6000" kern="1200">
+                <a:solidFill>
+                  <a:schemeClr val="tx1"/>
+                </a:solidFill>
+                <a:latin typeface="+mj-lt"/>
+                <a:ea typeface="+mj-ea"/>
+                <a:cs typeface="+mj-cs"/>
+              </a:defRPr>
+            </a:lvl1pPr>
+          </a:lstStyle>
+          <a:p>
+            <a:r>
+              <a:rPr lang="en-US" altLang="ko-KR" sz="12000" b="1" dirty="0"/>
+              <a:t>M</a:t>
+            </a:r>
+            <a:endParaRPr lang="ko-KR" altLang="en-US" sz="12000" b="1" dirty="0"/>
+          </a:p>
+        </p:txBody>
+      </p:sp>
+      <p:sp>
+        <p:nvSpPr>
+          <p:cNvPr id="25" name="Flowchart: Decision 24">
+            <a:extLst>
+              <a:ext uri="{FF2B5EF4-FFF2-40B4-BE49-F238E27FC236}">
+                <a16:creationId xmlns:a16="http://schemas.microsoft.com/office/drawing/2014/main" id="{03CEFF8E-03E7-4216-B087-5786C32511F8}"/>
+              </a:ext>
+            </a:extLst>
+          </p:cNvPr>
+          <p:cNvSpPr/>
+          <p:nvPr/>
+        </p:nvSpPr>
+        <p:spPr>
+          <a:xfrm flipH="1">
+            <a:off x="11725828" y="5587719"/>
+            <a:ext cx="932338" cy="2540562"/>
+          </a:xfrm>
+          <a:prstGeom prst="flowChartDecision">
+            <a:avLst/>
+          </a:prstGeom>
+          <a:solidFill>
+            <a:srgbClr val="FF0000"/>
+          </a:solidFill>
+          <a:ln w="76200">
+            <a:solidFill>
+              <a:srgbClr val="C00000"/>
+            </a:solidFill>
+          </a:ln>
+        </p:spPr>
+        <p:style>
+          <a:lnRef idx="2">
+            <a:schemeClr val="accent1">
+              <a:shade val="50000"/>
+            </a:schemeClr>
+          </a:lnRef>
+          <a:fillRef idx="1">
+            <a:schemeClr val="accent1"/>
+          </a:fillRef>
+          <a:effectRef idx="0">
+            <a:schemeClr val="accent1"/>
+          </a:effectRef>
+          <a:fontRef idx="minor">
+            <a:schemeClr val="lt1"/>
+          </a:fontRef>
+        </p:style>
+        <p:txBody>
+          <a:bodyPr rtlCol="0" anchor="ctr"/>
+          <a:lstStyle/>
+          <a:p>
+            <a:pPr algn="ctr"/>
+            <a:endParaRPr lang="ko-KR" altLang="en-US" sz="5184"/>
+          </a:p>
+        </p:txBody>
+      </p:sp>
+      <p:sp>
+        <p:nvSpPr>
+          <p:cNvPr id="26" name="Isosceles Triangle 25">
+            <a:extLst>
+              <a:ext uri="{FF2B5EF4-FFF2-40B4-BE49-F238E27FC236}">
+                <a16:creationId xmlns:a16="http://schemas.microsoft.com/office/drawing/2014/main" id="{A738A5C3-4A74-4489-97FC-6019D17C4F29}"/>
+              </a:ext>
+            </a:extLst>
+          </p:cNvPr>
+          <p:cNvSpPr/>
+          <p:nvPr/>
+        </p:nvSpPr>
+        <p:spPr>
+          <a:xfrm rot="5400000">
+            <a:off x="8885468" y="6618231"/>
+            <a:ext cx="2763526" cy="537378"/>
+          </a:xfrm>
+          <a:prstGeom prst="triangle">
+            <a:avLst/>
+          </a:prstGeom>
+          <a:ln w="76200"/>
+        </p:spPr>
+        <p:style>
+          <a:lnRef idx="2">
+            <a:schemeClr val="accent1">
+              <a:shade val="50000"/>
+            </a:schemeClr>
+          </a:lnRef>
+          <a:fillRef idx="1">
+            <a:schemeClr val="accent1"/>
+          </a:fillRef>
+          <a:effectRef idx="0">
+            <a:schemeClr val="accent1"/>
+          </a:effectRef>
+          <a:fontRef idx="minor">
+            <a:schemeClr val="lt1"/>
+          </a:fontRef>
+        </p:style>
+        <p:txBody>
+          <a:bodyPr rtlCol="0" anchor="ctr"/>
+          <a:lstStyle/>
+          <a:p>
+            <a:pPr algn="ctr"/>
+            <a:endParaRPr lang="ko-KR" altLang="en-US" sz="5184"/>
+          </a:p>
+        </p:txBody>
+      </p:sp>
+      <p:sp>
+        <p:nvSpPr>
+          <p:cNvPr id="27" name="Isosceles Triangle 26">
+            <a:extLst>
+              <a:ext uri="{FF2B5EF4-FFF2-40B4-BE49-F238E27FC236}">
+                <a16:creationId xmlns:a16="http://schemas.microsoft.com/office/drawing/2014/main" id="{60D673D0-5A2A-4513-90E9-93B757AE9BFB}"/>
+              </a:ext>
+            </a:extLst>
+          </p:cNvPr>
+          <p:cNvSpPr/>
+          <p:nvPr/>
+        </p:nvSpPr>
+        <p:spPr>
+          <a:xfrm rot="16200000">
+            <a:off x="12735004" y="6589309"/>
+            <a:ext cx="2763522" cy="537382"/>
+          </a:xfrm>
+          <a:prstGeom prst="triangle">
+            <a:avLst/>
+          </a:prstGeom>
+          <a:ln w="76200"/>
+        </p:spPr>
+        <p:style>
+          <a:lnRef idx="2">
+            <a:schemeClr val="accent1">
+              <a:shade val="50000"/>
+            </a:schemeClr>
+          </a:lnRef>
+          <a:fillRef idx="1">
+            <a:schemeClr val="accent1"/>
+          </a:fillRef>
+          <a:effectRef idx="0">
+            <a:schemeClr val="accent1"/>
+          </a:effectRef>
+          <a:fontRef idx="minor">
+            <a:schemeClr val="lt1"/>
+          </a:fontRef>
+        </p:style>
+        <p:txBody>
+          <a:bodyPr rtlCol="0" anchor="ctr"/>
+          <a:lstStyle/>
+          <a:p>
+            <a:pPr algn="ctr"/>
+            <a:endParaRPr lang="ko-KR" altLang="en-US" sz="5184"/>
+          </a:p>
+        </p:txBody>
+      </p:sp>
+      <p:sp>
+        <p:nvSpPr>
+          <p:cNvPr id="28" name="Isosceles Triangle 27">
+            <a:extLst>
+              <a:ext uri="{FF2B5EF4-FFF2-40B4-BE49-F238E27FC236}">
+                <a16:creationId xmlns:a16="http://schemas.microsoft.com/office/drawing/2014/main" id="{43F5DDBE-B871-4D68-9902-38DFF49D2C38}"/>
+              </a:ext>
+            </a:extLst>
+          </p:cNvPr>
+          <p:cNvSpPr/>
+          <p:nvPr/>
+        </p:nvSpPr>
+        <p:spPr>
+          <a:xfrm rot="10800000">
+            <a:off x="12658167" y="3637751"/>
+            <a:ext cx="1112774" cy="1574329"/>
+          </a:xfrm>
+          <a:prstGeom prst="triangle">
+            <a:avLst/>
+          </a:prstGeom>
+          <a:solidFill>
+            <a:srgbClr val="00B050"/>
+          </a:solidFill>
+          <a:ln w="76200">
+            <a:solidFill>
+              <a:srgbClr val="008000"/>
+            </a:solidFill>
+          </a:ln>
+        </p:spPr>
+        <p:style>
+          <a:lnRef idx="2">
+            <a:schemeClr val="accent1">
+              <a:shade val="50000"/>
+            </a:schemeClr>
+          </a:lnRef>
+          <a:fillRef idx="1">
+            <a:schemeClr val="accent1"/>
+          </a:fillRef>
+          <a:effectRef idx="0">
+            <a:schemeClr val="accent1"/>
+          </a:effectRef>
+          <a:fontRef idx="minor">
+            <a:schemeClr val="lt1"/>
+          </a:fontRef>
+        </p:style>
+        <p:txBody>
+          <a:bodyPr rtlCol="0" anchor="ctr"/>
+          <a:lstStyle/>
+          <a:p>
+            <a:pPr algn="ctr"/>
+            <a:endParaRPr lang="ko-KR" altLang="en-US" sz="5184"/>
+          </a:p>
+        </p:txBody>
+      </p:sp>
+      <p:sp>
+        <p:nvSpPr>
+          <p:cNvPr id="30" name="Isosceles Triangle 29">
+            <a:extLst>
+              <a:ext uri="{FF2B5EF4-FFF2-40B4-BE49-F238E27FC236}">
+                <a16:creationId xmlns:a16="http://schemas.microsoft.com/office/drawing/2014/main" id="{AC6D8F96-AB22-450B-90DA-6DF71C3DC69F}"/>
+              </a:ext>
+            </a:extLst>
+          </p:cNvPr>
+          <p:cNvSpPr/>
+          <p:nvPr/>
+        </p:nvSpPr>
+        <p:spPr>
+          <a:xfrm>
+            <a:off x="22307036" y="9050326"/>
+            <a:ext cx="201108" cy="270793"/>
+          </a:xfrm>
+          <a:prstGeom prst="triangle">
+            <a:avLst/>
+          </a:prstGeom>
+          <a:solidFill>
+            <a:srgbClr val="00B050"/>
+          </a:solidFill>
+          <a:ln>
+            <a:solidFill>
+              <a:srgbClr val="008000"/>
+            </a:solidFill>
+          </a:ln>
+        </p:spPr>
+        <p:style>
+          <a:lnRef idx="2">
+            <a:schemeClr val="accent1">
+              <a:shade val="50000"/>
+            </a:schemeClr>
+          </a:lnRef>
+          <a:fillRef idx="1">
+            <a:schemeClr val="accent1"/>
+          </a:fillRef>
+          <a:effectRef idx="0">
+            <a:schemeClr val="accent1"/>
+          </a:effectRef>
+          <a:fontRef idx="minor">
+            <a:schemeClr val="lt1"/>
+          </a:fontRef>
+        </p:style>
+        <p:txBody>
+          <a:bodyPr rtlCol="0" anchor="ctr"/>
+          <a:lstStyle/>
+          <a:p>
+            <a:pPr algn="ctr"/>
+            <a:endParaRPr lang="ko-KR" altLang="en-US" sz="5184" dirty="0"/>
+          </a:p>
+        </p:txBody>
+      </p:sp>
+      <p:sp>
+        <p:nvSpPr>
+          <p:cNvPr id="31" name="Isosceles Triangle 30">
+            <a:extLst>
+              <a:ext uri="{FF2B5EF4-FFF2-40B4-BE49-F238E27FC236}">
+                <a16:creationId xmlns:a16="http://schemas.microsoft.com/office/drawing/2014/main" id="{2BB226B4-8082-427D-9664-F1D9E349109B}"/>
+              </a:ext>
+            </a:extLst>
+          </p:cNvPr>
+          <p:cNvSpPr/>
+          <p:nvPr/>
+        </p:nvSpPr>
+        <p:spPr>
+          <a:xfrm>
+            <a:off x="22671028" y="9050326"/>
+            <a:ext cx="201108" cy="270793"/>
+          </a:xfrm>
+          <a:prstGeom prst="triangle">
+            <a:avLst/>
+          </a:prstGeom>
+          <a:ln/>
+        </p:spPr>
+        <p:style>
+          <a:lnRef idx="2">
+            <a:schemeClr val="accent4">
+              <a:shade val="50000"/>
+            </a:schemeClr>
+          </a:lnRef>
+          <a:fillRef idx="1">
+            <a:schemeClr val="accent4"/>
+          </a:fillRef>
+          <a:effectRef idx="0">
+            <a:schemeClr val="accent4"/>
+          </a:effectRef>
+          <a:fontRef idx="minor">
+            <a:schemeClr val="lt1"/>
+          </a:fontRef>
+        </p:style>
+        <p:txBody>
+          <a:bodyPr rtlCol="0" anchor="ctr"/>
+          <a:lstStyle/>
+          <a:p>
+            <a:pPr algn="ctr"/>
+            <a:endParaRPr lang="ko-KR" altLang="en-US" sz="5184"/>
+          </a:p>
+        </p:txBody>
+      </p:sp>
+      <p:sp>
+        <p:nvSpPr>
+          <p:cNvPr id="29" name="Isosceles Triangle 28">
+            <a:extLst>
+              <a:ext uri="{FF2B5EF4-FFF2-40B4-BE49-F238E27FC236}">
+                <a16:creationId xmlns:a16="http://schemas.microsoft.com/office/drawing/2014/main" id="{635180B8-7291-435A-99D5-3EF9F4B8736F}"/>
+              </a:ext>
+            </a:extLst>
+          </p:cNvPr>
+          <p:cNvSpPr/>
+          <p:nvPr/>
+        </p:nvSpPr>
+        <p:spPr>
+          <a:xfrm rot="10800000">
+            <a:off x="10613061" y="3637751"/>
+            <a:ext cx="1112774" cy="1464639"/>
+          </a:xfrm>
+          <a:prstGeom prst="triangle">
+            <a:avLst/>
+          </a:prstGeom>
+          <a:ln w="76200"/>
+        </p:spPr>
+        <p:style>
+          <a:lnRef idx="2">
+            <a:schemeClr val="accent4">
+              <a:shade val="50000"/>
+            </a:schemeClr>
+          </a:lnRef>
+          <a:fillRef idx="1">
+            <a:schemeClr val="accent4"/>
+          </a:fillRef>
+          <a:effectRef idx="0">
+            <a:schemeClr val="accent4"/>
+          </a:effectRef>
+          <a:fontRef idx="minor">
+            <a:schemeClr val="lt1"/>
+          </a:fontRef>
+        </p:style>
+        <p:txBody>
+          <a:bodyPr rtlCol="0" anchor="ctr"/>
+          <a:lstStyle/>
+          <a:p>
+            <a:pPr algn="ctr"/>
+            <a:endParaRPr lang="ko-KR" altLang="en-US" sz="5184"/>
+          </a:p>
+        </p:txBody>
+      </p:sp>
+      <p:sp>
+        <p:nvSpPr>
+          <p:cNvPr id="33" name="Isosceles Triangle 32">
+            <a:extLst>
+              <a:ext uri="{FF2B5EF4-FFF2-40B4-BE49-F238E27FC236}">
+                <a16:creationId xmlns:a16="http://schemas.microsoft.com/office/drawing/2014/main" id="{6136D4EE-03C5-4A19-B1A7-1B1CA8B4D362}"/>
+              </a:ext>
+            </a:extLst>
+          </p:cNvPr>
+          <p:cNvSpPr/>
+          <p:nvPr/>
+        </p:nvSpPr>
+        <p:spPr>
+          <a:xfrm>
+            <a:off x="10613061" y="8506113"/>
+            <a:ext cx="1112774" cy="1574329"/>
+          </a:xfrm>
+          <a:prstGeom prst="triangle">
+            <a:avLst/>
+          </a:prstGeom>
+          <a:solidFill>
+            <a:srgbClr val="00B050"/>
+          </a:solidFill>
+          <a:ln w="76200">
+            <a:solidFill>
+              <a:srgbClr val="008000"/>
+            </a:solidFill>
+          </a:ln>
+        </p:spPr>
+        <p:style>
+          <a:lnRef idx="2">
+            <a:schemeClr val="accent1">
+              <a:shade val="50000"/>
+            </a:schemeClr>
+          </a:lnRef>
+          <a:fillRef idx="1">
+            <a:schemeClr val="accent1"/>
+          </a:fillRef>
+          <a:effectRef idx="0">
+            <a:schemeClr val="accent1"/>
+          </a:effectRef>
+          <a:fontRef idx="minor">
+            <a:schemeClr val="lt1"/>
+          </a:fontRef>
+        </p:style>
+        <p:txBody>
+          <a:bodyPr rtlCol="0" anchor="ctr"/>
+          <a:lstStyle/>
+          <a:p>
+            <a:pPr algn="ctr"/>
+            <a:endParaRPr lang="ko-KR" altLang="en-US" sz="5184"/>
+          </a:p>
+        </p:txBody>
+      </p:sp>
+      <p:sp>
+        <p:nvSpPr>
+          <p:cNvPr id="34" name="Isosceles Triangle 33">
+            <a:extLst>
+              <a:ext uri="{FF2B5EF4-FFF2-40B4-BE49-F238E27FC236}">
+                <a16:creationId xmlns:a16="http://schemas.microsoft.com/office/drawing/2014/main" id="{497C7169-0525-42C4-9A49-346BC6525972}"/>
+              </a:ext>
+            </a:extLst>
+          </p:cNvPr>
+          <p:cNvSpPr/>
+          <p:nvPr/>
+        </p:nvSpPr>
+        <p:spPr>
+          <a:xfrm>
+            <a:off x="12658167" y="8567482"/>
+            <a:ext cx="1145166" cy="1507274"/>
+          </a:xfrm>
+          <a:prstGeom prst="triangle">
+            <a:avLst/>
+          </a:prstGeom>
+          <a:ln w="76200"/>
+        </p:spPr>
+        <p:style>
+          <a:lnRef idx="2">
+            <a:schemeClr val="accent4">
+              <a:shade val="50000"/>
+            </a:schemeClr>
+          </a:lnRef>
+          <a:fillRef idx="1">
+            <a:schemeClr val="accent4"/>
+          </a:fillRef>
+          <a:effectRef idx="0">
+            <a:schemeClr val="accent4"/>
+          </a:effectRef>
+          <a:fontRef idx="minor">
+            <a:schemeClr val="lt1"/>
+          </a:fontRef>
+        </p:style>
+        <p:txBody>
+          <a:bodyPr rtlCol="0" anchor="ctr"/>
+          <a:lstStyle/>
+          <a:p>
+            <a:pPr algn="ctr"/>
+            <a:endParaRPr lang="ko-KR" altLang="en-US" sz="5184"/>
+          </a:p>
+        </p:txBody>
+      </p:sp>
+    </p:spTree>
+    <p:extLst>
+      <p:ext uri="{BB962C8B-B14F-4D97-AF65-F5344CB8AC3E}">
+        <p14:creationId xmlns:p14="http://schemas.microsoft.com/office/powerpoint/2010/main" val="3052585046"/>
+      </p:ext>
+    </p:extLst>
+  </p:cSld>
+  <p:clrMapOvr>
+    <a:masterClrMapping/>
+  </p:clrMapOvr>
+</p:sld>
+</file>
+
+<file path=ppt/slides/slide5.xml><?xml version="1.0" encoding="utf-8"?>
+<p:sld xmlns:a="http://schemas.openxmlformats.org/drawingml/2006/main" xmlns:r="http://schemas.openxmlformats.org/officeDocument/2006/relationships" xmlns:p="http://schemas.openxmlformats.org/presentationml/2006/main">
+  <p:cSld>
+    <p:bg>
+      <p:bgPr>
+        <a:solidFill>
+          <a:schemeClr val="tx1"/>
+        </a:solidFill>
+        <a:effectLst/>
+      </p:bgPr>
+    </p:bg>
+    <p:spTree>
+      <p:nvGrpSpPr>
+        <p:cNvPr id="1" name=""/>
+        <p:cNvGrpSpPr/>
+        <p:nvPr/>
+      </p:nvGrpSpPr>
+      <p:grpSpPr>
+        <a:xfrm>
+          <a:off x="0" y="0"/>
+          <a:ext cx="0" cy="0"/>
+          <a:chOff x="0" y="0"/>
+          <a:chExt cx="0" cy="0"/>
+        </a:xfrm>
+      </p:grpSpPr>
+      <p:sp>
+        <p:nvSpPr>
+          <p:cNvPr id="5" name="Rectangle 4">
+            <a:extLst>
+              <a:ext uri="{FF2B5EF4-FFF2-40B4-BE49-F238E27FC236}">
+                <a16:creationId xmlns:a16="http://schemas.microsoft.com/office/drawing/2014/main" id="{04A1FB2E-E9F6-4EBB-AFFC-90E20ED83511}"/>
+              </a:ext>
+            </a:extLst>
+          </p:cNvPr>
+          <p:cNvSpPr/>
+          <p:nvPr/>
+        </p:nvSpPr>
+        <p:spPr>
+          <a:xfrm>
+            <a:off x="8631996" y="234462"/>
+            <a:ext cx="7120008" cy="2898761"/>
+          </a:xfrm>
+          <a:prstGeom prst="rect">
+            <a:avLst/>
+          </a:prstGeom>
+          <a:ln>
+            <a:solidFill>
+              <a:schemeClr val="bg1"/>
+            </a:solidFill>
+          </a:ln>
+        </p:spPr>
+        <p:style>
+          <a:lnRef idx="2">
+            <a:schemeClr val="dk1">
+              <a:shade val="50000"/>
+            </a:schemeClr>
+          </a:lnRef>
+          <a:fillRef idx="1">
+            <a:schemeClr val="dk1"/>
+          </a:fillRef>
+          <a:effectRef idx="0">
+            <a:schemeClr val="dk1"/>
+          </a:effectRef>
+          <a:fontRef idx="minor">
+            <a:schemeClr val="lt1"/>
+          </a:fontRef>
+        </p:style>
+        <p:txBody>
+          <a:bodyPr rtlCol="0" anchor="ctr"/>
+          <a:lstStyle/>
+          <a:p>
+            <a:pPr algn="ctr"/>
+            <a:r>
+              <a:rPr lang="en-US" altLang="ko-KR" sz="5184" b="1" dirty="0"/>
+              <a:t>Join</a:t>
+            </a:r>
+          </a:p>
+          <a:p>
+            <a:pPr marL="685809" indent="-685809" algn="ctr">
+              <a:buAutoNum type="arabicPeriod"/>
+            </a:pPr>
+            <a:r>
+              <a:rPr lang="en-US" altLang="ko-KR" sz="5184" dirty="0" err="1"/>
+              <a:t>initGameSettings</a:t>
+            </a:r>
+            <a:r>
+              <a:rPr lang="en-US" altLang="ko-KR" sz="5184" dirty="0"/>
+              <a:t>()</a:t>
+            </a:r>
+          </a:p>
+        </p:txBody>
+      </p:sp>
+      <p:sp>
+        <p:nvSpPr>
+          <p:cNvPr id="6" name="Rectangle 5">
+            <a:extLst>
+              <a:ext uri="{FF2B5EF4-FFF2-40B4-BE49-F238E27FC236}">
+                <a16:creationId xmlns:a16="http://schemas.microsoft.com/office/drawing/2014/main" id="{525032E0-CB36-4C40-A659-E7435A2FDF1F}"/>
+              </a:ext>
+            </a:extLst>
+          </p:cNvPr>
+          <p:cNvSpPr/>
+          <p:nvPr/>
+        </p:nvSpPr>
+        <p:spPr>
+          <a:xfrm>
+            <a:off x="8495541" y="4137955"/>
+            <a:ext cx="7392913" cy="2898761"/>
+          </a:xfrm>
+          <a:prstGeom prst="rect">
+            <a:avLst/>
+          </a:prstGeom>
+          <a:ln>
+            <a:solidFill>
+              <a:schemeClr val="bg1"/>
+            </a:solidFill>
+          </a:ln>
+        </p:spPr>
+        <p:style>
+          <a:lnRef idx="2">
+            <a:schemeClr val="dk1">
+              <a:shade val="50000"/>
+            </a:schemeClr>
+          </a:lnRef>
+          <a:fillRef idx="1">
+            <a:schemeClr val="dk1"/>
+          </a:fillRef>
+          <a:effectRef idx="0">
+            <a:schemeClr val="dk1"/>
+          </a:effectRef>
+          <a:fontRef idx="minor">
+            <a:schemeClr val="lt1"/>
+          </a:fontRef>
+        </p:style>
+        <p:txBody>
+          <a:bodyPr rtlCol="0" anchor="ctr"/>
+          <a:lstStyle/>
+          <a:p>
+            <a:pPr algn="ctr"/>
+            <a:r>
+              <a:rPr lang="en-US" altLang="ko-KR" sz="5184" b="1" dirty="0"/>
+              <a:t>Start</a:t>
+            </a:r>
+          </a:p>
+          <a:p>
+            <a:pPr marL="685809" indent="-685809" algn="ctr">
+              <a:buAutoNum type="arabicPeriod"/>
+            </a:pPr>
+            <a:r>
+              <a:rPr lang="en-US" altLang="ko-KR" sz="5184" dirty="0" err="1"/>
+              <a:t>runTaskAfterStart</a:t>
+            </a:r>
+            <a:r>
+              <a:rPr lang="en-US" altLang="ko-KR" sz="5184" dirty="0"/>
+              <a:t>()</a:t>
+            </a:r>
+          </a:p>
+          <a:p>
+            <a:pPr marL="685809" indent="-685809" algn="ctr">
+              <a:buAutoNum type="arabicPeriod"/>
+            </a:pPr>
+            <a:r>
+              <a:rPr lang="en-US" altLang="ko-KR" sz="5184" dirty="0"/>
+              <a:t>Notify observers(START)</a:t>
+            </a:r>
+          </a:p>
+        </p:txBody>
+      </p:sp>
+      <p:sp>
+        <p:nvSpPr>
+          <p:cNvPr id="7" name="Rectangle 6">
+            <a:extLst>
+              <a:ext uri="{FF2B5EF4-FFF2-40B4-BE49-F238E27FC236}">
+                <a16:creationId xmlns:a16="http://schemas.microsoft.com/office/drawing/2014/main" id="{4A07ACE6-BD0F-4A10-B3FE-5F9783D37C03}"/>
+              </a:ext>
+            </a:extLst>
+          </p:cNvPr>
+          <p:cNvSpPr/>
+          <p:nvPr/>
+        </p:nvSpPr>
+        <p:spPr>
+          <a:xfrm>
+            <a:off x="8300619" y="8017527"/>
+            <a:ext cx="7782759" cy="3568423"/>
+          </a:xfrm>
+          <a:prstGeom prst="rect">
+            <a:avLst/>
+          </a:prstGeom>
+          <a:ln>
+            <a:solidFill>
+              <a:schemeClr val="bg1"/>
+            </a:solidFill>
+          </a:ln>
+        </p:spPr>
+        <p:style>
+          <a:lnRef idx="2">
+            <a:schemeClr val="dk1">
+              <a:shade val="50000"/>
+            </a:schemeClr>
+          </a:lnRef>
+          <a:fillRef idx="1">
+            <a:schemeClr val="dk1"/>
+          </a:fillRef>
+          <a:effectRef idx="0">
+            <a:schemeClr val="dk1"/>
+          </a:effectRef>
+          <a:fontRef idx="minor">
+            <a:schemeClr val="lt1"/>
+          </a:fontRef>
+        </p:style>
+        <p:txBody>
+          <a:bodyPr rtlCol="0" anchor="ctr"/>
+          <a:lstStyle/>
+          <a:p>
+            <a:pPr algn="ctr"/>
+            <a:r>
+              <a:rPr lang="en-US" altLang="ko-KR" sz="5184" b="1" dirty="0"/>
+              <a:t>Process</a:t>
+            </a:r>
+          </a:p>
+          <a:p>
+            <a:pPr marL="685809" indent="-685809" algn="ctr">
+              <a:buAutoNum type="arabicPeriod"/>
+            </a:pPr>
+            <a:r>
+              <a:rPr lang="en-US" altLang="ko-KR" sz="5184" dirty="0" err="1"/>
+              <a:t>runTaskBeforeFinish</a:t>
+            </a:r>
+            <a:r>
+              <a:rPr lang="en-US" altLang="ko-KR" sz="5184" dirty="0"/>
+              <a:t>()</a:t>
+            </a:r>
+          </a:p>
+          <a:p>
+            <a:pPr marL="685809" indent="-685809" algn="ctr">
+              <a:buAutoNum type="arabicPeriod"/>
+            </a:pPr>
+            <a:r>
+              <a:rPr lang="en-US" altLang="ko-KR" sz="5184" dirty="0"/>
+              <a:t>Notify observers(FINISH)</a:t>
+            </a:r>
+          </a:p>
+          <a:p>
+            <a:pPr marL="685809" indent="-685809" algn="ctr">
+              <a:buAutoNum type="arabicPeriod"/>
+            </a:pPr>
+            <a:r>
+              <a:rPr lang="en-US" altLang="ko-KR" sz="5184" dirty="0" err="1"/>
+              <a:t>runTaskAfterFinish</a:t>
+            </a:r>
+            <a:r>
+              <a:rPr lang="en-US" altLang="ko-KR" sz="5184" dirty="0"/>
+              <a:t>()</a:t>
+            </a:r>
+          </a:p>
+        </p:txBody>
+      </p:sp>
+      <p:sp>
+        <p:nvSpPr>
+          <p:cNvPr id="8" name="Rectangle 7">
+            <a:extLst>
+              <a:ext uri="{FF2B5EF4-FFF2-40B4-BE49-F238E27FC236}">
+                <a16:creationId xmlns:a16="http://schemas.microsoft.com/office/drawing/2014/main" id="{B07C4B8A-895F-43D5-AAB4-6BC5262D3D9C}"/>
+              </a:ext>
+            </a:extLst>
+          </p:cNvPr>
+          <p:cNvSpPr/>
+          <p:nvPr/>
+        </p:nvSpPr>
+        <p:spPr>
+          <a:xfrm>
+            <a:off x="10957121" y="12449001"/>
+            <a:ext cx="2469758" cy="1037769"/>
+          </a:xfrm>
+          <a:prstGeom prst="rect">
+            <a:avLst/>
+          </a:prstGeom>
+          <a:ln>
+            <a:solidFill>
+              <a:schemeClr val="bg1"/>
+            </a:solidFill>
+          </a:ln>
+        </p:spPr>
+        <p:style>
+          <a:lnRef idx="2">
+            <a:schemeClr val="dk1">
+              <a:shade val="50000"/>
+            </a:schemeClr>
+          </a:lnRef>
+          <a:fillRef idx="1">
+            <a:schemeClr val="dk1"/>
+          </a:fillRef>
+          <a:effectRef idx="0">
+            <a:schemeClr val="dk1"/>
+          </a:effectRef>
+          <a:fontRef idx="minor">
+            <a:schemeClr val="lt1"/>
+          </a:fontRef>
+        </p:style>
+        <p:txBody>
+          <a:bodyPr rtlCol="0" anchor="ctr"/>
+          <a:lstStyle/>
+          <a:p>
+            <a:pPr algn="ctr"/>
+            <a:r>
+              <a:rPr lang="en-US" altLang="ko-KR" sz="5184" b="1" dirty="0"/>
+              <a:t>Finish</a:t>
+            </a:r>
+          </a:p>
+        </p:txBody>
+      </p:sp>
+      <p:cxnSp>
+        <p:nvCxnSpPr>
+          <p:cNvPr id="13" name="Straight Arrow Connector 12">
+            <a:extLst>
+              <a:ext uri="{FF2B5EF4-FFF2-40B4-BE49-F238E27FC236}">
+                <a16:creationId xmlns:a16="http://schemas.microsoft.com/office/drawing/2014/main" id="{8966CA48-190E-4B2C-B445-57022C89C9B2}"/>
+              </a:ext>
+            </a:extLst>
+          </p:cNvPr>
+          <p:cNvCxnSpPr>
+            <a:stCxn id="5" idx="2"/>
+          </p:cNvCxnSpPr>
+          <p:nvPr/>
+        </p:nvCxnSpPr>
+        <p:spPr>
+          <a:xfrm flipH="1">
+            <a:off x="12191997" y="3133223"/>
+            <a:ext cx="3" cy="1004732"/>
+          </a:xfrm>
+          <a:prstGeom prst="straightConnector1">
+            <a:avLst/>
+          </a:prstGeom>
+          <a:ln w="127000">
+            <a:solidFill>
+              <a:schemeClr val="bg1"/>
+            </a:solidFill>
+            <a:tailEnd type="triangle"/>
+          </a:ln>
+        </p:spPr>
+        <p:style>
+          <a:lnRef idx="1">
+            <a:schemeClr val="accent1"/>
+          </a:lnRef>
+          <a:fillRef idx="0">
+            <a:schemeClr val="accent1"/>
+          </a:fillRef>
+          <a:effectRef idx="0">
+            <a:schemeClr val="accent1"/>
+          </a:effectRef>
+          <a:fontRef idx="minor">
+            <a:schemeClr val="tx1"/>
+          </a:fontRef>
+        </p:style>
+      </p:cxnSp>
+      <p:cxnSp>
+        <p:nvCxnSpPr>
+          <p:cNvPr id="14" name="Straight Arrow Connector 13">
+            <a:extLst>
+              <a:ext uri="{FF2B5EF4-FFF2-40B4-BE49-F238E27FC236}">
+                <a16:creationId xmlns:a16="http://schemas.microsoft.com/office/drawing/2014/main" id="{CBFA27EE-D060-4E77-AE46-FC3D5C56A1E3}"/>
+              </a:ext>
+            </a:extLst>
+          </p:cNvPr>
+          <p:cNvCxnSpPr>
+            <a:cxnSpLocks/>
+            <a:stCxn id="6" idx="2"/>
+            <a:endCxn id="7" idx="0"/>
+          </p:cNvCxnSpPr>
+          <p:nvPr/>
+        </p:nvCxnSpPr>
+        <p:spPr>
+          <a:xfrm>
+            <a:off x="12191998" y="7036716"/>
+            <a:ext cx="1" cy="980811"/>
+          </a:xfrm>
+          <a:prstGeom prst="straightConnector1">
+            <a:avLst/>
+          </a:prstGeom>
+          <a:ln w="127000">
+            <a:solidFill>
+              <a:schemeClr val="bg1"/>
+            </a:solidFill>
+            <a:tailEnd type="triangle"/>
+          </a:ln>
+        </p:spPr>
+        <p:style>
+          <a:lnRef idx="1">
+            <a:schemeClr val="accent1"/>
+          </a:lnRef>
+          <a:fillRef idx="0">
+            <a:schemeClr val="accent1"/>
+          </a:fillRef>
+          <a:effectRef idx="0">
+            <a:schemeClr val="accent1"/>
+          </a:effectRef>
+          <a:fontRef idx="minor">
+            <a:schemeClr val="tx1"/>
+          </a:fontRef>
+        </p:style>
+      </p:cxnSp>
+      <p:cxnSp>
+        <p:nvCxnSpPr>
+          <p:cNvPr id="17" name="Straight Arrow Connector 16">
+            <a:extLst>
+              <a:ext uri="{FF2B5EF4-FFF2-40B4-BE49-F238E27FC236}">
+                <a16:creationId xmlns:a16="http://schemas.microsoft.com/office/drawing/2014/main" id="{4CEE2D15-C277-41D0-AB11-BA17F88F08C8}"/>
+              </a:ext>
+            </a:extLst>
+          </p:cNvPr>
+          <p:cNvCxnSpPr>
+            <a:cxnSpLocks/>
+            <a:stCxn id="7" idx="2"/>
+          </p:cNvCxnSpPr>
+          <p:nvPr/>
+        </p:nvCxnSpPr>
+        <p:spPr>
+          <a:xfrm>
+            <a:off x="12191999" y="11585950"/>
+            <a:ext cx="0" cy="863051"/>
+          </a:xfrm>
+          <a:prstGeom prst="straightConnector1">
+            <a:avLst/>
+          </a:prstGeom>
+          <a:ln w="127000">
+            <a:solidFill>
+              <a:schemeClr val="bg1"/>
+            </a:solidFill>
+            <a:tailEnd type="triangle"/>
+          </a:ln>
+        </p:spPr>
+        <p:style>
+          <a:lnRef idx="1">
+            <a:schemeClr val="accent1"/>
+          </a:lnRef>
+          <a:fillRef idx="0">
+            <a:schemeClr val="accent1"/>
+          </a:fillRef>
+          <a:effectRef idx="0">
+            <a:schemeClr val="accent1"/>
+          </a:effectRef>
+          <a:fontRef idx="minor">
+            <a:schemeClr val="tx1"/>
+          </a:fontRef>
+        </p:style>
+      </p:cxnSp>
+      <p:cxnSp>
+        <p:nvCxnSpPr>
+          <p:cNvPr id="23" name="Connector: Elbow 22">
+            <a:extLst>
+              <a:ext uri="{FF2B5EF4-FFF2-40B4-BE49-F238E27FC236}">
+                <a16:creationId xmlns:a16="http://schemas.microsoft.com/office/drawing/2014/main" id="{9F95B4E0-A47D-4072-8910-E1370703B174}"/>
+              </a:ext>
+            </a:extLst>
+          </p:cNvPr>
+          <p:cNvCxnSpPr>
+            <a:stCxn id="8" idx="1"/>
+            <a:endCxn id="5" idx="1"/>
+          </p:cNvCxnSpPr>
+          <p:nvPr/>
+        </p:nvCxnSpPr>
+        <p:spPr>
+          <a:xfrm rot="10800000">
+            <a:off x="8631997" y="1683844"/>
+            <a:ext cx="2325125" cy="11284043"/>
+          </a:xfrm>
+          <a:prstGeom prst="bentConnector3">
+            <a:avLst>
+              <a:gd name="adj1" fmla="val 427965"/>
+            </a:avLst>
+          </a:prstGeom>
+          <a:ln w="127000">
+            <a:solidFill>
+              <a:schemeClr val="bg1"/>
+            </a:solidFill>
+            <a:tailEnd type="triangle"/>
+          </a:ln>
+        </p:spPr>
+        <p:style>
+          <a:lnRef idx="1">
+            <a:schemeClr val="accent1"/>
+          </a:lnRef>
+          <a:fillRef idx="0">
+            <a:schemeClr val="accent1"/>
+          </a:fillRef>
+          <a:effectRef idx="0">
+            <a:schemeClr val="accent1"/>
+          </a:effectRef>
+          <a:fontRef idx="minor">
+            <a:schemeClr val="tx1"/>
+          </a:fontRef>
+        </p:style>
+      </p:cxnSp>
+      <p:cxnSp>
+        <p:nvCxnSpPr>
+          <p:cNvPr id="27" name="Straight Arrow Connector 26">
+            <a:extLst>
+              <a:ext uri="{FF2B5EF4-FFF2-40B4-BE49-F238E27FC236}">
+                <a16:creationId xmlns:a16="http://schemas.microsoft.com/office/drawing/2014/main" id="{A7B85CD4-F58C-41A1-86B9-5C427D0E31E5}"/>
+              </a:ext>
+            </a:extLst>
+          </p:cNvPr>
+          <p:cNvCxnSpPr>
+            <a:cxnSpLocks/>
+          </p:cNvCxnSpPr>
+          <p:nvPr/>
+        </p:nvCxnSpPr>
+        <p:spPr>
+          <a:xfrm flipH="1">
+            <a:off x="1147482" y="3429000"/>
+            <a:ext cx="11044516" cy="0"/>
+          </a:xfrm>
+          <a:prstGeom prst="straightConnector1">
+            <a:avLst/>
+          </a:prstGeom>
+          <a:ln w="127000">
+            <a:solidFill>
+              <a:schemeClr val="bg1"/>
+            </a:solidFill>
+            <a:tailEnd type="triangle"/>
+          </a:ln>
+        </p:spPr>
+        <p:style>
+          <a:lnRef idx="1">
+            <a:schemeClr val="accent1"/>
+          </a:lnRef>
+          <a:fillRef idx="0">
+            <a:schemeClr val="accent1"/>
+          </a:fillRef>
+          <a:effectRef idx="0">
+            <a:schemeClr val="accent1"/>
+          </a:effectRef>
+          <a:fontRef idx="minor">
+            <a:schemeClr val="tx1"/>
+          </a:fontRef>
+        </p:style>
+      </p:cxnSp>
+      <p:cxnSp>
+        <p:nvCxnSpPr>
+          <p:cNvPr id="30" name="Straight Arrow Connector 29">
+            <a:extLst>
+              <a:ext uri="{FF2B5EF4-FFF2-40B4-BE49-F238E27FC236}">
+                <a16:creationId xmlns:a16="http://schemas.microsoft.com/office/drawing/2014/main" id="{2B03F633-C75E-4483-842A-335566E7C9D3}"/>
+              </a:ext>
+            </a:extLst>
+          </p:cNvPr>
+          <p:cNvCxnSpPr>
+            <a:cxnSpLocks/>
+          </p:cNvCxnSpPr>
+          <p:nvPr/>
+        </p:nvCxnSpPr>
+        <p:spPr>
+          <a:xfrm flipH="1">
+            <a:off x="1147482" y="7325866"/>
+            <a:ext cx="11044516" cy="43061"/>
+          </a:xfrm>
+          <a:prstGeom prst="straightConnector1">
+            <a:avLst/>
+          </a:prstGeom>
+          <a:ln w="127000">
+            <a:solidFill>
+              <a:schemeClr val="bg1"/>
+            </a:solidFill>
+            <a:tailEnd type="triangle"/>
+          </a:ln>
+        </p:spPr>
+        <p:style>
+          <a:lnRef idx="1">
+            <a:schemeClr val="accent1"/>
+          </a:lnRef>
+          <a:fillRef idx="0">
+            <a:schemeClr val="accent1"/>
+          </a:fillRef>
+          <a:effectRef idx="0">
+            <a:schemeClr val="accent1"/>
+          </a:effectRef>
+          <a:fontRef idx="minor">
+            <a:schemeClr val="tx1"/>
+          </a:fontRef>
+        </p:style>
+      </p:cxnSp>
+      <p:sp>
+        <p:nvSpPr>
+          <p:cNvPr id="31" name="TextBox 30">
+            <a:extLst>
+              <a:ext uri="{FF2B5EF4-FFF2-40B4-BE49-F238E27FC236}">
+                <a16:creationId xmlns:a16="http://schemas.microsoft.com/office/drawing/2014/main" id="{8FFE3FE2-1E6F-4A53-BFE9-36F5985A9404}"/>
+              </a:ext>
+            </a:extLst>
+          </p:cNvPr>
+          <p:cNvSpPr txBox="1"/>
+          <p:nvPr/>
+        </p:nvSpPr>
+        <p:spPr>
+          <a:xfrm>
+            <a:off x="1511987" y="3490950"/>
+            <a:ext cx="2325127" cy="830997"/>
+          </a:xfrm>
+          <a:prstGeom prst="rect">
+            <a:avLst/>
+          </a:prstGeom>
+          <a:noFill/>
+        </p:spPr>
+        <p:txBody>
+          <a:bodyPr wrap="square" rtlCol="0">
+            <a:spAutoFit/>
+          </a:bodyPr>
+          <a:lstStyle/>
+          <a:p>
+            <a:r>
+              <a:rPr lang="en-US" altLang="ko-KR" sz="4800" b="1" dirty="0">
+                <a:solidFill>
+                  <a:schemeClr val="bg1"/>
+                </a:solidFill>
+              </a:rPr>
+              <a:t>leave</a:t>
+            </a:r>
+            <a:endParaRPr lang="ko-KR" altLang="en-US" sz="4800" b="1" dirty="0">
+              <a:solidFill>
+                <a:schemeClr val="bg1"/>
+              </a:solidFill>
+            </a:endParaRPr>
+          </a:p>
+        </p:txBody>
+      </p:sp>
+      <p:sp>
+        <p:nvSpPr>
+          <p:cNvPr id="32" name="TextBox 31">
+            <a:extLst>
+              <a:ext uri="{FF2B5EF4-FFF2-40B4-BE49-F238E27FC236}">
+                <a16:creationId xmlns:a16="http://schemas.microsoft.com/office/drawing/2014/main" id="{89475BDE-D39A-4281-BFE0-4C88B933A379}"/>
+              </a:ext>
+            </a:extLst>
+          </p:cNvPr>
+          <p:cNvSpPr txBox="1"/>
+          <p:nvPr/>
+        </p:nvSpPr>
+        <p:spPr>
+          <a:xfrm>
+            <a:off x="1508091" y="7368927"/>
+            <a:ext cx="6987450" cy="1569660"/>
+          </a:xfrm>
+          <a:prstGeom prst="rect">
+            <a:avLst/>
+          </a:prstGeom>
+          <a:noFill/>
+        </p:spPr>
+        <p:txBody>
+          <a:bodyPr wrap="square" rtlCol="0">
+            <a:spAutoFit/>
+          </a:bodyPr>
+          <a:lstStyle/>
+          <a:p>
+            <a:r>
+              <a:rPr lang="en-US" altLang="ko-KR" sz="4800" b="1" dirty="0">
+                <a:solidFill>
+                  <a:schemeClr val="bg1"/>
+                </a:solidFill>
+              </a:rPr>
+              <a:t>Exception</a:t>
+            </a:r>
+          </a:p>
+          <a:p>
+            <a:r>
+              <a:rPr lang="en-US" altLang="ko-KR" sz="4800" b="1" dirty="0">
+                <a:solidFill>
+                  <a:schemeClr val="bg1"/>
+                </a:solidFill>
+              </a:rPr>
+              <a:t>(</a:t>
+            </a:r>
+            <a:r>
+              <a:rPr lang="en-US" altLang="ko-KR" sz="4800" dirty="0" err="1">
+                <a:solidFill>
+                  <a:schemeClr val="bg1"/>
+                </a:solidFill>
+              </a:rPr>
+              <a:t>handleGameException</a:t>
+            </a:r>
+            <a:r>
+              <a:rPr lang="en-US" altLang="ko-KR" sz="4800" dirty="0">
+                <a:solidFill>
+                  <a:schemeClr val="bg1"/>
+                </a:solidFill>
+              </a:rPr>
+              <a:t>()</a:t>
+            </a:r>
+            <a:r>
+              <a:rPr lang="en-US" altLang="ko-KR" sz="4800" b="1" dirty="0">
+                <a:solidFill>
+                  <a:schemeClr val="bg1"/>
+                </a:solidFill>
+              </a:rPr>
+              <a:t>)</a:t>
+            </a:r>
+            <a:endParaRPr lang="ko-KR" altLang="en-US" sz="4800" b="1" dirty="0">
+              <a:solidFill>
+                <a:schemeClr val="bg1"/>
+              </a:solidFill>
+            </a:endParaRPr>
+          </a:p>
+        </p:txBody>
+      </p:sp>
+    </p:spTree>
+    <p:extLst>
+      <p:ext uri="{BB962C8B-B14F-4D97-AF65-F5344CB8AC3E}">
+        <p14:creationId xmlns:p14="http://schemas.microsoft.com/office/powerpoint/2010/main" val="2539376174"/>
+      </p:ext>
+    </p:extLst>
+  </p:cSld>
+  <p:clrMapOvr>
+    <a:masterClrMapping/>
+  </p:clrMapOvr>
+</p:sld>
+</file>
+
 <file path=ppt/theme/theme1.xml><?xml version="1.0" encoding="utf-8"?>
 <a:theme xmlns:a="http://schemas.openxmlformats.org/drawingml/2006/main" name="Office 테마">
   <a:themeElements>
-    <a:clrScheme name="Office">
+    <a:clrScheme name="Office Theme">
       <a:dk1>
         <a:sysClr val="windowText" lastClr="000000"/>
       </a:dk1>
@@ -6485,9 +7973,9 @@
         <a:srgbClr val="954F72"/>
       </a:folHlink>
     </a:clrScheme>
-    <a:fontScheme name="Office">
+    <a:fontScheme name="Office Theme">
       <a:majorFont>
-        <a:latin typeface="맑은 고딕" panose="020F0302020204030204"/>
+        <a:latin typeface="Calibri Light" panose="020F0302020204030204"/>
         <a:ea typeface=""/>
         <a:cs typeface=""/>
         <a:font script="Jpan" typeface="游ゴシック Light"/>
@@ -6520,26 +8008,9 @@
         <a:font script="Viet" typeface="Times New Roman"/>
         <a:font script="Uigh" typeface="Microsoft Uighur"/>
         <a:font script="Geor" typeface="Sylfaen"/>
-        <a:font script="Armn" typeface="Arial"/>
-        <a:font script="Bugi" typeface="Leelawadee UI"/>
-        <a:font script="Bopo" typeface="Microsoft JhengHei"/>
-        <a:font script="Java" typeface="Javanese Text"/>
-        <a:font script="Lisu" typeface="Segoe UI"/>
-        <a:font script="Mymr" typeface="Myanmar Text"/>
-        <a:font script="Nkoo" typeface="Ebrima"/>
-        <a:font script="Olck" typeface="Nirmala UI"/>
-        <a:font script="Osma" typeface="Ebrima"/>
-        <a:font script="Phag" typeface="Phagspa"/>
-        <a:font script="Syrn" typeface="Estrangelo Edessa"/>
-        <a:font script="Syrj" typeface="Estrangelo Edessa"/>
-        <a:font script="Syre" typeface="Estrangelo Edessa"/>
-        <a:font script="Sora" typeface="Nirmala UI"/>
-        <a:font script="Tale" typeface="Microsoft Tai Le"/>
-        <a:font script="Talu" typeface="Microsoft New Tai Lue"/>
-        <a:font script="Tfng" typeface="Ebrima"/>
       </a:majorFont>
       <a:minorFont>
-        <a:latin typeface="맑은 고딕" panose="020F0502020204030204"/>
+        <a:latin typeface="Calibri" panose="020F0502020204030204"/>
         <a:ea typeface=""/>
         <a:cs typeface=""/>
         <a:font script="Jpan" typeface="游ゴシック"/>
@@ -6572,26 +8043,9 @@
         <a:font script="Viet" typeface="Arial"/>
         <a:font script="Uigh" typeface="Microsoft Uighur"/>
         <a:font script="Geor" typeface="Sylfaen"/>
-        <a:font script="Armn" typeface="Arial"/>
-        <a:font script="Bugi" typeface="Leelawadee UI"/>
-        <a:font script="Bopo" typeface="Microsoft JhengHei"/>
-        <a:font script="Java" typeface="Javanese Text"/>
-        <a:font script="Lisu" typeface="Segoe UI"/>
-        <a:font script="Mymr" typeface="Myanmar Text"/>
-        <a:font script="Nkoo" typeface="Ebrima"/>
-        <a:font script="Olck" typeface="Nirmala UI"/>
-        <a:font script="Osma" typeface="Ebrima"/>
-        <a:font script="Phag" typeface="Phagspa"/>
-        <a:font script="Syrn" typeface="Estrangelo Edessa"/>
-        <a:font script="Syrj" typeface="Estrangelo Edessa"/>
-        <a:font script="Syre" typeface="Estrangelo Edessa"/>
-        <a:font script="Sora" typeface="Nirmala UI"/>
-        <a:font script="Tale" typeface="Microsoft Tai Le"/>
-        <a:font script="Talu" typeface="Microsoft New Tai Lue"/>
-        <a:font script="Tfng" typeface="Ebrima"/>
       </a:minorFont>
     </a:fontScheme>
-    <a:fmtScheme name="Office">
+    <a:fmtScheme name="Office Theme">
       <a:fillStyleLst>
         <a:solidFill>
           <a:schemeClr val="phClr"/>

--- a/resources/MiniGameWorld.pptx
+++ b/resources/MiniGameWorld.pptx
@@ -10,6 +10,9 @@
     <p:sldId id="258" r:id="rId4"/>
     <p:sldId id="259" r:id="rId5"/>
     <p:sldId id="260" r:id="rId6"/>
+    <p:sldId id="261" r:id="rId7"/>
+    <p:sldId id="262" r:id="rId8"/>
+    <p:sldId id="263" r:id="rId9"/>
   </p:sldIdLst>
   <p:sldSz cx="24384000" cy="13716000"/>
   <p:notesSz cx="6858000" cy="9144000"/>
@@ -247,7 +250,7 @@
           <a:p>
             <a:fld id="{68DD77C6-9199-49BA-BC71-D4B35AFBC7B4}" type="datetimeFigureOut">
               <a:rPr lang="ko-KR" altLang="en-US" smtClean="0"/>
-              <a:t>2021-10-08</a:t>
+              <a:t>2021-10-11</a:t>
             </a:fld>
             <a:endParaRPr lang="ko-KR" altLang="en-US"/>
           </a:p>
@@ -417,7 +420,7 @@
           <a:p>
             <a:fld id="{68DD77C6-9199-49BA-BC71-D4B35AFBC7B4}" type="datetimeFigureOut">
               <a:rPr lang="ko-KR" altLang="en-US" smtClean="0"/>
-              <a:t>2021-10-08</a:t>
+              <a:t>2021-10-11</a:t>
             </a:fld>
             <a:endParaRPr lang="ko-KR" altLang="en-US"/>
           </a:p>
@@ -597,7 +600,7 @@
           <a:p>
             <a:fld id="{68DD77C6-9199-49BA-BC71-D4B35AFBC7B4}" type="datetimeFigureOut">
               <a:rPr lang="ko-KR" altLang="en-US" smtClean="0"/>
-              <a:t>2021-10-08</a:t>
+              <a:t>2021-10-11</a:t>
             </a:fld>
             <a:endParaRPr lang="ko-KR" altLang="en-US"/>
           </a:p>
@@ -767,7 +770,7 @@
           <a:p>
             <a:fld id="{68DD77C6-9199-49BA-BC71-D4B35AFBC7B4}" type="datetimeFigureOut">
               <a:rPr lang="ko-KR" altLang="en-US" smtClean="0"/>
-              <a:t>2021-10-08</a:t>
+              <a:t>2021-10-11</a:t>
             </a:fld>
             <a:endParaRPr lang="ko-KR" altLang="en-US"/>
           </a:p>
@@ -1013,7 +1016,7 @@
           <a:p>
             <a:fld id="{68DD77C6-9199-49BA-BC71-D4B35AFBC7B4}" type="datetimeFigureOut">
               <a:rPr lang="ko-KR" altLang="en-US" smtClean="0"/>
-              <a:t>2021-10-08</a:t>
+              <a:t>2021-10-11</a:t>
             </a:fld>
             <a:endParaRPr lang="ko-KR" altLang="en-US"/>
           </a:p>
@@ -1245,7 +1248,7 @@
           <a:p>
             <a:fld id="{68DD77C6-9199-49BA-BC71-D4B35AFBC7B4}" type="datetimeFigureOut">
               <a:rPr lang="ko-KR" altLang="en-US" smtClean="0"/>
-              <a:t>2021-10-08</a:t>
+              <a:t>2021-10-11</a:t>
             </a:fld>
             <a:endParaRPr lang="ko-KR" altLang="en-US"/>
           </a:p>
@@ -1612,7 +1615,7 @@
           <a:p>
             <a:fld id="{68DD77C6-9199-49BA-BC71-D4B35AFBC7B4}" type="datetimeFigureOut">
               <a:rPr lang="ko-KR" altLang="en-US" smtClean="0"/>
-              <a:t>2021-10-08</a:t>
+              <a:t>2021-10-11</a:t>
             </a:fld>
             <a:endParaRPr lang="ko-KR" altLang="en-US"/>
           </a:p>
@@ -1730,7 +1733,7 @@
           <a:p>
             <a:fld id="{68DD77C6-9199-49BA-BC71-D4B35AFBC7B4}" type="datetimeFigureOut">
               <a:rPr lang="ko-KR" altLang="en-US" smtClean="0"/>
-              <a:t>2021-10-08</a:t>
+              <a:t>2021-10-11</a:t>
             </a:fld>
             <a:endParaRPr lang="ko-KR" altLang="en-US"/>
           </a:p>
@@ -1825,7 +1828,7 @@
           <a:p>
             <a:fld id="{68DD77C6-9199-49BA-BC71-D4B35AFBC7B4}" type="datetimeFigureOut">
               <a:rPr lang="ko-KR" altLang="en-US" smtClean="0"/>
-              <a:t>2021-10-08</a:t>
+              <a:t>2021-10-11</a:t>
             </a:fld>
             <a:endParaRPr lang="ko-KR" altLang="en-US"/>
           </a:p>
@@ -2102,7 +2105,7 @@
           <a:p>
             <a:fld id="{68DD77C6-9199-49BA-BC71-D4B35AFBC7B4}" type="datetimeFigureOut">
               <a:rPr lang="ko-KR" altLang="en-US" smtClean="0"/>
-              <a:t>2021-10-08</a:t>
+              <a:t>2021-10-11</a:t>
             </a:fld>
             <a:endParaRPr lang="ko-KR" altLang="en-US"/>
           </a:p>
@@ -2359,7 +2362,7 @@
           <a:p>
             <a:fld id="{68DD77C6-9199-49BA-BC71-D4B35AFBC7B4}" type="datetimeFigureOut">
               <a:rPr lang="ko-KR" altLang="en-US" smtClean="0"/>
-              <a:t>2021-10-08</a:t>
+              <a:t>2021-10-11</a:t>
             </a:fld>
             <a:endParaRPr lang="ko-KR" altLang="en-US"/>
           </a:p>
@@ -2572,7 +2575,7 @@
           <a:p>
             <a:fld id="{68DD77C6-9199-49BA-BC71-D4B35AFBC7B4}" type="datetimeFigureOut">
               <a:rPr lang="ko-KR" altLang="en-US" smtClean="0"/>
-              <a:t>2021-10-08</a:t>
+              <a:t>2021-10-11</a:t>
             </a:fld>
             <a:endParaRPr lang="ko-KR" altLang="en-US"/>
           </a:p>
@@ -7932,6 +7935,405 @@
 </p:sld>
 </file>
 
+<file path=ppt/slides/slide6.xml><?xml version="1.0" encoding="utf-8"?>
+<p:sld xmlns:a="http://schemas.openxmlformats.org/drawingml/2006/main" xmlns:r="http://schemas.openxmlformats.org/officeDocument/2006/relationships" xmlns:p="http://schemas.openxmlformats.org/presentationml/2006/main">
+  <p:cSld>
+    <p:bg>
+      <p:bgPr>
+        <a:solidFill>
+          <a:schemeClr val="tx1"/>
+        </a:solidFill>
+        <a:effectLst/>
+      </p:bgPr>
+    </p:bg>
+    <p:spTree>
+      <p:nvGrpSpPr>
+        <p:cNvPr id="1" name=""/>
+        <p:cNvGrpSpPr/>
+        <p:nvPr/>
+      </p:nvGrpSpPr>
+      <p:grpSpPr>
+        <a:xfrm>
+          <a:off x="0" y="0"/>
+          <a:ext cx="0" cy="0"/>
+          <a:chOff x="0" y="0"/>
+          <a:chExt cx="0" cy="0"/>
+        </a:xfrm>
+      </p:grpSpPr>
+      <p:pic>
+        <p:nvPicPr>
+          <p:cNvPr id="6" name="Picture 5">
+            <a:extLst>
+              <a:ext uri="{FF2B5EF4-FFF2-40B4-BE49-F238E27FC236}">
+                <a16:creationId xmlns:a16="http://schemas.microsoft.com/office/drawing/2014/main" id="{5AE1C0AE-9FF3-4FC5-9301-35718FFFB10A}"/>
+              </a:ext>
+            </a:extLst>
+          </p:cNvPr>
+          <p:cNvPicPr>
+            <a:picLocks noChangeAspect="1"/>
+          </p:cNvPicPr>
+          <p:nvPr/>
+        </p:nvPicPr>
+        <p:blipFill>
+          <a:blip r:embed="rId2">
+            <a:extLst>
+              <a:ext uri="{28A0092B-C50C-407E-A947-70E740481C1C}">
+                <a14:useLocalDpi xmlns:a14="http://schemas.microsoft.com/office/drawing/2010/main" val="0"/>
+              </a:ext>
+            </a:extLst>
+          </a:blip>
+          <a:stretch>
+            <a:fillRect/>
+          </a:stretch>
+        </p:blipFill>
+        <p:spPr>
+          <a:xfrm>
+            <a:off x="-966651" y="0"/>
+            <a:ext cx="13689874" cy="13689874"/>
+          </a:xfrm>
+          <a:prstGeom prst="rect">
+            <a:avLst/>
+          </a:prstGeom>
+        </p:spPr>
+      </p:pic>
+      <p:sp>
+        <p:nvSpPr>
+          <p:cNvPr id="4" name="TextBox 3">
+            <a:extLst>
+              <a:ext uri="{FF2B5EF4-FFF2-40B4-BE49-F238E27FC236}">
+                <a16:creationId xmlns:a16="http://schemas.microsoft.com/office/drawing/2014/main" id="{49B7A5D7-DD4B-47CE-B121-96FDF0201ACE}"/>
+              </a:ext>
+            </a:extLst>
+          </p:cNvPr>
+          <p:cNvSpPr txBox="1"/>
+          <p:nvPr/>
+        </p:nvSpPr>
+        <p:spPr>
+          <a:xfrm>
+            <a:off x="11921009" y="2395240"/>
+            <a:ext cx="12227859" cy="8925520"/>
+          </a:xfrm>
+          <a:prstGeom prst="rect">
+            <a:avLst/>
+          </a:prstGeom>
+          <a:noFill/>
+        </p:spPr>
+        <p:txBody>
+          <a:bodyPr wrap="square" rtlCol="0">
+            <a:spAutoFit/>
+          </a:bodyPr>
+          <a:lstStyle/>
+          <a:p>
+            <a:r>
+              <a:rPr lang="en-US" altLang="ko-KR" sz="28700" b="1" dirty="0">
+                <a:solidFill>
+                  <a:schemeClr val="bg1"/>
+                </a:solidFill>
+              </a:rPr>
+              <a:t>User</a:t>
+            </a:r>
+          </a:p>
+          <a:p>
+            <a:r>
+              <a:rPr lang="en-US" altLang="ko-KR" sz="28700" b="1" dirty="0">
+                <a:solidFill>
+                  <a:schemeClr val="bg1"/>
+                </a:solidFill>
+              </a:rPr>
+              <a:t>Tutorial</a:t>
+            </a:r>
+            <a:endParaRPr lang="ko-KR" altLang="en-US" sz="28700" b="1" dirty="0">
+              <a:solidFill>
+                <a:schemeClr val="bg1"/>
+              </a:solidFill>
+            </a:endParaRPr>
+          </a:p>
+        </p:txBody>
+      </p:sp>
+    </p:spTree>
+    <p:extLst>
+      <p:ext uri="{BB962C8B-B14F-4D97-AF65-F5344CB8AC3E}">
+        <p14:creationId xmlns:p14="http://schemas.microsoft.com/office/powerpoint/2010/main" val="3884718959"/>
+      </p:ext>
+    </p:extLst>
+  </p:cSld>
+  <p:clrMapOvr>
+    <a:masterClrMapping/>
+  </p:clrMapOvr>
+</p:sld>
+</file>
+
+<file path=ppt/slides/slide7.xml><?xml version="1.0" encoding="utf-8"?>
+<p:sld xmlns:a="http://schemas.openxmlformats.org/drawingml/2006/main" xmlns:r="http://schemas.openxmlformats.org/officeDocument/2006/relationships" xmlns:p="http://schemas.openxmlformats.org/presentationml/2006/main">
+  <p:cSld>
+    <p:bg>
+      <p:bgPr>
+        <a:solidFill>
+          <a:schemeClr val="tx1"/>
+        </a:solidFill>
+        <a:effectLst/>
+      </p:bgPr>
+    </p:bg>
+    <p:spTree>
+      <p:nvGrpSpPr>
+        <p:cNvPr id="1" name=""/>
+        <p:cNvGrpSpPr/>
+        <p:nvPr/>
+      </p:nvGrpSpPr>
+      <p:grpSpPr>
+        <a:xfrm>
+          <a:off x="0" y="0"/>
+          <a:ext cx="0" cy="0"/>
+          <a:chOff x="0" y="0"/>
+          <a:chExt cx="0" cy="0"/>
+        </a:xfrm>
+      </p:grpSpPr>
+      <p:pic>
+        <p:nvPicPr>
+          <p:cNvPr id="6" name="Picture 5">
+            <a:extLst>
+              <a:ext uri="{FF2B5EF4-FFF2-40B4-BE49-F238E27FC236}">
+                <a16:creationId xmlns:a16="http://schemas.microsoft.com/office/drawing/2014/main" id="{5AE1C0AE-9FF3-4FC5-9301-35718FFFB10A}"/>
+              </a:ext>
+            </a:extLst>
+          </p:cNvPr>
+          <p:cNvPicPr>
+            <a:picLocks noChangeAspect="1"/>
+          </p:cNvPicPr>
+          <p:nvPr/>
+        </p:nvPicPr>
+        <p:blipFill>
+          <a:blip r:embed="rId2">
+            <a:extLst>
+              <a:ext uri="{28A0092B-C50C-407E-A947-70E740481C1C}">
+                <a14:useLocalDpi xmlns:a14="http://schemas.microsoft.com/office/drawing/2010/main" val="0"/>
+              </a:ext>
+            </a:extLst>
+          </a:blip>
+          <a:stretch>
+            <a:fillRect/>
+          </a:stretch>
+        </p:blipFill>
+        <p:spPr>
+          <a:xfrm>
+            <a:off x="-966651" y="0"/>
+            <a:ext cx="13689874" cy="13689874"/>
+          </a:xfrm>
+          <a:prstGeom prst="rect">
+            <a:avLst/>
+          </a:prstGeom>
+        </p:spPr>
+      </p:pic>
+      <p:sp>
+        <p:nvSpPr>
+          <p:cNvPr id="4" name="TextBox 3">
+            <a:extLst>
+              <a:ext uri="{FF2B5EF4-FFF2-40B4-BE49-F238E27FC236}">
+                <a16:creationId xmlns:a16="http://schemas.microsoft.com/office/drawing/2014/main" id="{49B7A5D7-DD4B-47CE-B121-96FDF0201ACE}"/>
+              </a:ext>
+            </a:extLst>
+          </p:cNvPr>
+          <p:cNvSpPr txBox="1"/>
+          <p:nvPr/>
+        </p:nvSpPr>
+        <p:spPr>
+          <a:xfrm>
+            <a:off x="11029950" y="1281875"/>
+            <a:ext cx="12861743" cy="11126123"/>
+          </a:xfrm>
+          <a:prstGeom prst="rect">
+            <a:avLst/>
+          </a:prstGeom>
+          <a:noFill/>
+        </p:spPr>
+        <p:txBody>
+          <a:bodyPr wrap="square" rtlCol="0">
+            <a:spAutoFit/>
+          </a:bodyPr>
+          <a:lstStyle/>
+          <a:p>
+            <a:r>
+              <a:rPr lang="en-US" altLang="ko-KR" sz="23900" b="1" dirty="0" err="1">
+                <a:solidFill>
+                  <a:schemeClr val="bg1"/>
+                </a:solidFill>
+              </a:rPr>
+              <a:t>MinigameDev</a:t>
+            </a:r>
+            <a:endParaRPr lang="en-US" altLang="ko-KR" sz="23900" b="1" dirty="0">
+              <a:solidFill>
+                <a:schemeClr val="bg1"/>
+              </a:solidFill>
+            </a:endParaRPr>
+          </a:p>
+          <a:p>
+            <a:r>
+              <a:rPr lang="en-US" altLang="ko-KR" sz="23900" b="1" dirty="0">
+                <a:solidFill>
+                  <a:schemeClr val="bg1"/>
+                </a:solidFill>
+              </a:rPr>
+              <a:t>Tutorial</a:t>
+            </a:r>
+            <a:endParaRPr lang="ko-KR" altLang="en-US" sz="23900" b="1" dirty="0">
+              <a:solidFill>
+                <a:schemeClr val="bg1"/>
+              </a:solidFill>
+            </a:endParaRPr>
+          </a:p>
+        </p:txBody>
+      </p:sp>
+    </p:spTree>
+    <p:extLst>
+      <p:ext uri="{BB962C8B-B14F-4D97-AF65-F5344CB8AC3E}">
+        <p14:creationId xmlns:p14="http://schemas.microsoft.com/office/powerpoint/2010/main" val="4254255912"/>
+      </p:ext>
+    </p:extLst>
+  </p:cSld>
+  <p:clrMapOvr>
+    <a:masterClrMapping/>
+  </p:clrMapOvr>
+</p:sld>
+</file>
+
+<file path=ppt/slides/slide8.xml><?xml version="1.0" encoding="utf-8"?>
+<p:sld xmlns:a="http://schemas.openxmlformats.org/drawingml/2006/main" xmlns:r="http://schemas.openxmlformats.org/officeDocument/2006/relationships" xmlns:p="http://schemas.openxmlformats.org/presentationml/2006/main">
+  <p:cSld>
+    <p:bg>
+      <p:bgPr>
+        <a:solidFill>
+          <a:schemeClr val="tx1"/>
+        </a:solidFill>
+        <a:effectLst/>
+      </p:bgPr>
+    </p:bg>
+    <p:spTree>
+      <p:nvGrpSpPr>
+        <p:cNvPr id="1" name=""/>
+        <p:cNvGrpSpPr/>
+        <p:nvPr/>
+      </p:nvGrpSpPr>
+      <p:grpSpPr>
+        <a:xfrm>
+          <a:off x="0" y="0"/>
+          <a:ext cx="0" cy="0"/>
+          <a:chOff x="0" y="0"/>
+          <a:chExt cx="0" cy="0"/>
+        </a:xfrm>
+      </p:grpSpPr>
+      <p:pic>
+        <p:nvPicPr>
+          <p:cNvPr id="6" name="Picture 5">
+            <a:extLst>
+              <a:ext uri="{FF2B5EF4-FFF2-40B4-BE49-F238E27FC236}">
+                <a16:creationId xmlns:a16="http://schemas.microsoft.com/office/drawing/2014/main" id="{5AE1C0AE-9FF3-4FC5-9301-35718FFFB10A}"/>
+              </a:ext>
+            </a:extLst>
+          </p:cNvPr>
+          <p:cNvPicPr>
+            <a:picLocks noChangeAspect="1"/>
+          </p:cNvPicPr>
+          <p:nvPr/>
+        </p:nvPicPr>
+        <p:blipFill>
+          <a:blip r:embed="rId2">
+            <a:extLst>
+              <a:ext uri="{28A0092B-C50C-407E-A947-70E740481C1C}">
+                <a14:useLocalDpi xmlns:a14="http://schemas.microsoft.com/office/drawing/2010/main" val="0"/>
+              </a:ext>
+            </a:extLst>
+          </a:blip>
+          <a:stretch>
+            <a:fillRect/>
+          </a:stretch>
+        </p:blipFill>
+        <p:spPr>
+          <a:xfrm>
+            <a:off x="-966651" y="0"/>
+            <a:ext cx="13689874" cy="13689874"/>
+          </a:xfrm>
+          <a:prstGeom prst="rect">
+            <a:avLst/>
+          </a:prstGeom>
+        </p:spPr>
+      </p:pic>
+      <p:sp>
+        <p:nvSpPr>
+          <p:cNvPr id="4" name="TextBox 3">
+            <a:extLst>
+              <a:ext uri="{FF2B5EF4-FFF2-40B4-BE49-F238E27FC236}">
+                <a16:creationId xmlns:a16="http://schemas.microsoft.com/office/drawing/2014/main" id="{49B7A5D7-DD4B-47CE-B121-96FDF0201ACE}"/>
+              </a:ext>
+            </a:extLst>
+          </p:cNvPr>
+          <p:cNvSpPr txBox="1"/>
+          <p:nvPr/>
+        </p:nvSpPr>
+        <p:spPr>
+          <a:xfrm>
+            <a:off x="10450286" y="1489625"/>
+            <a:ext cx="14120677" cy="10710624"/>
+          </a:xfrm>
+          <a:prstGeom prst="rect">
+            <a:avLst/>
+          </a:prstGeom>
+          <a:noFill/>
+        </p:spPr>
+        <p:txBody>
+          <a:bodyPr wrap="square" rtlCol="0">
+            <a:spAutoFit/>
+          </a:bodyPr>
+          <a:lstStyle/>
+          <a:p>
+            <a:r>
+              <a:rPr lang="en-US" altLang="ko-KR" sz="23000" b="1" dirty="0">
+                <a:solidFill>
+                  <a:schemeClr val="bg1"/>
+                </a:solidFill>
+              </a:rPr>
+              <a:t>Third-party</a:t>
+            </a:r>
+          </a:p>
+          <a:p>
+            <a:r>
+              <a:rPr lang="en-US" altLang="ko-KR" sz="23000" b="1" dirty="0">
+                <a:solidFill>
+                  <a:schemeClr val="bg1"/>
+                </a:solidFill>
+              </a:rPr>
+              <a:t>Dev</a:t>
+            </a:r>
+          </a:p>
+          <a:p>
+            <a:r>
+              <a:rPr lang="en-US" altLang="ko-KR" sz="23000" b="1" dirty="0">
+                <a:solidFill>
+                  <a:schemeClr val="bg1"/>
+                </a:solidFill>
+              </a:rPr>
+              <a:t>Tutorial</a:t>
+            </a:r>
+            <a:endParaRPr lang="ko-KR" altLang="en-US" sz="23000" b="1" dirty="0">
+              <a:solidFill>
+                <a:schemeClr val="bg1"/>
+              </a:solidFill>
+            </a:endParaRPr>
+          </a:p>
+        </p:txBody>
+      </p:sp>
+    </p:spTree>
+    <p:extLst>
+      <p:ext uri="{BB962C8B-B14F-4D97-AF65-F5344CB8AC3E}">
+        <p14:creationId xmlns:p14="http://schemas.microsoft.com/office/powerpoint/2010/main" val="4291620061"/>
+      </p:ext>
+    </p:extLst>
+  </p:cSld>
+  <p:clrMapOvr>
+    <a:masterClrMapping/>
+  </p:clrMapOvr>
+</p:sld>
+</file>
+
 <file path=ppt/theme/theme1.xml><?xml version="1.0" encoding="utf-8"?>
 <a:theme xmlns:a="http://schemas.openxmlformats.org/drawingml/2006/main" name="Office 테마">
   <a:themeElements>

--- a/resources/MiniGameWorld.pptx
+++ b/resources/MiniGameWorld.pptx
@@ -12,7 +12,15 @@
     <p:sldId id="260" r:id="rId6"/>
     <p:sldId id="261" r:id="rId7"/>
     <p:sldId id="262" r:id="rId8"/>
-    <p:sldId id="263" r:id="rId9"/>
+    <p:sldId id="264" r:id="rId9"/>
+    <p:sldId id="265" r:id="rId10"/>
+    <p:sldId id="266" r:id="rId11"/>
+    <p:sldId id="267" r:id="rId12"/>
+    <p:sldId id="268" r:id="rId13"/>
+    <p:sldId id="269" r:id="rId14"/>
+    <p:sldId id="270" r:id="rId15"/>
+    <p:sldId id="271" r:id="rId16"/>
+    <p:sldId id="263" r:id="rId17"/>
   </p:sldIdLst>
   <p:sldSz cx="24384000" cy="13716000"/>
   <p:notesSz cx="6858000" cy="9144000"/>
@@ -250,7 +258,7 @@
           <a:p>
             <a:fld id="{68DD77C6-9199-49BA-BC71-D4B35AFBC7B4}" type="datetimeFigureOut">
               <a:rPr lang="ko-KR" altLang="en-US" smtClean="0"/>
-              <a:t>2021-10-11</a:t>
+              <a:t>2021-10-26</a:t>
             </a:fld>
             <a:endParaRPr lang="ko-KR" altLang="en-US"/>
           </a:p>
@@ -420,7 +428,7 @@
           <a:p>
             <a:fld id="{68DD77C6-9199-49BA-BC71-D4B35AFBC7B4}" type="datetimeFigureOut">
               <a:rPr lang="ko-KR" altLang="en-US" smtClean="0"/>
-              <a:t>2021-10-11</a:t>
+              <a:t>2021-10-26</a:t>
             </a:fld>
             <a:endParaRPr lang="ko-KR" altLang="en-US"/>
           </a:p>
@@ -600,7 +608,7 @@
           <a:p>
             <a:fld id="{68DD77C6-9199-49BA-BC71-D4B35AFBC7B4}" type="datetimeFigureOut">
               <a:rPr lang="ko-KR" altLang="en-US" smtClean="0"/>
-              <a:t>2021-10-11</a:t>
+              <a:t>2021-10-26</a:t>
             </a:fld>
             <a:endParaRPr lang="ko-KR" altLang="en-US"/>
           </a:p>
@@ -770,7 +778,7 @@
           <a:p>
             <a:fld id="{68DD77C6-9199-49BA-BC71-D4B35AFBC7B4}" type="datetimeFigureOut">
               <a:rPr lang="ko-KR" altLang="en-US" smtClean="0"/>
-              <a:t>2021-10-11</a:t>
+              <a:t>2021-10-26</a:t>
             </a:fld>
             <a:endParaRPr lang="ko-KR" altLang="en-US"/>
           </a:p>
@@ -1016,7 +1024,7 @@
           <a:p>
             <a:fld id="{68DD77C6-9199-49BA-BC71-D4B35AFBC7B4}" type="datetimeFigureOut">
               <a:rPr lang="ko-KR" altLang="en-US" smtClean="0"/>
-              <a:t>2021-10-11</a:t>
+              <a:t>2021-10-26</a:t>
             </a:fld>
             <a:endParaRPr lang="ko-KR" altLang="en-US"/>
           </a:p>
@@ -1248,7 +1256,7 @@
           <a:p>
             <a:fld id="{68DD77C6-9199-49BA-BC71-D4B35AFBC7B4}" type="datetimeFigureOut">
               <a:rPr lang="ko-KR" altLang="en-US" smtClean="0"/>
-              <a:t>2021-10-11</a:t>
+              <a:t>2021-10-26</a:t>
             </a:fld>
             <a:endParaRPr lang="ko-KR" altLang="en-US"/>
           </a:p>
@@ -1615,7 +1623,7 @@
           <a:p>
             <a:fld id="{68DD77C6-9199-49BA-BC71-D4B35AFBC7B4}" type="datetimeFigureOut">
               <a:rPr lang="ko-KR" altLang="en-US" smtClean="0"/>
-              <a:t>2021-10-11</a:t>
+              <a:t>2021-10-26</a:t>
             </a:fld>
             <a:endParaRPr lang="ko-KR" altLang="en-US"/>
           </a:p>
@@ -1733,7 +1741,7 @@
           <a:p>
             <a:fld id="{68DD77C6-9199-49BA-BC71-D4B35AFBC7B4}" type="datetimeFigureOut">
               <a:rPr lang="ko-KR" altLang="en-US" smtClean="0"/>
-              <a:t>2021-10-11</a:t>
+              <a:t>2021-10-26</a:t>
             </a:fld>
             <a:endParaRPr lang="ko-KR" altLang="en-US"/>
           </a:p>
@@ -1828,7 +1836,7 @@
           <a:p>
             <a:fld id="{68DD77C6-9199-49BA-BC71-D4B35AFBC7B4}" type="datetimeFigureOut">
               <a:rPr lang="ko-KR" altLang="en-US" smtClean="0"/>
-              <a:t>2021-10-11</a:t>
+              <a:t>2021-10-26</a:t>
             </a:fld>
             <a:endParaRPr lang="ko-KR" altLang="en-US"/>
           </a:p>
@@ -2105,7 +2113,7 @@
           <a:p>
             <a:fld id="{68DD77C6-9199-49BA-BC71-D4B35AFBC7B4}" type="datetimeFigureOut">
               <a:rPr lang="ko-KR" altLang="en-US" smtClean="0"/>
-              <a:t>2021-10-11</a:t>
+              <a:t>2021-10-26</a:t>
             </a:fld>
             <a:endParaRPr lang="ko-KR" altLang="en-US"/>
           </a:p>
@@ -2362,7 +2370,7 @@
           <a:p>
             <a:fld id="{68DD77C6-9199-49BA-BC71-D4B35AFBC7B4}" type="datetimeFigureOut">
               <a:rPr lang="ko-KR" altLang="en-US" smtClean="0"/>
-              <a:t>2021-10-11</a:t>
+              <a:t>2021-10-26</a:t>
             </a:fld>
             <a:endParaRPr lang="ko-KR" altLang="en-US"/>
           </a:p>
@@ -2575,7 +2583,7 @@
           <a:p>
             <a:fld id="{68DD77C6-9199-49BA-BC71-D4B35AFBC7B4}" type="datetimeFigureOut">
               <a:rPr lang="ko-KR" altLang="en-US" smtClean="0"/>
-              <a:t>2021-10-11</a:t>
+              <a:t>2021-10-26</a:t>
             </a:fld>
             <a:endParaRPr lang="ko-KR" altLang="en-US"/>
           </a:p>
@@ -3446,6 +3454,1060 @@
 </p:sld>
 </file>
 
+<file path=ppt/slides/slide10.xml><?xml version="1.0" encoding="utf-8"?>
+<p:sld xmlns:a="http://schemas.openxmlformats.org/drawingml/2006/main" xmlns:r="http://schemas.openxmlformats.org/officeDocument/2006/relationships" xmlns:p="http://schemas.openxmlformats.org/presentationml/2006/main">
+  <p:cSld>
+    <p:bg>
+      <p:bgPr>
+        <a:solidFill>
+          <a:schemeClr val="tx1"/>
+        </a:solidFill>
+        <a:effectLst/>
+      </p:bgPr>
+    </p:bg>
+    <p:spTree>
+      <p:nvGrpSpPr>
+        <p:cNvPr id="1" name=""/>
+        <p:cNvGrpSpPr/>
+        <p:nvPr/>
+      </p:nvGrpSpPr>
+      <p:grpSpPr>
+        <a:xfrm>
+          <a:off x="0" y="0"/>
+          <a:ext cx="0" cy="0"/>
+          <a:chOff x="0" y="0"/>
+          <a:chExt cx="0" cy="0"/>
+        </a:xfrm>
+      </p:grpSpPr>
+      <p:pic>
+        <p:nvPicPr>
+          <p:cNvPr id="6" name="Picture 5">
+            <a:extLst>
+              <a:ext uri="{FF2B5EF4-FFF2-40B4-BE49-F238E27FC236}">
+                <a16:creationId xmlns:a16="http://schemas.microsoft.com/office/drawing/2014/main" id="{5AE1C0AE-9FF3-4FC5-9301-35718FFFB10A}"/>
+              </a:ext>
+            </a:extLst>
+          </p:cNvPr>
+          <p:cNvPicPr>
+            <a:picLocks noChangeAspect="1"/>
+          </p:cNvPicPr>
+          <p:nvPr/>
+        </p:nvPicPr>
+        <p:blipFill>
+          <a:blip r:embed="rId2">
+            <a:extLst>
+              <a:ext uri="{28A0092B-C50C-407E-A947-70E740481C1C}">
+                <a14:useLocalDpi xmlns:a14="http://schemas.microsoft.com/office/drawing/2010/main" val="0"/>
+              </a:ext>
+            </a:extLst>
+          </a:blip>
+          <a:stretch>
+            <a:fillRect/>
+          </a:stretch>
+        </p:blipFill>
+        <p:spPr>
+          <a:xfrm>
+            <a:off x="-966651" y="0"/>
+            <a:ext cx="13689874" cy="13689874"/>
+          </a:xfrm>
+          <a:prstGeom prst="rect">
+            <a:avLst/>
+          </a:prstGeom>
+        </p:spPr>
+      </p:pic>
+      <p:sp>
+        <p:nvSpPr>
+          <p:cNvPr id="4" name="TextBox 3">
+            <a:extLst>
+              <a:ext uri="{FF2B5EF4-FFF2-40B4-BE49-F238E27FC236}">
+                <a16:creationId xmlns:a16="http://schemas.microsoft.com/office/drawing/2014/main" id="{49B7A5D7-DD4B-47CE-B121-96FDF0201ACE}"/>
+              </a:ext>
+            </a:extLst>
+          </p:cNvPr>
+          <p:cNvSpPr txBox="1"/>
+          <p:nvPr/>
+        </p:nvSpPr>
+        <p:spPr>
+          <a:xfrm>
+            <a:off x="10560426" y="1228087"/>
+            <a:ext cx="13546422" cy="12018675"/>
+          </a:xfrm>
+          <a:prstGeom prst="rect">
+            <a:avLst/>
+          </a:prstGeom>
+          <a:noFill/>
+        </p:spPr>
+        <p:txBody>
+          <a:bodyPr wrap="square" rtlCol="0">
+            <a:spAutoFit/>
+          </a:bodyPr>
+          <a:lstStyle/>
+          <a:p>
+            <a:pPr algn="ctr"/>
+            <a:r>
+              <a:rPr lang="en-US" altLang="ko-KR" sz="19900" b="1" dirty="0">
+                <a:solidFill>
+                  <a:schemeClr val="bg1"/>
+                </a:solidFill>
+              </a:rPr>
+              <a:t>Dev Tutorial</a:t>
+            </a:r>
+          </a:p>
+          <a:p>
+            <a:pPr algn="ctr"/>
+            <a:r>
+              <a:rPr lang="en-US" altLang="ko-KR" sz="19900" b="1" dirty="0">
+                <a:solidFill>
+                  <a:schemeClr val="bg1"/>
+                </a:solidFill>
+              </a:rPr>
+              <a:t>---</a:t>
+            </a:r>
+            <a:endParaRPr lang="en-US" altLang="ko-KR" sz="16600" b="1" dirty="0">
+              <a:solidFill>
+                <a:schemeClr val="bg1"/>
+              </a:solidFill>
+            </a:endParaRPr>
+          </a:p>
+          <a:p>
+            <a:pPr algn="ctr"/>
+            <a:r>
+              <a:rPr lang="en-US" altLang="ko-KR" sz="13800" b="1" dirty="0">
+                <a:solidFill>
+                  <a:schemeClr val="bg1"/>
+                </a:solidFill>
+              </a:rPr>
+              <a:t>Base Settings</a:t>
+            </a:r>
+          </a:p>
+          <a:p>
+            <a:pPr algn="ctr"/>
+            <a:endParaRPr lang="ko-KR" altLang="en-US" sz="23900" b="1" dirty="0">
+              <a:solidFill>
+                <a:schemeClr val="bg1"/>
+              </a:solidFill>
+            </a:endParaRPr>
+          </a:p>
+        </p:txBody>
+      </p:sp>
+    </p:spTree>
+    <p:extLst>
+      <p:ext uri="{BB962C8B-B14F-4D97-AF65-F5344CB8AC3E}">
+        <p14:creationId xmlns:p14="http://schemas.microsoft.com/office/powerpoint/2010/main" val="972614340"/>
+      </p:ext>
+    </p:extLst>
+  </p:cSld>
+  <p:clrMapOvr>
+    <a:masterClrMapping/>
+  </p:clrMapOvr>
+</p:sld>
+</file>
+
+<file path=ppt/slides/slide11.xml><?xml version="1.0" encoding="utf-8"?>
+<p:sld xmlns:a="http://schemas.openxmlformats.org/drawingml/2006/main" xmlns:r="http://schemas.openxmlformats.org/officeDocument/2006/relationships" xmlns:p="http://schemas.openxmlformats.org/presentationml/2006/main">
+  <p:cSld>
+    <p:bg>
+      <p:bgPr>
+        <a:solidFill>
+          <a:schemeClr val="tx1"/>
+        </a:solidFill>
+        <a:effectLst/>
+      </p:bgPr>
+    </p:bg>
+    <p:spTree>
+      <p:nvGrpSpPr>
+        <p:cNvPr id="1" name=""/>
+        <p:cNvGrpSpPr/>
+        <p:nvPr/>
+      </p:nvGrpSpPr>
+      <p:grpSpPr>
+        <a:xfrm>
+          <a:off x="0" y="0"/>
+          <a:ext cx="0" cy="0"/>
+          <a:chOff x="0" y="0"/>
+          <a:chExt cx="0" cy="0"/>
+        </a:xfrm>
+      </p:grpSpPr>
+      <p:pic>
+        <p:nvPicPr>
+          <p:cNvPr id="6" name="Picture 5">
+            <a:extLst>
+              <a:ext uri="{FF2B5EF4-FFF2-40B4-BE49-F238E27FC236}">
+                <a16:creationId xmlns:a16="http://schemas.microsoft.com/office/drawing/2014/main" id="{5AE1C0AE-9FF3-4FC5-9301-35718FFFB10A}"/>
+              </a:ext>
+            </a:extLst>
+          </p:cNvPr>
+          <p:cNvPicPr>
+            <a:picLocks noChangeAspect="1"/>
+          </p:cNvPicPr>
+          <p:nvPr/>
+        </p:nvPicPr>
+        <p:blipFill>
+          <a:blip r:embed="rId2">
+            <a:extLst>
+              <a:ext uri="{28A0092B-C50C-407E-A947-70E740481C1C}">
+                <a14:useLocalDpi xmlns:a14="http://schemas.microsoft.com/office/drawing/2010/main" val="0"/>
+              </a:ext>
+            </a:extLst>
+          </a:blip>
+          <a:stretch>
+            <a:fillRect/>
+          </a:stretch>
+        </p:blipFill>
+        <p:spPr>
+          <a:xfrm>
+            <a:off x="-966651" y="0"/>
+            <a:ext cx="13689874" cy="13689874"/>
+          </a:xfrm>
+          <a:prstGeom prst="rect">
+            <a:avLst/>
+          </a:prstGeom>
+        </p:spPr>
+      </p:pic>
+      <p:sp>
+        <p:nvSpPr>
+          <p:cNvPr id="4" name="TextBox 3">
+            <a:extLst>
+              <a:ext uri="{FF2B5EF4-FFF2-40B4-BE49-F238E27FC236}">
+                <a16:creationId xmlns:a16="http://schemas.microsoft.com/office/drawing/2014/main" id="{49B7A5D7-DD4B-47CE-B121-96FDF0201ACE}"/>
+              </a:ext>
+            </a:extLst>
+          </p:cNvPr>
+          <p:cNvSpPr txBox="1"/>
+          <p:nvPr/>
+        </p:nvSpPr>
+        <p:spPr>
+          <a:xfrm>
+            <a:off x="10560426" y="1228087"/>
+            <a:ext cx="13546422" cy="12018675"/>
+          </a:xfrm>
+          <a:prstGeom prst="rect">
+            <a:avLst/>
+          </a:prstGeom>
+          <a:noFill/>
+        </p:spPr>
+        <p:txBody>
+          <a:bodyPr wrap="square" rtlCol="0">
+            <a:spAutoFit/>
+          </a:bodyPr>
+          <a:lstStyle/>
+          <a:p>
+            <a:pPr algn="ctr"/>
+            <a:r>
+              <a:rPr lang="en-US" altLang="ko-KR" sz="19900" b="1" dirty="0">
+                <a:solidFill>
+                  <a:schemeClr val="bg1"/>
+                </a:solidFill>
+              </a:rPr>
+              <a:t>Dev Tutorial</a:t>
+            </a:r>
+          </a:p>
+          <a:p>
+            <a:pPr algn="ctr"/>
+            <a:r>
+              <a:rPr lang="en-US" altLang="ko-KR" sz="19900" b="1" dirty="0">
+                <a:solidFill>
+                  <a:schemeClr val="bg1"/>
+                </a:solidFill>
+              </a:rPr>
+              <a:t>---</a:t>
+            </a:r>
+            <a:endParaRPr lang="en-US" altLang="ko-KR" sz="16600" b="1" dirty="0">
+              <a:solidFill>
+                <a:schemeClr val="bg1"/>
+              </a:solidFill>
+            </a:endParaRPr>
+          </a:p>
+          <a:p>
+            <a:pPr algn="ctr"/>
+            <a:r>
+              <a:rPr lang="en-US" altLang="ko-KR" sz="13800" b="1" dirty="0">
+                <a:solidFill>
+                  <a:schemeClr val="bg1"/>
+                </a:solidFill>
+              </a:rPr>
+              <a:t>Custom Options</a:t>
+            </a:r>
+          </a:p>
+          <a:p>
+            <a:pPr algn="ctr"/>
+            <a:endParaRPr lang="ko-KR" altLang="en-US" sz="23900" b="1" dirty="0">
+              <a:solidFill>
+                <a:schemeClr val="bg1"/>
+              </a:solidFill>
+            </a:endParaRPr>
+          </a:p>
+        </p:txBody>
+      </p:sp>
+    </p:spTree>
+    <p:extLst>
+      <p:ext uri="{BB962C8B-B14F-4D97-AF65-F5344CB8AC3E}">
+        <p14:creationId xmlns:p14="http://schemas.microsoft.com/office/powerpoint/2010/main" val="586850526"/>
+      </p:ext>
+    </p:extLst>
+  </p:cSld>
+  <p:clrMapOvr>
+    <a:masterClrMapping/>
+  </p:clrMapOvr>
+</p:sld>
+</file>
+
+<file path=ppt/slides/slide12.xml><?xml version="1.0" encoding="utf-8"?>
+<p:sld xmlns:a="http://schemas.openxmlformats.org/drawingml/2006/main" xmlns:r="http://schemas.openxmlformats.org/officeDocument/2006/relationships" xmlns:p="http://schemas.openxmlformats.org/presentationml/2006/main">
+  <p:cSld>
+    <p:bg>
+      <p:bgPr>
+        <a:solidFill>
+          <a:schemeClr val="tx1"/>
+        </a:solidFill>
+        <a:effectLst/>
+      </p:bgPr>
+    </p:bg>
+    <p:spTree>
+      <p:nvGrpSpPr>
+        <p:cNvPr id="1" name=""/>
+        <p:cNvGrpSpPr/>
+        <p:nvPr/>
+      </p:nvGrpSpPr>
+      <p:grpSpPr>
+        <a:xfrm>
+          <a:off x="0" y="0"/>
+          <a:ext cx="0" cy="0"/>
+          <a:chOff x="0" y="0"/>
+          <a:chExt cx="0" cy="0"/>
+        </a:xfrm>
+      </p:grpSpPr>
+      <p:pic>
+        <p:nvPicPr>
+          <p:cNvPr id="6" name="Picture 5">
+            <a:extLst>
+              <a:ext uri="{FF2B5EF4-FFF2-40B4-BE49-F238E27FC236}">
+                <a16:creationId xmlns:a16="http://schemas.microsoft.com/office/drawing/2014/main" id="{5AE1C0AE-9FF3-4FC5-9301-35718FFFB10A}"/>
+              </a:ext>
+            </a:extLst>
+          </p:cNvPr>
+          <p:cNvPicPr>
+            <a:picLocks noChangeAspect="1"/>
+          </p:cNvPicPr>
+          <p:nvPr/>
+        </p:nvPicPr>
+        <p:blipFill>
+          <a:blip r:embed="rId2">
+            <a:extLst>
+              <a:ext uri="{28A0092B-C50C-407E-A947-70E740481C1C}">
+                <a14:useLocalDpi xmlns:a14="http://schemas.microsoft.com/office/drawing/2010/main" val="0"/>
+              </a:ext>
+            </a:extLst>
+          </a:blip>
+          <a:stretch>
+            <a:fillRect/>
+          </a:stretch>
+        </p:blipFill>
+        <p:spPr>
+          <a:xfrm>
+            <a:off x="-966651" y="0"/>
+            <a:ext cx="13689874" cy="13689874"/>
+          </a:xfrm>
+          <a:prstGeom prst="rect">
+            <a:avLst/>
+          </a:prstGeom>
+        </p:spPr>
+      </p:pic>
+      <p:sp>
+        <p:nvSpPr>
+          <p:cNvPr id="4" name="TextBox 3">
+            <a:extLst>
+              <a:ext uri="{FF2B5EF4-FFF2-40B4-BE49-F238E27FC236}">
+                <a16:creationId xmlns:a16="http://schemas.microsoft.com/office/drawing/2014/main" id="{49B7A5D7-DD4B-47CE-B121-96FDF0201ACE}"/>
+              </a:ext>
+            </a:extLst>
+          </p:cNvPr>
+          <p:cNvSpPr txBox="1"/>
+          <p:nvPr/>
+        </p:nvSpPr>
+        <p:spPr>
+          <a:xfrm>
+            <a:off x="10560426" y="1228087"/>
+            <a:ext cx="13546422" cy="14142333"/>
+          </a:xfrm>
+          <a:prstGeom prst="rect">
+            <a:avLst/>
+          </a:prstGeom>
+          <a:noFill/>
+        </p:spPr>
+        <p:txBody>
+          <a:bodyPr wrap="square" rtlCol="0">
+            <a:spAutoFit/>
+          </a:bodyPr>
+          <a:lstStyle/>
+          <a:p>
+            <a:pPr algn="ctr"/>
+            <a:r>
+              <a:rPr lang="en-US" altLang="ko-KR" sz="19900" b="1" dirty="0">
+                <a:solidFill>
+                  <a:schemeClr val="bg1"/>
+                </a:solidFill>
+              </a:rPr>
+              <a:t>Dev Tutorial</a:t>
+            </a:r>
+          </a:p>
+          <a:p>
+            <a:pPr algn="ctr"/>
+            <a:r>
+              <a:rPr lang="en-US" altLang="ko-KR" sz="19900" b="1" dirty="0">
+                <a:solidFill>
+                  <a:schemeClr val="bg1"/>
+                </a:solidFill>
+              </a:rPr>
+              <a:t>---</a:t>
+            </a:r>
+            <a:endParaRPr lang="en-US" altLang="ko-KR" sz="16600" b="1" dirty="0">
+              <a:solidFill>
+                <a:schemeClr val="bg1"/>
+              </a:solidFill>
+            </a:endParaRPr>
+          </a:p>
+          <a:p>
+            <a:pPr algn="ctr"/>
+            <a:r>
+              <a:rPr lang="en-US" altLang="ko-KR" sz="13800" b="1" dirty="0">
+                <a:solidFill>
+                  <a:schemeClr val="bg1"/>
+                </a:solidFill>
+              </a:rPr>
+              <a:t>Task </a:t>
+            </a:r>
+          </a:p>
+          <a:p>
+            <a:pPr algn="ctr"/>
+            <a:r>
+              <a:rPr lang="en-US" altLang="ko-KR" sz="13800" b="1" dirty="0">
+                <a:solidFill>
+                  <a:schemeClr val="bg1"/>
+                </a:solidFill>
+              </a:rPr>
+              <a:t>Management</a:t>
+            </a:r>
+          </a:p>
+          <a:p>
+            <a:pPr algn="ctr"/>
+            <a:endParaRPr lang="ko-KR" altLang="en-US" sz="23900" b="1" dirty="0">
+              <a:solidFill>
+                <a:schemeClr val="bg1"/>
+              </a:solidFill>
+            </a:endParaRPr>
+          </a:p>
+        </p:txBody>
+      </p:sp>
+    </p:spTree>
+    <p:extLst>
+      <p:ext uri="{BB962C8B-B14F-4D97-AF65-F5344CB8AC3E}">
+        <p14:creationId xmlns:p14="http://schemas.microsoft.com/office/powerpoint/2010/main" val="3856341"/>
+      </p:ext>
+    </p:extLst>
+  </p:cSld>
+  <p:clrMapOvr>
+    <a:masterClrMapping/>
+  </p:clrMapOvr>
+</p:sld>
+</file>
+
+<file path=ppt/slides/slide13.xml><?xml version="1.0" encoding="utf-8"?>
+<p:sld xmlns:a="http://schemas.openxmlformats.org/drawingml/2006/main" xmlns:r="http://schemas.openxmlformats.org/officeDocument/2006/relationships" xmlns:p="http://schemas.openxmlformats.org/presentationml/2006/main">
+  <p:cSld>
+    <p:bg>
+      <p:bgPr>
+        <a:solidFill>
+          <a:schemeClr val="tx1"/>
+        </a:solidFill>
+        <a:effectLst/>
+      </p:bgPr>
+    </p:bg>
+    <p:spTree>
+      <p:nvGrpSpPr>
+        <p:cNvPr id="1" name=""/>
+        <p:cNvGrpSpPr/>
+        <p:nvPr/>
+      </p:nvGrpSpPr>
+      <p:grpSpPr>
+        <a:xfrm>
+          <a:off x="0" y="0"/>
+          <a:ext cx="0" cy="0"/>
+          <a:chOff x="0" y="0"/>
+          <a:chExt cx="0" cy="0"/>
+        </a:xfrm>
+      </p:grpSpPr>
+      <p:pic>
+        <p:nvPicPr>
+          <p:cNvPr id="6" name="Picture 5">
+            <a:extLst>
+              <a:ext uri="{FF2B5EF4-FFF2-40B4-BE49-F238E27FC236}">
+                <a16:creationId xmlns:a16="http://schemas.microsoft.com/office/drawing/2014/main" id="{5AE1C0AE-9FF3-4FC5-9301-35718FFFB10A}"/>
+              </a:ext>
+            </a:extLst>
+          </p:cNvPr>
+          <p:cNvPicPr>
+            <a:picLocks noChangeAspect="1"/>
+          </p:cNvPicPr>
+          <p:nvPr/>
+        </p:nvPicPr>
+        <p:blipFill>
+          <a:blip r:embed="rId2">
+            <a:extLst>
+              <a:ext uri="{28A0092B-C50C-407E-A947-70E740481C1C}">
+                <a14:useLocalDpi xmlns:a14="http://schemas.microsoft.com/office/drawing/2010/main" val="0"/>
+              </a:ext>
+            </a:extLst>
+          </a:blip>
+          <a:stretch>
+            <a:fillRect/>
+          </a:stretch>
+        </p:blipFill>
+        <p:spPr>
+          <a:xfrm>
+            <a:off x="-966651" y="0"/>
+            <a:ext cx="13689874" cy="13689874"/>
+          </a:xfrm>
+          <a:prstGeom prst="rect">
+            <a:avLst/>
+          </a:prstGeom>
+        </p:spPr>
+      </p:pic>
+      <p:sp>
+        <p:nvSpPr>
+          <p:cNvPr id="4" name="TextBox 3">
+            <a:extLst>
+              <a:ext uri="{FF2B5EF4-FFF2-40B4-BE49-F238E27FC236}">
+                <a16:creationId xmlns:a16="http://schemas.microsoft.com/office/drawing/2014/main" id="{49B7A5D7-DD4B-47CE-B121-96FDF0201ACE}"/>
+              </a:ext>
+            </a:extLst>
+          </p:cNvPr>
+          <p:cNvSpPr txBox="1"/>
+          <p:nvPr/>
+        </p:nvSpPr>
+        <p:spPr>
+          <a:xfrm>
+            <a:off x="10560426" y="1228087"/>
+            <a:ext cx="13546422" cy="14142333"/>
+          </a:xfrm>
+          <a:prstGeom prst="rect">
+            <a:avLst/>
+          </a:prstGeom>
+          <a:noFill/>
+        </p:spPr>
+        <p:txBody>
+          <a:bodyPr wrap="square" rtlCol="0">
+            <a:spAutoFit/>
+          </a:bodyPr>
+          <a:lstStyle/>
+          <a:p>
+            <a:pPr algn="ctr"/>
+            <a:r>
+              <a:rPr lang="en-US" altLang="ko-KR" sz="19900" b="1" dirty="0">
+                <a:solidFill>
+                  <a:schemeClr val="bg1"/>
+                </a:solidFill>
+              </a:rPr>
+              <a:t>Dev Tutorial</a:t>
+            </a:r>
+          </a:p>
+          <a:p>
+            <a:pPr algn="ctr"/>
+            <a:r>
+              <a:rPr lang="en-US" altLang="ko-KR" sz="19900" b="1" dirty="0">
+                <a:solidFill>
+                  <a:schemeClr val="bg1"/>
+                </a:solidFill>
+              </a:rPr>
+              <a:t>---</a:t>
+            </a:r>
+            <a:endParaRPr lang="en-US" altLang="ko-KR" sz="16600" b="1" dirty="0">
+              <a:solidFill>
+                <a:schemeClr val="bg1"/>
+              </a:solidFill>
+            </a:endParaRPr>
+          </a:p>
+          <a:p>
+            <a:pPr algn="ctr"/>
+            <a:r>
+              <a:rPr lang="en-US" altLang="ko-KR" sz="13800" b="1" dirty="0">
+                <a:solidFill>
+                  <a:schemeClr val="bg1"/>
+                </a:solidFill>
+              </a:rPr>
+              <a:t>Exception Handling</a:t>
+            </a:r>
+          </a:p>
+          <a:p>
+            <a:pPr algn="ctr"/>
+            <a:endParaRPr lang="ko-KR" altLang="en-US" sz="23900" b="1" dirty="0">
+              <a:solidFill>
+                <a:schemeClr val="bg1"/>
+              </a:solidFill>
+            </a:endParaRPr>
+          </a:p>
+        </p:txBody>
+      </p:sp>
+    </p:spTree>
+    <p:extLst>
+      <p:ext uri="{BB962C8B-B14F-4D97-AF65-F5344CB8AC3E}">
+        <p14:creationId xmlns:p14="http://schemas.microsoft.com/office/powerpoint/2010/main" val="1175224346"/>
+      </p:ext>
+    </p:extLst>
+  </p:cSld>
+  <p:clrMapOvr>
+    <a:masterClrMapping/>
+  </p:clrMapOvr>
+</p:sld>
+</file>
+
+<file path=ppt/slides/slide14.xml><?xml version="1.0" encoding="utf-8"?>
+<p:sld xmlns:a="http://schemas.openxmlformats.org/drawingml/2006/main" xmlns:r="http://schemas.openxmlformats.org/officeDocument/2006/relationships" xmlns:p="http://schemas.openxmlformats.org/presentationml/2006/main">
+  <p:cSld>
+    <p:bg>
+      <p:bgPr>
+        <a:solidFill>
+          <a:schemeClr val="tx1"/>
+        </a:solidFill>
+        <a:effectLst/>
+      </p:bgPr>
+    </p:bg>
+    <p:spTree>
+      <p:nvGrpSpPr>
+        <p:cNvPr id="1" name=""/>
+        <p:cNvGrpSpPr/>
+        <p:nvPr/>
+      </p:nvGrpSpPr>
+      <p:grpSpPr>
+        <a:xfrm>
+          <a:off x="0" y="0"/>
+          <a:ext cx="0" cy="0"/>
+          <a:chOff x="0" y="0"/>
+          <a:chExt cx="0" cy="0"/>
+        </a:xfrm>
+      </p:grpSpPr>
+      <p:pic>
+        <p:nvPicPr>
+          <p:cNvPr id="6" name="Picture 5">
+            <a:extLst>
+              <a:ext uri="{FF2B5EF4-FFF2-40B4-BE49-F238E27FC236}">
+                <a16:creationId xmlns:a16="http://schemas.microsoft.com/office/drawing/2014/main" id="{5AE1C0AE-9FF3-4FC5-9301-35718FFFB10A}"/>
+              </a:ext>
+            </a:extLst>
+          </p:cNvPr>
+          <p:cNvPicPr>
+            <a:picLocks noChangeAspect="1"/>
+          </p:cNvPicPr>
+          <p:nvPr/>
+        </p:nvPicPr>
+        <p:blipFill>
+          <a:blip r:embed="rId2">
+            <a:extLst>
+              <a:ext uri="{28A0092B-C50C-407E-A947-70E740481C1C}">
+                <a14:useLocalDpi xmlns:a14="http://schemas.microsoft.com/office/drawing/2010/main" val="0"/>
+              </a:ext>
+            </a:extLst>
+          </a:blip>
+          <a:stretch>
+            <a:fillRect/>
+          </a:stretch>
+        </p:blipFill>
+        <p:spPr>
+          <a:xfrm>
+            <a:off x="-966651" y="0"/>
+            <a:ext cx="13689874" cy="13689874"/>
+          </a:xfrm>
+          <a:prstGeom prst="rect">
+            <a:avLst/>
+          </a:prstGeom>
+        </p:spPr>
+      </p:pic>
+      <p:sp>
+        <p:nvSpPr>
+          <p:cNvPr id="4" name="TextBox 3">
+            <a:extLst>
+              <a:ext uri="{FF2B5EF4-FFF2-40B4-BE49-F238E27FC236}">
+                <a16:creationId xmlns:a16="http://schemas.microsoft.com/office/drawing/2014/main" id="{49B7A5D7-DD4B-47CE-B121-96FDF0201ACE}"/>
+              </a:ext>
+            </a:extLst>
+          </p:cNvPr>
+          <p:cNvSpPr txBox="1"/>
+          <p:nvPr/>
+        </p:nvSpPr>
+        <p:spPr>
+          <a:xfrm>
+            <a:off x="10560426" y="1228087"/>
+            <a:ext cx="13546422" cy="14142333"/>
+          </a:xfrm>
+          <a:prstGeom prst="rect">
+            <a:avLst/>
+          </a:prstGeom>
+          <a:noFill/>
+        </p:spPr>
+        <p:txBody>
+          <a:bodyPr wrap="square" rtlCol="0">
+            <a:spAutoFit/>
+          </a:bodyPr>
+          <a:lstStyle/>
+          <a:p>
+            <a:pPr algn="ctr"/>
+            <a:r>
+              <a:rPr lang="en-US" altLang="ko-KR" sz="19900" b="1" dirty="0">
+                <a:solidFill>
+                  <a:schemeClr val="bg1"/>
+                </a:solidFill>
+              </a:rPr>
+              <a:t>Dev Tutorial</a:t>
+            </a:r>
+          </a:p>
+          <a:p>
+            <a:pPr algn="ctr"/>
+            <a:r>
+              <a:rPr lang="en-US" altLang="ko-KR" sz="19900" b="1" dirty="0">
+                <a:solidFill>
+                  <a:schemeClr val="bg1"/>
+                </a:solidFill>
+              </a:rPr>
+              <a:t>---</a:t>
+            </a:r>
+            <a:endParaRPr lang="en-US" altLang="ko-KR" sz="16600" b="1" dirty="0">
+              <a:solidFill>
+                <a:schemeClr val="bg1"/>
+              </a:solidFill>
+            </a:endParaRPr>
+          </a:p>
+          <a:p>
+            <a:pPr algn="ctr"/>
+            <a:r>
+              <a:rPr lang="en-US" altLang="ko-KR" sz="13800" b="1" dirty="0">
+                <a:solidFill>
+                  <a:schemeClr val="bg1"/>
+                </a:solidFill>
+              </a:rPr>
+              <a:t>Task </a:t>
+            </a:r>
+          </a:p>
+          <a:p>
+            <a:pPr algn="ctr"/>
+            <a:r>
+              <a:rPr lang="en-US" altLang="ko-KR" sz="13800" b="1" dirty="0">
+                <a:solidFill>
+                  <a:schemeClr val="bg1"/>
+                </a:solidFill>
+              </a:rPr>
+              <a:t>Reservation</a:t>
+            </a:r>
+          </a:p>
+          <a:p>
+            <a:pPr algn="ctr"/>
+            <a:endParaRPr lang="ko-KR" altLang="en-US" sz="23900" b="1" dirty="0">
+              <a:solidFill>
+                <a:schemeClr val="bg1"/>
+              </a:solidFill>
+            </a:endParaRPr>
+          </a:p>
+        </p:txBody>
+      </p:sp>
+    </p:spTree>
+    <p:extLst>
+      <p:ext uri="{BB962C8B-B14F-4D97-AF65-F5344CB8AC3E}">
+        <p14:creationId xmlns:p14="http://schemas.microsoft.com/office/powerpoint/2010/main" val="2310254109"/>
+      </p:ext>
+    </p:extLst>
+  </p:cSld>
+  <p:clrMapOvr>
+    <a:masterClrMapping/>
+  </p:clrMapOvr>
+</p:sld>
+</file>
+
+<file path=ppt/slides/slide15.xml><?xml version="1.0" encoding="utf-8"?>
+<p:sld xmlns:a="http://schemas.openxmlformats.org/drawingml/2006/main" xmlns:r="http://schemas.openxmlformats.org/officeDocument/2006/relationships" xmlns:p="http://schemas.openxmlformats.org/presentationml/2006/main">
+  <p:cSld>
+    <p:bg>
+      <p:bgPr>
+        <a:solidFill>
+          <a:schemeClr val="tx1"/>
+        </a:solidFill>
+        <a:effectLst/>
+      </p:bgPr>
+    </p:bg>
+    <p:spTree>
+      <p:nvGrpSpPr>
+        <p:cNvPr id="1" name=""/>
+        <p:cNvGrpSpPr/>
+        <p:nvPr/>
+      </p:nvGrpSpPr>
+      <p:grpSpPr>
+        <a:xfrm>
+          <a:off x="0" y="0"/>
+          <a:ext cx="0" cy="0"/>
+          <a:chOff x="0" y="0"/>
+          <a:chExt cx="0" cy="0"/>
+        </a:xfrm>
+      </p:grpSpPr>
+      <p:pic>
+        <p:nvPicPr>
+          <p:cNvPr id="6" name="Picture 5">
+            <a:extLst>
+              <a:ext uri="{FF2B5EF4-FFF2-40B4-BE49-F238E27FC236}">
+                <a16:creationId xmlns:a16="http://schemas.microsoft.com/office/drawing/2014/main" id="{5AE1C0AE-9FF3-4FC5-9301-35718FFFB10A}"/>
+              </a:ext>
+            </a:extLst>
+          </p:cNvPr>
+          <p:cNvPicPr>
+            <a:picLocks noChangeAspect="1"/>
+          </p:cNvPicPr>
+          <p:nvPr/>
+        </p:nvPicPr>
+        <p:blipFill>
+          <a:blip r:embed="rId2">
+            <a:extLst>
+              <a:ext uri="{28A0092B-C50C-407E-A947-70E740481C1C}">
+                <a14:useLocalDpi xmlns:a14="http://schemas.microsoft.com/office/drawing/2010/main" val="0"/>
+              </a:ext>
+            </a:extLst>
+          </a:blip>
+          <a:stretch>
+            <a:fillRect/>
+          </a:stretch>
+        </p:blipFill>
+        <p:spPr>
+          <a:xfrm>
+            <a:off x="-966651" y="0"/>
+            <a:ext cx="13689874" cy="13689874"/>
+          </a:xfrm>
+          <a:prstGeom prst="rect">
+            <a:avLst/>
+          </a:prstGeom>
+        </p:spPr>
+      </p:pic>
+      <p:sp>
+        <p:nvSpPr>
+          <p:cNvPr id="4" name="TextBox 3">
+            <a:extLst>
+              <a:ext uri="{FF2B5EF4-FFF2-40B4-BE49-F238E27FC236}">
+                <a16:creationId xmlns:a16="http://schemas.microsoft.com/office/drawing/2014/main" id="{49B7A5D7-DD4B-47CE-B121-96FDF0201ACE}"/>
+              </a:ext>
+            </a:extLst>
+          </p:cNvPr>
+          <p:cNvSpPr txBox="1"/>
+          <p:nvPr/>
+        </p:nvSpPr>
+        <p:spPr>
+          <a:xfrm>
+            <a:off x="10560426" y="1228087"/>
+            <a:ext cx="13546422" cy="12018675"/>
+          </a:xfrm>
+          <a:prstGeom prst="rect">
+            <a:avLst/>
+          </a:prstGeom>
+          <a:noFill/>
+        </p:spPr>
+        <p:txBody>
+          <a:bodyPr wrap="square" rtlCol="0">
+            <a:spAutoFit/>
+          </a:bodyPr>
+          <a:lstStyle/>
+          <a:p>
+            <a:pPr algn="ctr"/>
+            <a:r>
+              <a:rPr lang="en-US" altLang="ko-KR" sz="19900" b="1" dirty="0">
+                <a:solidFill>
+                  <a:schemeClr val="bg1"/>
+                </a:solidFill>
+              </a:rPr>
+              <a:t>Dev Tutorial</a:t>
+            </a:r>
+          </a:p>
+          <a:p>
+            <a:pPr algn="ctr"/>
+            <a:r>
+              <a:rPr lang="en-US" altLang="ko-KR" sz="19900" b="1" dirty="0">
+                <a:solidFill>
+                  <a:schemeClr val="bg1"/>
+                </a:solidFill>
+              </a:rPr>
+              <a:t>---</a:t>
+            </a:r>
+            <a:endParaRPr lang="en-US" altLang="ko-KR" sz="16600" b="1" dirty="0">
+              <a:solidFill>
+                <a:schemeClr val="bg1"/>
+              </a:solidFill>
+            </a:endParaRPr>
+          </a:p>
+          <a:p>
+            <a:pPr algn="ctr"/>
+            <a:r>
+              <a:rPr lang="en-US" altLang="ko-KR" sz="13800" b="1" dirty="0">
+                <a:solidFill>
+                  <a:schemeClr val="bg1"/>
+                </a:solidFill>
+              </a:rPr>
+              <a:t>Custom Data</a:t>
+            </a:r>
+          </a:p>
+          <a:p>
+            <a:pPr algn="ctr"/>
+            <a:endParaRPr lang="ko-KR" altLang="en-US" sz="23900" b="1" dirty="0">
+              <a:solidFill>
+                <a:schemeClr val="bg1"/>
+              </a:solidFill>
+            </a:endParaRPr>
+          </a:p>
+        </p:txBody>
+      </p:sp>
+    </p:spTree>
+    <p:extLst>
+      <p:ext uri="{BB962C8B-B14F-4D97-AF65-F5344CB8AC3E}">
+        <p14:creationId xmlns:p14="http://schemas.microsoft.com/office/powerpoint/2010/main" val="112939773"/>
+      </p:ext>
+    </p:extLst>
+  </p:cSld>
+  <p:clrMapOvr>
+    <a:masterClrMapping/>
+  </p:clrMapOvr>
+</p:sld>
+</file>
+
+<file path=ppt/slides/slide16.xml><?xml version="1.0" encoding="utf-8"?>
+<p:sld xmlns:a="http://schemas.openxmlformats.org/drawingml/2006/main" xmlns:r="http://schemas.openxmlformats.org/officeDocument/2006/relationships" xmlns:p="http://schemas.openxmlformats.org/presentationml/2006/main">
+  <p:cSld>
+    <p:bg>
+      <p:bgPr>
+        <a:solidFill>
+          <a:schemeClr val="tx1"/>
+        </a:solidFill>
+        <a:effectLst/>
+      </p:bgPr>
+    </p:bg>
+    <p:spTree>
+      <p:nvGrpSpPr>
+        <p:cNvPr id="1" name=""/>
+        <p:cNvGrpSpPr/>
+        <p:nvPr/>
+      </p:nvGrpSpPr>
+      <p:grpSpPr>
+        <a:xfrm>
+          <a:off x="0" y="0"/>
+          <a:ext cx="0" cy="0"/>
+          <a:chOff x="0" y="0"/>
+          <a:chExt cx="0" cy="0"/>
+        </a:xfrm>
+      </p:grpSpPr>
+      <p:pic>
+        <p:nvPicPr>
+          <p:cNvPr id="6" name="Picture 5">
+            <a:extLst>
+              <a:ext uri="{FF2B5EF4-FFF2-40B4-BE49-F238E27FC236}">
+                <a16:creationId xmlns:a16="http://schemas.microsoft.com/office/drawing/2014/main" id="{5AE1C0AE-9FF3-4FC5-9301-35718FFFB10A}"/>
+              </a:ext>
+            </a:extLst>
+          </p:cNvPr>
+          <p:cNvPicPr>
+            <a:picLocks noChangeAspect="1"/>
+          </p:cNvPicPr>
+          <p:nvPr/>
+        </p:nvPicPr>
+        <p:blipFill>
+          <a:blip r:embed="rId2">
+            <a:extLst>
+              <a:ext uri="{28A0092B-C50C-407E-A947-70E740481C1C}">
+                <a14:useLocalDpi xmlns:a14="http://schemas.microsoft.com/office/drawing/2010/main" val="0"/>
+              </a:ext>
+            </a:extLst>
+          </a:blip>
+          <a:stretch>
+            <a:fillRect/>
+          </a:stretch>
+        </p:blipFill>
+        <p:spPr>
+          <a:xfrm>
+            <a:off x="-966651" y="0"/>
+            <a:ext cx="13689874" cy="13689874"/>
+          </a:xfrm>
+          <a:prstGeom prst="rect">
+            <a:avLst/>
+          </a:prstGeom>
+        </p:spPr>
+      </p:pic>
+      <p:sp>
+        <p:nvSpPr>
+          <p:cNvPr id="4" name="TextBox 3">
+            <a:extLst>
+              <a:ext uri="{FF2B5EF4-FFF2-40B4-BE49-F238E27FC236}">
+                <a16:creationId xmlns:a16="http://schemas.microsoft.com/office/drawing/2014/main" id="{49B7A5D7-DD4B-47CE-B121-96FDF0201ACE}"/>
+              </a:ext>
+            </a:extLst>
+          </p:cNvPr>
+          <p:cNvSpPr txBox="1"/>
+          <p:nvPr/>
+        </p:nvSpPr>
+        <p:spPr>
+          <a:xfrm>
+            <a:off x="10450286" y="1489625"/>
+            <a:ext cx="14120677" cy="10710624"/>
+          </a:xfrm>
+          <a:prstGeom prst="rect">
+            <a:avLst/>
+          </a:prstGeom>
+          <a:noFill/>
+        </p:spPr>
+        <p:txBody>
+          <a:bodyPr wrap="square" rtlCol="0">
+            <a:spAutoFit/>
+          </a:bodyPr>
+          <a:lstStyle/>
+          <a:p>
+            <a:r>
+              <a:rPr lang="en-US" altLang="ko-KR" sz="23000" b="1" dirty="0">
+                <a:solidFill>
+                  <a:schemeClr val="bg1"/>
+                </a:solidFill>
+              </a:rPr>
+              <a:t>Third-party</a:t>
+            </a:r>
+          </a:p>
+          <a:p>
+            <a:r>
+              <a:rPr lang="en-US" altLang="ko-KR" sz="23000" b="1" dirty="0">
+                <a:solidFill>
+                  <a:schemeClr val="bg1"/>
+                </a:solidFill>
+              </a:rPr>
+              <a:t>Dev</a:t>
+            </a:r>
+          </a:p>
+          <a:p>
+            <a:r>
+              <a:rPr lang="en-US" altLang="ko-KR" sz="23000" b="1" dirty="0">
+                <a:solidFill>
+                  <a:schemeClr val="bg1"/>
+                </a:solidFill>
+              </a:rPr>
+              <a:t>Tutorial</a:t>
+            </a:r>
+            <a:endParaRPr lang="ko-KR" altLang="en-US" sz="23000" b="1" dirty="0">
+              <a:solidFill>
+                <a:schemeClr val="bg1"/>
+              </a:solidFill>
+            </a:endParaRPr>
+          </a:p>
+        </p:txBody>
+      </p:sp>
+    </p:spTree>
+    <p:extLst>
+      <p:ext uri="{BB962C8B-B14F-4D97-AF65-F5344CB8AC3E}">
+        <p14:creationId xmlns:p14="http://schemas.microsoft.com/office/powerpoint/2010/main" val="4291620061"/>
+      </p:ext>
+    </p:extLst>
+  </p:cSld>
+  <p:clrMapOvr>
+    <a:masterClrMapping/>
+  </p:clrMapOvr>
+</p:sld>
+</file>
+
 <file path=ppt/slides/slide2.xml><?xml version="1.0" encoding="utf-8"?>
 <p:sld xmlns:a="http://schemas.openxmlformats.org/drawingml/2006/main" xmlns:r="http://schemas.openxmlformats.org/officeDocument/2006/relationships" xmlns:p="http://schemas.openxmlformats.org/presentationml/2006/main">
   <p:cSld>
@@ -8138,8 +9200,8 @@
         </p:nvSpPr>
         <p:spPr>
           <a:xfrm>
-            <a:off x="11029950" y="1281875"/>
-            <a:ext cx="12861743" cy="11126123"/>
+            <a:off x="10560426" y="1228087"/>
+            <a:ext cx="13546422" cy="12449562"/>
           </a:xfrm>
           <a:prstGeom prst="rect">
             <a:avLst/>
@@ -8152,29 +9214,45 @@
           </a:bodyPr>
           <a:lstStyle/>
           <a:p>
-            <a:r>
-              <a:rPr lang="en-US" altLang="ko-KR" sz="23900" b="1" dirty="0" err="1">
+            <a:pPr algn="ctr"/>
+            <a:r>
+              <a:rPr lang="en-US" altLang="ko-KR" sz="19900" b="1" dirty="0">
                 <a:solidFill>
                   <a:schemeClr val="bg1"/>
                 </a:solidFill>
               </a:rPr>
-              <a:t>MinigameDev</a:t>
-            </a:r>
-            <a:endParaRPr lang="en-US" altLang="ko-KR" sz="23900" b="1" dirty="0">
+              <a:t>Dev Tutorial</a:t>
+            </a:r>
+          </a:p>
+          <a:p>
+            <a:pPr algn="ctr"/>
+            <a:r>
+              <a:rPr lang="en-US" altLang="ko-KR" sz="19900" b="1" dirty="0">
+                <a:solidFill>
+                  <a:schemeClr val="bg1"/>
+                </a:solidFill>
+              </a:rPr>
+              <a:t>---</a:t>
+            </a:r>
+            <a:endParaRPr lang="en-US" altLang="ko-KR" sz="16600" b="1" dirty="0">
               <a:solidFill>
                 <a:schemeClr val="bg1"/>
               </a:solidFill>
             </a:endParaRPr>
           </a:p>
           <a:p>
-            <a:r>
-              <a:rPr lang="en-US" altLang="ko-KR" sz="23900" b="1" dirty="0">
+            <a:pPr algn="ctr"/>
+            <a:r>
+              <a:rPr lang="en-US" altLang="ko-KR" sz="13800" b="1" dirty="0">
                 <a:solidFill>
                   <a:schemeClr val="bg1"/>
                 </a:solidFill>
               </a:rPr>
-              <a:t>Tutorial</a:t>
-            </a:r>
+              <a:t>Introduction</a:t>
+            </a:r>
+          </a:p>
+          <a:p>
+            <a:pPr algn="ctr"/>
             <a:endParaRPr lang="ko-KR" altLang="en-US" sz="23900" b="1" dirty="0">
               <a:solidFill>
                 <a:schemeClr val="bg1"/>
@@ -8271,8 +9349,8 @@
         </p:nvSpPr>
         <p:spPr>
           <a:xfrm>
-            <a:off x="10450286" y="1489625"/>
-            <a:ext cx="14120677" cy="10710624"/>
+            <a:off x="10560426" y="1228087"/>
+            <a:ext cx="13546422" cy="14142333"/>
           </a:xfrm>
           <a:prstGeom prst="rect">
             <a:avLst/>
@@ -8285,35 +9363,46 @@
           </a:bodyPr>
           <a:lstStyle/>
           <a:p>
-            <a:r>
-              <a:rPr lang="en-US" altLang="ko-KR" sz="23000" b="1" dirty="0">
+            <a:pPr algn="ctr"/>
+            <a:r>
+              <a:rPr lang="en-US" altLang="ko-KR" sz="19900" b="1" dirty="0">
                 <a:solidFill>
                   <a:schemeClr val="bg1"/>
                 </a:solidFill>
               </a:rPr>
-              <a:t>Third-party</a:t>
-            </a:r>
-          </a:p>
-          <a:p>
-            <a:r>
-              <a:rPr lang="en-US" altLang="ko-KR" sz="23000" b="1" dirty="0">
+              <a:t>Dev Tutorial</a:t>
+            </a:r>
+          </a:p>
+          <a:p>
+            <a:pPr algn="ctr"/>
+            <a:r>
+              <a:rPr lang="en-US" altLang="ko-KR" sz="19900" b="1" dirty="0">
                 <a:solidFill>
                   <a:schemeClr val="bg1"/>
                 </a:solidFill>
               </a:rPr>
-              <a:t>Dev</a:t>
-            </a:r>
-          </a:p>
-          <a:p>
-            <a:r>
-              <a:rPr lang="en-US" altLang="ko-KR" sz="23000" b="1" dirty="0">
+              <a:t>---</a:t>
+            </a:r>
+            <a:endParaRPr lang="en-US" altLang="ko-KR" sz="16600" b="1" dirty="0">
+              <a:solidFill>
+                <a:schemeClr val="bg1"/>
+              </a:solidFill>
+            </a:endParaRPr>
+          </a:p>
+          <a:p>
+            <a:pPr algn="ctr"/>
+            <a:r>
+              <a:rPr lang="en-US" altLang="ko-KR" sz="13800" b="1" dirty="0">
                 <a:solidFill>
                   <a:schemeClr val="bg1"/>
                 </a:solidFill>
               </a:rPr>
-              <a:t>Tutorial</a:t>
-            </a:r>
-            <a:endParaRPr lang="ko-KR" altLang="en-US" sz="23000" b="1" dirty="0">
+              <a:t>Setup Environment</a:t>
+            </a:r>
+          </a:p>
+          <a:p>
+            <a:pPr algn="ctr"/>
+            <a:endParaRPr lang="ko-KR" altLang="en-US" sz="23900" b="1" dirty="0">
               <a:solidFill>
                 <a:schemeClr val="bg1"/>
               </a:solidFill>
@@ -8324,7 +9413,156 @@
     </p:spTree>
     <p:extLst>
       <p:ext uri="{BB962C8B-B14F-4D97-AF65-F5344CB8AC3E}">
-        <p14:creationId xmlns:p14="http://schemas.microsoft.com/office/powerpoint/2010/main" val="4291620061"/>
+        <p14:creationId xmlns:p14="http://schemas.microsoft.com/office/powerpoint/2010/main" val="356439296"/>
+      </p:ext>
+    </p:extLst>
+  </p:cSld>
+  <p:clrMapOvr>
+    <a:masterClrMapping/>
+  </p:clrMapOvr>
+</p:sld>
+</file>
+
+<file path=ppt/slides/slide9.xml><?xml version="1.0" encoding="utf-8"?>
+<p:sld xmlns:a="http://schemas.openxmlformats.org/drawingml/2006/main" xmlns:r="http://schemas.openxmlformats.org/officeDocument/2006/relationships" xmlns:p="http://schemas.openxmlformats.org/presentationml/2006/main">
+  <p:cSld>
+    <p:bg>
+      <p:bgPr>
+        <a:solidFill>
+          <a:schemeClr val="tx1"/>
+        </a:solidFill>
+        <a:effectLst/>
+      </p:bgPr>
+    </p:bg>
+    <p:spTree>
+      <p:nvGrpSpPr>
+        <p:cNvPr id="1" name=""/>
+        <p:cNvGrpSpPr/>
+        <p:nvPr/>
+      </p:nvGrpSpPr>
+      <p:grpSpPr>
+        <a:xfrm>
+          <a:off x="0" y="0"/>
+          <a:ext cx="0" cy="0"/>
+          <a:chOff x="0" y="0"/>
+          <a:chExt cx="0" cy="0"/>
+        </a:xfrm>
+      </p:grpSpPr>
+      <p:pic>
+        <p:nvPicPr>
+          <p:cNvPr id="6" name="Picture 5">
+            <a:extLst>
+              <a:ext uri="{FF2B5EF4-FFF2-40B4-BE49-F238E27FC236}">
+                <a16:creationId xmlns:a16="http://schemas.microsoft.com/office/drawing/2014/main" id="{5AE1C0AE-9FF3-4FC5-9301-35718FFFB10A}"/>
+              </a:ext>
+            </a:extLst>
+          </p:cNvPr>
+          <p:cNvPicPr>
+            <a:picLocks noChangeAspect="1"/>
+          </p:cNvPicPr>
+          <p:nvPr/>
+        </p:nvPicPr>
+        <p:blipFill>
+          <a:blip r:embed="rId2">
+            <a:extLst>
+              <a:ext uri="{28A0092B-C50C-407E-A947-70E740481C1C}">
+                <a14:useLocalDpi xmlns:a14="http://schemas.microsoft.com/office/drawing/2010/main" val="0"/>
+              </a:ext>
+            </a:extLst>
+          </a:blip>
+          <a:stretch>
+            <a:fillRect/>
+          </a:stretch>
+        </p:blipFill>
+        <p:spPr>
+          <a:xfrm>
+            <a:off x="-966651" y="0"/>
+            <a:ext cx="13689874" cy="13689874"/>
+          </a:xfrm>
+          <a:prstGeom prst="rect">
+            <a:avLst/>
+          </a:prstGeom>
+        </p:spPr>
+      </p:pic>
+      <p:sp>
+        <p:nvSpPr>
+          <p:cNvPr id="4" name="TextBox 3">
+            <a:extLst>
+              <a:ext uri="{FF2B5EF4-FFF2-40B4-BE49-F238E27FC236}">
+                <a16:creationId xmlns:a16="http://schemas.microsoft.com/office/drawing/2014/main" id="{49B7A5D7-DD4B-47CE-B121-96FDF0201ACE}"/>
+              </a:ext>
+            </a:extLst>
+          </p:cNvPr>
+          <p:cNvSpPr txBox="1"/>
+          <p:nvPr/>
+        </p:nvSpPr>
+        <p:spPr>
+          <a:xfrm>
+            <a:off x="10560426" y="1228087"/>
+            <a:ext cx="13546422" cy="14142333"/>
+          </a:xfrm>
+          <a:prstGeom prst="rect">
+            <a:avLst/>
+          </a:prstGeom>
+          <a:noFill/>
+        </p:spPr>
+        <p:txBody>
+          <a:bodyPr wrap="square" rtlCol="0">
+            <a:spAutoFit/>
+          </a:bodyPr>
+          <a:lstStyle/>
+          <a:p>
+            <a:pPr algn="ctr"/>
+            <a:r>
+              <a:rPr lang="en-US" altLang="ko-KR" sz="19900" b="1" dirty="0">
+                <a:solidFill>
+                  <a:schemeClr val="bg1"/>
+                </a:solidFill>
+              </a:rPr>
+              <a:t>Dev Tutorial</a:t>
+            </a:r>
+          </a:p>
+          <a:p>
+            <a:pPr algn="ctr"/>
+            <a:r>
+              <a:rPr lang="en-US" altLang="ko-KR" sz="19900" b="1" dirty="0">
+                <a:solidFill>
+                  <a:schemeClr val="bg1"/>
+                </a:solidFill>
+              </a:rPr>
+              <a:t>---</a:t>
+            </a:r>
+            <a:endParaRPr lang="en-US" altLang="ko-KR" sz="16600" b="1" dirty="0">
+              <a:solidFill>
+                <a:schemeClr val="bg1"/>
+              </a:solidFill>
+            </a:endParaRPr>
+          </a:p>
+          <a:p>
+            <a:pPr algn="ctr"/>
+            <a:r>
+              <a:rPr lang="en-US" altLang="ko-KR" sz="13800" b="1" dirty="0">
+                <a:solidFill>
+                  <a:schemeClr val="bg1"/>
+                </a:solidFill>
+              </a:rPr>
+              <a:t>Create a Minigame</a:t>
+            </a:r>
+          </a:p>
+          <a:p>
+            <a:pPr algn="ctr"/>
+            <a:endParaRPr lang="ko-KR" altLang="en-US" sz="23900" b="1" dirty="0">
+              <a:solidFill>
+                <a:schemeClr val="bg1"/>
+              </a:solidFill>
+            </a:endParaRPr>
+          </a:p>
+        </p:txBody>
+      </p:sp>
+    </p:spTree>
+    <p:extLst>
+      <p:ext uri="{BB962C8B-B14F-4D97-AF65-F5344CB8AC3E}">
+        <p14:creationId xmlns:p14="http://schemas.microsoft.com/office/powerpoint/2010/main" val="2458923189"/>
       </p:ext>
     </p:extLst>
   </p:cSld>

--- a/resources/MiniGameWorld.pptx
+++ b/resources/MiniGameWorld.pptx
@@ -21,6 +21,8 @@
     <p:sldId id="270" r:id="rId15"/>
     <p:sldId id="271" r:id="rId16"/>
     <p:sldId id="263" r:id="rId17"/>
+    <p:sldId id="272" r:id="rId18"/>
+    <p:sldId id="273" r:id="rId19"/>
   </p:sldIdLst>
   <p:sldSz cx="24384000" cy="13716000"/>
   <p:notesSz cx="6858000" cy="9144000"/>
@@ -28,7 +30,7 @@
     <a:defPPr>
       <a:defRPr lang="en-US"/>
     </a:defPPr>
-    <a:lvl1pPr marL="0" algn="l" defTabSz="457200" rtl="0" eaLnBrk="1" latinLnBrk="0" hangingPunct="1">
+    <a:lvl1pPr marL="0" algn="l" defTabSz="457182" rtl="0" eaLnBrk="1" latinLnBrk="0" hangingPunct="1">
       <a:defRPr sz="1800" kern="1200">
         <a:solidFill>
           <a:schemeClr val="tx1"/>
@@ -38,7 +40,7 @@
         <a:cs typeface="+mn-cs"/>
       </a:defRPr>
     </a:lvl1pPr>
-    <a:lvl2pPr marL="457200" algn="l" defTabSz="457200" rtl="0" eaLnBrk="1" latinLnBrk="0" hangingPunct="1">
+    <a:lvl2pPr marL="457182" algn="l" defTabSz="457182" rtl="0" eaLnBrk="1" latinLnBrk="0" hangingPunct="1">
       <a:defRPr sz="1800" kern="1200">
         <a:solidFill>
           <a:schemeClr val="tx1"/>
@@ -48,7 +50,7 @@
         <a:cs typeface="+mn-cs"/>
       </a:defRPr>
     </a:lvl2pPr>
-    <a:lvl3pPr marL="914400" algn="l" defTabSz="457200" rtl="0" eaLnBrk="1" latinLnBrk="0" hangingPunct="1">
+    <a:lvl3pPr marL="914363" algn="l" defTabSz="457182" rtl="0" eaLnBrk="1" latinLnBrk="0" hangingPunct="1">
       <a:defRPr sz="1800" kern="1200">
         <a:solidFill>
           <a:schemeClr val="tx1"/>
@@ -58,7 +60,7 @@
         <a:cs typeface="+mn-cs"/>
       </a:defRPr>
     </a:lvl3pPr>
-    <a:lvl4pPr marL="1371600" algn="l" defTabSz="457200" rtl="0" eaLnBrk="1" latinLnBrk="0" hangingPunct="1">
+    <a:lvl4pPr marL="1371545" algn="l" defTabSz="457182" rtl="0" eaLnBrk="1" latinLnBrk="0" hangingPunct="1">
       <a:defRPr sz="1800" kern="1200">
         <a:solidFill>
           <a:schemeClr val="tx1"/>
@@ -68,7 +70,7 @@
         <a:cs typeface="+mn-cs"/>
       </a:defRPr>
     </a:lvl4pPr>
-    <a:lvl5pPr marL="1828800" algn="l" defTabSz="457200" rtl="0" eaLnBrk="1" latinLnBrk="0" hangingPunct="1">
+    <a:lvl5pPr marL="1828727" algn="l" defTabSz="457182" rtl="0" eaLnBrk="1" latinLnBrk="0" hangingPunct="1">
       <a:defRPr sz="1800" kern="1200">
         <a:solidFill>
           <a:schemeClr val="tx1"/>
@@ -78,7 +80,7 @@
         <a:cs typeface="+mn-cs"/>
       </a:defRPr>
     </a:lvl5pPr>
-    <a:lvl6pPr marL="2286000" algn="l" defTabSz="457200" rtl="0" eaLnBrk="1" latinLnBrk="0" hangingPunct="1">
+    <a:lvl6pPr marL="2285909" algn="l" defTabSz="457182" rtl="0" eaLnBrk="1" latinLnBrk="0" hangingPunct="1">
       <a:defRPr sz="1800" kern="1200">
         <a:solidFill>
           <a:schemeClr val="tx1"/>
@@ -88,7 +90,7 @@
         <a:cs typeface="+mn-cs"/>
       </a:defRPr>
     </a:lvl6pPr>
-    <a:lvl7pPr marL="2743200" algn="l" defTabSz="457200" rtl="0" eaLnBrk="1" latinLnBrk="0" hangingPunct="1">
+    <a:lvl7pPr marL="2743090" algn="l" defTabSz="457182" rtl="0" eaLnBrk="1" latinLnBrk="0" hangingPunct="1">
       <a:defRPr sz="1800" kern="1200">
         <a:solidFill>
           <a:schemeClr val="tx1"/>
@@ -98,7 +100,7 @@
         <a:cs typeface="+mn-cs"/>
       </a:defRPr>
     </a:lvl7pPr>
-    <a:lvl8pPr marL="3200400" algn="l" defTabSz="457200" rtl="0" eaLnBrk="1" latinLnBrk="0" hangingPunct="1">
+    <a:lvl8pPr marL="3200272" algn="l" defTabSz="457182" rtl="0" eaLnBrk="1" latinLnBrk="0" hangingPunct="1">
       <a:defRPr sz="1800" kern="1200">
         <a:solidFill>
           <a:schemeClr val="tx1"/>
@@ -108,7 +110,7 @@
         <a:cs typeface="+mn-cs"/>
       </a:defRPr>
     </a:lvl8pPr>
-    <a:lvl9pPr marL="3657600" algn="l" defTabSz="457200" rtl="0" eaLnBrk="1" latinLnBrk="0" hangingPunct="1">
+    <a:lvl9pPr marL="3657454" algn="l" defTabSz="457182" rtl="0" eaLnBrk="1" latinLnBrk="0" hangingPunct="1">
       <a:defRPr sz="1800" kern="1200">
         <a:solidFill>
           <a:schemeClr val="tx1"/>
@@ -156,8 +158,8 @@
         </p:nvSpPr>
         <p:spPr>
           <a:xfrm>
-            <a:off x="3048000" y="2244726"/>
-            <a:ext cx="18288000" cy="4775200"/>
+            <a:off x="3048000" y="2244727"/>
+            <a:ext cx="18288000" cy="4775201"/>
           </a:xfrm>
         </p:spPr>
         <p:txBody>
@@ -189,7 +191,7 @@
         <p:spPr>
           <a:xfrm>
             <a:off x="3048000" y="7204076"/>
-            <a:ext cx="18288000" cy="3311524"/>
+            <a:ext cx="18288000" cy="3311525"/>
           </a:xfrm>
         </p:spPr>
         <p:txBody>
@@ -199,35 +201,35 @@
               <a:buNone/>
               <a:defRPr sz="4800"/>
             </a:lvl1pPr>
-            <a:lvl2pPr marL="914400" indent="0" algn="ctr">
+            <a:lvl2pPr marL="914411" indent="0" algn="ctr">
               <a:buNone/>
               <a:defRPr sz="4000"/>
             </a:lvl2pPr>
-            <a:lvl3pPr marL="1828800" indent="0" algn="ctr">
+            <a:lvl3pPr marL="1828823" indent="0" algn="ctr">
               <a:buNone/>
               <a:defRPr sz="3600"/>
             </a:lvl3pPr>
-            <a:lvl4pPr marL="2743200" indent="0" algn="ctr">
+            <a:lvl4pPr marL="2743234" indent="0" algn="ctr">
               <a:buNone/>
               <a:defRPr sz="3200"/>
             </a:lvl4pPr>
-            <a:lvl5pPr marL="3657600" indent="0" algn="ctr">
+            <a:lvl5pPr marL="3657646" indent="0" algn="ctr">
               <a:buNone/>
               <a:defRPr sz="3200"/>
             </a:lvl5pPr>
-            <a:lvl6pPr marL="4572000" indent="0" algn="ctr">
+            <a:lvl6pPr marL="4572057" indent="0" algn="ctr">
               <a:buNone/>
               <a:defRPr sz="3200"/>
             </a:lvl6pPr>
-            <a:lvl7pPr marL="5486400" indent="0" algn="ctr">
+            <a:lvl7pPr marL="5486469" indent="0" algn="ctr">
               <a:buNone/>
               <a:defRPr sz="3200"/>
             </a:lvl7pPr>
-            <a:lvl8pPr marL="6400800" indent="0" algn="ctr">
+            <a:lvl8pPr marL="6400880" indent="0" algn="ctr">
               <a:buNone/>
               <a:defRPr sz="3200"/>
             </a:lvl8pPr>
-            <a:lvl9pPr marL="7315200" indent="0" algn="ctr">
+            <a:lvl9pPr marL="7315291" indent="0" algn="ctr">
               <a:buNone/>
               <a:defRPr sz="3200"/>
             </a:lvl9pPr>
@@ -258,7 +260,7 @@
           <a:p>
             <a:fld id="{68DD77C6-9199-49BA-BC71-D4B35AFBC7B4}" type="datetimeFigureOut">
               <a:rPr lang="ko-KR" altLang="en-US" smtClean="0"/>
-              <a:t>2021-10-26</a:t>
+              <a:t>2021-10-28</a:t>
             </a:fld>
             <a:endParaRPr lang="ko-KR" altLang="en-US"/>
           </a:p>
@@ -428,7 +430,7 @@
           <a:p>
             <a:fld id="{68DD77C6-9199-49BA-BC71-D4B35AFBC7B4}" type="datetimeFigureOut">
               <a:rPr lang="ko-KR" altLang="en-US" smtClean="0"/>
-              <a:t>2021-10-26</a:t>
+              <a:t>2021-10-28</a:t>
             </a:fld>
             <a:endParaRPr lang="ko-KR" altLang="en-US"/>
           </a:p>
@@ -518,8 +520,8 @@
         </p:nvSpPr>
         <p:spPr>
           <a:xfrm>
-            <a:off x="17449800" y="730250"/>
-            <a:ext cx="5257800" cy="11623676"/>
+            <a:off x="17449800" y="730252"/>
+            <a:ext cx="5257801" cy="11623676"/>
           </a:xfrm>
         </p:spPr>
         <p:txBody>
@@ -546,8 +548,8 @@
         </p:nvSpPr>
         <p:spPr>
           <a:xfrm>
-            <a:off x="1676400" y="730250"/>
-            <a:ext cx="15468600" cy="11623676"/>
+            <a:off x="1676400" y="730252"/>
+            <a:ext cx="15468601" cy="11623676"/>
           </a:xfrm>
         </p:spPr>
         <p:txBody>
@@ -608,7 +610,7 @@
           <a:p>
             <a:fld id="{68DD77C6-9199-49BA-BC71-D4B35AFBC7B4}" type="datetimeFigureOut">
               <a:rPr lang="ko-KR" altLang="en-US" smtClean="0"/>
-              <a:t>2021-10-26</a:t>
+              <a:t>2021-10-28</a:t>
             </a:fld>
             <a:endParaRPr lang="ko-KR" altLang="en-US"/>
           </a:p>
@@ -778,7 +780,7 @@
           <a:p>
             <a:fld id="{68DD77C6-9199-49BA-BC71-D4B35AFBC7B4}" type="datetimeFigureOut">
               <a:rPr lang="ko-KR" altLang="en-US" smtClean="0"/>
-              <a:t>2021-10-26</a:t>
+              <a:t>2021-10-28</a:t>
             </a:fld>
             <a:endParaRPr lang="ko-KR" altLang="en-US"/>
           </a:p>
@@ -868,7 +870,7 @@
         </p:nvSpPr>
         <p:spPr>
           <a:xfrm>
-            <a:off x="1663700" y="3419477"/>
+            <a:off x="1663700" y="3419479"/>
             <a:ext cx="21031200" cy="5705474"/>
           </a:xfrm>
         </p:spPr>
@@ -900,7 +902,7 @@
         </p:nvSpPr>
         <p:spPr>
           <a:xfrm>
-            <a:off x="1663700" y="9178927"/>
+            <a:off x="1663700" y="9178928"/>
             <a:ext cx="21031200" cy="3000374"/>
           </a:xfrm>
         </p:spPr>
@@ -917,7 +919,7 @@
                 </a:solidFill>
               </a:defRPr>
             </a:lvl1pPr>
-            <a:lvl2pPr marL="914400" indent="0">
+            <a:lvl2pPr marL="914411" indent="0">
               <a:buNone/>
               <a:defRPr sz="4000">
                 <a:solidFill>
@@ -927,7 +929,7 @@
                 </a:solidFill>
               </a:defRPr>
             </a:lvl2pPr>
-            <a:lvl3pPr marL="1828800" indent="0">
+            <a:lvl3pPr marL="1828823" indent="0">
               <a:buNone/>
               <a:defRPr sz="3600">
                 <a:solidFill>
@@ -937,7 +939,7 @@
                 </a:solidFill>
               </a:defRPr>
             </a:lvl3pPr>
-            <a:lvl4pPr marL="2743200" indent="0">
+            <a:lvl4pPr marL="2743234" indent="0">
               <a:buNone/>
               <a:defRPr sz="3200">
                 <a:solidFill>
@@ -947,7 +949,7 @@
                 </a:solidFill>
               </a:defRPr>
             </a:lvl4pPr>
-            <a:lvl5pPr marL="3657600" indent="0">
+            <a:lvl5pPr marL="3657646" indent="0">
               <a:buNone/>
               <a:defRPr sz="3200">
                 <a:solidFill>
@@ -957,7 +959,7 @@
                 </a:solidFill>
               </a:defRPr>
             </a:lvl5pPr>
-            <a:lvl6pPr marL="4572000" indent="0">
+            <a:lvl6pPr marL="4572057" indent="0">
               <a:buNone/>
               <a:defRPr sz="3200">
                 <a:solidFill>
@@ -967,7 +969,7 @@
                 </a:solidFill>
               </a:defRPr>
             </a:lvl6pPr>
-            <a:lvl7pPr marL="5486400" indent="0">
+            <a:lvl7pPr marL="5486469" indent="0">
               <a:buNone/>
               <a:defRPr sz="3200">
                 <a:solidFill>
@@ -977,7 +979,7 @@
                 </a:solidFill>
               </a:defRPr>
             </a:lvl7pPr>
-            <a:lvl8pPr marL="6400800" indent="0">
+            <a:lvl8pPr marL="6400880" indent="0">
               <a:buNone/>
               <a:defRPr sz="3200">
                 <a:solidFill>
@@ -987,7 +989,7 @@
                 </a:solidFill>
               </a:defRPr>
             </a:lvl8pPr>
-            <a:lvl9pPr marL="7315200" indent="0">
+            <a:lvl9pPr marL="7315291" indent="0">
               <a:buNone/>
               <a:defRPr sz="3200">
                 <a:solidFill>
@@ -1024,7 +1026,7 @@
           <a:p>
             <a:fld id="{68DD77C6-9199-49BA-BC71-D4B35AFBC7B4}" type="datetimeFigureOut">
               <a:rPr lang="ko-KR" altLang="en-US" smtClean="0"/>
-              <a:t>2021-10-26</a:t>
+              <a:t>2021-10-28</a:t>
             </a:fld>
             <a:endParaRPr lang="ko-KR" altLang="en-US"/>
           </a:p>
@@ -1137,7 +1139,7 @@
         </p:nvSpPr>
         <p:spPr>
           <a:xfrm>
-            <a:off x="1676400" y="3651250"/>
+            <a:off x="1676400" y="3651251"/>
             <a:ext cx="10363200" cy="8702676"/>
           </a:xfrm>
         </p:spPr>
@@ -1194,7 +1196,7 @@
         </p:nvSpPr>
         <p:spPr>
           <a:xfrm>
-            <a:off x="12344400" y="3651250"/>
+            <a:off x="12344400" y="3651251"/>
             <a:ext cx="10363200" cy="8702676"/>
           </a:xfrm>
         </p:spPr>
@@ -1256,7 +1258,7 @@
           <a:p>
             <a:fld id="{68DD77C6-9199-49BA-BC71-D4B35AFBC7B4}" type="datetimeFigureOut">
               <a:rPr lang="ko-KR" altLang="en-US" smtClean="0"/>
-              <a:t>2021-10-26</a:t>
+              <a:t>2021-10-28</a:t>
             </a:fld>
             <a:endParaRPr lang="ko-KR" altLang="en-US"/>
           </a:p>
@@ -1346,7 +1348,7 @@
         </p:nvSpPr>
         <p:spPr>
           <a:xfrm>
-            <a:off x="1679576" y="730251"/>
+            <a:off x="1679577" y="730252"/>
             <a:ext cx="21031200" cy="2651126"/>
           </a:xfrm>
         </p:spPr>
@@ -1374,8 +1376,8 @@
         </p:nvSpPr>
         <p:spPr>
           <a:xfrm>
-            <a:off x="1679577" y="3362326"/>
-            <a:ext cx="10315574" cy="1647824"/>
+            <a:off x="1679577" y="3362327"/>
+            <a:ext cx="10315573" cy="1647824"/>
           </a:xfrm>
         </p:spPr>
         <p:txBody>
@@ -1385,35 +1387,35 @@
               <a:buNone/>
               <a:defRPr sz="4800" b="1"/>
             </a:lvl1pPr>
-            <a:lvl2pPr marL="914400" indent="0">
+            <a:lvl2pPr marL="914411" indent="0">
               <a:buNone/>
               <a:defRPr sz="4000" b="1"/>
             </a:lvl2pPr>
-            <a:lvl3pPr marL="1828800" indent="0">
+            <a:lvl3pPr marL="1828823" indent="0">
               <a:buNone/>
               <a:defRPr sz="3600" b="1"/>
             </a:lvl3pPr>
-            <a:lvl4pPr marL="2743200" indent="0">
+            <a:lvl4pPr marL="2743234" indent="0">
               <a:buNone/>
               <a:defRPr sz="3200" b="1"/>
             </a:lvl4pPr>
-            <a:lvl5pPr marL="3657600" indent="0">
+            <a:lvl5pPr marL="3657646" indent="0">
               <a:buNone/>
               <a:defRPr sz="3200" b="1"/>
             </a:lvl5pPr>
-            <a:lvl6pPr marL="4572000" indent="0">
+            <a:lvl6pPr marL="4572057" indent="0">
               <a:buNone/>
               <a:defRPr sz="3200" b="1"/>
             </a:lvl6pPr>
-            <a:lvl7pPr marL="5486400" indent="0">
+            <a:lvl7pPr marL="5486469" indent="0">
               <a:buNone/>
               <a:defRPr sz="3200" b="1"/>
             </a:lvl7pPr>
-            <a:lvl8pPr marL="6400800" indent="0">
+            <a:lvl8pPr marL="6400880" indent="0">
               <a:buNone/>
               <a:defRPr sz="3200" b="1"/>
             </a:lvl8pPr>
-            <a:lvl9pPr marL="7315200" indent="0">
+            <a:lvl9pPr marL="7315291" indent="0">
               <a:buNone/>
               <a:defRPr sz="3200" b="1"/>
             </a:lvl9pPr>
@@ -1440,7 +1442,7 @@
         <p:spPr>
           <a:xfrm>
             <a:off x="1679577" y="5010150"/>
-            <a:ext cx="10315574" cy="7369176"/>
+            <a:ext cx="10315573" cy="7369176"/>
           </a:xfrm>
         </p:spPr>
         <p:txBody>
@@ -1496,8 +1498,8 @@
         </p:nvSpPr>
         <p:spPr>
           <a:xfrm>
-            <a:off x="12344400" y="3362326"/>
-            <a:ext cx="10366376" cy="1647824"/>
+            <a:off x="12344401" y="3362327"/>
+            <a:ext cx="10366377" cy="1647824"/>
           </a:xfrm>
         </p:spPr>
         <p:txBody>
@@ -1507,35 +1509,35 @@
               <a:buNone/>
               <a:defRPr sz="4800" b="1"/>
             </a:lvl1pPr>
-            <a:lvl2pPr marL="914400" indent="0">
+            <a:lvl2pPr marL="914411" indent="0">
               <a:buNone/>
               <a:defRPr sz="4000" b="1"/>
             </a:lvl2pPr>
-            <a:lvl3pPr marL="1828800" indent="0">
+            <a:lvl3pPr marL="1828823" indent="0">
               <a:buNone/>
               <a:defRPr sz="3600" b="1"/>
             </a:lvl3pPr>
-            <a:lvl4pPr marL="2743200" indent="0">
+            <a:lvl4pPr marL="2743234" indent="0">
               <a:buNone/>
               <a:defRPr sz="3200" b="1"/>
             </a:lvl4pPr>
-            <a:lvl5pPr marL="3657600" indent="0">
+            <a:lvl5pPr marL="3657646" indent="0">
               <a:buNone/>
               <a:defRPr sz="3200" b="1"/>
             </a:lvl5pPr>
-            <a:lvl6pPr marL="4572000" indent="0">
+            <a:lvl6pPr marL="4572057" indent="0">
               <a:buNone/>
               <a:defRPr sz="3200" b="1"/>
             </a:lvl6pPr>
-            <a:lvl7pPr marL="5486400" indent="0">
+            <a:lvl7pPr marL="5486469" indent="0">
               <a:buNone/>
               <a:defRPr sz="3200" b="1"/>
             </a:lvl7pPr>
-            <a:lvl8pPr marL="6400800" indent="0">
+            <a:lvl8pPr marL="6400880" indent="0">
               <a:buNone/>
               <a:defRPr sz="3200" b="1"/>
             </a:lvl8pPr>
-            <a:lvl9pPr marL="7315200" indent="0">
+            <a:lvl9pPr marL="7315291" indent="0">
               <a:buNone/>
               <a:defRPr sz="3200" b="1"/>
             </a:lvl9pPr>
@@ -1561,8 +1563,8 @@
         </p:nvSpPr>
         <p:spPr>
           <a:xfrm>
-            <a:off x="12344400" y="5010150"/>
-            <a:ext cx="10366376" cy="7369176"/>
+            <a:off x="12344401" y="5010150"/>
+            <a:ext cx="10366377" cy="7369176"/>
           </a:xfrm>
         </p:spPr>
         <p:txBody>
@@ -1623,7 +1625,7 @@
           <a:p>
             <a:fld id="{68DD77C6-9199-49BA-BC71-D4B35AFBC7B4}" type="datetimeFigureOut">
               <a:rPr lang="ko-KR" altLang="en-US" smtClean="0"/>
-              <a:t>2021-10-26</a:t>
+              <a:t>2021-10-28</a:t>
             </a:fld>
             <a:endParaRPr lang="ko-KR" altLang="en-US"/>
           </a:p>
@@ -1741,7 +1743,7 @@
           <a:p>
             <a:fld id="{68DD77C6-9199-49BA-BC71-D4B35AFBC7B4}" type="datetimeFigureOut">
               <a:rPr lang="ko-KR" altLang="en-US" smtClean="0"/>
-              <a:t>2021-10-26</a:t>
+              <a:t>2021-10-28</a:t>
             </a:fld>
             <a:endParaRPr lang="ko-KR" altLang="en-US"/>
           </a:p>
@@ -1836,7 +1838,7 @@
           <a:p>
             <a:fld id="{68DD77C6-9199-49BA-BC71-D4B35AFBC7B4}" type="datetimeFigureOut">
               <a:rPr lang="ko-KR" altLang="en-US" smtClean="0"/>
-              <a:t>2021-10-26</a:t>
+              <a:t>2021-10-28</a:t>
             </a:fld>
             <a:endParaRPr lang="ko-KR" altLang="en-US"/>
           </a:p>
@@ -1926,8 +1928,8 @@
         </p:nvSpPr>
         <p:spPr>
           <a:xfrm>
-            <a:off x="1679577" y="914400"/>
-            <a:ext cx="7864474" cy="3200400"/>
+            <a:off x="1679578" y="914400"/>
+            <a:ext cx="7864475" cy="3200400"/>
           </a:xfrm>
         </p:spPr>
         <p:txBody>
@@ -1958,8 +1960,8 @@
         </p:nvSpPr>
         <p:spPr>
           <a:xfrm>
-            <a:off x="10366376" y="1974851"/>
-            <a:ext cx="12344400" cy="9747250"/>
+            <a:off x="10366378" y="1974851"/>
+            <a:ext cx="12344400" cy="9747251"/>
           </a:xfrm>
         </p:spPr>
         <p:txBody>
@@ -2043,8 +2045,8 @@
         </p:nvSpPr>
         <p:spPr>
           <a:xfrm>
-            <a:off x="1679577" y="4114800"/>
-            <a:ext cx="7864474" cy="7623176"/>
+            <a:off x="1679578" y="4114801"/>
+            <a:ext cx="7864475" cy="7623176"/>
           </a:xfrm>
         </p:spPr>
         <p:txBody>
@@ -2054,35 +2056,35 @@
               <a:buNone/>
               <a:defRPr sz="3200"/>
             </a:lvl1pPr>
-            <a:lvl2pPr marL="914400" indent="0">
+            <a:lvl2pPr marL="914411" indent="0">
               <a:buNone/>
               <a:defRPr sz="2800"/>
             </a:lvl2pPr>
-            <a:lvl3pPr marL="1828800" indent="0">
+            <a:lvl3pPr marL="1828823" indent="0">
               <a:buNone/>
               <a:defRPr sz="2400"/>
             </a:lvl3pPr>
-            <a:lvl4pPr marL="2743200" indent="0">
+            <a:lvl4pPr marL="2743234" indent="0">
               <a:buNone/>
               <a:defRPr sz="2000"/>
             </a:lvl4pPr>
-            <a:lvl5pPr marL="3657600" indent="0">
+            <a:lvl5pPr marL="3657646" indent="0">
               <a:buNone/>
               <a:defRPr sz="2000"/>
             </a:lvl5pPr>
-            <a:lvl6pPr marL="4572000" indent="0">
+            <a:lvl6pPr marL="4572057" indent="0">
               <a:buNone/>
               <a:defRPr sz="2000"/>
             </a:lvl6pPr>
-            <a:lvl7pPr marL="5486400" indent="0">
+            <a:lvl7pPr marL="5486469" indent="0">
               <a:buNone/>
               <a:defRPr sz="2000"/>
             </a:lvl7pPr>
-            <a:lvl8pPr marL="6400800" indent="0">
+            <a:lvl8pPr marL="6400880" indent="0">
               <a:buNone/>
               <a:defRPr sz="2000"/>
             </a:lvl8pPr>
-            <a:lvl9pPr marL="7315200" indent="0">
+            <a:lvl9pPr marL="7315291" indent="0">
               <a:buNone/>
               <a:defRPr sz="2000"/>
             </a:lvl9pPr>
@@ -2113,7 +2115,7 @@
           <a:p>
             <a:fld id="{68DD77C6-9199-49BA-BC71-D4B35AFBC7B4}" type="datetimeFigureOut">
               <a:rPr lang="ko-KR" altLang="en-US" smtClean="0"/>
-              <a:t>2021-10-26</a:t>
+              <a:t>2021-10-28</a:t>
             </a:fld>
             <a:endParaRPr lang="ko-KR" altLang="en-US"/>
           </a:p>
@@ -2203,8 +2205,8 @@
         </p:nvSpPr>
         <p:spPr>
           <a:xfrm>
-            <a:off x="1679577" y="914400"/>
-            <a:ext cx="7864474" cy="3200400"/>
+            <a:off x="1679578" y="914400"/>
+            <a:ext cx="7864475" cy="3200400"/>
           </a:xfrm>
         </p:spPr>
         <p:txBody>
@@ -2235,8 +2237,8 @@
         </p:nvSpPr>
         <p:spPr>
           <a:xfrm>
-            <a:off x="10366376" y="1974851"/>
-            <a:ext cx="12344400" cy="9747250"/>
+            <a:off x="10366378" y="1974851"/>
+            <a:ext cx="12344400" cy="9747251"/>
           </a:xfrm>
         </p:spPr>
         <p:txBody>
@@ -2246,35 +2248,35 @@
               <a:buNone/>
               <a:defRPr sz="6400"/>
             </a:lvl1pPr>
-            <a:lvl2pPr marL="914400" indent="0">
+            <a:lvl2pPr marL="914411" indent="0">
               <a:buNone/>
               <a:defRPr sz="5600"/>
             </a:lvl2pPr>
-            <a:lvl3pPr marL="1828800" indent="0">
+            <a:lvl3pPr marL="1828823" indent="0">
               <a:buNone/>
               <a:defRPr sz="4800"/>
             </a:lvl3pPr>
-            <a:lvl4pPr marL="2743200" indent="0">
+            <a:lvl4pPr marL="2743234" indent="0">
               <a:buNone/>
               <a:defRPr sz="4000"/>
             </a:lvl4pPr>
-            <a:lvl5pPr marL="3657600" indent="0">
+            <a:lvl5pPr marL="3657646" indent="0">
               <a:buNone/>
               <a:defRPr sz="4000"/>
             </a:lvl5pPr>
-            <a:lvl6pPr marL="4572000" indent="0">
+            <a:lvl6pPr marL="4572057" indent="0">
               <a:buNone/>
               <a:defRPr sz="4000"/>
             </a:lvl6pPr>
-            <a:lvl7pPr marL="5486400" indent="0">
+            <a:lvl7pPr marL="5486469" indent="0">
               <a:buNone/>
               <a:defRPr sz="4000"/>
             </a:lvl7pPr>
-            <a:lvl8pPr marL="6400800" indent="0">
+            <a:lvl8pPr marL="6400880" indent="0">
               <a:buNone/>
               <a:defRPr sz="4000"/>
             </a:lvl8pPr>
-            <a:lvl9pPr marL="7315200" indent="0">
+            <a:lvl9pPr marL="7315291" indent="0">
               <a:buNone/>
               <a:defRPr sz="4000"/>
             </a:lvl9pPr>
@@ -2300,8 +2302,8 @@
         </p:nvSpPr>
         <p:spPr>
           <a:xfrm>
-            <a:off x="1679577" y="4114800"/>
-            <a:ext cx="7864474" cy="7623176"/>
+            <a:off x="1679578" y="4114801"/>
+            <a:ext cx="7864475" cy="7623176"/>
           </a:xfrm>
         </p:spPr>
         <p:txBody>
@@ -2311,35 +2313,35 @@
               <a:buNone/>
               <a:defRPr sz="3200"/>
             </a:lvl1pPr>
-            <a:lvl2pPr marL="914400" indent="0">
+            <a:lvl2pPr marL="914411" indent="0">
               <a:buNone/>
               <a:defRPr sz="2800"/>
             </a:lvl2pPr>
-            <a:lvl3pPr marL="1828800" indent="0">
+            <a:lvl3pPr marL="1828823" indent="0">
               <a:buNone/>
               <a:defRPr sz="2400"/>
             </a:lvl3pPr>
-            <a:lvl4pPr marL="2743200" indent="0">
+            <a:lvl4pPr marL="2743234" indent="0">
               <a:buNone/>
               <a:defRPr sz="2000"/>
             </a:lvl4pPr>
-            <a:lvl5pPr marL="3657600" indent="0">
+            <a:lvl5pPr marL="3657646" indent="0">
               <a:buNone/>
               <a:defRPr sz="2000"/>
             </a:lvl5pPr>
-            <a:lvl6pPr marL="4572000" indent="0">
+            <a:lvl6pPr marL="4572057" indent="0">
               <a:buNone/>
               <a:defRPr sz="2000"/>
             </a:lvl6pPr>
-            <a:lvl7pPr marL="5486400" indent="0">
+            <a:lvl7pPr marL="5486469" indent="0">
               <a:buNone/>
               <a:defRPr sz="2000"/>
             </a:lvl7pPr>
-            <a:lvl8pPr marL="6400800" indent="0">
+            <a:lvl8pPr marL="6400880" indent="0">
               <a:buNone/>
               <a:defRPr sz="2000"/>
             </a:lvl8pPr>
-            <a:lvl9pPr marL="7315200" indent="0">
+            <a:lvl9pPr marL="7315291" indent="0">
               <a:buNone/>
               <a:defRPr sz="2000"/>
             </a:lvl9pPr>
@@ -2370,7 +2372,7 @@
           <a:p>
             <a:fld id="{68DD77C6-9199-49BA-BC71-D4B35AFBC7B4}" type="datetimeFigureOut">
               <a:rPr lang="ko-KR" altLang="en-US" smtClean="0"/>
-              <a:t>2021-10-26</a:t>
+              <a:t>2021-10-28</a:t>
             </a:fld>
             <a:endParaRPr lang="ko-KR" altLang="en-US"/>
           </a:p>
@@ -2465,7 +2467,7 @@
         </p:nvSpPr>
         <p:spPr>
           <a:xfrm>
-            <a:off x="1676400" y="730251"/>
+            <a:off x="1676400" y="730252"/>
             <a:ext cx="21031200" cy="2651126"/>
           </a:xfrm>
           <a:prstGeom prst="rect">
@@ -2498,7 +2500,7 @@
         </p:nvSpPr>
         <p:spPr>
           <a:xfrm>
-            <a:off x="1676400" y="3651250"/>
+            <a:off x="1676400" y="3651251"/>
             <a:ext cx="21031200" cy="8702676"/>
           </a:xfrm>
           <a:prstGeom prst="rect">
@@ -2560,7 +2562,7 @@
         </p:nvSpPr>
         <p:spPr>
           <a:xfrm>
-            <a:off x="1676400" y="12712701"/>
+            <a:off x="1676400" y="12712702"/>
             <a:ext cx="5486400" cy="730250"/>
           </a:xfrm>
           <a:prstGeom prst="rect">
@@ -2583,7 +2585,7 @@
           <a:p>
             <a:fld id="{68DD77C6-9199-49BA-BC71-D4B35AFBC7B4}" type="datetimeFigureOut">
               <a:rPr lang="ko-KR" altLang="en-US" smtClean="0"/>
-              <a:t>2021-10-26</a:t>
+              <a:t>2021-10-28</a:t>
             </a:fld>
             <a:endParaRPr lang="ko-KR" altLang="en-US"/>
           </a:p>
@@ -2601,7 +2603,7 @@
         </p:nvSpPr>
         <p:spPr>
           <a:xfrm>
-            <a:off x="8077200" y="12712701"/>
+            <a:off x="8077200" y="12712702"/>
             <a:ext cx="8229600" cy="730250"/>
           </a:xfrm>
           <a:prstGeom prst="rect">
@@ -2638,7 +2640,7 @@
         </p:nvSpPr>
         <p:spPr>
           <a:xfrm>
-            <a:off x="17221200" y="12712701"/>
+            <a:off x="17221200" y="12712702"/>
             <a:ext cx="5486400" cy="730250"/>
           </a:xfrm>
           <a:prstGeom prst="rect">
@@ -2690,7 +2692,7 @@
   </p:sldLayoutIdLst>
   <p:txStyles>
     <p:titleStyle>
-      <a:lvl1pPr algn="l" defTabSz="1828800" rtl="0" eaLnBrk="1" latinLnBrk="1" hangingPunct="1">
+      <a:lvl1pPr algn="l" defTabSz="1828823" rtl="0" eaLnBrk="1" latinLnBrk="1" hangingPunct="1">
         <a:lnSpc>
           <a:spcPct val="90000"/>
         </a:lnSpc>
@@ -2709,7 +2711,7 @@
       </a:lvl1pPr>
     </p:titleStyle>
     <p:bodyStyle>
-      <a:lvl1pPr marL="457200" indent="-457200" algn="l" defTabSz="1828800" rtl="0" eaLnBrk="1" latinLnBrk="1" hangingPunct="1">
+      <a:lvl1pPr marL="457206" indent="-457206" algn="l" defTabSz="1828823" rtl="0" eaLnBrk="1" latinLnBrk="1" hangingPunct="1">
         <a:lnSpc>
           <a:spcPct val="90000"/>
         </a:lnSpc>
@@ -2727,12 +2729,12 @@
           <a:cs typeface="+mn-cs"/>
         </a:defRPr>
       </a:lvl1pPr>
-      <a:lvl2pPr marL="1371600" indent="-457200" algn="l" defTabSz="1828800" rtl="0" eaLnBrk="1" latinLnBrk="1" hangingPunct="1">
+      <a:lvl2pPr marL="1371617" indent="-457206" algn="l" defTabSz="1828823" rtl="0" eaLnBrk="1" latinLnBrk="1" hangingPunct="1">
         <a:lnSpc>
           <a:spcPct val="90000"/>
         </a:lnSpc>
         <a:spcBef>
-          <a:spcPts val="1000"/>
+          <a:spcPts val="1001"/>
         </a:spcBef>
         <a:buFont typeface="Arial" panose="020B0604020202020204" pitchFamily="34" charset="0"/>
         <a:buChar char="•"/>
@@ -2745,12 +2747,12 @@
           <a:cs typeface="+mn-cs"/>
         </a:defRPr>
       </a:lvl2pPr>
-      <a:lvl3pPr marL="2286000" indent="-457200" algn="l" defTabSz="1828800" rtl="0" eaLnBrk="1" latinLnBrk="1" hangingPunct="1">
+      <a:lvl3pPr marL="2286029" indent="-457206" algn="l" defTabSz="1828823" rtl="0" eaLnBrk="1" latinLnBrk="1" hangingPunct="1">
         <a:lnSpc>
           <a:spcPct val="90000"/>
         </a:lnSpc>
         <a:spcBef>
-          <a:spcPts val="1000"/>
+          <a:spcPts val="1001"/>
         </a:spcBef>
         <a:buFont typeface="Arial" panose="020B0604020202020204" pitchFamily="34" charset="0"/>
         <a:buChar char="•"/>
@@ -2763,12 +2765,12 @@
           <a:cs typeface="+mn-cs"/>
         </a:defRPr>
       </a:lvl3pPr>
-      <a:lvl4pPr marL="3200400" indent="-457200" algn="l" defTabSz="1828800" rtl="0" eaLnBrk="1" latinLnBrk="1" hangingPunct="1">
+      <a:lvl4pPr marL="3200440" indent="-457206" algn="l" defTabSz="1828823" rtl="0" eaLnBrk="1" latinLnBrk="1" hangingPunct="1">
         <a:lnSpc>
           <a:spcPct val="90000"/>
         </a:lnSpc>
         <a:spcBef>
-          <a:spcPts val="1000"/>
+          <a:spcPts val="1001"/>
         </a:spcBef>
         <a:buFont typeface="Arial" panose="020B0604020202020204" pitchFamily="34" charset="0"/>
         <a:buChar char="•"/>
@@ -2781,12 +2783,12 @@
           <a:cs typeface="+mn-cs"/>
         </a:defRPr>
       </a:lvl4pPr>
-      <a:lvl5pPr marL="4114800" indent="-457200" algn="l" defTabSz="1828800" rtl="0" eaLnBrk="1" latinLnBrk="1" hangingPunct="1">
+      <a:lvl5pPr marL="4114851" indent="-457206" algn="l" defTabSz="1828823" rtl="0" eaLnBrk="1" latinLnBrk="1" hangingPunct="1">
         <a:lnSpc>
           <a:spcPct val="90000"/>
         </a:lnSpc>
         <a:spcBef>
-          <a:spcPts val="1000"/>
+          <a:spcPts val="1001"/>
         </a:spcBef>
         <a:buFont typeface="Arial" panose="020B0604020202020204" pitchFamily="34" charset="0"/>
         <a:buChar char="•"/>
@@ -2799,12 +2801,12 @@
           <a:cs typeface="+mn-cs"/>
         </a:defRPr>
       </a:lvl5pPr>
-      <a:lvl6pPr marL="5029200" indent="-457200" algn="l" defTabSz="1828800" rtl="0" eaLnBrk="1" latinLnBrk="1" hangingPunct="1">
+      <a:lvl6pPr marL="5029263" indent="-457206" algn="l" defTabSz="1828823" rtl="0" eaLnBrk="1" latinLnBrk="1" hangingPunct="1">
         <a:lnSpc>
           <a:spcPct val="90000"/>
         </a:lnSpc>
         <a:spcBef>
-          <a:spcPts val="1000"/>
+          <a:spcPts val="1001"/>
         </a:spcBef>
         <a:buFont typeface="Arial" panose="020B0604020202020204" pitchFamily="34" charset="0"/>
         <a:buChar char="•"/>
@@ -2817,12 +2819,12 @@
           <a:cs typeface="+mn-cs"/>
         </a:defRPr>
       </a:lvl6pPr>
-      <a:lvl7pPr marL="5943600" indent="-457200" algn="l" defTabSz="1828800" rtl="0" eaLnBrk="1" latinLnBrk="1" hangingPunct="1">
+      <a:lvl7pPr marL="5943674" indent="-457206" algn="l" defTabSz="1828823" rtl="0" eaLnBrk="1" latinLnBrk="1" hangingPunct="1">
         <a:lnSpc>
           <a:spcPct val="90000"/>
         </a:lnSpc>
         <a:spcBef>
-          <a:spcPts val="1000"/>
+          <a:spcPts val="1001"/>
         </a:spcBef>
         <a:buFont typeface="Arial" panose="020B0604020202020204" pitchFamily="34" charset="0"/>
         <a:buChar char="•"/>
@@ -2835,12 +2837,12 @@
           <a:cs typeface="+mn-cs"/>
         </a:defRPr>
       </a:lvl7pPr>
-      <a:lvl8pPr marL="6858000" indent="-457200" algn="l" defTabSz="1828800" rtl="0" eaLnBrk="1" latinLnBrk="1" hangingPunct="1">
+      <a:lvl8pPr marL="6858086" indent="-457206" algn="l" defTabSz="1828823" rtl="0" eaLnBrk="1" latinLnBrk="1" hangingPunct="1">
         <a:lnSpc>
           <a:spcPct val="90000"/>
         </a:lnSpc>
         <a:spcBef>
-          <a:spcPts val="1000"/>
+          <a:spcPts val="1001"/>
         </a:spcBef>
         <a:buFont typeface="Arial" panose="020B0604020202020204" pitchFamily="34" charset="0"/>
         <a:buChar char="•"/>
@@ -2853,12 +2855,12 @@
           <a:cs typeface="+mn-cs"/>
         </a:defRPr>
       </a:lvl8pPr>
-      <a:lvl9pPr marL="7772400" indent="-457200" algn="l" defTabSz="1828800" rtl="0" eaLnBrk="1" latinLnBrk="1" hangingPunct="1">
+      <a:lvl9pPr marL="7772497" indent="-457206" algn="l" defTabSz="1828823" rtl="0" eaLnBrk="1" latinLnBrk="1" hangingPunct="1">
         <a:lnSpc>
           <a:spcPct val="90000"/>
         </a:lnSpc>
         <a:spcBef>
-          <a:spcPts val="1000"/>
+          <a:spcPts val="1001"/>
         </a:spcBef>
         <a:buFont typeface="Arial" panose="020B0604020202020204" pitchFamily="34" charset="0"/>
         <a:buChar char="•"/>
@@ -2876,7 +2878,7 @@
       <a:defPPr>
         <a:defRPr lang="en-US"/>
       </a:defPPr>
-      <a:lvl1pPr marL="0" algn="l" defTabSz="1828800" rtl="0" eaLnBrk="1" latinLnBrk="1" hangingPunct="1">
+      <a:lvl1pPr marL="0" algn="l" defTabSz="1828823" rtl="0" eaLnBrk="1" latinLnBrk="1" hangingPunct="1">
         <a:defRPr sz="3600" kern="1200">
           <a:solidFill>
             <a:schemeClr val="tx1"/>
@@ -2886,7 +2888,7 @@
           <a:cs typeface="+mn-cs"/>
         </a:defRPr>
       </a:lvl1pPr>
-      <a:lvl2pPr marL="914400" algn="l" defTabSz="1828800" rtl="0" eaLnBrk="1" latinLnBrk="1" hangingPunct="1">
+      <a:lvl2pPr marL="914411" algn="l" defTabSz="1828823" rtl="0" eaLnBrk="1" latinLnBrk="1" hangingPunct="1">
         <a:defRPr sz="3600" kern="1200">
           <a:solidFill>
             <a:schemeClr val="tx1"/>
@@ -2896,7 +2898,7 @@
           <a:cs typeface="+mn-cs"/>
         </a:defRPr>
       </a:lvl2pPr>
-      <a:lvl3pPr marL="1828800" algn="l" defTabSz="1828800" rtl="0" eaLnBrk="1" latinLnBrk="1" hangingPunct="1">
+      <a:lvl3pPr marL="1828823" algn="l" defTabSz="1828823" rtl="0" eaLnBrk="1" latinLnBrk="1" hangingPunct="1">
         <a:defRPr sz="3600" kern="1200">
           <a:solidFill>
             <a:schemeClr val="tx1"/>
@@ -2906,7 +2908,7 @@
           <a:cs typeface="+mn-cs"/>
         </a:defRPr>
       </a:lvl3pPr>
-      <a:lvl4pPr marL="2743200" algn="l" defTabSz="1828800" rtl="0" eaLnBrk="1" latinLnBrk="1" hangingPunct="1">
+      <a:lvl4pPr marL="2743234" algn="l" defTabSz="1828823" rtl="0" eaLnBrk="1" latinLnBrk="1" hangingPunct="1">
         <a:defRPr sz="3600" kern="1200">
           <a:solidFill>
             <a:schemeClr val="tx1"/>
@@ -2916,7 +2918,7 @@
           <a:cs typeface="+mn-cs"/>
         </a:defRPr>
       </a:lvl4pPr>
-      <a:lvl5pPr marL="3657600" algn="l" defTabSz="1828800" rtl="0" eaLnBrk="1" latinLnBrk="1" hangingPunct="1">
+      <a:lvl5pPr marL="3657646" algn="l" defTabSz="1828823" rtl="0" eaLnBrk="1" latinLnBrk="1" hangingPunct="1">
         <a:defRPr sz="3600" kern="1200">
           <a:solidFill>
             <a:schemeClr val="tx1"/>
@@ -2926,7 +2928,7 @@
           <a:cs typeface="+mn-cs"/>
         </a:defRPr>
       </a:lvl5pPr>
-      <a:lvl6pPr marL="4572000" algn="l" defTabSz="1828800" rtl="0" eaLnBrk="1" latinLnBrk="1" hangingPunct="1">
+      <a:lvl6pPr marL="4572057" algn="l" defTabSz="1828823" rtl="0" eaLnBrk="1" latinLnBrk="1" hangingPunct="1">
         <a:defRPr sz="3600" kern="1200">
           <a:solidFill>
             <a:schemeClr val="tx1"/>
@@ -2936,7 +2938,7 @@
           <a:cs typeface="+mn-cs"/>
         </a:defRPr>
       </a:lvl6pPr>
-      <a:lvl7pPr marL="5486400" algn="l" defTabSz="1828800" rtl="0" eaLnBrk="1" latinLnBrk="1" hangingPunct="1">
+      <a:lvl7pPr marL="5486469" algn="l" defTabSz="1828823" rtl="0" eaLnBrk="1" latinLnBrk="1" hangingPunct="1">
         <a:defRPr sz="3600" kern="1200">
           <a:solidFill>
             <a:schemeClr val="tx1"/>
@@ -2946,7 +2948,7 @@
           <a:cs typeface="+mn-cs"/>
         </a:defRPr>
       </a:lvl7pPr>
-      <a:lvl8pPr marL="6400800" algn="l" defTabSz="1828800" rtl="0" eaLnBrk="1" latinLnBrk="1" hangingPunct="1">
+      <a:lvl8pPr marL="6400880" algn="l" defTabSz="1828823" rtl="0" eaLnBrk="1" latinLnBrk="1" hangingPunct="1">
         <a:defRPr sz="3600" kern="1200">
           <a:solidFill>
             <a:schemeClr val="tx1"/>
@@ -2956,7 +2958,7 @@
           <a:cs typeface="+mn-cs"/>
         </a:defRPr>
       </a:lvl8pPr>
-      <a:lvl9pPr marL="7315200" algn="l" defTabSz="1828800" rtl="0" eaLnBrk="1" latinLnBrk="1" hangingPunct="1">
+      <a:lvl9pPr marL="7315291" algn="l" defTabSz="1828823" rtl="0" eaLnBrk="1" latinLnBrk="1" hangingPunct="1">
         <a:defRPr sz="3600" kern="1200">
           <a:solidFill>
             <a:schemeClr val="tx1"/>
@@ -3010,7 +3012,7 @@
         </p:nvSpPr>
         <p:spPr>
           <a:xfrm>
-            <a:off x="5929765" y="380975"/>
+            <a:off x="5929766" y="380975"/>
             <a:ext cx="11999166" cy="2554545"/>
           </a:xfrm>
           <a:prstGeom prst="rect">
@@ -3055,7 +3057,7 @@
         </p:nvSpPr>
         <p:spPr>
           <a:xfrm>
-            <a:off x="8437667" y="5272261"/>
+            <a:off x="8437667" y="5272265"/>
             <a:ext cx="7557796" cy="1200329"/>
           </a:xfrm>
           <a:prstGeom prst="rect">
@@ -3108,7 +3110,7 @@
         </p:nvSpPr>
         <p:spPr>
           <a:xfrm>
-            <a:off x="5013648" y="8782158"/>
+            <a:off x="5013648" y="8782162"/>
             <a:ext cx="4413380" cy="954107"/>
           </a:xfrm>
           <a:prstGeom prst="rect">
@@ -3153,7 +3155,7 @@
         </p:nvSpPr>
         <p:spPr>
           <a:xfrm>
-            <a:off x="9985310" y="8809335"/>
+            <a:off x="9985310" y="8809339"/>
             <a:ext cx="4413380" cy="954107"/>
           </a:xfrm>
           <a:prstGeom prst="rect">
@@ -3198,7 +3200,7 @@
         </p:nvSpPr>
         <p:spPr>
           <a:xfrm>
-            <a:off x="15112482" y="8782158"/>
+            <a:off x="15112482" y="8782162"/>
             <a:ext cx="4413380" cy="954107"/>
           </a:xfrm>
           <a:prstGeom prst="rect">
@@ -3243,7 +3245,7 @@
         </p:nvSpPr>
         <p:spPr>
           <a:xfrm rot="10800000">
-            <a:off x="11603249" y="7105789"/>
+            <a:off x="11603254" y="7105789"/>
             <a:ext cx="526644" cy="1498876"/>
           </a:xfrm>
           <a:prstGeom prst="downArrow">
@@ -3296,7 +3298,7 @@
         </p:nvSpPr>
         <p:spPr>
           <a:xfrm rot="13177881">
-            <a:off x="7418882" y="7101501"/>
+            <a:off x="7418886" y="7101501"/>
             <a:ext cx="526644" cy="1498876"/>
           </a:xfrm>
           <a:prstGeom prst="downArrow">
@@ -3349,7 +3351,7 @@
         </p:nvSpPr>
         <p:spPr>
           <a:xfrm rot="8254239">
-            <a:off x="15806778" y="7082864"/>
+            <a:off x="15806783" y="7082864"/>
             <a:ext cx="526644" cy="1498876"/>
           </a:xfrm>
           <a:prstGeom prst="downArrow">
@@ -3402,7 +3404,7 @@
         </p:nvSpPr>
         <p:spPr>
           <a:xfrm rot="10800000">
-            <a:off x="11603028" y="3568717"/>
+            <a:off x="11603032" y="3568717"/>
             <a:ext cx="526644" cy="1498876"/>
           </a:xfrm>
           <a:prstGeom prst="downArrow">
@@ -3529,8 +3531,8 @@
         </p:nvSpPr>
         <p:spPr>
           <a:xfrm>
-            <a:off x="10560426" y="1228087"/>
-            <a:ext cx="13546422" cy="12018675"/>
+            <a:off x="10560427" y="1228090"/>
+            <a:ext cx="13546421" cy="12019188"/>
           </a:xfrm>
           <a:prstGeom prst="rect">
             <a:avLst/>
@@ -3545,7 +3547,7 @@
           <a:p>
             <a:pPr algn="ctr"/>
             <a:r>
-              <a:rPr lang="en-US" altLang="ko-KR" sz="19900" b="1" dirty="0">
+              <a:rPr lang="en-US" altLang="ko-KR" sz="19901" b="1" dirty="0">
                 <a:solidFill>
                   <a:schemeClr val="bg1"/>
                 </a:solidFill>
@@ -3556,14 +3558,14 @@
           <a:p>
             <a:pPr algn="ctr"/>
             <a:r>
-              <a:rPr lang="en-US" altLang="ko-KR" sz="19900" b="1" dirty="0">
+              <a:rPr lang="en-US" altLang="ko-KR" sz="19901" b="1" dirty="0">
                 <a:solidFill>
                   <a:schemeClr val="bg1"/>
                 </a:solidFill>
               </a:rPr>
               <a:t>---</a:t>
             </a:r>
-            <a:endParaRPr lang="en-US" altLang="ko-KR" sz="16600" b="1" dirty="0">
+            <a:endParaRPr lang="en-US" altLang="ko-KR" sz="16601" b="1" dirty="0">
               <a:solidFill>
                 <a:schemeClr val="bg1"/>
               </a:solidFill>
@@ -3572,7 +3574,7 @@
           <a:p>
             <a:pPr algn="ctr"/>
             <a:r>
-              <a:rPr lang="en-US" altLang="ko-KR" sz="13800" b="1" dirty="0">
+              <a:rPr lang="en-US" altLang="ko-KR" sz="13801" b="1" dirty="0">
                 <a:solidFill>
                   <a:schemeClr val="bg1"/>
                 </a:solidFill>
@@ -3582,7 +3584,7 @@
           </a:p>
           <a:p>
             <a:pPr algn="ctr"/>
-            <a:endParaRPr lang="ko-KR" altLang="en-US" sz="23900" b="1" dirty="0">
+            <a:endParaRPr lang="ko-KR" altLang="en-US" sz="23901" b="1" dirty="0">
               <a:solidFill>
                 <a:schemeClr val="bg1"/>
               </a:solidFill>
@@ -3678,8 +3680,8 @@
         </p:nvSpPr>
         <p:spPr>
           <a:xfrm>
-            <a:off x="10560426" y="1228087"/>
-            <a:ext cx="13546422" cy="12018675"/>
+            <a:off x="10560427" y="1228090"/>
+            <a:ext cx="13546421" cy="12019188"/>
           </a:xfrm>
           <a:prstGeom prst="rect">
             <a:avLst/>
@@ -3694,7 +3696,7 @@
           <a:p>
             <a:pPr algn="ctr"/>
             <a:r>
-              <a:rPr lang="en-US" altLang="ko-KR" sz="19900" b="1" dirty="0">
+              <a:rPr lang="en-US" altLang="ko-KR" sz="19901" b="1" dirty="0">
                 <a:solidFill>
                   <a:schemeClr val="bg1"/>
                 </a:solidFill>
@@ -3705,14 +3707,14 @@
           <a:p>
             <a:pPr algn="ctr"/>
             <a:r>
-              <a:rPr lang="en-US" altLang="ko-KR" sz="19900" b="1" dirty="0">
+              <a:rPr lang="en-US" altLang="ko-KR" sz="19901" b="1" dirty="0">
                 <a:solidFill>
                   <a:schemeClr val="bg1"/>
                 </a:solidFill>
               </a:rPr>
               <a:t>---</a:t>
             </a:r>
-            <a:endParaRPr lang="en-US" altLang="ko-KR" sz="16600" b="1" dirty="0">
+            <a:endParaRPr lang="en-US" altLang="ko-KR" sz="16601" b="1" dirty="0">
               <a:solidFill>
                 <a:schemeClr val="bg1"/>
               </a:solidFill>
@@ -3721,7 +3723,7 @@
           <a:p>
             <a:pPr algn="ctr"/>
             <a:r>
-              <a:rPr lang="en-US" altLang="ko-KR" sz="13800" b="1" dirty="0">
+              <a:rPr lang="en-US" altLang="ko-KR" sz="13801" b="1" dirty="0">
                 <a:solidFill>
                   <a:schemeClr val="bg1"/>
                 </a:solidFill>
@@ -3731,7 +3733,7 @@
           </a:p>
           <a:p>
             <a:pPr algn="ctr"/>
-            <a:endParaRPr lang="ko-KR" altLang="en-US" sz="23900" b="1" dirty="0">
+            <a:endParaRPr lang="ko-KR" altLang="en-US" sz="23901" b="1" dirty="0">
               <a:solidFill>
                 <a:schemeClr val="bg1"/>
               </a:solidFill>
@@ -3827,8 +3829,8 @@
         </p:nvSpPr>
         <p:spPr>
           <a:xfrm>
-            <a:off x="10560426" y="1228087"/>
-            <a:ext cx="13546422" cy="14142333"/>
+            <a:off x="10560427" y="1228092"/>
+            <a:ext cx="13546421" cy="14142974"/>
           </a:xfrm>
           <a:prstGeom prst="rect">
             <a:avLst/>
@@ -3843,7 +3845,7 @@
           <a:p>
             <a:pPr algn="ctr"/>
             <a:r>
-              <a:rPr lang="en-US" altLang="ko-KR" sz="19900" b="1" dirty="0">
+              <a:rPr lang="en-US" altLang="ko-KR" sz="19901" b="1" dirty="0">
                 <a:solidFill>
                   <a:schemeClr val="bg1"/>
                 </a:solidFill>
@@ -3854,14 +3856,14 @@
           <a:p>
             <a:pPr algn="ctr"/>
             <a:r>
-              <a:rPr lang="en-US" altLang="ko-KR" sz="19900" b="1" dirty="0">
+              <a:rPr lang="en-US" altLang="ko-KR" sz="19901" b="1" dirty="0">
                 <a:solidFill>
                   <a:schemeClr val="bg1"/>
                 </a:solidFill>
               </a:rPr>
               <a:t>---</a:t>
             </a:r>
-            <a:endParaRPr lang="en-US" altLang="ko-KR" sz="16600" b="1" dirty="0">
+            <a:endParaRPr lang="en-US" altLang="ko-KR" sz="16601" b="1" dirty="0">
               <a:solidFill>
                 <a:schemeClr val="bg1"/>
               </a:solidFill>
@@ -3870,7 +3872,7 @@
           <a:p>
             <a:pPr algn="ctr"/>
             <a:r>
-              <a:rPr lang="en-US" altLang="ko-KR" sz="13800" b="1" dirty="0">
+              <a:rPr lang="en-US" altLang="ko-KR" sz="13801" b="1" dirty="0">
                 <a:solidFill>
                   <a:schemeClr val="bg1"/>
                 </a:solidFill>
@@ -3881,7 +3883,7 @@
           <a:p>
             <a:pPr algn="ctr"/>
             <a:r>
-              <a:rPr lang="en-US" altLang="ko-KR" sz="13800" b="1" dirty="0">
+              <a:rPr lang="en-US" altLang="ko-KR" sz="13801" b="1" dirty="0">
                 <a:solidFill>
                   <a:schemeClr val="bg1"/>
                 </a:solidFill>
@@ -3891,7 +3893,7 @@
           </a:p>
           <a:p>
             <a:pPr algn="ctr"/>
-            <a:endParaRPr lang="ko-KR" altLang="en-US" sz="23900" b="1" dirty="0">
+            <a:endParaRPr lang="ko-KR" altLang="en-US" sz="23901" b="1" dirty="0">
               <a:solidFill>
                 <a:schemeClr val="bg1"/>
               </a:solidFill>
@@ -3987,8 +3989,8 @@
         </p:nvSpPr>
         <p:spPr>
           <a:xfrm>
-            <a:off x="10560426" y="1228087"/>
-            <a:ext cx="13546422" cy="14142333"/>
+            <a:off x="10560427" y="1228090"/>
+            <a:ext cx="13546421" cy="14142974"/>
           </a:xfrm>
           <a:prstGeom prst="rect">
             <a:avLst/>
@@ -4003,7 +4005,7 @@
           <a:p>
             <a:pPr algn="ctr"/>
             <a:r>
-              <a:rPr lang="en-US" altLang="ko-KR" sz="19900" b="1" dirty="0">
+              <a:rPr lang="en-US" altLang="ko-KR" sz="19901" b="1" dirty="0">
                 <a:solidFill>
                   <a:schemeClr val="bg1"/>
                 </a:solidFill>
@@ -4014,14 +4016,14 @@
           <a:p>
             <a:pPr algn="ctr"/>
             <a:r>
-              <a:rPr lang="en-US" altLang="ko-KR" sz="19900" b="1" dirty="0">
+              <a:rPr lang="en-US" altLang="ko-KR" sz="19901" b="1" dirty="0">
                 <a:solidFill>
                   <a:schemeClr val="bg1"/>
                 </a:solidFill>
               </a:rPr>
               <a:t>---</a:t>
             </a:r>
-            <a:endParaRPr lang="en-US" altLang="ko-KR" sz="16600" b="1" dirty="0">
+            <a:endParaRPr lang="en-US" altLang="ko-KR" sz="16601" b="1" dirty="0">
               <a:solidFill>
                 <a:schemeClr val="bg1"/>
               </a:solidFill>
@@ -4030,7 +4032,7 @@
           <a:p>
             <a:pPr algn="ctr"/>
             <a:r>
-              <a:rPr lang="en-US" altLang="ko-KR" sz="13800" b="1" dirty="0">
+              <a:rPr lang="en-US" altLang="ko-KR" sz="13801" b="1" dirty="0">
                 <a:solidFill>
                   <a:schemeClr val="bg1"/>
                 </a:solidFill>
@@ -4040,7 +4042,7 @@
           </a:p>
           <a:p>
             <a:pPr algn="ctr"/>
-            <a:endParaRPr lang="ko-KR" altLang="en-US" sz="23900" b="1" dirty="0">
+            <a:endParaRPr lang="ko-KR" altLang="en-US" sz="23901" b="1" dirty="0">
               <a:solidFill>
                 <a:schemeClr val="bg1"/>
               </a:solidFill>
@@ -4136,8 +4138,8 @@
         </p:nvSpPr>
         <p:spPr>
           <a:xfrm>
-            <a:off x="10560426" y="1228087"/>
-            <a:ext cx="13546422" cy="14142333"/>
+            <a:off x="10560427" y="1228092"/>
+            <a:ext cx="13546421" cy="14142974"/>
           </a:xfrm>
           <a:prstGeom prst="rect">
             <a:avLst/>
@@ -4152,7 +4154,7 @@
           <a:p>
             <a:pPr algn="ctr"/>
             <a:r>
-              <a:rPr lang="en-US" altLang="ko-KR" sz="19900" b="1" dirty="0">
+              <a:rPr lang="en-US" altLang="ko-KR" sz="19901" b="1" dirty="0">
                 <a:solidFill>
                   <a:schemeClr val="bg1"/>
                 </a:solidFill>
@@ -4163,14 +4165,14 @@
           <a:p>
             <a:pPr algn="ctr"/>
             <a:r>
-              <a:rPr lang="en-US" altLang="ko-KR" sz="19900" b="1" dirty="0">
+              <a:rPr lang="en-US" altLang="ko-KR" sz="19901" b="1" dirty="0">
                 <a:solidFill>
                   <a:schemeClr val="bg1"/>
                 </a:solidFill>
               </a:rPr>
               <a:t>---</a:t>
             </a:r>
-            <a:endParaRPr lang="en-US" altLang="ko-KR" sz="16600" b="1" dirty="0">
+            <a:endParaRPr lang="en-US" altLang="ko-KR" sz="16601" b="1" dirty="0">
               <a:solidFill>
                 <a:schemeClr val="bg1"/>
               </a:solidFill>
@@ -4179,7 +4181,7 @@
           <a:p>
             <a:pPr algn="ctr"/>
             <a:r>
-              <a:rPr lang="en-US" altLang="ko-KR" sz="13800" b="1" dirty="0">
+              <a:rPr lang="en-US" altLang="ko-KR" sz="13801" b="1" dirty="0">
                 <a:solidFill>
                   <a:schemeClr val="bg1"/>
                 </a:solidFill>
@@ -4190,7 +4192,7 @@
           <a:p>
             <a:pPr algn="ctr"/>
             <a:r>
-              <a:rPr lang="en-US" altLang="ko-KR" sz="13800" b="1" dirty="0">
+              <a:rPr lang="en-US" altLang="ko-KR" sz="13801" b="1" dirty="0">
                 <a:solidFill>
                   <a:schemeClr val="bg1"/>
                 </a:solidFill>
@@ -4200,7 +4202,7 @@
           </a:p>
           <a:p>
             <a:pPr algn="ctr"/>
-            <a:endParaRPr lang="ko-KR" altLang="en-US" sz="23900" b="1" dirty="0">
+            <a:endParaRPr lang="ko-KR" altLang="en-US" sz="23901" b="1" dirty="0">
               <a:solidFill>
                 <a:schemeClr val="bg1"/>
               </a:solidFill>
@@ -4296,8 +4298,8 @@
         </p:nvSpPr>
         <p:spPr>
           <a:xfrm>
-            <a:off x="10560426" y="1228087"/>
-            <a:ext cx="13546422" cy="12018675"/>
+            <a:off x="10560427" y="1228090"/>
+            <a:ext cx="13546421" cy="12019188"/>
           </a:xfrm>
           <a:prstGeom prst="rect">
             <a:avLst/>
@@ -4312,7 +4314,7 @@
           <a:p>
             <a:pPr algn="ctr"/>
             <a:r>
-              <a:rPr lang="en-US" altLang="ko-KR" sz="19900" b="1" dirty="0">
+              <a:rPr lang="en-US" altLang="ko-KR" sz="19901" b="1" dirty="0">
                 <a:solidFill>
                   <a:schemeClr val="bg1"/>
                 </a:solidFill>
@@ -4323,14 +4325,14 @@
           <a:p>
             <a:pPr algn="ctr"/>
             <a:r>
-              <a:rPr lang="en-US" altLang="ko-KR" sz="19900" b="1" dirty="0">
+              <a:rPr lang="en-US" altLang="ko-KR" sz="19901" b="1" dirty="0">
                 <a:solidFill>
                   <a:schemeClr val="bg1"/>
                 </a:solidFill>
               </a:rPr>
               <a:t>---</a:t>
             </a:r>
-            <a:endParaRPr lang="en-US" altLang="ko-KR" sz="16600" b="1" dirty="0">
+            <a:endParaRPr lang="en-US" altLang="ko-KR" sz="16601" b="1" dirty="0">
               <a:solidFill>
                 <a:schemeClr val="bg1"/>
               </a:solidFill>
@@ -4339,7 +4341,7 @@
           <a:p>
             <a:pPr algn="ctr"/>
             <a:r>
-              <a:rPr lang="en-US" altLang="ko-KR" sz="13800" b="1" dirty="0">
+              <a:rPr lang="en-US" altLang="ko-KR" sz="13801" b="1" dirty="0">
                 <a:solidFill>
                   <a:schemeClr val="bg1"/>
                 </a:solidFill>
@@ -4349,7 +4351,7 @@
           </a:p>
           <a:p>
             <a:pPr algn="ctr"/>
-            <a:endParaRPr lang="ko-KR" altLang="en-US" sz="23900" b="1" dirty="0">
+            <a:endParaRPr lang="ko-KR" altLang="en-US" sz="23901" b="1" dirty="0">
               <a:solidFill>
                 <a:schemeClr val="bg1"/>
               </a:solidFill>
@@ -4445,8 +4447,8 @@
         </p:nvSpPr>
         <p:spPr>
           <a:xfrm>
-            <a:off x="10450286" y="1489625"/>
-            <a:ext cx="14120677" cy="10710624"/>
+            <a:off x="10450291" y="1489630"/>
+            <a:ext cx="14120677" cy="10711009"/>
           </a:xfrm>
           <a:prstGeom prst="rect">
             <a:avLst/>
@@ -4460,7 +4462,7 @@
           <a:lstStyle/>
           <a:p>
             <a:r>
-              <a:rPr lang="en-US" altLang="ko-KR" sz="23000" b="1" dirty="0">
+              <a:rPr lang="en-US" altLang="ko-KR" sz="23001" b="1" dirty="0">
                 <a:solidFill>
                   <a:schemeClr val="bg1"/>
                 </a:solidFill>
@@ -4470,7 +4472,7 @@
           </a:p>
           <a:p>
             <a:r>
-              <a:rPr lang="en-US" altLang="ko-KR" sz="23000" b="1" dirty="0">
+              <a:rPr lang="en-US" altLang="ko-KR" sz="23001" b="1" dirty="0">
                 <a:solidFill>
                   <a:schemeClr val="bg1"/>
                 </a:solidFill>
@@ -4480,14 +4482,14 @@
           </a:p>
           <a:p>
             <a:r>
-              <a:rPr lang="en-US" altLang="ko-KR" sz="23000" b="1" dirty="0">
+              <a:rPr lang="en-US" altLang="ko-KR" sz="23001" b="1" dirty="0">
                 <a:solidFill>
                   <a:schemeClr val="bg1"/>
                 </a:solidFill>
               </a:rPr>
               <a:t>Tutorial</a:t>
             </a:r>
-            <a:endParaRPr lang="ko-KR" altLang="en-US" sz="23000" b="1" dirty="0">
+            <a:endParaRPr lang="ko-KR" altLang="en-US" sz="23001" b="1" dirty="0">
               <a:solidFill>
                 <a:schemeClr val="bg1"/>
               </a:solidFill>
@@ -4499,6 +4501,437 @@
     <p:extLst>
       <p:ext uri="{BB962C8B-B14F-4D97-AF65-F5344CB8AC3E}">
         <p14:creationId xmlns:p14="http://schemas.microsoft.com/office/powerpoint/2010/main" val="4291620061"/>
+      </p:ext>
+    </p:extLst>
+  </p:cSld>
+  <p:clrMapOvr>
+    <a:masterClrMapping/>
+  </p:clrMapOvr>
+</p:sld>
+</file>
+
+<file path=ppt/slides/slide17.xml><?xml version="1.0" encoding="utf-8"?>
+<p:sld xmlns:a="http://schemas.openxmlformats.org/drawingml/2006/main" xmlns:r="http://schemas.openxmlformats.org/officeDocument/2006/relationships" xmlns:p="http://schemas.openxmlformats.org/presentationml/2006/main">
+  <p:cSld>
+    <p:bg>
+      <p:bgPr>
+        <a:solidFill>
+          <a:schemeClr val="tx1"/>
+        </a:solidFill>
+        <a:effectLst/>
+      </p:bgPr>
+    </p:bg>
+    <p:spTree>
+      <p:nvGrpSpPr>
+        <p:cNvPr id="1" name=""/>
+        <p:cNvGrpSpPr/>
+        <p:nvPr/>
+      </p:nvGrpSpPr>
+      <p:grpSpPr>
+        <a:xfrm>
+          <a:off x="0" y="0"/>
+          <a:ext cx="0" cy="0"/>
+          <a:chOff x="0" y="0"/>
+          <a:chExt cx="0" cy="0"/>
+        </a:xfrm>
+      </p:grpSpPr>
+      <p:pic>
+        <p:nvPicPr>
+          <p:cNvPr id="5" name="Picture 4">
+            <a:extLst>
+              <a:ext uri="{FF2B5EF4-FFF2-40B4-BE49-F238E27FC236}">
+                <a16:creationId xmlns:a16="http://schemas.microsoft.com/office/drawing/2014/main" id="{84FB8C8C-1130-4848-AFA6-97CECB8B6E99}"/>
+              </a:ext>
+            </a:extLst>
+          </p:cNvPr>
+          <p:cNvPicPr>
+            <a:picLocks noChangeAspect="1"/>
+          </p:cNvPicPr>
+          <p:nvPr/>
+        </p:nvPicPr>
+        <p:blipFill>
+          <a:blip r:embed="rId2">
+            <a:extLst>
+              <a:ext uri="{28A0092B-C50C-407E-A947-70E740481C1C}">
+                <a14:useLocalDpi xmlns:a14="http://schemas.microsoft.com/office/drawing/2010/main" val="0"/>
+              </a:ext>
+            </a:extLst>
+          </a:blip>
+          <a:stretch>
+            <a:fillRect/>
+          </a:stretch>
+        </p:blipFill>
+        <p:spPr>
+          <a:xfrm>
+            <a:off x="1278590" y="1197908"/>
+            <a:ext cx="4656045" cy="4656045"/>
+          </a:xfrm>
+          <a:prstGeom prst="rect">
+            <a:avLst/>
+          </a:prstGeom>
+        </p:spPr>
+      </p:pic>
+      <p:sp>
+        <p:nvSpPr>
+          <p:cNvPr id="6" name="TextBox 5">
+            <a:extLst>
+              <a:ext uri="{FF2B5EF4-FFF2-40B4-BE49-F238E27FC236}">
+                <a16:creationId xmlns:a16="http://schemas.microsoft.com/office/drawing/2014/main" id="{910F1005-3FF1-4AE0-9D27-7C42963A5251}"/>
+              </a:ext>
+            </a:extLst>
+          </p:cNvPr>
+          <p:cNvSpPr txBox="1"/>
+          <p:nvPr/>
+        </p:nvSpPr>
+        <p:spPr>
+          <a:xfrm>
+            <a:off x="6736976" y="1948575"/>
+            <a:ext cx="17750118" cy="3154710"/>
+          </a:xfrm>
+          <a:prstGeom prst="rect">
+            <a:avLst/>
+          </a:prstGeom>
+          <a:noFill/>
+        </p:spPr>
+        <p:txBody>
+          <a:bodyPr wrap="square" rtlCol="0">
+            <a:spAutoFit/>
+          </a:bodyPr>
+          <a:lstStyle/>
+          <a:p>
+            <a:r>
+              <a:rPr lang="en-US" altLang="ko-KR" sz="19900" b="1" dirty="0">
+                <a:solidFill>
+                  <a:schemeClr val="bg1"/>
+                </a:solidFill>
+              </a:rPr>
+              <a:t>Discord</a:t>
+            </a:r>
+            <a:endParaRPr lang="ko-KR" altLang="en-US" sz="19900" b="1" dirty="0">
+              <a:solidFill>
+                <a:schemeClr val="bg1"/>
+              </a:solidFill>
+            </a:endParaRPr>
+          </a:p>
+        </p:txBody>
+      </p:sp>
+      <p:sp>
+        <p:nvSpPr>
+          <p:cNvPr id="17" name="TextBox 16">
+            <a:extLst>
+              <a:ext uri="{FF2B5EF4-FFF2-40B4-BE49-F238E27FC236}">
+                <a16:creationId xmlns:a16="http://schemas.microsoft.com/office/drawing/2014/main" id="{3D933A76-BB65-470E-B9CB-DCC27B30ED66}"/>
+              </a:ext>
+            </a:extLst>
+          </p:cNvPr>
+          <p:cNvSpPr txBox="1"/>
+          <p:nvPr/>
+        </p:nvSpPr>
+        <p:spPr>
+          <a:xfrm>
+            <a:off x="6705600" y="8660773"/>
+            <a:ext cx="17750118" cy="3154710"/>
+          </a:xfrm>
+          <a:prstGeom prst="rect">
+            <a:avLst/>
+          </a:prstGeom>
+          <a:noFill/>
+        </p:spPr>
+        <p:txBody>
+          <a:bodyPr wrap="square" rtlCol="0">
+            <a:spAutoFit/>
+          </a:bodyPr>
+          <a:lstStyle/>
+          <a:p>
+            <a:r>
+              <a:rPr lang="en-US" altLang="ko-KR" sz="19900" b="1" dirty="0">
+                <a:solidFill>
+                  <a:schemeClr val="bg1"/>
+                </a:solidFill>
+              </a:rPr>
+              <a:t>Community</a:t>
+            </a:r>
+            <a:endParaRPr lang="ko-KR" altLang="en-US" sz="19900" b="1" dirty="0">
+              <a:solidFill>
+                <a:schemeClr val="bg1"/>
+              </a:solidFill>
+            </a:endParaRPr>
+          </a:p>
+        </p:txBody>
+      </p:sp>
+      <p:pic>
+        <p:nvPicPr>
+          <p:cNvPr id="21" name="Picture 20">
+            <a:extLst>
+              <a:ext uri="{FF2B5EF4-FFF2-40B4-BE49-F238E27FC236}">
+                <a16:creationId xmlns:a16="http://schemas.microsoft.com/office/drawing/2014/main" id="{A058BEA2-FB50-443F-8DEC-70B71538481B}"/>
+              </a:ext>
+            </a:extLst>
+          </p:cNvPr>
+          <p:cNvPicPr>
+            <a:picLocks noChangeAspect="1"/>
+          </p:cNvPicPr>
+          <p:nvPr/>
+        </p:nvPicPr>
+        <p:blipFill>
+          <a:blip r:embed="rId3">
+            <a:extLst>
+              <a:ext uri="{28A0092B-C50C-407E-A947-70E740481C1C}">
+                <a14:useLocalDpi xmlns:a14="http://schemas.microsoft.com/office/drawing/2010/main" val="0"/>
+              </a:ext>
+            </a:extLst>
+          </a:blip>
+          <a:stretch>
+            <a:fillRect/>
+          </a:stretch>
+        </p:blipFill>
+        <p:spPr>
+          <a:xfrm>
+            <a:off x="1441073" y="7862048"/>
+            <a:ext cx="4331078" cy="4331078"/>
+          </a:xfrm>
+          <a:prstGeom prst="rect">
+            <a:avLst/>
+          </a:prstGeom>
+        </p:spPr>
+      </p:pic>
+      <p:sp>
+        <p:nvSpPr>
+          <p:cNvPr id="23" name="TextBox 22">
+            <a:extLst>
+              <a:ext uri="{FF2B5EF4-FFF2-40B4-BE49-F238E27FC236}">
+                <a16:creationId xmlns:a16="http://schemas.microsoft.com/office/drawing/2014/main" id="{89927D47-E120-49F3-9969-0AD38E243669}"/>
+              </a:ext>
+            </a:extLst>
+          </p:cNvPr>
+          <p:cNvSpPr txBox="1"/>
+          <p:nvPr/>
+        </p:nvSpPr>
+        <p:spPr>
+          <a:xfrm>
+            <a:off x="6324600" y="6673334"/>
+            <a:ext cx="12649200" cy="369332"/>
+          </a:xfrm>
+          <a:prstGeom prst="rect">
+            <a:avLst/>
+          </a:prstGeom>
+          <a:noFill/>
+        </p:spPr>
+        <p:txBody>
+          <a:bodyPr wrap="square">
+            <a:spAutoFit/>
+          </a:bodyPr>
+          <a:lstStyle/>
+          <a:p>
+            <a:r>
+              <a:rPr lang="ko-KR" altLang="en-US" dirty="0"/>
+              <a:t>교환학생</a:t>
+            </a:r>
+          </a:p>
+        </p:txBody>
+      </p:sp>
+    </p:spTree>
+    <p:extLst>
+      <p:ext uri="{BB962C8B-B14F-4D97-AF65-F5344CB8AC3E}">
+        <p14:creationId xmlns:p14="http://schemas.microsoft.com/office/powerpoint/2010/main" val="463350991"/>
+      </p:ext>
+    </p:extLst>
+  </p:cSld>
+  <p:clrMapOvr>
+    <a:masterClrMapping/>
+  </p:clrMapOvr>
+</p:sld>
+</file>
+
+<file path=ppt/slides/slide18.xml><?xml version="1.0" encoding="utf-8"?>
+<p:sld xmlns:a="http://schemas.openxmlformats.org/drawingml/2006/main" xmlns:r="http://schemas.openxmlformats.org/officeDocument/2006/relationships" xmlns:p="http://schemas.openxmlformats.org/presentationml/2006/main">
+  <p:cSld>
+    <p:bg>
+      <p:bgPr>
+        <a:solidFill>
+          <a:schemeClr val="tx1"/>
+        </a:solidFill>
+        <a:effectLst/>
+      </p:bgPr>
+    </p:bg>
+    <p:spTree>
+      <p:nvGrpSpPr>
+        <p:cNvPr id="1" name=""/>
+        <p:cNvGrpSpPr/>
+        <p:nvPr/>
+      </p:nvGrpSpPr>
+      <p:grpSpPr>
+        <a:xfrm>
+          <a:off x="0" y="0"/>
+          <a:ext cx="0" cy="0"/>
+          <a:chOff x="0" y="0"/>
+          <a:chExt cx="0" cy="0"/>
+        </a:xfrm>
+      </p:grpSpPr>
+      <p:sp>
+        <p:nvSpPr>
+          <p:cNvPr id="6" name="TextBox 5">
+            <a:extLst>
+              <a:ext uri="{FF2B5EF4-FFF2-40B4-BE49-F238E27FC236}">
+                <a16:creationId xmlns:a16="http://schemas.microsoft.com/office/drawing/2014/main" id="{910F1005-3FF1-4AE0-9D27-7C42963A5251}"/>
+              </a:ext>
+            </a:extLst>
+          </p:cNvPr>
+          <p:cNvSpPr txBox="1"/>
+          <p:nvPr/>
+        </p:nvSpPr>
+        <p:spPr>
+          <a:xfrm>
+            <a:off x="6275294" y="1900517"/>
+            <a:ext cx="17750118" cy="3154710"/>
+          </a:xfrm>
+          <a:prstGeom prst="rect">
+            <a:avLst/>
+          </a:prstGeom>
+          <a:noFill/>
+        </p:spPr>
+        <p:txBody>
+          <a:bodyPr wrap="square" rtlCol="0">
+            <a:spAutoFit/>
+          </a:bodyPr>
+          <a:lstStyle/>
+          <a:p>
+            <a:r>
+              <a:rPr lang="en-US" altLang="ko-KR" sz="19900" b="1" dirty="0">
+                <a:solidFill>
+                  <a:schemeClr val="bg1"/>
+                </a:solidFill>
+              </a:rPr>
+              <a:t>User Wiki</a:t>
+            </a:r>
+            <a:endParaRPr lang="ko-KR" altLang="en-US" sz="19900" b="1" dirty="0">
+              <a:solidFill>
+                <a:schemeClr val="bg1"/>
+              </a:solidFill>
+            </a:endParaRPr>
+          </a:p>
+        </p:txBody>
+      </p:sp>
+      <p:sp>
+        <p:nvSpPr>
+          <p:cNvPr id="17" name="TextBox 16">
+            <a:extLst>
+              <a:ext uri="{FF2B5EF4-FFF2-40B4-BE49-F238E27FC236}">
+                <a16:creationId xmlns:a16="http://schemas.microsoft.com/office/drawing/2014/main" id="{3D933A76-BB65-470E-B9CB-DCC27B30ED66}"/>
+              </a:ext>
+            </a:extLst>
+          </p:cNvPr>
+          <p:cNvSpPr txBox="1"/>
+          <p:nvPr/>
+        </p:nvSpPr>
+        <p:spPr>
+          <a:xfrm>
+            <a:off x="6324600" y="8450231"/>
+            <a:ext cx="17750118" cy="3154710"/>
+          </a:xfrm>
+          <a:prstGeom prst="rect">
+            <a:avLst/>
+          </a:prstGeom>
+          <a:noFill/>
+        </p:spPr>
+        <p:txBody>
+          <a:bodyPr wrap="square" rtlCol="0">
+            <a:spAutoFit/>
+          </a:bodyPr>
+          <a:lstStyle/>
+          <a:p>
+            <a:r>
+              <a:rPr lang="en-US" altLang="ko-KR" sz="19900" b="1" dirty="0">
+                <a:solidFill>
+                  <a:schemeClr val="bg1"/>
+                </a:solidFill>
+              </a:rPr>
+              <a:t>Dev Wiki</a:t>
+            </a:r>
+            <a:endParaRPr lang="ko-KR" altLang="en-US" sz="19900" b="1" dirty="0">
+              <a:solidFill>
+                <a:schemeClr val="bg1"/>
+              </a:solidFill>
+            </a:endParaRPr>
+          </a:p>
+        </p:txBody>
+      </p:sp>
+      <p:pic>
+        <p:nvPicPr>
+          <p:cNvPr id="12" name="Picture 11">
+            <a:extLst>
+              <a:ext uri="{FF2B5EF4-FFF2-40B4-BE49-F238E27FC236}">
+                <a16:creationId xmlns:a16="http://schemas.microsoft.com/office/drawing/2014/main" id="{3D9F4A68-1079-4FDD-AD1B-C901DB881D8A}"/>
+              </a:ext>
+            </a:extLst>
+          </p:cNvPr>
+          <p:cNvPicPr>
+            <a:picLocks noChangeAspect="1"/>
+          </p:cNvPicPr>
+          <p:nvPr/>
+        </p:nvPicPr>
+        <p:blipFill>
+          <a:blip r:embed="rId2">
+            <a:extLst>
+              <a:ext uri="{28A0092B-C50C-407E-A947-70E740481C1C}">
+                <a14:useLocalDpi xmlns:a14="http://schemas.microsoft.com/office/drawing/2010/main" val="0"/>
+              </a:ext>
+            </a:extLst>
+          </a:blip>
+          <a:stretch>
+            <a:fillRect/>
+          </a:stretch>
+        </p:blipFill>
+        <p:spPr>
+          <a:xfrm>
+            <a:off x="1775316" y="1738590"/>
+            <a:ext cx="3316637" cy="3316637"/>
+          </a:xfrm>
+          <a:prstGeom prst="rect">
+            <a:avLst/>
+          </a:prstGeom>
+        </p:spPr>
+      </p:pic>
+      <p:pic>
+        <p:nvPicPr>
+          <p:cNvPr id="14" name="Picture 13">
+            <a:extLst>
+              <a:ext uri="{FF2B5EF4-FFF2-40B4-BE49-F238E27FC236}">
+                <a16:creationId xmlns:a16="http://schemas.microsoft.com/office/drawing/2014/main" id="{F2103119-5F42-4A8E-B991-74DC7A81966D}"/>
+              </a:ext>
+            </a:extLst>
+          </p:cNvPr>
+          <p:cNvPicPr>
+            <a:picLocks noChangeAspect="1"/>
+          </p:cNvPicPr>
+          <p:nvPr/>
+        </p:nvPicPr>
+        <p:blipFill>
+          <a:blip r:embed="rId3">
+            <a:extLst>
+              <a:ext uri="{28A0092B-C50C-407E-A947-70E740481C1C}">
+                <a14:useLocalDpi xmlns:a14="http://schemas.microsoft.com/office/drawing/2010/main" val="0"/>
+              </a:ext>
+            </a:extLst>
+          </a:blip>
+          <a:stretch>
+            <a:fillRect/>
+          </a:stretch>
+        </p:blipFill>
+        <p:spPr>
+          <a:xfrm>
+            <a:off x="1775315" y="8369267"/>
+            <a:ext cx="3316638" cy="3316638"/>
+          </a:xfrm>
+          <a:prstGeom prst="rect">
+            <a:avLst/>
+          </a:prstGeom>
+        </p:spPr>
+      </p:pic>
+    </p:spTree>
+    <p:extLst>
+      <p:ext uri="{BB962C8B-B14F-4D97-AF65-F5344CB8AC3E}">
+        <p14:creationId xmlns:p14="http://schemas.microsoft.com/office/powerpoint/2010/main" val="3327707984"/>
       </p:ext>
     </p:extLst>
   </p:cSld>
@@ -4547,7 +4980,7 @@
         </p:nvSpPr>
         <p:spPr>
           <a:xfrm>
-            <a:off x="568170" y="441668"/>
+            <a:off x="568171" y="441670"/>
             <a:ext cx="6090082" cy="2095131"/>
           </a:xfrm>
           <a:prstGeom prst="flowChartProcess">
@@ -4709,7 +5142,7 @@
         </p:nvSpPr>
         <p:spPr>
           <a:xfrm>
-            <a:off x="432046" y="8208132"/>
+            <a:off x="432046" y="8208136"/>
             <a:ext cx="6226204" cy="3013236"/>
           </a:xfrm>
           <a:prstGeom prst="flowChartProcess">
@@ -4801,7 +5234,7 @@
         </p:nvSpPr>
         <p:spPr>
           <a:xfrm>
-            <a:off x="295921" y="12131675"/>
+            <a:off x="295926" y="12131676"/>
             <a:ext cx="4438836" cy="1201451"/>
           </a:xfrm>
           <a:prstGeom prst="flowChartProcess">
@@ -4866,7 +5299,7 @@
         </p:nvSpPr>
         <p:spPr>
           <a:xfrm>
-            <a:off x="115411" y="5643989"/>
+            <a:off x="115416" y="5643989"/>
             <a:ext cx="3480048" cy="1194795"/>
           </a:xfrm>
           <a:prstGeom prst="flowChartProcess">
@@ -4931,7 +5364,7 @@
         </p:nvSpPr>
         <p:spPr>
           <a:xfrm>
-            <a:off x="13383088" y="3346498"/>
+            <a:off x="13383088" y="3346502"/>
             <a:ext cx="5344356" cy="1515860"/>
           </a:xfrm>
           <a:prstGeom prst="flowChartProcess">
@@ -5000,7 +5433,7 @@
         </p:nvSpPr>
         <p:spPr>
           <a:xfrm>
-            <a:off x="9810939" y="6173662"/>
+            <a:off x="9810943" y="6173662"/>
             <a:ext cx="4018626" cy="1194795"/>
           </a:xfrm>
           <a:prstGeom prst="flowChartProcess">
@@ -5058,7 +5491,7 @@
         </p:nvSpPr>
         <p:spPr>
           <a:xfrm>
-            <a:off x="16259086" y="6368288"/>
+            <a:off x="16259091" y="6368288"/>
             <a:ext cx="4151788" cy="1194795"/>
           </a:xfrm>
           <a:prstGeom prst="flowChartProcess">
@@ -5116,7 +5549,7 @@
         </p:nvSpPr>
         <p:spPr>
           <a:xfrm>
-            <a:off x="18752597" y="8035059"/>
+            <a:off x="18752602" y="8035059"/>
             <a:ext cx="5518949" cy="1194795"/>
           </a:xfrm>
           <a:prstGeom prst="flowChartProcess">
@@ -5232,7 +5665,7 @@
         </p:nvSpPr>
         <p:spPr>
           <a:xfrm>
-            <a:off x="8877672" y="10173801"/>
+            <a:off x="8877677" y="10173801"/>
             <a:ext cx="3264027" cy="1047566"/>
           </a:xfrm>
           <a:prstGeom prst="flowChartProcess">
@@ -5348,7 +5781,7 @@
         </p:nvSpPr>
         <p:spPr>
           <a:xfrm>
-            <a:off x="16734778" y="10487499"/>
+            <a:off x="16734783" y="10487499"/>
             <a:ext cx="3200404" cy="1047566"/>
           </a:xfrm>
           <a:prstGeom prst="flowChartProcess">
@@ -5406,7 +5839,7 @@
         </p:nvSpPr>
         <p:spPr>
           <a:xfrm>
-            <a:off x="19880059" y="11745149"/>
+            <a:off x="19880065" y="11745149"/>
             <a:ext cx="3264027" cy="1047566"/>
           </a:xfrm>
           <a:prstGeom prst="flowChartProcess">
@@ -5464,7 +5897,7 @@
         </p:nvSpPr>
         <p:spPr>
           <a:xfrm>
-            <a:off x="7522352" y="772315"/>
+            <a:off x="7522352" y="772316"/>
             <a:ext cx="4619346" cy="1194795"/>
           </a:xfrm>
           <a:prstGeom prst="flowChartProcess">
@@ -5641,7 +6074,7 @@
         </p:nvCxnSpPr>
         <p:spPr>
           <a:xfrm rot="16200000" flipH="1">
-            <a:off x="4638628" y="1557684"/>
+            <a:off x="4638628" y="1557688"/>
             <a:ext cx="864000" cy="2914836"/>
           </a:xfrm>
           <a:prstGeom prst="bentConnector3">
@@ -5687,7 +6120,7 @@
         </p:nvCxnSpPr>
         <p:spPr>
           <a:xfrm rot="5400000">
-            <a:off x="4019366" y="5699449"/>
+            <a:off x="4019372" y="5699449"/>
             <a:ext cx="2034469" cy="2982898"/>
           </a:xfrm>
           <a:prstGeom prst="bentConnector3">
@@ -5735,7 +6168,7 @@
         </p:nvCxnSpPr>
         <p:spPr>
           <a:xfrm rot="5400000">
-            <a:off x="2575094" y="11161618"/>
+            <a:off x="2575098" y="11161618"/>
             <a:ext cx="910306" cy="1029810"/>
           </a:xfrm>
           <a:prstGeom prst="bentConnector3">
@@ -5783,7 +6216,7 @@
         </p:nvCxnSpPr>
         <p:spPr>
           <a:xfrm rot="10800000" flipV="1">
-            <a:off x="1855436" y="4810383"/>
+            <a:off x="1855436" y="4810389"/>
             <a:ext cx="2000434" cy="833605"/>
           </a:xfrm>
           <a:prstGeom prst="bentConnector2">
@@ -5829,7 +6262,7 @@
         </p:nvCxnSpPr>
         <p:spPr>
           <a:xfrm flipV="1">
-            <a:off x="9200225" y="4104429"/>
+            <a:off x="9200230" y="4104433"/>
             <a:ext cx="4182864" cy="705954"/>
           </a:xfrm>
           <a:prstGeom prst="bentConnector3">
@@ -5875,7 +6308,7 @@
         </p:nvCxnSpPr>
         <p:spPr>
           <a:xfrm rot="16200000" flipV="1">
-            <a:off x="12253955" y="-454818"/>
+            <a:off x="12253957" y="-454818"/>
             <a:ext cx="1379390" cy="6223243"/>
           </a:xfrm>
           <a:prstGeom prst="bentConnector3">
@@ -5971,7 +6404,7 @@
         </p:nvCxnSpPr>
         <p:spPr>
           <a:xfrm rot="5400000" flipH="1" flipV="1">
-            <a:off x="16810622" y="1195901"/>
+            <a:off x="16810627" y="1195905"/>
             <a:ext cx="1395244" cy="2905954"/>
           </a:xfrm>
           <a:prstGeom prst="bentConnector3">
@@ -6019,7 +6452,7 @@
         </p:nvCxnSpPr>
         <p:spPr>
           <a:xfrm rot="5400000" flipH="1" flipV="1">
-            <a:off x="13282106" y="3400506"/>
+            <a:off x="13282111" y="3400511"/>
             <a:ext cx="1311305" cy="4235013"/>
           </a:xfrm>
           <a:prstGeom prst="bentConnector3">
@@ -6221,7 +6654,7 @@
         </p:nvCxnSpPr>
         <p:spPr>
           <a:xfrm rot="5400000" flipH="1" flipV="1">
-            <a:off x="9762297" y="8115844"/>
+            <a:off x="9762297" y="8115850"/>
             <a:ext cx="2805344" cy="1310569"/>
           </a:xfrm>
           <a:prstGeom prst="bentConnector3">
@@ -6374,7 +6807,7 @@
         </p:nvCxnSpPr>
         <p:spPr>
           <a:xfrm rot="16200000" flipV="1">
-            <a:off x="20254425" y="10487499"/>
+            <a:off x="20254425" y="10487503"/>
             <a:ext cx="2515296" cy="2"/>
           </a:xfrm>
           <a:prstGeom prst="bentConnector3">
@@ -6421,7 +6854,7 @@
         </p:nvSpPr>
         <p:spPr>
           <a:xfrm>
-            <a:off x="19282305" y="2361513"/>
+            <a:off x="19282310" y="2361513"/>
             <a:ext cx="5101698" cy="1194795"/>
           </a:xfrm>
           <a:prstGeom prst="flowChartProcess">
@@ -6565,7 +6998,7 @@
         </p:nvSpPr>
         <p:spPr>
           <a:xfrm>
-            <a:off x="9409043" y="7759899"/>
+            <a:off x="9409048" y="7759899"/>
             <a:ext cx="6042992" cy="4201490"/>
           </a:xfrm>
           <a:prstGeom prst="flowChartProcess">
@@ -6674,7 +7107,7 @@
         </p:nvSpPr>
         <p:spPr>
           <a:xfrm>
-            <a:off x="9409043" y="2345084"/>
+            <a:off x="9409048" y="2345084"/>
             <a:ext cx="6042992" cy="4201490"/>
           </a:xfrm>
           <a:prstGeom prst="flowChartProcess">
@@ -6787,7 +7220,7 @@
         </p:nvCxnSpPr>
         <p:spPr>
           <a:xfrm rot="16200000" flipH="1">
-            <a:off x="5584728" y="621513"/>
+            <a:off x="5584730" y="621513"/>
             <a:ext cx="2026021" cy="5622610"/>
           </a:xfrm>
           <a:prstGeom prst="bentConnector2">
@@ -6833,7 +7266,7 @@
         </p:nvCxnSpPr>
         <p:spPr>
           <a:xfrm rot="5400000" flipH="1" flipV="1">
-            <a:off x="11823877" y="7153236"/>
+            <a:off x="11823882" y="7153237"/>
             <a:ext cx="1213324" cy="25401"/>
           </a:xfrm>
           <a:prstGeom prst="bentConnector3">
@@ -6877,7 +7310,7 @@
         </p:nvSpPr>
         <p:spPr>
           <a:xfrm>
-            <a:off x="16803757" y="-344556"/>
+            <a:off x="16803761" y="-344556"/>
             <a:ext cx="7580244" cy="14497877"/>
           </a:xfrm>
           <a:prstGeom prst="flowChartProcess">
@@ -7056,7 +7489,7 @@
         </p:nvSpPr>
         <p:spPr>
           <a:xfrm>
-            <a:off x="1071342" y="6128038"/>
+            <a:off x="1071342" y="6128039"/>
             <a:ext cx="5430176" cy="1459925"/>
           </a:xfrm>
           <a:prstGeom prst="flowChartProcess">
@@ -7117,7 +7550,7 @@
         </p:nvCxnSpPr>
         <p:spPr>
           <a:xfrm rot="5400000" flipH="1" flipV="1">
-            <a:off x="5756636" y="2475629"/>
+            <a:off x="5756641" y="2475633"/>
             <a:ext cx="1682206" cy="5622612"/>
           </a:xfrm>
           <a:prstGeom prst="bentConnector2">
@@ -7193,7 +7626,7 @@
         </p:nvSpPr>
         <p:spPr>
           <a:xfrm>
-            <a:off x="21527779" y="11490045"/>
+            <a:off x="21527779" y="11490049"/>
             <a:ext cx="1430180" cy="1607820"/>
           </a:xfrm>
         </p:spPr>
@@ -7227,7 +7660,7 @@
         </p:nvSpPr>
         <p:spPr>
           <a:xfrm rot="10800000">
-            <a:off x="21583432" y="11278762"/>
+            <a:off x="21583433" y="11278767"/>
             <a:ext cx="1424917" cy="1592795"/>
           </a:xfrm>
           <a:prstGeom prst="rect">
@@ -7280,8 +7713,8 @@
         </p:nvSpPr>
         <p:spPr>
           <a:xfrm>
-            <a:off x="22129844" y="11856607"/>
-            <a:ext cx="279942" cy="690880"/>
+            <a:off x="22129848" y="11856606"/>
+            <a:ext cx="279941" cy="690880"/>
           </a:xfrm>
           <a:prstGeom prst="flowChartDecision">
             <a:avLst/>
@@ -7334,7 +7767,7 @@
         </p:nvSpPr>
         <p:spPr>
           <a:xfrm rot="5400000">
-            <a:off x="21614679" y="12111392"/>
+            <a:off x="21614679" y="12111397"/>
             <a:ext cx="651051" cy="146686"/>
           </a:xfrm>
           <a:prstGeom prst="triangle">
@@ -7380,7 +7813,7 @@
         </p:nvSpPr>
         <p:spPr>
           <a:xfrm rot="16200000">
-            <a:off x="22222997" y="12095342"/>
+            <a:off x="22222997" y="12095347"/>
             <a:ext cx="651051" cy="146686"/>
           </a:xfrm>
           <a:prstGeom prst="triangle">
@@ -7426,7 +7859,7 @@
         </p:nvSpPr>
         <p:spPr>
           <a:xfrm rot="10800000">
-            <a:off x="22320205" y="11686585"/>
+            <a:off x="22320209" y="11686589"/>
             <a:ext cx="201108" cy="270793"/>
           </a:xfrm>
           <a:prstGeom prst="triangle">
@@ -7480,7 +7913,7 @@
         </p:nvSpPr>
         <p:spPr>
           <a:xfrm rot="10800000">
-            <a:off x="21959165" y="11686585"/>
+            <a:off x="21959169" y="11686589"/>
             <a:ext cx="201108" cy="270793"/>
           </a:xfrm>
           <a:prstGeom prst="triangle">
@@ -7527,7 +7960,7 @@
         </p:nvSpPr>
         <p:spPr>
           <a:xfrm>
-            <a:off x="21945234" y="12412091"/>
+            <a:off x="21945238" y="12412097"/>
             <a:ext cx="201108" cy="270793"/>
           </a:xfrm>
           <a:prstGeom prst="triangle">
@@ -7581,7 +8014,7 @@
         </p:nvSpPr>
         <p:spPr>
           <a:xfrm>
-            <a:off x="22309226" y="12412091"/>
+            <a:off x="22309231" y="12412097"/>
             <a:ext cx="201108" cy="270793"/>
           </a:xfrm>
           <a:prstGeom prst="triangle">
@@ -7628,8 +8061,8 @@
         </p:nvGrpSpPr>
         <p:grpSpPr>
           <a:xfrm>
-            <a:off x="7630858" y="2296859"/>
-            <a:ext cx="9122283" cy="9122282"/>
+            <a:off x="7630859" y="2296859"/>
+            <a:ext cx="9122283" cy="9122283"/>
             <a:chOff x="6924541" y="2161585"/>
             <a:chExt cx="9525001" cy="9525000"/>
           </a:xfrm>
@@ -7723,7 +8156,7 @@
         </p:nvSpPr>
         <p:spPr>
           <a:xfrm>
-            <a:off x="21889581" y="8128280"/>
+            <a:off x="21889580" y="8128284"/>
             <a:ext cx="1430180" cy="1607820"/>
           </a:xfrm>
           <a:prstGeom prst="rect">
@@ -7731,7 +8164,7 @@
           </a:prstGeom>
         </p:spPr>
         <p:txBody>
-          <a:bodyPr vert="horz" lIns="91440" tIns="45720" rIns="91440" bIns="45720" rtlCol="0" anchor="ctr">
+          <a:bodyPr vert="horz" lIns="91440" tIns="45721" rIns="91440" bIns="45721" rtlCol="0" anchor="ctr">
             <a:noAutofit/>
           </a:bodyPr>
           <a:lstStyle>
@@ -7778,7 +8211,7 @@
         </p:nvSpPr>
         <p:spPr>
           <a:xfrm rot="10800000">
-            <a:off x="21945234" y="7916997"/>
+            <a:off x="21945234" y="7917002"/>
             <a:ext cx="1424917" cy="1592795"/>
           </a:xfrm>
           <a:prstGeom prst="rect">
@@ -7831,7 +8264,7 @@
         </p:nvSpPr>
         <p:spPr>
           <a:xfrm flipH="1">
-            <a:off x="11725828" y="5587719"/>
+            <a:off x="11725827" y="5587719"/>
             <a:ext cx="932338" cy="2540562"/>
           </a:xfrm>
           <a:prstGeom prst="flowChartDecision">
@@ -7885,8 +8318,8 @@
         </p:nvSpPr>
         <p:spPr>
           <a:xfrm rot="5400000">
-            <a:off x="8885468" y="6618231"/>
-            <a:ext cx="2763526" cy="537378"/>
+            <a:off x="8885473" y="6618235"/>
+            <a:ext cx="2763525" cy="537378"/>
           </a:xfrm>
           <a:prstGeom prst="triangle">
             <a:avLst/>
@@ -7932,8 +8365,8 @@
         </p:nvSpPr>
         <p:spPr>
           <a:xfrm rot="16200000">
-            <a:off x="12735004" y="6589309"/>
-            <a:ext cx="2763522" cy="537382"/>
+            <a:off x="12735009" y="6589315"/>
+            <a:ext cx="2763522" cy="537381"/>
           </a:xfrm>
           <a:prstGeom prst="triangle">
             <a:avLst/>
@@ -7979,8 +8412,8 @@
         </p:nvSpPr>
         <p:spPr>
           <a:xfrm rot="10800000">
-            <a:off x="12658167" y="3637751"/>
-            <a:ext cx="1112774" cy="1574329"/>
+            <a:off x="12658172" y="3637751"/>
+            <a:ext cx="1112773" cy="1574329"/>
           </a:xfrm>
           <a:prstGeom prst="triangle">
             <a:avLst/>
@@ -8033,7 +8466,7 @@
         </p:nvSpPr>
         <p:spPr>
           <a:xfrm>
-            <a:off x="22307036" y="9050326"/>
+            <a:off x="22307041" y="9050332"/>
             <a:ext cx="201108" cy="270793"/>
           </a:xfrm>
           <a:prstGeom prst="triangle">
@@ -8087,7 +8520,7 @@
         </p:nvSpPr>
         <p:spPr>
           <a:xfrm>
-            <a:off x="22671028" y="9050326"/>
+            <a:off x="22671032" y="9050332"/>
             <a:ext cx="201108" cy="270793"/>
           </a:xfrm>
           <a:prstGeom prst="triangle">
@@ -8134,8 +8567,8 @@
         </p:nvSpPr>
         <p:spPr>
           <a:xfrm rot="10800000">
-            <a:off x="10613061" y="3637751"/>
-            <a:ext cx="1112774" cy="1464639"/>
+            <a:off x="10613066" y="3637756"/>
+            <a:ext cx="1112773" cy="1464638"/>
           </a:xfrm>
           <a:prstGeom prst="triangle">
             <a:avLst/>
@@ -8181,8 +8614,8 @@
         </p:nvSpPr>
         <p:spPr>
           <a:xfrm>
-            <a:off x="10613061" y="8506113"/>
-            <a:ext cx="1112774" cy="1574329"/>
+            <a:off x="10613066" y="8506114"/>
+            <a:ext cx="1112773" cy="1574329"/>
           </a:xfrm>
           <a:prstGeom prst="triangle">
             <a:avLst/>
@@ -8235,8 +8668,8 @@
         </p:nvSpPr>
         <p:spPr>
           <a:xfrm>
-            <a:off x="12658167" y="8567482"/>
-            <a:ext cx="1145166" cy="1507274"/>
+            <a:off x="12658167" y="8567481"/>
+            <a:ext cx="1145166" cy="1507275"/>
           </a:xfrm>
           <a:prstGeom prst="triangle">
             <a:avLst/>
@@ -8320,8 +8753,8 @@
         </p:nvSpPr>
         <p:spPr>
           <a:xfrm>
-            <a:off x="8631996" y="234462"/>
-            <a:ext cx="7120008" cy="2898761"/>
+            <a:off x="8631997" y="234463"/>
+            <a:ext cx="7120009" cy="2898761"/>
           </a:xfrm>
           <a:prstGeom prst="rect">
             <a:avLst/>
@@ -8359,7 +8792,7 @@
             </a:r>
           </a:p>
           <a:p>
-            <a:pPr marL="685809" indent="-685809" algn="ctr">
+            <a:pPr marL="685818" indent="-685818" algn="ctr">
               <a:buAutoNum type="arabicPeriod"/>
             </a:pPr>
             <a:r>
@@ -8387,8 +8820,8 @@
         </p:nvSpPr>
         <p:spPr>
           <a:xfrm>
-            <a:off x="8495541" y="4137955"/>
-            <a:ext cx="7392913" cy="2898761"/>
+            <a:off x="8495541" y="4137960"/>
+            <a:ext cx="7392914" cy="2898761"/>
           </a:xfrm>
           <a:prstGeom prst="rect">
             <a:avLst/>
@@ -8426,7 +8859,7 @@
             </a:r>
           </a:p>
           <a:p>
-            <a:pPr marL="685809" indent="-685809" algn="ctr">
+            <a:pPr marL="685818" indent="-685818" algn="ctr">
               <a:buAutoNum type="arabicPeriod"/>
             </a:pPr>
             <a:r>
@@ -8439,7 +8872,7 @@
             </a:r>
           </a:p>
           <a:p>
-            <a:pPr marL="685809" indent="-685809" algn="ctr">
+            <a:pPr marL="685818" indent="-685818" algn="ctr">
               <a:buAutoNum type="arabicPeriod"/>
             </a:pPr>
             <a:r>
@@ -8502,7 +8935,7 @@
             </a:r>
           </a:p>
           <a:p>
-            <a:pPr marL="685809" indent="-685809" algn="ctr">
+            <a:pPr marL="685818" indent="-685818" algn="ctr">
               <a:buAutoNum type="arabicPeriod"/>
             </a:pPr>
             <a:r>
@@ -8515,7 +8948,7 @@
             </a:r>
           </a:p>
           <a:p>
-            <a:pPr marL="685809" indent="-685809" algn="ctr">
+            <a:pPr marL="685818" indent="-685818" algn="ctr">
               <a:buAutoNum type="arabicPeriod"/>
             </a:pPr>
             <a:r>
@@ -8524,7 +8957,7 @@
             </a:r>
           </a:p>
           <a:p>
-            <a:pPr marL="685809" indent="-685809" algn="ctr">
+            <a:pPr marL="685818" indent="-685818" algn="ctr">
               <a:buAutoNum type="arabicPeriod"/>
             </a:pPr>
             <a:r>
@@ -8552,7 +8985,7 @@
         </p:nvSpPr>
         <p:spPr>
           <a:xfrm>
-            <a:off x="10957121" y="12449001"/>
+            <a:off x="10957126" y="12449005"/>
             <a:ext cx="2469758" cy="1037769"/>
           </a:xfrm>
           <a:prstGeom prst="rect">
@@ -8608,8 +9041,8 @@
         </p:nvCxnSpPr>
         <p:spPr>
           <a:xfrm flipH="1">
-            <a:off x="12191997" y="3133223"/>
-            <a:ext cx="3" cy="1004732"/>
+            <a:off x="12191996" y="3133223"/>
+            <a:ext cx="4" cy="1004732"/>
           </a:xfrm>
           <a:prstGeom prst="straightConnector1">
             <a:avLst/>
@@ -8654,8 +9087,8 @@
         </p:nvCxnSpPr>
         <p:spPr>
           <a:xfrm>
-            <a:off x="12191998" y="7036716"/>
-            <a:ext cx="1" cy="980811"/>
+            <a:off x="12192003" y="7036716"/>
+            <a:ext cx="2" cy="980811"/>
           </a:xfrm>
           <a:prstGeom prst="straightConnector1">
             <a:avLst/>
@@ -8699,7 +9132,7 @@
         </p:nvCxnSpPr>
         <p:spPr>
           <a:xfrm>
-            <a:off x="12191999" y="11585950"/>
+            <a:off x="12191998" y="11585950"/>
             <a:ext cx="0" cy="863051"/>
           </a:xfrm>
           <a:prstGeom prst="straightConnector1">
@@ -8744,7 +9177,7 @@
         </p:nvCxnSpPr>
         <p:spPr>
           <a:xfrm rot="10800000">
-            <a:off x="8631997" y="1683844"/>
+            <a:off x="8632003" y="1683845"/>
             <a:ext cx="2325125" cy="11284043"/>
           </a:xfrm>
           <a:prstGeom prst="bentConnector3">
@@ -8790,7 +9223,7 @@
         </p:nvCxnSpPr>
         <p:spPr>
           <a:xfrm flipH="1">
-            <a:off x="1147482" y="3429000"/>
+            <a:off x="1147482" y="3429001"/>
             <a:ext cx="11044516" cy="0"/>
           </a:xfrm>
           <a:prstGeom prst="straightConnector1">
@@ -8834,7 +9267,7 @@
         </p:nvCxnSpPr>
         <p:spPr>
           <a:xfrm flipH="1">
-            <a:off x="1147482" y="7325866"/>
+            <a:off x="1147482" y="7325867"/>
             <a:ext cx="11044516" cy="43061"/>
           </a:xfrm>
           <a:prstGeom prst="straightConnector1">
@@ -8876,7 +9309,7 @@
         </p:nvSpPr>
         <p:spPr>
           <a:xfrm>
-            <a:off x="1511987" y="3490950"/>
+            <a:off x="1511988" y="3490955"/>
             <a:ext cx="2325127" cy="830997"/>
           </a:xfrm>
           <a:prstGeom prst="rect">
@@ -8920,8 +9353,8 @@
         </p:nvSpPr>
         <p:spPr>
           <a:xfrm>
-            <a:off x="1508091" y="7368927"/>
-            <a:ext cx="6987450" cy="1569660"/>
+            <a:off x="1508095" y="7368928"/>
+            <a:ext cx="6987451" cy="1569660"/>
           </a:xfrm>
           <a:prstGeom prst="rect">
             <a:avLst/>
@@ -9072,8 +9505,8 @@
         </p:nvSpPr>
         <p:spPr>
           <a:xfrm>
-            <a:off x="11921009" y="2395240"/>
-            <a:ext cx="12227859" cy="8925520"/>
+            <a:off x="11921014" y="2395245"/>
+            <a:ext cx="12227860" cy="8925777"/>
           </a:xfrm>
           <a:prstGeom prst="rect">
             <a:avLst/>
@@ -9087,7 +9520,7 @@
           <a:lstStyle/>
           <a:p>
             <a:r>
-              <a:rPr lang="en-US" altLang="ko-KR" sz="28700" b="1" dirty="0">
+              <a:rPr lang="en-US" altLang="ko-KR" sz="28701" b="1" dirty="0">
                 <a:solidFill>
                   <a:schemeClr val="bg1"/>
                 </a:solidFill>
@@ -9097,14 +9530,14 @@
           </a:p>
           <a:p>
             <a:r>
-              <a:rPr lang="en-US" altLang="ko-KR" sz="28700" b="1" dirty="0">
+              <a:rPr lang="en-US" altLang="ko-KR" sz="28701" b="1" dirty="0">
                 <a:solidFill>
                   <a:schemeClr val="bg1"/>
                 </a:solidFill>
               </a:rPr>
               <a:t>Tutorial</a:t>
             </a:r>
-            <a:endParaRPr lang="ko-KR" altLang="en-US" sz="28700" b="1" dirty="0">
+            <a:endParaRPr lang="ko-KR" altLang="en-US" sz="28701" b="1" dirty="0">
               <a:solidFill>
                 <a:schemeClr val="bg1"/>
               </a:solidFill>
@@ -9200,8 +9633,8 @@
         </p:nvSpPr>
         <p:spPr>
           <a:xfrm>
-            <a:off x="10560426" y="1228087"/>
-            <a:ext cx="13546422" cy="12449562"/>
+            <a:off x="10560427" y="1228090"/>
+            <a:ext cx="13546421" cy="12019188"/>
           </a:xfrm>
           <a:prstGeom prst="rect">
             <a:avLst/>
@@ -9216,7 +9649,7 @@
           <a:p>
             <a:pPr algn="ctr"/>
             <a:r>
-              <a:rPr lang="en-US" altLang="ko-KR" sz="19900" b="1" dirty="0">
+              <a:rPr lang="en-US" altLang="ko-KR" sz="19901" b="1" dirty="0">
                 <a:solidFill>
                   <a:schemeClr val="bg1"/>
                 </a:solidFill>
@@ -9227,14 +9660,14 @@
           <a:p>
             <a:pPr algn="ctr"/>
             <a:r>
-              <a:rPr lang="en-US" altLang="ko-KR" sz="19900" b="1" dirty="0">
+              <a:rPr lang="en-US" altLang="ko-KR" sz="19901" b="1" dirty="0">
                 <a:solidFill>
                   <a:schemeClr val="bg1"/>
                 </a:solidFill>
               </a:rPr>
               <a:t>---</a:t>
             </a:r>
-            <a:endParaRPr lang="en-US" altLang="ko-KR" sz="16600" b="1" dirty="0">
+            <a:endParaRPr lang="en-US" altLang="ko-KR" sz="16601" b="1" dirty="0">
               <a:solidFill>
                 <a:schemeClr val="bg1"/>
               </a:solidFill>
@@ -9243,7 +9676,7 @@
           <a:p>
             <a:pPr algn="ctr"/>
             <a:r>
-              <a:rPr lang="en-US" altLang="ko-KR" sz="13800" b="1" dirty="0">
+              <a:rPr lang="en-US" altLang="ko-KR" sz="13801" b="1" dirty="0">
                 <a:solidFill>
                   <a:schemeClr val="bg1"/>
                 </a:solidFill>
@@ -9253,7 +9686,7 @@
           </a:p>
           <a:p>
             <a:pPr algn="ctr"/>
-            <a:endParaRPr lang="ko-KR" altLang="en-US" sz="23900" b="1" dirty="0">
+            <a:endParaRPr lang="ko-KR" altLang="en-US" sz="23901" b="1" dirty="0">
               <a:solidFill>
                 <a:schemeClr val="bg1"/>
               </a:solidFill>
@@ -9349,8 +9782,8 @@
         </p:nvSpPr>
         <p:spPr>
           <a:xfrm>
-            <a:off x="10560426" y="1228087"/>
-            <a:ext cx="13546422" cy="14142333"/>
+            <a:off x="10560427" y="1228092"/>
+            <a:ext cx="13546421" cy="14142974"/>
           </a:xfrm>
           <a:prstGeom prst="rect">
             <a:avLst/>
@@ -9365,7 +9798,7 @@
           <a:p>
             <a:pPr algn="ctr"/>
             <a:r>
-              <a:rPr lang="en-US" altLang="ko-KR" sz="19900" b="1" dirty="0">
+              <a:rPr lang="en-US" altLang="ko-KR" sz="19901" b="1" dirty="0">
                 <a:solidFill>
                   <a:schemeClr val="bg1"/>
                 </a:solidFill>
@@ -9376,14 +9809,14 @@
           <a:p>
             <a:pPr algn="ctr"/>
             <a:r>
-              <a:rPr lang="en-US" altLang="ko-KR" sz="19900" b="1" dirty="0">
+              <a:rPr lang="en-US" altLang="ko-KR" sz="19901" b="1" dirty="0">
                 <a:solidFill>
                   <a:schemeClr val="bg1"/>
                 </a:solidFill>
               </a:rPr>
               <a:t>---</a:t>
             </a:r>
-            <a:endParaRPr lang="en-US" altLang="ko-KR" sz="16600" b="1" dirty="0">
+            <a:endParaRPr lang="en-US" altLang="ko-KR" sz="16601" b="1" dirty="0">
               <a:solidFill>
                 <a:schemeClr val="bg1"/>
               </a:solidFill>
@@ -9392,7 +9825,7 @@
           <a:p>
             <a:pPr algn="ctr"/>
             <a:r>
-              <a:rPr lang="en-US" altLang="ko-KR" sz="13800" b="1" dirty="0">
+              <a:rPr lang="en-US" altLang="ko-KR" sz="13801" b="1" dirty="0">
                 <a:solidFill>
                   <a:schemeClr val="bg1"/>
                 </a:solidFill>
@@ -9402,7 +9835,7 @@
           </a:p>
           <a:p>
             <a:pPr algn="ctr"/>
-            <a:endParaRPr lang="ko-KR" altLang="en-US" sz="23900" b="1" dirty="0">
+            <a:endParaRPr lang="ko-KR" altLang="en-US" sz="23901" b="1" dirty="0">
               <a:solidFill>
                 <a:schemeClr val="bg1"/>
               </a:solidFill>
@@ -9498,8 +9931,8 @@
         </p:nvSpPr>
         <p:spPr>
           <a:xfrm>
-            <a:off x="10560426" y="1228087"/>
-            <a:ext cx="13546422" cy="14142333"/>
+            <a:off x="10560427" y="1228090"/>
+            <a:ext cx="13546421" cy="14142974"/>
           </a:xfrm>
           <a:prstGeom prst="rect">
             <a:avLst/>
@@ -9514,7 +9947,7 @@
           <a:p>
             <a:pPr algn="ctr"/>
             <a:r>
-              <a:rPr lang="en-US" altLang="ko-KR" sz="19900" b="1" dirty="0">
+              <a:rPr lang="en-US" altLang="ko-KR" sz="19901" b="1" dirty="0">
                 <a:solidFill>
                   <a:schemeClr val="bg1"/>
                 </a:solidFill>
@@ -9525,14 +9958,14 @@
           <a:p>
             <a:pPr algn="ctr"/>
             <a:r>
-              <a:rPr lang="en-US" altLang="ko-KR" sz="19900" b="1" dirty="0">
+              <a:rPr lang="en-US" altLang="ko-KR" sz="19901" b="1" dirty="0">
                 <a:solidFill>
                   <a:schemeClr val="bg1"/>
                 </a:solidFill>
               </a:rPr>
               <a:t>---</a:t>
             </a:r>
-            <a:endParaRPr lang="en-US" altLang="ko-KR" sz="16600" b="1" dirty="0">
+            <a:endParaRPr lang="en-US" altLang="ko-KR" sz="16601" b="1" dirty="0">
               <a:solidFill>
                 <a:schemeClr val="bg1"/>
               </a:solidFill>
@@ -9541,7 +9974,7 @@
           <a:p>
             <a:pPr algn="ctr"/>
             <a:r>
-              <a:rPr lang="en-US" altLang="ko-KR" sz="13800" b="1" dirty="0">
+              <a:rPr lang="en-US" altLang="ko-KR" sz="13801" b="1" dirty="0">
                 <a:solidFill>
                   <a:schemeClr val="bg1"/>
                 </a:solidFill>
@@ -9551,7 +9984,7 @@
           </a:p>
           <a:p>
             <a:pPr algn="ctr"/>
-            <a:endParaRPr lang="ko-KR" altLang="en-US" sz="23900" b="1" dirty="0">
+            <a:endParaRPr lang="ko-KR" altLang="en-US" sz="23901" b="1" dirty="0">
               <a:solidFill>
                 <a:schemeClr val="bg1"/>
               </a:solidFill>

--- a/resources/MiniGameWorld.pptx
+++ b/resources/MiniGameWorld.pptx
@@ -21,8 +21,10 @@
     <p:sldId id="270" r:id="rId15"/>
     <p:sldId id="271" r:id="rId16"/>
     <p:sldId id="263" r:id="rId17"/>
-    <p:sldId id="272" r:id="rId18"/>
-    <p:sldId id="273" r:id="rId19"/>
+    <p:sldId id="274" r:id="rId18"/>
+    <p:sldId id="277" r:id="rId19"/>
+    <p:sldId id="272" r:id="rId20"/>
+    <p:sldId id="273" r:id="rId21"/>
   </p:sldIdLst>
   <p:sldSz cx="24384000" cy="13716000"/>
   <p:notesSz cx="6858000" cy="9144000"/>
@@ -260,7 +262,7 @@
           <a:p>
             <a:fld id="{68DD77C6-9199-49BA-BC71-D4B35AFBC7B4}" type="datetimeFigureOut">
               <a:rPr lang="ko-KR" altLang="en-US" smtClean="0"/>
-              <a:t>2021-10-28</a:t>
+              <a:t>2021-12-13</a:t>
             </a:fld>
             <a:endParaRPr lang="ko-KR" altLang="en-US"/>
           </a:p>
@@ -430,7 +432,7 @@
           <a:p>
             <a:fld id="{68DD77C6-9199-49BA-BC71-D4B35AFBC7B4}" type="datetimeFigureOut">
               <a:rPr lang="ko-KR" altLang="en-US" smtClean="0"/>
-              <a:t>2021-10-28</a:t>
+              <a:t>2021-12-13</a:t>
             </a:fld>
             <a:endParaRPr lang="ko-KR" altLang="en-US"/>
           </a:p>
@@ -610,7 +612,7 @@
           <a:p>
             <a:fld id="{68DD77C6-9199-49BA-BC71-D4B35AFBC7B4}" type="datetimeFigureOut">
               <a:rPr lang="ko-KR" altLang="en-US" smtClean="0"/>
-              <a:t>2021-10-28</a:t>
+              <a:t>2021-12-13</a:t>
             </a:fld>
             <a:endParaRPr lang="ko-KR" altLang="en-US"/>
           </a:p>
@@ -780,7 +782,7 @@
           <a:p>
             <a:fld id="{68DD77C6-9199-49BA-BC71-D4B35AFBC7B4}" type="datetimeFigureOut">
               <a:rPr lang="ko-KR" altLang="en-US" smtClean="0"/>
-              <a:t>2021-10-28</a:t>
+              <a:t>2021-12-13</a:t>
             </a:fld>
             <a:endParaRPr lang="ko-KR" altLang="en-US"/>
           </a:p>
@@ -1026,7 +1028,7 @@
           <a:p>
             <a:fld id="{68DD77C6-9199-49BA-BC71-D4B35AFBC7B4}" type="datetimeFigureOut">
               <a:rPr lang="ko-KR" altLang="en-US" smtClean="0"/>
-              <a:t>2021-10-28</a:t>
+              <a:t>2021-12-13</a:t>
             </a:fld>
             <a:endParaRPr lang="ko-KR" altLang="en-US"/>
           </a:p>
@@ -1258,7 +1260,7 @@
           <a:p>
             <a:fld id="{68DD77C6-9199-49BA-BC71-D4B35AFBC7B4}" type="datetimeFigureOut">
               <a:rPr lang="ko-KR" altLang="en-US" smtClean="0"/>
-              <a:t>2021-10-28</a:t>
+              <a:t>2021-12-13</a:t>
             </a:fld>
             <a:endParaRPr lang="ko-KR" altLang="en-US"/>
           </a:p>
@@ -1625,7 +1627,7 @@
           <a:p>
             <a:fld id="{68DD77C6-9199-49BA-BC71-D4B35AFBC7B4}" type="datetimeFigureOut">
               <a:rPr lang="ko-KR" altLang="en-US" smtClean="0"/>
-              <a:t>2021-10-28</a:t>
+              <a:t>2021-12-13</a:t>
             </a:fld>
             <a:endParaRPr lang="ko-KR" altLang="en-US"/>
           </a:p>
@@ -1743,7 +1745,7 @@
           <a:p>
             <a:fld id="{68DD77C6-9199-49BA-BC71-D4B35AFBC7B4}" type="datetimeFigureOut">
               <a:rPr lang="ko-KR" altLang="en-US" smtClean="0"/>
-              <a:t>2021-10-28</a:t>
+              <a:t>2021-12-13</a:t>
             </a:fld>
             <a:endParaRPr lang="ko-KR" altLang="en-US"/>
           </a:p>
@@ -1838,7 +1840,7 @@
           <a:p>
             <a:fld id="{68DD77C6-9199-49BA-BC71-D4B35AFBC7B4}" type="datetimeFigureOut">
               <a:rPr lang="ko-KR" altLang="en-US" smtClean="0"/>
-              <a:t>2021-10-28</a:t>
+              <a:t>2021-12-13</a:t>
             </a:fld>
             <a:endParaRPr lang="ko-KR" altLang="en-US"/>
           </a:p>
@@ -2115,7 +2117,7 @@
           <a:p>
             <a:fld id="{68DD77C6-9199-49BA-BC71-D4B35AFBC7B4}" type="datetimeFigureOut">
               <a:rPr lang="ko-KR" altLang="en-US" smtClean="0"/>
-              <a:t>2021-10-28</a:t>
+              <a:t>2021-12-13</a:t>
             </a:fld>
             <a:endParaRPr lang="ko-KR" altLang="en-US"/>
           </a:p>
@@ -2372,7 +2374,7 @@
           <a:p>
             <a:fld id="{68DD77C6-9199-49BA-BC71-D4B35AFBC7B4}" type="datetimeFigureOut">
               <a:rPr lang="ko-KR" altLang="en-US" smtClean="0"/>
-              <a:t>2021-10-28</a:t>
+              <a:t>2021-12-13</a:t>
             </a:fld>
             <a:endParaRPr lang="ko-KR" altLang="en-US"/>
           </a:p>
@@ -2585,7 +2587,7 @@
           <a:p>
             <a:fld id="{68DD77C6-9199-49BA-BC71-D4B35AFBC7B4}" type="datetimeFigureOut">
               <a:rPr lang="ko-KR" altLang="en-US" smtClean="0"/>
-              <a:t>2021-10-28</a:t>
+              <a:t>2021-12-13</a:t>
             </a:fld>
             <a:endParaRPr lang="ko-KR" altLang="en-US"/>
           </a:p>
@@ -4537,10 +4539,10 @@
       </p:grpSpPr>
       <p:pic>
         <p:nvPicPr>
-          <p:cNvPr id="5" name="Picture 4">
-            <a:extLst>
-              <a:ext uri="{FF2B5EF4-FFF2-40B4-BE49-F238E27FC236}">
-                <a16:creationId xmlns:a16="http://schemas.microsoft.com/office/drawing/2014/main" id="{84FB8C8C-1130-4848-AFA6-97CECB8B6E99}"/>
+          <p:cNvPr id="6" name="Picture 5">
+            <a:extLst>
+              <a:ext uri="{FF2B5EF4-FFF2-40B4-BE49-F238E27FC236}">
+                <a16:creationId xmlns:a16="http://schemas.microsoft.com/office/drawing/2014/main" id="{5AE1C0AE-9FF3-4FC5-9301-35718FFFB10A}"/>
               </a:ext>
             </a:extLst>
           </p:cNvPr>
@@ -4563,8 +4565,8 @@
         </p:blipFill>
         <p:spPr>
           <a:xfrm>
-            <a:off x="1278590" y="1197908"/>
-            <a:ext cx="4656045" cy="4656045"/>
+            <a:off x="-966651" y="0"/>
+            <a:ext cx="13689874" cy="13689874"/>
           </a:xfrm>
           <a:prstGeom prst="rect">
             <a:avLst/>
@@ -4573,10 +4575,10 @@
       </p:pic>
       <p:sp>
         <p:nvSpPr>
-          <p:cNvPr id="6" name="TextBox 5">
-            <a:extLst>
-              <a:ext uri="{FF2B5EF4-FFF2-40B4-BE49-F238E27FC236}">
-                <a16:creationId xmlns:a16="http://schemas.microsoft.com/office/drawing/2014/main" id="{910F1005-3FF1-4AE0-9D27-7C42963A5251}"/>
+          <p:cNvPr id="4" name="TextBox 3">
+            <a:extLst>
+              <a:ext uri="{FF2B5EF4-FFF2-40B4-BE49-F238E27FC236}">
+                <a16:creationId xmlns:a16="http://schemas.microsoft.com/office/drawing/2014/main" id="{49B7A5D7-DD4B-47CE-B121-96FDF0201ACE}"/>
               </a:ext>
             </a:extLst>
           </p:cNvPr>
@@ -4585,8 +4587,8 @@
         </p:nvSpPr>
         <p:spPr>
           <a:xfrm>
-            <a:off x="6736976" y="1948575"/>
-            <a:ext cx="17750118" cy="3154710"/>
+            <a:off x="10086583" y="5346238"/>
+            <a:ext cx="14297415" cy="5847755"/>
           </a:xfrm>
           <a:prstGeom prst="rect">
             <a:avLst/>
@@ -4599,59 +4601,61 @@
           </a:bodyPr>
           <a:lstStyle/>
           <a:p>
-            <a:r>
-              <a:rPr lang="en-US" altLang="ko-KR" sz="19900" b="1" dirty="0">
+            <a:pPr algn="ctr">
+              <a:spcBef>
+                <a:spcPts val="10"/>
+              </a:spcBef>
+              <a:spcAft>
+                <a:spcPts val="10"/>
+              </a:spcAft>
+            </a:pPr>
+            <a:endParaRPr lang="en-US" altLang="ko-KR" sz="5400" b="1" dirty="0">
+              <a:solidFill>
+                <a:schemeClr val="bg1"/>
+              </a:solidFill>
+            </a:endParaRPr>
+          </a:p>
+          <a:p>
+            <a:pPr algn="ctr">
+              <a:spcBef>
+                <a:spcPts val="10"/>
+              </a:spcBef>
+              <a:spcAft>
+                <a:spcPts val="10"/>
+              </a:spcAft>
+            </a:pPr>
+            <a:r>
+              <a:rPr lang="en-US" altLang="ko-KR" sz="16000" b="1" dirty="0" err="1">
                 <a:solidFill>
                   <a:schemeClr val="bg1"/>
                 </a:solidFill>
               </a:rPr>
-              <a:t>Discord</a:t>
-            </a:r>
-            <a:endParaRPr lang="ko-KR" altLang="en-US" sz="19900" b="1" dirty="0">
+              <a:t>MiniGameWorld</a:t>
+            </a:r>
+            <a:endParaRPr lang="en-US" altLang="ko-KR" sz="16000" b="1" dirty="0">
               <a:solidFill>
                 <a:schemeClr val="bg1"/>
               </a:solidFill>
             </a:endParaRPr>
           </a:p>
-        </p:txBody>
-      </p:sp>
-      <p:sp>
-        <p:nvSpPr>
-          <p:cNvPr id="17" name="TextBox 16">
-            <a:extLst>
-              <a:ext uri="{FF2B5EF4-FFF2-40B4-BE49-F238E27FC236}">
-                <a16:creationId xmlns:a16="http://schemas.microsoft.com/office/drawing/2014/main" id="{3D933A76-BB65-470E-B9CB-DCC27B30ED66}"/>
-              </a:ext>
-            </a:extLst>
-          </p:cNvPr>
-          <p:cNvSpPr txBox="1"/>
-          <p:nvPr/>
-        </p:nvSpPr>
-        <p:spPr>
-          <a:xfrm>
-            <a:off x="6705600" y="8660773"/>
-            <a:ext cx="17750118" cy="3154710"/>
-          </a:xfrm>
-          <a:prstGeom prst="rect">
-            <a:avLst/>
-          </a:prstGeom>
-          <a:noFill/>
-        </p:spPr>
-        <p:txBody>
-          <a:bodyPr wrap="square" rtlCol="0">
-            <a:spAutoFit/>
-          </a:bodyPr>
-          <a:lstStyle/>
-          <a:p>
-            <a:r>
-              <a:rPr lang="en-US" altLang="ko-KR" sz="19900" b="1" dirty="0">
+          <a:p>
+            <a:pPr algn="ctr">
+              <a:spcBef>
+                <a:spcPts val="10"/>
+              </a:spcBef>
+              <a:spcAft>
+                <a:spcPts val="10"/>
+              </a:spcAft>
+            </a:pPr>
+            <a:r>
+              <a:rPr lang="en-US" altLang="ko-KR" sz="16000" b="1" dirty="0">
                 <a:solidFill>
                   <a:schemeClr val="bg1"/>
                 </a:solidFill>
               </a:rPr>
-              <a:t>Community</a:t>
-            </a:r>
-            <a:endParaRPr lang="ko-KR" altLang="en-US" sz="19900" b="1" dirty="0">
+              <a:t>- Reward</a:t>
+            </a:r>
+            <a:endParaRPr lang="ko-KR" altLang="en-US" sz="16000" b="1" dirty="0">
               <a:solidFill>
                 <a:schemeClr val="bg1"/>
               </a:solidFill>
@@ -4659,81 +4663,52 @@
           </a:p>
         </p:txBody>
       </p:sp>
-      <p:pic>
-        <p:nvPicPr>
-          <p:cNvPr id="21" name="Picture 20">
-            <a:extLst>
-              <a:ext uri="{FF2B5EF4-FFF2-40B4-BE49-F238E27FC236}">
-                <a16:creationId xmlns:a16="http://schemas.microsoft.com/office/drawing/2014/main" id="{A058BEA2-FB50-443F-8DEC-70B71538481B}"/>
-              </a:ext>
-            </a:extLst>
-          </p:cNvPr>
-          <p:cNvPicPr>
-            <a:picLocks noChangeAspect="1"/>
-          </p:cNvPicPr>
-          <p:nvPr/>
-        </p:nvPicPr>
-        <p:blipFill>
-          <a:blip r:embed="rId3">
-            <a:extLst>
-              <a:ext uri="{28A0092B-C50C-407E-A947-70E740481C1C}">
-                <a14:useLocalDpi xmlns:a14="http://schemas.microsoft.com/office/drawing/2010/main" val="0"/>
-              </a:ext>
-            </a:extLst>
-          </a:blip>
-          <a:stretch>
-            <a:fillRect/>
-          </a:stretch>
-        </p:blipFill>
-        <p:spPr>
-          <a:xfrm>
-            <a:off x="1441073" y="7862048"/>
-            <a:ext cx="4331078" cy="4331078"/>
+      <p:sp>
+        <p:nvSpPr>
+          <p:cNvPr id="2" name="TextBox 1">
+            <a:extLst>
+              <a:ext uri="{FF2B5EF4-FFF2-40B4-BE49-F238E27FC236}">
+                <a16:creationId xmlns:a16="http://schemas.microsoft.com/office/drawing/2014/main" id="{94D460DE-9E66-4756-8446-F6AD5689E38C}"/>
+              </a:ext>
+            </a:extLst>
+          </p:cNvPr>
+          <p:cNvSpPr txBox="1"/>
+          <p:nvPr/>
+        </p:nvSpPr>
+        <p:spPr>
+          <a:xfrm>
+            <a:off x="10086584" y="1021977"/>
+            <a:ext cx="14297415" cy="4324261"/>
           </a:xfrm>
           <a:prstGeom prst="rect">
             <a:avLst/>
           </a:prstGeom>
-        </p:spPr>
-      </p:pic>
-      <p:sp>
-        <p:nvSpPr>
-          <p:cNvPr id="23" name="TextBox 22">
-            <a:extLst>
-              <a:ext uri="{FF2B5EF4-FFF2-40B4-BE49-F238E27FC236}">
-                <a16:creationId xmlns:a16="http://schemas.microsoft.com/office/drawing/2014/main" id="{89927D47-E120-49F3-9969-0AD38E243669}"/>
-              </a:ext>
-            </a:extLst>
-          </p:cNvPr>
-          <p:cNvSpPr txBox="1"/>
-          <p:nvPr/>
-        </p:nvSpPr>
-        <p:spPr>
-          <a:xfrm>
-            <a:off x="6324600" y="6673334"/>
-            <a:ext cx="12649200" cy="369332"/>
-          </a:xfrm>
-          <a:prstGeom prst="rect">
-            <a:avLst/>
-          </a:prstGeom>
           <a:noFill/>
         </p:spPr>
         <p:txBody>
-          <a:bodyPr wrap="square">
+          <a:bodyPr wrap="square" rtlCol="0">
             <a:spAutoFit/>
           </a:bodyPr>
           <a:lstStyle/>
           <a:p>
             <a:r>
-              <a:rPr lang="ko-KR" altLang="en-US" dirty="0"/>
-              <a:t>교환학생</a:t>
-            </a:r>
+              <a:rPr lang="en-US" altLang="ko-KR" sz="23900" b="1" dirty="0">
+                <a:solidFill>
+                  <a:schemeClr val="bg1"/>
+                </a:solidFill>
+              </a:rPr>
+              <a:t>Third-Party</a:t>
+            </a:r>
+          </a:p>
+          <a:p>
+            <a:endParaRPr lang="ko-KR" altLang="en-US" sz="3600" dirty="0"/>
           </a:p>
         </p:txBody>
       </p:sp>
     </p:spTree>
     <p:extLst>
       <p:ext uri="{BB962C8B-B14F-4D97-AF65-F5344CB8AC3E}">
-        <p14:creationId xmlns:p14="http://schemas.microsoft.com/office/powerpoint/2010/main" val="463350991"/>
+        <p14:creationId xmlns:p14="http://schemas.microsoft.com/office/powerpoint/2010/main" val="1826229196"/>
       </p:ext>
     </p:extLst>
   </p:cSld>
@@ -4768,6 +4743,248 @@
           <a:chExt cx="0" cy="0"/>
         </a:xfrm>
       </p:grpSpPr>
+      <p:pic>
+        <p:nvPicPr>
+          <p:cNvPr id="6" name="Picture 5">
+            <a:extLst>
+              <a:ext uri="{FF2B5EF4-FFF2-40B4-BE49-F238E27FC236}">
+                <a16:creationId xmlns:a16="http://schemas.microsoft.com/office/drawing/2014/main" id="{5AE1C0AE-9FF3-4FC5-9301-35718FFFB10A}"/>
+              </a:ext>
+            </a:extLst>
+          </p:cNvPr>
+          <p:cNvPicPr>
+            <a:picLocks noChangeAspect="1"/>
+          </p:cNvPicPr>
+          <p:nvPr/>
+        </p:nvPicPr>
+        <p:blipFill>
+          <a:blip r:embed="rId2">
+            <a:extLst>
+              <a:ext uri="{28A0092B-C50C-407E-A947-70E740481C1C}">
+                <a14:useLocalDpi xmlns:a14="http://schemas.microsoft.com/office/drawing/2010/main" val="0"/>
+              </a:ext>
+            </a:extLst>
+          </a:blip>
+          <a:stretch>
+            <a:fillRect/>
+          </a:stretch>
+        </p:blipFill>
+        <p:spPr>
+          <a:xfrm>
+            <a:off x="-966651" y="0"/>
+            <a:ext cx="13689874" cy="13689874"/>
+          </a:xfrm>
+          <a:prstGeom prst="rect">
+            <a:avLst/>
+          </a:prstGeom>
+        </p:spPr>
+      </p:pic>
+      <p:sp>
+        <p:nvSpPr>
+          <p:cNvPr id="4" name="TextBox 3">
+            <a:extLst>
+              <a:ext uri="{FF2B5EF4-FFF2-40B4-BE49-F238E27FC236}">
+                <a16:creationId xmlns:a16="http://schemas.microsoft.com/office/drawing/2014/main" id="{49B7A5D7-DD4B-47CE-B121-96FDF0201ACE}"/>
+              </a:ext>
+            </a:extLst>
+          </p:cNvPr>
+          <p:cNvSpPr txBox="1"/>
+          <p:nvPr/>
+        </p:nvSpPr>
+        <p:spPr>
+          <a:xfrm>
+            <a:off x="10086583" y="5346238"/>
+            <a:ext cx="14297415" cy="5847755"/>
+          </a:xfrm>
+          <a:prstGeom prst="rect">
+            <a:avLst/>
+          </a:prstGeom>
+          <a:noFill/>
+        </p:spPr>
+        <p:txBody>
+          <a:bodyPr wrap="square" rtlCol="0">
+            <a:spAutoFit/>
+          </a:bodyPr>
+          <a:lstStyle/>
+          <a:p>
+            <a:pPr algn="ctr">
+              <a:spcBef>
+                <a:spcPts val="10"/>
+              </a:spcBef>
+              <a:spcAft>
+                <a:spcPts val="10"/>
+              </a:spcAft>
+            </a:pPr>
+            <a:endParaRPr lang="en-US" altLang="ko-KR" sz="5400" b="1" dirty="0">
+              <a:solidFill>
+                <a:schemeClr val="bg1"/>
+              </a:solidFill>
+            </a:endParaRPr>
+          </a:p>
+          <a:p>
+            <a:pPr algn="ctr">
+              <a:spcBef>
+                <a:spcPts val="10"/>
+              </a:spcBef>
+              <a:spcAft>
+                <a:spcPts val="10"/>
+              </a:spcAft>
+            </a:pPr>
+            <a:r>
+              <a:rPr lang="en-US" altLang="ko-KR" sz="16000" b="1" dirty="0" err="1">
+                <a:solidFill>
+                  <a:schemeClr val="bg1"/>
+                </a:solidFill>
+              </a:rPr>
+              <a:t>MiniGameWorld</a:t>
+            </a:r>
+            <a:endParaRPr lang="en-US" altLang="ko-KR" sz="16000" b="1" dirty="0">
+              <a:solidFill>
+                <a:schemeClr val="bg1"/>
+              </a:solidFill>
+            </a:endParaRPr>
+          </a:p>
+          <a:p>
+            <a:pPr algn="ctr">
+              <a:spcBef>
+                <a:spcPts val="10"/>
+              </a:spcBef>
+              <a:spcAft>
+                <a:spcPts val="10"/>
+              </a:spcAft>
+            </a:pPr>
+            <a:r>
+              <a:rPr lang="en-US" altLang="ko-KR" sz="16000" b="1" dirty="0">
+                <a:solidFill>
+                  <a:schemeClr val="bg1"/>
+                </a:solidFill>
+              </a:rPr>
+              <a:t>- Rank</a:t>
+            </a:r>
+            <a:endParaRPr lang="ko-KR" altLang="en-US" sz="16000" b="1" dirty="0">
+              <a:solidFill>
+                <a:schemeClr val="bg1"/>
+              </a:solidFill>
+            </a:endParaRPr>
+          </a:p>
+        </p:txBody>
+      </p:sp>
+      <p:sp>
+        <p:nvSpPr>
+          <p:cNvPr id="2" name="TextBox 1">
+            <a:extLst>
+              <a:ext uri="{FF2B5EF4-FFF2-40B4-BE49-F238E27FC236}">
+                <a16:creationId xmlns:a16="http://schemas.microsoft.com/office/drawing/2014/main" id="{94D460DE-9E66-4756-8446-F6AD5689E38C}"/>
+              </a:ext>
+            </a:extLst>
+          </p:cNvPr>
+          <p:cNvSpPr txBox="1"/>
+          <p:nvPr/>
+        </p:nvSpPr>
+        <p:spPr>
+          <a:xfrm>
+            <a:off x="10086584" y="1021977"/>
+            <a:ext cx="14297415" cy="4324261"/>
+          </a:xfrm>
+          <a:prstGeom prst="rect">
+            <a:avLst/>
+          </a:prstGeom>
+          <a:noFill/>
+        </p:spPr>
+        <p:txBody>
+          <a:bodyPr wrap="square" rtlCol="0">
+            <a:spAutoFit/>
+          </a:bodyPr>
+          <a:lstStyle/>
+          <a:p>
+            <a:r>
+              <a:rPr lang="en-US" altLang="ko-KR" sz="23900" b="1" dirty="0">
+                <a:solidFill>
+                  <a:schemeClr val="bg1"/>
+                </a:solidFill>
+              </a:rPr>
+              <a:t>Third-Party</a:t>
+            </a:r>
+          </a:p>
+          <a:p>
+            <a:endParaRPr lang="ko-KR" altLang="en-US" sz="3600" dirty="0"/>
+          </a:p>
+        </p:txBody>
+      </p:sp>
+    </p:spTree>
+    <p:extLst>
+      <p:ext uri="{BB962C8B-B14F-4D97-AF65-F5344CB8AC3E}">
+        <p14:creationId xmlns:p14="http://schemas.microsoft.com/office/powerpoint/2010/main" val="3775055121"/>
+      </p:ext>
+    </p:extLst>
+  </p:cSld>
+  <p:clrMapOvr>
+    <a:masterClrMapping/>
+  </p:clrMapOvr>
+</p:sld>
+</file>
+
+<file path=ppt/slides/slide19.xml><?xml version="1.0" encoding="utf-8"?>
+<p:sld xmlns:a="http://schemas.openxmlformats.org/drawingml/2006/main" xmlns:r="http://schemas.openxmlformats.org/officeDocument/2006/relationships" xmlns:p="http://schemas.openxmlformats.org/presentationml/2006/main">
+  <p:cSld>
+    <p:bg>
+      <p:bgPr>
+        <a:solidFill>
+          <a:schemeClr val="tx1"/>
+        </a:solidFill>
+        <a:effectLst/>
+      </p:bgPr>
+    </p:bg>
+    <p:spTree>
+      <p:nvGrpSpPr>
+        <p:cNvPr id="1" name=""/>
+        <p:cNvGrpSpPr/>
+        <p:nvPr/>
+      </p:nvGrpSpPr>
+      <p:grpSpPr>
+        <a:xfrm>
+          <a:off x="0" y="0"/>
+          <a:ext cx="0" cy="0"/>
+          <a:chOff x="0" y="0"/>
+          <a:chExt cx="0" cy="0"/>
+        </a:xfrm>
+      </p:grpSpPr>
+      <p:pic>
+        <p:nvPicPr>
+          <p:cNvPr id="5" name="Picture 4">
+            <a:extLst>
+              <a:ext uri="{FF2B5EF4-FFF2-40B4-BE49-F238E27FC236}">
+                <a16:creationId xmlns:a16="http://schemas.microsoft.com/office/drawing/2014/main" id="{84FB8C8C-1130-4848-AFA6-97CECB8B6E99}"/>
+              </a:ext>
+            </a:extLst>
+          </p:cNvPr>
+          <p:cNvPicPr>
+            <a:picLocks noChangeAspect="1"/>
+          </p:cNvPicPr>
+          <p:nvPr/>
+        </p:nvPicPr>
+        <p:blipFill>
+          <a:blip r:embed="rId2">
+            <a:extLst>
+              <a:ext uri="{28A0092B-C50C-407E-A947-70E740481C1C}">
+                <a14:useLocalDpi xmlns:a14="http://schemas.microsoft.com/office/drawing/2010/main" val="0"/>
+              </a:ext>
+            </a:extLst>
+          </a:blip>
+          <a:stretch>
+            <a:fillRect/>
+          </a:stretch>
+        </p:blipFill>
+        <p:spPr>
+          <a:xfrm>
+            <a:off x="1278590" y="1197908"/>
+            <a:ext cx="4656045" cy="4656045"/>
+          </a:xfrm>
+          <a:prstGeom prst="rect">
+            <a:avLst/>
+          </a:prstGeom>
+        </p:spPr>
+      </p:pic>
       <p:sp>
         <p:nvSpPr>
           <p:cNvPr id="6" name="TextBox 5">
@@ -4782,7 +4999,7 @@
         </p:nvSpPr>
         <p:spPr>
           <a:xfrm>
-            <a:off x="6275294" y="1900517"/>
+            <a:off x="6736976" y="1948575"/>
             <a:ext cx="17750118" cy="3154710"/>
           </a:xfrm>
           <a:prstGeom prst="rect">
@@ -4802,7 +5019,7 @@
                   <a:schemeClr val="bg1"/>
                 </a:solidFill>
               </a:rPr>
-              <a:t>User Wiki</a:t>
+              <a:t>Discord</a:t>
             </a:r>
             <a:endParaRPr lang="ko-KR" altLang="en-US" sz="19900" b="1" dirty="0">
               <a:solidFill>
@@ -4826,7 +5043,7 @@
         </p:nvSpPr>
         <p:spPr>
           <a:xfrm>
-            <a:off x="6324600" y="8450231"/>
+            <a:off x="6705600" y="8660773"/>
             <a:ext cx="17750118" cy="3154710"/>
           </a:xfrm>
           <a:prstGeom prst="rect">
@@ -4846,7 +5063,7 @@
                   <a:schemeClr val="bg1"/>
                 </a:solidFill>
               </a:rPr>
-              <a:t>Dev Wiki</a:t>
+              <a:t>Community</a:t>
             </a:r>
             <a:endParaRPr lang="ko-KR" altLang="en-US" sz="19900" b="1" dirty="0">
               <a:solidFill>
@@ -4858,10 +5075,10 @@
       </p:sp>
       <p:pic>
         <p:nvPicPr>
-          <p:cNvPr id="12" name="Picture 11">
-            <a:extLst>
-              <a:ext uri="{FF2B5EF4-FFF2-40B4-BE49-F238E27FC236}">
-                <a16:creationId xmlns:a16="http://schemas.microsoft.com/office/drawing/2014/main" id="{3D9F4A68-1079-4FDD-AD1B-C901DB881D8A}"/>
+          <p:cNvPr id="21" name="Picture 20">
+            <a:extLst>
+              <a:ext uri="{FF2B5EF4-FFF2-40B4-BE49-F238E27FC236}">
+                <a16:creationId xmlns:a16="http://schemas.microsoft.com/office/drawing/2014/main" id="{A058BEA2-FB50-443F-8DEC-70B71538481B}"/>
               </a:ext>
             </a:extLst>
           </p:cNvPr>
@@ -4871,7 +5088,7 @@
           <p:nvPr/>
         </p:nvPicPr>
         <p:blipFill>
-          <a:blip r:embed="rId2">
+          <a:blip r:embed="rId3">
             <a:extLst>
               <a:ext uri="{28A0092B-C50C-407E-A947-70E740481C1C}">
                 <a14:useLocalDpi xmlns:a14="http://schemas.microsoft.com/office/drawing/2010/main" val="0"/>
@@ -4884,54 +5101,53 @@
         </p:blipFill>
         <p:spPr>
           <a:xfrm>
-            <a:off x="1775316" y="1738590"/>
-            <a:ext cx="3316637" cy="3316637"/>
+            <a:off x="1441073" y="7862048"/>
+            <a:ext cx="4331078" cy="4331078"/>
           </a:xfrm>
           <a:prstGeom prst="rect">
             <a:avLst/>
           </a:prstGeom>
         </p:spPr>
       </p:pic>
-      <p:pic>
-        <p:nvPicPr>
-          <p:cNvPr id="14" name="Picture 13">
-            <a:extLst>
-              <a:ext uri="{FF2B5EF4-FFF2-40B4-BE49-F238E27FC236}">
-                <a16:creationId xmlns:a16="http://schemas.microsoft.com/office/drawing/2014/main" id="{F2103119-5F42-4A8E-B991-74DC7A81966D}"/>
-              </a:ext>
-            </a:extLst>
-          </p:cNvPr>
-          <p:cNvPicPr>
-            <a:picLocks noChangeAspect="1"/>
-          </p:cNvPicPr>
-          <p:nvPr/>
-        </p:nvPicPr>
-        <p:blipFill>
-          <a:blip r:embed="rId3">
-            <a:extLst>
-              <a:ext uri="{28A0092B-C50C-407E-A947-70E740481C1C}">
-                <a14:useLocalDpi xmlns:a14="http://schemas.microsoft.com/office/drawing/2010/main" val="0"/>
-              </a:ext>
-            </a:extLst>
-          </a:blip>
-          <a:stretch>
-            <a:fillRect/>
-          </a:stretch>
-        </p:blipFill>
-        <p:spPr>
-          <a:xfrm>
-            <a:off x="1775315" y="8369267"/>
-            <a:ext cx="3316638" cy="3316638"/>
+      <p:sp>
+        <p:nvSpPr>
+          <p:cNvPr id="23" name="TextBox 22">
+            <a:extLst>
+              <a:ext uri="{FF2B5EF4-FFF2-40B4-BE49-F238E27FC236}">
+                <a16:creationId xmlns:a16="http://schemas.microsoft.com/office/drawing/2014/main" id="{89927D47-E120-49F3-9969-0AD38E243669}"/>
+              </a:ext>
+            </a:extLst>
+          </p:cNvPr>
+          <p:cNvSpPr txBox="1"/>
+          <p:nvPr/>
+        </p:nvSpPr>
+        <p:spPr>
+          <a:xfrm>
+            <a:off x="6324600" y="6673334"/>
+            <a:ext cx="12649200" cy="369332"/>
           </a:xfrm>
           <a:prstGeom prst="rect">
             <a:avLst/>
           </a:prstGeom>
-        </p:spPr>
-      </p:pic>
+          <a:noFill/>
+        </p:spPr>
+        <p:txBody>
+          <a:bodyPr wrap="square">
+            <a:spAutoFit/>
+          </a:bodyPr>
+          <a:lstStyle/>
+          <a:p>
+            <a:r>
+              <a:rPr lang="ko-KR" altLang="en-US" dirty="0"/>
+              <a:t>교환학생</a:t>
+            </a:r>
+          </a:p>
+        </p:txBody>
+      </p:sp>
     </p:spTree>
     <p:extLst>
       <p:ext uri="{BB962C8B-B14F-4D97-AF65-F5344CB8AC3E}">
-        <p14:creationId xmlns:p14="http://schemas.microsoft.com/office/powerpoint/2010/main" val="3327707984"/>
+        <p14:creationId xmlns:p14="http://schemas.microsoft.com/office/powerpoint/2010/main" val="463350991"/>
       </p:ext>
     </p:extLst>
   </p:cSld>
@@ -6950,6 +7166,204 @@
     <p:extLst>
       <p:ext uri="{BB962C8B-B14F-4D97-AF65-F5344CB8AC3E}">
         <p14:creationId xmlns:p14="http://schemas.microsoft.com/office/powerpoint/2010/main" val="2188836236"/>
+      </p:ext>
+    </p:extLst>
+  </p:cSld>
+  <p:clrMapOvr>
+    <a:masterClrMapping/>
+  </p:clrMapOvr>
+</p:sld>
+</file>
+
+<file path=ppt/slides/slide20.xml><?xml version="1.0" encoding="utf-8"?>
+<p:sld xmlns:a="http://schemas.openxmlformats.org/drawingml/2006/main" xmlns:r="http://schemas.openxmlformats.org/officeDocument/2006/relationships" xmlns:p="http://schemas.openxmlformats.org/presentationml/2006/main">
+  <p:cSld>
+    <p:bg>
+      <p:bgPr>
+        <a:solidFill>
+          <a:schemeClr val="tx1"/>
+        </a:solidFill>
+        <a:effectLst/>
+      </p:bgPr>
+    </p:bg>
+    <p:spTree>
+      <p:nvGrpSpPr>
+        <p:cNvPr id="1" name=""/>
+        <p:cNvGrpSpPr/>
+        <p:nvPr/>
+      </p:nvGrpSpPr>
+      <p:grpSpPr>
+        <a:xfrm>
+          <a:off x="0" y="0"/>
+          <a:ext cx="0" cy="0"/>
+          <a:chOff x="0" y="0"/>
+          <a:chExt cx="0" cy="0"/>
+        </a:xfrm>
+      </p:grpSpPr>
+      <p:sp>
+        <p:nvSpPr>
+          <p:cNvPr id="6" name="TextBox 5">
+            <a:extLst>
+              <a:ext uri="{FF2B5EF4-FFF2-40B4-BE49-F238E27FC236}">
+                <a16:creationId xmlns:a16="http://schemas.microsoft.com/office/drawing/2014/main" id="{910F1005-3FF1-4AE0-9D27-7C42963A5251}"/>
+              </a:ext>
+            </a:extLst>
+          </p:cNvPr>
+          <p:cNvSpPr txBox="1"/>
+          <p:nvPr/>
+        </p:nvSpPr>
+        <p:spPr>
+          <a:xfrm>
+            <a:off x="6275294" y="1900517"/>
+            <a:ext cx="17750118" cy="3154710"/>
+          </a:xfrm>
+          <a:prstGeom prst="rect">
+            <a:avLst/>
+          </a:prstGeom>
+          <a:noFill/>
+        </p:spPr>
+        <p:txBody>
+          <a:bodyPr wrap="square" rtlCol="0">
+            <a:spAutoFit/>
+          </a:bodyPr>
+          <a:lstStyle/>
+          <a:p>
+            <a:r>
+              <a:rPr lang="en-US" altLang="ko-KR" sz="19900" b="1" dirty="0">
+                <a:solidFill>
+                  <a:schemeClr val="bg1"/>
+                </a:solidFill>
+              </a:rPr>
+              <a:t>User Wiki</a:t>
+            </a:r>
+            <a:endParaRPr lang="ko-KR" altLang="en-US" sz="19900" b="1" dirty="0">
+              <a:solidFill>
+                <a:schemeClr val="bg1"/>
+              </a:solidFill>
+            </a:endParaRPr>
+          </a:p>
+        </p:txBody>
+      </p:sp>
+      <p:sp>
+        <p:nvSpPr>
+          <p:cNvPr id="17" name="TextBox 16">
+            <a:extLst>
+              <a:ext uri="{FF2B5EF4-FFF2-40B4-BE49-F238E27FC236}">
+                <a16:creationId xmlns:a16="http://schemas.microsoft.com/office/drawing/2014/main" id="{3D933A76-BB65-470E-B9CB-DCC27B30ED66}"/>
+              </a:ext>
+            </a:extLst>
+          </p:cNvPr>
+          <p:cNvSpPr txBox="1"/>
+          <p:nvPr/>
+        </p:nvSpPr>
+        <p:spPr>
+          <a:xfrm>
+            <a:off x="6324600" y="8450231"/>
+            <a:ext cx="17750118" cy="3154710"/>
+          </a:xfrm>
+          <a:prstGeom prst="rect">
+            <a:avLst/>
+          </a:prstGeom>
+          <a:noFill/>
+        </p:spPr>
+        <p:txBody>
+          <a:bodyPr wrap="square" rtlCol="0">
+            <a:spAutoFit/>
+          </a:bodyPr>
+          <a:lstStyle/>
+          <a:p>
+            <a:r>
+              <a:rPr lang="en-US" altLang="ko-KR" sz="19900" b="1" dirty="0">
+                <a:solidFill>
+                  <a:schemeClr val="bg1"/>
+                </a:solidFill>
+              </a:rPr>
+              <a:t>Dev Wiki</a:t>
+            </a:r>
+            <a:endParaRPr lang="ko-KR" altLang="en-US" sz="19900" b="1" dirty="0">
+              <a:solidFill>
+                <a:schemeClr val="bg1"/>
+              </a:solidFill>
+            </a:endParaRPr>
+          </a:p>
+        </p:txBody>
+      </p:sp>
+      <p:pic>
+        <p:nvPicPr>
+          <p:cNvPr id="12" name="Picture 11">
+            <a:extLst>
+              <a:ext uri="{FF2B5EF4-FFF2-40B4-BE49-F238E27FC236}">
+                <a16:creationId xmlns:a16="http://schemas.microsoft.com/office/drawing/2014/main" id="{3D9F4A68-1079-4FDD-AD1B-C901DB881D8A}"/>
+              </a:ext>
+            </a:extLst>
+          </p:cNvPr>
+          <p:cNvPicPr>
+            <a:picLocks noChangeAspect="1"/>
+          </p:cNvPicPr>
+          <p:nvPr/>
+        </p:nvPicPr>
+        <p:blipFill>
+          <a:blip r:embed="rId2">
+            <a:extLst>
+              <a:ext uri="{28A0092B-C50C-407E-A947-70E740481C1C}">
+                <a14:useLocalDpi xmlns:a14="http://schemas.microsoft.com/office/drawing/2010/main" val="0"/>
+              </a:ext>
+            </a:extLst>
+          </a:blip>
+          <a:stretch>
+            <a:fillRect/>
+          </a:stretch>
+        </p:blipFill>
+        <p:spPr>
+          <a:xfrm>
+            <a:off x="1775316" y="1738590"/>
+            <a:ext cx="3316637" cy="3316637"/>
+          </a:xfrm>
+          <a:prstGeom prst="rect">
+            <a:avLst/>
+          </a:prstGeom>
+        </p:spPr>
+      </p:pic>
+      <p:pic>
+        <p:nvPicPr>
+          <p:cNvPr id="14" name="Picture 13">
+            <a:extLst>
+              <a:ext uri="{FF2B5EF4-FFF2-40B4-BE49-F238E27FC236}">
+                <a16:creationId xmlns:a16="http://schemas.microsoft.com/office/drawing/2014/main" id="{F2103119-5F42-4A8E-B991-74DC7A81966D}"/>
+              </a:ext>
+            </a:extLst>
+          </p:cNvPr>
+          <p:cNvPicPr>
+            <a:picLocks noChangeAspect="1"/>
+          </p:cNvPicPr>
+          <p:nvPr/>
+        </p:nvPicPr>
+        <p:blipFill>
+          <a:blip r:embed="rId3">
+            <a:extLst>
+              <a:ext uri="{28A0092B-C50C-407E-A947-70E740481C1C}">
+                <a14:useLocalDpi xmlns:a14="http://schemas.microsoft.com/office/drawing/2010/main" val="0"/>
+              </a:ext>
+            </a:extLst>
+          </a:blip>
+          <a:stretch>
+            <a:fillRect/>
+          </a:stretch>
+        </p:blipFill>
+        <p:spPr>
+          <a:xfrm>
+            <a:off x="1775315" y="8369267"/>
+            <a:ext cx="3316638" cy="3316638"/>
+          </a:xfrm>
+          <a:prstGeom prst="rect">
+            <a:avLst/>
+          </a:prstGeom>
+        </p:spPr>
+      </p:pic>
+    </p:spTree>
+    <p:extLst>
+      <p:ext uri="{BB962C8B-B14F-4D97-AF65-F5344CB8AC3E}">
+        <p14:creationId xmlns:p14="http://schemas.microsoft.com/office/powerpoint/2010/main" val="3327707984"/>
       </p:ext>
     </p:extLst>
   </p:cSld>

--- a/resources/MiniGameWorld.pptx
+++ b/resources/MiniGameWorld.pptx
@@ -25,6 +25,7 @@
     <p:sldId id="277" r:id="rId19"/>
     <p:sldId id="272" r:id="rId20"/>
     <p:sldId id="273" r:id="rId21"/>
+    <p:sldId id="278" r:id="rId22"/>
   </p:sldIdLst>
   <p:sldSz cx="24384000" cy="13716000"/>
   <p:notesSz cx="6858000" cy="9144000"/>
@@ -262,7 +263,7 @@
           <a:p>
             <a:fld id="{68DD77C6-9199-49BA-BC71-D4B35AFBC7B4}" type="datetimeFigureOut">
               <a:rPr lang="ko-KR" altLang="en-US" smtClean="0"/>
-              <a:t>2021-12-13</a:t>
+              <a:t>2022-01-11</a:t>
             </a:fld>
             <a:endParaRPr lang="ko-KR" altLang="en-US"/>
           </a:p>
@@ -432,7 +433,7 @@
           <a:p>
             <a:fld id="{68DD77C6-9199-49BA-BC71-D4B35AFBC7B4}" type="datetimeFigureOut">
               <a:rPr lang="ko-KR" altLang="en-US" smtClean="0"/>
-              <a:t>2021-12-13</a:t>
+              <a:t>2022-01-11</a:t>
             </a:fld>
             <a:endParaRPr lang="ko-KR" altLang="en-US"/>
           </a:p>
@@ -612,7 +613,7 @@
           <a:p>
             <a:fld id="{68DD77C6-9199-49BA-BC71-D4B35AFBC7B4}" type="datetimeFigureOut">
               <a:rPr lang="ko-KR" altLang="en-US" smtClean="0"/>
-              <a:t>2021-12-13</a:t>
+              <a:t>2022-01-11</a:t>
             </a:fld>
             <a:endParaRPr lang="ko-KR" altLang="en-US"/>
           </a:p>
@@ -782,7 +783,7 @@
           <a:p>
             <a:fld id="{68DD77C6-9199-49BA-BC71-D4B35AFBC7B4}" type="datetimeFigureOut">
               <a:rPr lang="ko-KR" altLang="en-US" smtClean="0"/>
-              <a:t>2021-12-13</a:t>
+              <a:t>2022-01-11</a:t>
             </a:fld>
             <a:endParaRPr lang="ko-KR" altLang="en-US"/>
           </a:p>
@@ -1028,7 +1029,7 @@
           <a:p>
             <a:fld id="{68DD77C6-9199-49BA-BC71-D4B35AFBC7B4}" type="datetimeFigureOut">
               <a:rPr lang="ko-KR" altLang="en-US" smtClean="0"/>
-              <a:t>2021-12-13</a:t>
+              <a:t>2022-01-11</a:t>
             </a:fld>
             <a:endParaRPr lang="ko-KR" altLang="en-US"/>
           </a:p>
@@ -1260,7 +1261,7 @@
           <a:p>
             <a:fld id="{68DD77C6-9199-49BA-BC71-D4B35AFBC7B4}" type="datetimeFigureOut">
               <a:rPr lang="ko-KR" altLang="en-US" smtClean="0"/>
-              <a:t>2021-12-13</a:t>
+              <a:t>2022-01-11</a:t>
             </a:fld>
             <a:endParaRPr lang="ko-KR" altLang="en-US"/>
           </a:p>
@@ -1627,7 +1628,7 @@
           <a:p>
             <a:fld id="{68DD77C6-9199-49BA-BC71-D4B35AFBC7B4}" type="datetimeFigureOut">
               <a:rPr lang="ko-KR" altLang="en-US" smtClean="0"/>
-              <a:t>2021-12-13</a:t>
+              <a:t>2022-01-11</a:t>
             </a:fld>
             <a:endParaRPr lang="ko-KR" altLang="en-US"/>
           </a:p>
@@ -1745,7 +1746,7 @@
           <a:p>
             <a:fld id="{68DD77C6-9199-49BA-BC71-D4B35AFBC7B4}" type="datetimeFigureOut">
               <a:rPr lang="ko-KR" altLang="en-US" smtClean="0"/>
-              <a:t>2021-12-13</a:t>
+              <a:t>2022-01-11</a:t>
             </a:fld>
             <a:endParaRPr lang="ko-KR" altLang="en-US"/>
           </a:p>
@@ -1840,7 +1841,7 @@
           <a:p>
             <a:fld id="{68DD77C6-9199-49BA-BC71-D4B35AFBC7B4}" type="datetimeFigureOut">
               <a:rPr lang="ko-KR" altLang="en-US" smtClean="0"/>
-              <a:t>2021-12-13</a:t>
+              <a:t>2022-01-11</a:t>
             </a:fld>
             <a:endParaRPr lang="ko-KR" altLang="en-US"/>
           </a:p>
@@ -2117,7 +2118,7 @@
           <a:p>
             <a:fld id="{68DD77C6-9199-49BA-BC71-D4B35AFBC7B4}" type="datetimeFigureOut">
               <a:rPr lang="ko-KR" altLang="en-US" smtClean="0"/>
-              <a:t>2021-12-13</a:t>
+              <a:t>2022-01-11</a:t>
             </a:fld>
             <a:endParaRPr lang="ko-KR" altLang="en-US"/>
           </a:p>
@@ -2374,7 +2375,7 @@
           <a:p>
             <a:fld id="{68DD77C6-9199-49BA-BC71-D4B35AFBC7B4}" type="datetimeFigureOut">
               <a:rPr lang="ko-KR" altLang="en-US" smtClean="0"/>
-              <a:t>2021-12-13</a:t>
+              <a:t>2022-01-11</a:t>
             </a:fld>
             <a:endParaRPr lang="ko-KR" altLang="en-US"/>
           </a:p>
@@ -2587,7 +2588,7 @@
           <a:p>
             <a:fld id="{68DD77C6-9199-49BA-BC71-D4B35AFBC7B4}" type="datetimeFigureOut">
               <a:rPr lang="ko-KR" altLang="en-US" smtClean="0"/>
-              <a:t>2021-12-13</a:t>
+              <a:t>2022-01-11</a:t>
             </a:fld>
             <a:endParaRPr lang="ko-KR" altLang="en-US"/>
           </a:p>
@@ -3059,7 +3060,7 @@
         </p:nvSpPr>
         <p:spPr>
           <a:xfrm>
-            <a:off x="8437667" y="5272265"/>
+            <a:off x="8437667" y="3999399"/>
             <a:ext cx="7557796" cy="1200329"/>
           </a:xfrm>
           <a:prstGeom prst="rect">
@@ -3112,7 +3113,7 @@
         </p:nvSpPr>
         <p:spPr>
           <a:xfrm>
-            <a:off x="5013648" y="8782162"/>
+            <a:off x="5013648" y="7509296"/>
             <a:ext cx="4413380" cy="954107"/>
           </a:xfrm>
           <a:prstGeom prst="rect">
@@ -3133,7 +3134,15 @@
                   <a:schemeClr val="bg1"/>
                 </a:solidFill>
               </a:rPr>
-              <a:t>MiniGameA</a:t>
+              <a:t>MiniGame</a:t>
+            </a:r>
+            <a:r>
+              <a:rPr lang="en-US" altLang="ko-KR" sz="5600" b="1" dirty="0">
+                <a:solidFill>
+                  <a:schemeClr val="bg1"/>
+                </a:solidFill>
+              </a:rPr>
+              <a:t> A</a:t>
             </a:r>
             <a:endParaRPr lang="ko-KR" altLang="en-US" sz="5600" dirty="0">
               <a:solidFill>
@@ -3157,7 +3166,7 @@
         </p:nvSpPr>
         <p:spPr>
           <a:xfrm>
-            <a:off x="9985310" y="8809339"/>
+            <a:off x="9985310" y="7536473"/>
             <a:ext cx="4413380" cy="954107"/>
           </a:xfrm>
           <a:prstGeom prst="rect">
@@ -3178,7 +3187,15 @@
                   <a:schemeClr val="bg1"/>
                 </a:solidFill>
               </a:rPr>
-              <a:t>MiniGameB</a:t>
+              <a:t>MiniGame</a:t>
+            </a:r>
+            <a:r>
+              <a:rPr lang="en-US" altLang="ko-KR" sz="5600" b="1" dirty="0">
+                <a:solidFill>
+                  <a:schemeClr val="bg1"/>
+                </a:solidFill>
+              </a:rPr>
+              <a:t> B</a:t>
             </a:r>
             <a:endParaRPr lang="ko-KR" altLang="en-US" sz="5600" dirty="0">
               <a:solidFill>
@@ -3202,7 +3219,7 @@
         </p:nvSpPr>
         <p:spPr>
           <a:xfrm>
-            <a:off x="15112482" y="8782162"/>
+            <a:off x="15112482" y="7509296"/>
             <a:ext cx="4413380" cy="954107"/>
           </a:xfrm>
           <a:prstGeom prst="rect">
@@ -3223,7 +3240,15 @@
                   <a:schemeClr val="bg1"/>
                 </a:solidFill>
               </a:rPr>
-              <a:t>MiniGameC</a:t>
+              <a:t>MiniGame</a:t>
+            </a:r>
+            <a:r>
+              <a:rPr lang="en-US" altLang="ko-KR" sz="5600" b="1" dirty="0">
+                <a:solidFill>
+                  <a:schemeClr val="bg1"/>
+                </a:solidFill>
+              </a:rPr>
+              <a:t> C</a:t>
             </a:r>
             <a:endParaRPr lang="ko-KR" altLang="en-US" sz="5600" dirty="0">
               <a:solidFill>
@@ -3247,7 +3272,7 @@
         </p:nvSpPr>
         <p:spPr>
           <a:xfrm rot="10800000">
-            <a:off x="11603254" y="7105789"/>
+            <a:off x="11603254" y="5832923"/>
             <a:ext cx="526644" cy="1498876"/>
           </a:xfrm>
           <a:prstGeom prst="downArrow">
@@ -3300,7 +3325,7 @@
         </p:nvSpPr>
         <p:spPr>
           <a:xfrm rot="13177881">
-            <a:off x="7418886" y="7101501"/>
+            <a:off x="7418886" y="5828635"/>
             <a:ext cx="526644" cy="1498876"/>
           </a:xfrm>
           <a:prstGeom prst="downArrow">
@@ -3353,7 +3378,7 @@
         </p:nvSpPr>
         <p:spPr>
           <a:xfrm rot="8254239">
-            <a:off x="15806783" y="7082864"/>
+            <a:off x="15806783" y="5809998"/>
             <a:ext cx="526644" cy="1498876"/>
           </a:xfrm>
           <a:prstGeom prst="downArrow">
@@ -3406,7 +3431,7 @@
         </p:nvSpPr>
         <p:spPr>
           <a:xfrm rot="10800000">
-            <a:off x="11603032" y="3568717"/>
+            <a:off x="11603253" y="2500523"/>
             <a:ext cx="526644" cy="1498876"/>
           </a:xfrm>
           <a:prstGeom prst="downArrow">
@@ -3438,6 +3463,414 @@
           <a:p>
             <a:pPr algn="ctr"/>
             <a:endParaRPr lang="ko-KR" altLang="en-US" sz="5184">
+              <a:solidFill>
+                <a:schemeClr val="bg1"/>
+              </a:solidFill>
+            </a:endParaRPr>
+          </a:p>
+        </p:txBody>
+      </p:sp>
+      <p:cxnSp>
+        <p:nvCxnSpPr>
+          <p:cNvPr id="13" name="Straight Arrow Connector 12">
+            <a:extLst>
+              <a:ext uri="{FF2B5EF4-FFF2-40B4-BE49-F238E27FC236}">
+                <a16:creationId xmlns:a16="http://schemas.microsoft.com/office/drawing/2014/main" id="{951C52F5-7974-4FA4-B9EF-22FE2522E079}"/>
+              </a:ext>
+            </a:extLst>
+          </p:cNvPr>
+          <p:cNvCxnSpPr>
+            <a:cxnSpLocks/>
+            <a:stCxn id="7" idx="2"/>
+            <a:endCxn id="18" idx="0"/>
+          </p:cNvCxnSpPr>
+          <p:nvPr/>
+        </p:nvCxnSpPr>
+        <p:spPr>
+          <a:xfrm>
+            <a:off x="7220338" y="8463403"/>
+            <a:ext cx="0" cy="954107"/>
+          </a:xfrm>
+          <a:prstGeom prst="straightConnector1">
+            <a:avLst/>
+          </a:prstGeom>
+          <a:ln w="127000">
+            <a:solidFill>
+              <a:schemeClr val="bg1"/>
+            </a:solidFill>
+            <a:tailEnd type="triangle"/>
+          </a:ln>
+        </p:spPr>
+        <p:style>
+          <a:lnRef idx="1">
+            <a:schemeClr val="accent1"/>
+          </a:lnRef>
+          <a:fillRef idx="0">
+            <a:schemeClr val="accent1"/>
+          </a:fillRef>
+          <a:effectRef idx="0">
+            <a:schemeClr val="accent1"/>
+          </a:effectRef>
+          <a:fontRef idx="minor">
+            <a:schemeClr val="tx1"/>
+          </a:fontRef>
+        </p:style>
+      </p:cxnSp>
+      <p:sp>
+        <p:nvSpPr>
+          <p:cNvPr id="18" name="TextBox 17">
+            <a:extLst>
+              <a:ext uri="{FF2B5EF4-FFF2-40B4-BE49-F238E27FC236}">
+                <a16:creationId xmlns:a16="http://schemas.microsoft.com/office/drawing/2014/main" id="{A2B9F576-CD25-43E6-B73B-421E677C93A2}"/>
+              </a:ext>
+            </a:extLst>
+          </p:cNvPr>
+          <p:cNvSpPr txBox="1"/>
+          <p:nvPr/>
+        </p:nvSpPr>
+        <p:spPr>
+          <a:xfrm>
+            <a:off x="4831856" y="9417510"/>
+            <a:ext cx="4776964" cy="954107"/>
+          </a:xfrm>
+          <a:prstGeom prst="rect">
+            <a:avLst/>
+          </a:prstGeom>
+          <a:noFill/>
+        </p:spPr>
+        <p:txBody>
+          <a:bodyPr wrap="square" rtlCol="0">
+            <a:spAutoFit/>
+          </a:bodyPr>
+          <a:lstStyle/>
+          <a:p>
+            <a:pPr algn="ctr"/>
+            <a:r>
+              <a:rPr lang="en-US" altLang="ko-KR" sz="5600" b="1" dirty="0">
+                <a:solidFill>
+                  <a:schemeClr val="bg1"/>
+                </a:solidFill>
+              </a:rPr>
+              <a:t>Custom Setting</a:t>
+            </a:r>
+            <a:endParaRPr lang="ko-KR" altLang="en-US" sz="5600" dirty="0">
+              <a:solidFill>
+                <a:schemeClr val="bg1"/>
+              </a:solidFill>
+            </a:endParaRPr>
+          </a:p>
+        </p:txBody>
+      </p:sp>
+      <p:sp>
+        <p:nvSpPr>
+          <p:cNvPr id="24" name="TextBox 23">
+            <a:extLst>
+              <a:ext uri="{FF2B5EF4-FFF2-40B4-BE49-F238E27FC236}">
+                <a16:creationId xmlns:a16="http://schemas.microsoft.com/office/drawing/2014/main" id="{66425494-01D3-4010-9E6D-2DEB6B1E5867}"/>
+              </a:ext>
+            </a:extLst>
+          </p:cNvPr>
+          <p:cNvSpPr txBox="1"/>
+          <p:nvPr/>
+        </p:nvSpPr>
+        <p:spPr>
+          <a:xfrm>
+            <a:off x="4831856" y="10357174"/>
+            <a:ext cx="4776964" cy="954107"/>
+          </a:xfrm>
+          <a:prstGeom prst="rect">
+            <a:avLst/>
+          </a:prstGeom>
+          <a:noFill/>
+        </p:spPr>
+        <p:txBody>
+          <a:bodyPr wrap="square" rtlCol="0">
+            <a:spAutoFit/>
+          </a:bodyPr>
+          <a:lstStyle/>
+          <a:p>
+            <a:pPr algn="ctr"/>
+            <a:r>
+              <a:rPr lang="en-US" altLang="ko-KR" sz="5600" b="1" dirty="0">
+                <a:solidFill>
+                  <a:schemeClr val="bg1"/>
+                </a:solidFill>
+              </a:rPr>
+              <a:t>Custom Map</a:t>
+            </a:r>
+            <a:endParaRPr lang="ko-KR" altLang="en-US" sz="5600" dirty="0">
+              <a:solidFill>
+                <a:schemeClr val="bg1"/>
+              </a:solidFill>
+            </a:endParaRPr>
+          </a:p>
+        </p:txBody>
+      </p:sp>
+      <p:cxnSp>
+        <p:nvCxnSpPr>
+          <p:cNvPr id="26" name="Straight Arrow Connector 25">
+            <a:extLst>
+              <a:ext uri="{FF2B5EF4-FFF2-40B4-BE49-F238E27FC236}">
+                <a16:creationId xmlns:a16="http://schemas.microsoft.com/office/drawing/2014/main" id="{9DFFA306-F403-4A65-886D-E147AF2F8FF5}"/>
+              </a:ext>
+            </a:extLst>
+          </p:cNvPr>
+          <p:cNvCxnSpPr>
+            <a:cxnSpLocks/>
+            <a:stCxn id="8" idx="2"/>
+            <a:endCxn id="27" idx="0"/>
+          </p:cNvCxnSpPr>
+          <p:nvPr/>
+        </p:nvCxnSpPr>
+        <p:spPr>
+          <a:xfrm>
+            <a:off x="12192000" y="8490580"/>
+            <a:ext cx="0" cy="926930"/>
+          </a:xfrm>
+          <a:prstGeom prst="straightConnector1">
+            <a:avLst/>
+          </a:prstGeom>
+          <a:ln w="127000">
+            <a:solidFill>
+              <a:schemeClr val="bg1"/>
+            </a:solidFill>
+            <a:tailEnd type="triangle"/>
+          </a:ln>
+        </p:spPr>
+        <p:style>
+          <a:lnRef idx="1">
+            <a:schemeClr val="accent1"/>
+          </a:lnRef>
+          <a:fillRef idx="0">
+            <a:schemeClr val="accent1"/>
+          </a:fillRef>
+          <a:effectRef idx="0">
+            <a:schemeClr val="accent1"/>
+          </a:effectRef>
+          <a:fontRef idx="minor">
+            <a:schemeClr val="tx1"/>
+          </a:fontRef>
+        </p:style>
+      </p:cxnSp>
+      <p:sp>
+        <p:nvSpPr>
+          <p:cNvPr id="27" name="TextBox 26">
+            <a:extLst>
+              <a:ext uri="{FF2B5EF4-FFF2-40B4-BE49-F238E27FC236}">
+                <a16:creationId xmlns:a16="http://schemas.microsoft.com/office/drawing/2014/main" id="{F472A4AE-A837-40A9-8987-BA244A0D9CC2}"/>
+              </a:ext>
+            </a:extLst>
+          </p:cNvPr>
+          <p:cNvSpPr txBox="1"/>
+          <p:nvPr/>
+        </p:nvSpPr>
+        <p:spPr>
+          <a:xfrm>
+            <a:off x="9803518" y="9417510"/>
+            <a:ext cx="4776964" cy="954107"/>
+          </a:xfrm>
+          <a:prstGeom prst="rect">
+            <a:avLst/>
+          </a:prstGeom>
+          <a:noFill/>
+        </p:spPr>
+        <p:txBody>
+          <a:bodyPr wrap="square" rtlCol="0">
+            <a:spAutoFit/>
+          </a:bodyPr>
+          <a:lstStyle/>
+          <a:p>
+            <a:pPr algn="ctr"/>
+            <a:r>
+              <a:rPr lang="en-US" altLang="ko-KR" sz="5600" b="1" dirty="0">
+                <a:solidFill>
+                  <a:schemeClr val="bg1"/>
+                </a:solidFill>
+              </a:rPr>
+              <a:t>Custom Setting</a:t>
+            </a:r>
+            <a:endParaRPr lang="ko-KR" altLang="en-US" sz="5600" dirty="0">
+              <a:solidFill>
+                <a:schemeClr val="bg1"/>
+              </a:solidFill>
+            </a:endParaRPr>
+          </a:p>
+        </p:txBody>
+      </p:sp>
+      <p:sp>
+        <p:nvSpPr>
+          <p:cNvPr id="28" name="TextBox 27">
+            <a:extLst>
+              <a:ext uri="{FF2B5EF4-FFF2-40B4-BE49-F238E27FC236}">
+                <a16:creationId xmlns:a16="http://schemas.microsoft.com/office/drawing/2014/main" id="{5988216C-BD01-4EA2-BA67-4572D8954DB6}"/>
+              </a:ext>
+            </a:extLst>
+          </p:cNvPr>
+          <p:cNvSpPr txBox="1"/>
+          <p:nvPr/>
+        </p:nvSpPr>
+        <p:spPr>
+          <a:xfrm>
+            <a:off x="9803518" y="10357174"/>
+            <a:ext cx="4776964" cy="954107"/>
+          </a:xfrm>
+          <a:prstGeom prst="rect">
+            <a:avLst/>
+          </a:prstGeom>
+          <a:noFill/>
+        </p:spPr>
+        <p:txBody>
+          <a:bodyPr wrap="square" rtlCol="0">
+            <a:spAutoFit/>
+          </a:bodyPr>
+          <a:lstStyle/>
+          <a:p>
+            <a:pPr algn="ctr"/>
+            <a:r>
+              <a:rPr lang="en-US" altLang="ko-KR" sz="5600" b="1" dirty="0">
+                <a:solidFill>
+                  <a:schemeClr val="bg1"/>
+                </a:solidFill>
+              </a:rPr>
+              <a:t>Custom Map</a:t>
+            </a:r>
+            <a:endParaRPr lang="ko-KR" altLang="en-US" sz="5600" dirty="0">
+              <a:solidFill>
+                <a:schemeClr val="bg1"/>
+              </a:solidFill>
+            </a:endParaRPr>
+          </a:p>
+        </p:txBody>
+      </p:sp>
+      <p:cxnSp>
+        <p:nvCxnSpPr>
+          <p:cNvPr id="29" name="Straight Arrow Connector 28">
+            <a:extLst>
+              <a:ext uri="{FF2B5EF4-FFF2-40B4-BE49-F238E27FC236}">
+                <a16:creationId xmlns:a16="http://schemas.microsoft.com/office/drawing/2014/main" id="{392E19B1-62E6-4108-B9A8-2D19276AB3AA}"/>
+              </a:ext>
+            </a:extLst>
+          </p:cNvPr>
+          <p:cNvCxnSpPr>
+            <a:cxnSpLocks/>
+            <a:stCxn id="9" idx="2"/>
+            <a:endCxn id="30" idx="0"/>
+          </p:cNvCxnSpPr>
+          <p:nvPr/>
+        </p:nvCxnSpPr>
+        <p:spPr>
+          <a:xfrm flipH="1">
+            <a:off x="17319044" y="8463403"/>
+            <a:ext cx="128" cy="954107"/>
+          </a:xfrm>
+          <a:prstGeom prst="straightConnector1">
+            <a:avLst/>
+          </a:prstGeom>
+          <a:ln w="127000">
+            <a:solidFill>
+              <a:schemeClr val="bg1"/>
+            </a:solidFill>
+            <a:tailEnd type="triangle"/>
+          </a:ln>
+        </p:spPr>
+        <p:style>
+          <a:lnRef idx="1">
+            <a:schemeClr val="accent1"/>
+          </a:lnRef>
+          <a:fillRef idx="0">
+            <a:schemeClr val="accent1"/>
+          </a:fillRef>
+          <a:effectRef idx="0">
+            <a:schemeClr val="accent1"/>
+          </a:effectRef>
+          <a:fontRef idx="minor">
+            <a:schemeClr val="tx1"/>
+          </a:fontRef>
+        </p:style>
+      </p:cxnSp>
+      <p:sp>
+        <p:nvSpPr>
+          <p:cNvPr id="30" name="TextBox 29">
+            <a:extLst>
+              <a:ext uri="{FF2B5EF4-FFF2-40B4-BE49-F238E27FC236}">
+                <a16:creationId xmlns:a16="http://schemas.microsoft.com/office/drawing/2014/main" id="{730D8D22-48E3-412B-A98B-B5826356162B}"/>
+              </a:ext>
+            </a:extLst>
+          </p:cNvPr>
+          <p:cNvSpPr txBox="1"/>
+          <p:nvPr/>
+        </p:nvSpPr>
+        <p:spPr>
+          <a:xfrm>
+            <a:off x="14930562" y="9417510"/>
+            <a:ext cx="4776964" cy="954107"/>
+          </a:xfrm>
+          <a:prstGeom prst="rect">
+            <a:avLst/>
+          </a:prstGeom>
+          <a:noFill/>
+        </p:spPr>
+        <p:txBody>
+          <a:bodyPr wrap="square" rtlCol="0">
+            <a:spAutoFit/>
+          </a:bodyPr>
+          <a:lstStyle/>
+          <a:p>
+            <a:pPr algn="ctr"/>
+            <a:r>
+              <a:rPr lang="en-US" altLang="ko-KR" sz="5600" b="1" dirty="0">
+                <a:solidFill>
+                  <a:schemeClr val="bg1"/>
+                </a:solidFill>
+              </a:rPr>
+              <a:t>Custom Setting</a:t>
+            </a:r>
+            <a:endParaRPr lang="ko-KR" altLang="en-US" sz="5600" dirty="0">
+              <a:solidFill>
+                <a:schemeClr val="bg1"/>
+              </a:solidFill>
+            </a:endParaRPr>
+          </a:p>
+        </p:txBody>
+      </p:sp>
+      <p:sp>
+        <p:nvSpPr>
+          <p:cNvPr id="31" name="TextBox 30">
+            <a:extLst>
+              <a:ext uri="{FF2B5EF4-FFF2-40B4-BE49-F238E27FC236}">
+                <a16:creationId xmlns:a16="http://schemas.microsoft.com/office/drawing/2014/main" id="{50F1063C-D1F4-48E8-A250-F703211A4D0F}"/>
+              </a:ext>
+            </a:extLst>
+          </p:cNvPr>
+          <p:cNvSpPr txBox="1"/>
+          <p:nvPr/>
+        </p:nvSpPr>
+        <p:spPr>
+          <a:xfrm>
+            <a:off x="14930562" y="10357174"/>
+            <a:ext cx="4776964" cy="954107"/>
+          </a:xfrm>
+          <a:prstGeom prst="rect">
+            <a:avLst/>
+          </a:prstGeom>
+          <a:noFill/>
+        </p:spPr>
+        <p:txBody>
+          <a:bodyPr wrap="square" rtlCol="0">
+            <a:spAutoFit/>
+          </a:bodyPr>
+          <a:lstStyle/>
+          <a:p>
+            <a:pPr algn="ctr"/>
+            <a:r>
+              <a:rPr lang="en-US" altLang="ko-KR" sz="5600" b="1" dirty="0">
+                <a:solidFill>
+                  <a:schemeClr val="bg1"/>
+                </a:solidFill>
+              </a:rPr>
+              <a:t>Custom Map</a:t>
+            </a:r>
+            <a:endParaRPr lang="ko-KR" altLang="en-US" sz="5600" dirty="0">
               <a:solidFill>
                 <a:schemeClr val="bg1"/>
               </a:solidFill>
@@ -7364,6 +7797,446 @@
     <p:extLst>
       <p:ext uri="{BB962C8B-B14F-4D97-AF65-F5344CB8AC3E}">
         <p14:creationId xmlns:p14="http://schemas.microsoft.com/office/powerpoint/2010/main" val="3327707984"/>
+      </p:ext>
+    </p:extLst>
+  </p:cSld>
+  <p:clrMapOvr>
+    <a:masterClrMapping/>
+  </p:clrMapOvr>
+</p:sld>
+</file>
+
+<file path=ppt/slides/slide21.xml><?xml version="1.0" encoding="utf-8"?>
+<p:sld xmlns:a="http://schemas.openxmlformats.org/drawingml/2006/main" xmlns:r="http://schemas.openxmlformats.org/officeDocument/2006/relationships" xmlns:p="http://schemas.openxmlformats.org/presentationml/2006/main">
+  <p:cSld>
+    <p:bg>
+      <p:bgPr>
+        <a:solidFill>
+          <a:schemeClr val="tx1"/>
+        </a:solidFill>
+        <a:effectLst/>
+      </p:bgPr>
+    </p:bg>
+    <p:spTree>
+      <p:nvGrpSpPr>
+        <p:cNvPr id="1" name=""/>
+        <p:cNvGrpSpPr/>
+        <p:nvPr/>
+      </p:nvGrpSpPr>
+      <p:grpSpPr>
+        <a:xfrm>
+          <a:off x="0" y="0"/>
+          <a:ext cx="0" cy="0"/>
+          <a:chOff x="0" y="0"/>
+          <a:chExt cx="0" cy="0"/>
+        </a:xfrm>
+      </p:grpSpPr>
+      <p:sp>
+        <p:nvSpPr>
+          <p:cNvPr id="2" name="Title 1">
+            <a:extLst>
+              <a:ext uri="{FF2B5EF4-FFF2-40B4-BE49-F238E27FC236}">
+                <a16:creationId xmlns:a16="http://schemas.microsoft.com/office/drawing/2014/main" id="{A43D8428-D541-469E-9F3B-EFF1AB7C4756}"/>
+              </a:ext>
+            </a:extLst>
+          </p:cNvPr>
+          <p:cNvSpPr>
+            <a:spLocks noGrp="1"/>
+          </p:cNvSpPr>
+          <p:nvPr>
+            <p:ph type="title"/>
+          </p:nvPr>
+        </p:nvSpPr>
+        <p:spPr>
+          <a:xfrm>
+            <a:off x="8382000" y="311152"/>
+            <a:ext cx="7620000" cy="1784348"/>
+          </a:xfrm>
+        </p:spPr>
+        <p:txBody>
+          <a:bodyPr/>
+          <a:lstStyle/>
+          <a:p>
+            <a:r>
+              <a:rPr lang="en-US" altLang="ko-KR" dirty="0" err="1">
+                <a:solidFill>
+                  <a:schemeClr val="bg1"/>
+                </a:solidFill>
+              </a:rPr>
+              <a:t>MiniGameWorld</a:t>
+            </a:r>
+            <a:endParaRPr lang="ko-KR" altLang="en-US" dirty="0">
+              <a:solidFill>
+                <a:schemeClr val="bg1"/>
+              </a:solidFill>
+            </a:endParaRPr>
+          </a:p>
+        </p:txBody>
+      </p:sp>
+      <p:sp>
+        <p:nvSpPr>
+          <p:cNvPr id="4" name="Title 1">
+            <a:extLst>
+              <a:ext uri="{FF2B5EF4-FFF2-40B4-BE49-F238E27FC236}">
+                <a16:creationId xmlns:a16="http://schemas.microsoft.com/office/drawing/2014/main" id="{0047C5A1-B6EC-4509-AE65-D50B83947FD8}"/>
+              </a:ext>
+            </a:extLst>
+          </p:cNvPr>
+          <p:cNvSpPr txBox="1">
+            <a:spLocks/>
+          </p:cNvSpPr>
+          <p:nvPr/>
+        </p:nvSpPr>
+        <p:spPr>
+          <a:xfrm>
+            <a:off x="1285875" y="3340102"/>
+            <a:ext cx="5600700" cy="1784348"/>
+          </a:xfrm>
+          <a:prstGeom prst="rect">
+            <a:avLst/>
+          </a:prstGeom>
+        </p:spPr>
+        <p:txBody>
+          <a:bodyPr vert="horz" lIns="91440" tIns="45720" rIns="91440" bIns="45720" rtlCol="0" anchor="ctr">
+            <a:normAutofit/>
+          </a:bodyPr>
+          <a:lstStyle>
+            <a:lvl1pPr algn="l" defTabSz="1828823" rtl="0" eaLnBrk="1" latinLnBrk="1" hangingPunct="1">
+              <a:lnSpc>
+                <a:spcPct val="90000"/>
+              </a:lnSpc>
+              <a:spcBef>
+                <a:spcPct val="0"/>
+              </a:spcBef>
+              <a:buNone/>
+              <a:defRPr sz="8800" kern="1200">
+                <a:solidFill>
+                  <a:schemeClr val="tx1"/>
+                </a:solidFill>
+                <a:latin typeface="+mj-lt"/>
+                <a:ea typeface="+mj-ea"/>
+                <a:cs typeface="+mj-cs"/>
+              </a:defRPr>
+            </a:lvl1pPr>
+          </a:lstStyle>
+          <a:p>
+            <a:r>
+              <a:rPr lang="en-US" altLang="ko-KR" dirty="0">
+                <a:solidFill>
+                  <a:schemeClr val="bg1"/>
+                </a:solidFill>
+              </a:rPr>
+              <a:t>Minigame A</a:t>
+            </a:r>
+            <a:endParaRPr lang="ko-KR" altLang="en-US" dirty="0">
+              <a:solidFill>
+                <a:schemeClr val="bg1"/>
+              </a:solidFill>
+            </a:endParaRPr>
+          </a:p>
+        </p:txBody>
+      </p:sp>
+      <p:sp>
+        <p:nvSpPr>
+          <p:cNvPr id="5" name="Title 1">
+            <a:extLst>
+              <a:ext uri="{FF2B5EF4-FFF2-40B4-BE49-F238E27FC236}">
+                <a16:creationId xmlns:a16="http://schemas.microsoft.com/office/drawing/2014/main" id="{1729331F-E54A-4DB1-9A6E-CCA39C9D8EC6}"/>
+              </a:ext>
+            </a:extLst>
+          </p:cNvPr>
+          <p:cNvSpPr txBox="1">
+            <a:spLocks/>
+          </p:cNvSpPr>
+          <p:nvPr/>
+        </p:nvSpPr>
+        <p:spPr>
+          <a:xfrm>
+            <a:off x="8667750" y="3340102"/>
+            <a:ext cx="5600700" cy="1784348"/>
+          </a:xfrm>
+          <a:prstGeom prst="rect">
+            <a:avLst/>
+          </a:prstGeom>
+        </p:spPr>
+        <p:txBody>
+          <a:bodyPr vert="horz" lIns="91440" tIns="45720" rIns="91440" bIns="45720" rtlCol="0" anchor="ctr">
+            <a:normAutofit/>
+          </a:bodyPr>
+          <a:lstStyle>
+            <a:lvl1pPr algn="l" defTabSz="1828823" rtl="0" eaLnBrk="1" latinLnBrk="1" hangingPunct="1">
+              <a:lnSpc>
+                <a:spcPct val="90000"/>
+              </a:lnSpc>
+              <a:spcBef>
+                <a:spcPct val="0"/>
+              </a:spcBef>
+              <a:buNone/>
+              <a:defRPr sz="8800" kern="1200">
+                <a:solidFill>
+                  <a:schemeClr val="tx1"/>
+                </a:solidFill>
+                <a:latin typeface="+mj-lt"/>
+                <a:ea typeface="+mj-ea"/>
+                <a:cs typeface="+mj-cs"/>
+              </a:defRPr>
+            </a:lvl1pPr>
+          </a:lstStyle>
+          <a:p>
+            <a:r>
+              <a:rPr lang="en-US" altLang="ko-KR" dirty="0">
+                <a:solidFill>
+                  <a:schemeClr val="bg1"/>
+                </a:solidFill>
+              </a:rPr>
+              <a:t>Minigame B</a:t>
+            </a:r>
+            <a:endParaRPr lang="ko-KR" altLang="en-US" dirty="0">
+              <a:solidFill>
+                <a:schemeClr val="bg1"/>
+              </a:solidFill>
+            </a:endParaRPr>
+          </a:p>
+        </p:txBody>
+      </p:sp>
+      <p:sp>
+        <p:nvSpPr>
+          <p:cNvPr id="6" name="Title 1">
+            <a:extLst>
+              <a:ext uri="{FF2B5EF4-FFF2-40B4-BE49-F238E27FC236}">
+                <a16:creationId xmlns:a16="http://schemas.microsoft.com/office/drawing/2014/main" id="{20F66C7E-7C84-4F28-874A-CB2B9FD9BD7C}"/>
+              </a:ext>
+            </a:extLst>
+          </p:cNvPr>
+          <p:cNvSpPr txBox="1">
+            <a:spLocks/>
+          </p:cNvSpPr>
+          <p:nvPr/>
+        </p:nvSpPr>
+        <p:spPr>
+          <a:xfrm>
+            <a:off x="16097250" y="3206752"/>
+            <a:ext cx="5600700" cy="1784348"/>
+          </a:xfrm>
+          <a:prstGeom prst="rect">
+            <a:avLst/>
+          </a:prstGeom>
+        </p:spPr>
+        <p:txBody>
+          <a:bodyPr vert="horz" lIns="91440" tIns="45720" rIns="91440" bIns="45720" rtlCol="0" anchor="ctr">
+            <a:normAutofit/>
+          </a:bodyPr>
+          <a:lstStyle>
+            <a:lvl1pPr algn="l" defTabSz="1828823" rtl="0" eaLnBrk="1" latinLnBrk="1" hangingPunct="1">
+              <a:lnSpc>
+                <a:spcPct val="90000"/>
+              </a:lnSpc>
+              <a:spcBef>
+                <a:spcPct val="0"/>
+              </a:spcBef>
+              <a:buNone/>
+              <a:defRPr sz="8800" kern="1200">
+                <a:solidFill>
+                  <a:schemeClr val="tx1"/>
+                </a:solidFill>
+                <a:latin typeface="+mj-lt"/>
+                <a:ea typeface="+mj-ea"/>
+                <a:cs typeface="+mj-cs"/>
+              </a:defRPr>
+            </a:lvl1pPr>
+          </a:lstStyle>
+          <a:p>
+            <a:r>
+              <a:rPr lang="en-US" altLang="ko-KR" dirty="0">
+                <a:solidFill>
+                  <a:schemeClr val="bg1"/>
+                </a:solidFill>
+              </a:rPr>
+              <a:t>Minigame C</a:t>
+            </a:r>
+            <a:endParaRPr lang="ko-KR" altLang="en-US" dirty="0">
+              <a:solidFill>
+                <a:schemeClr val="bg1"/>
+              </a:solidFill>
+            </a:endParaRPr>
+          </a:p>
+        </p:txBody>
+      </p:sp>
+      <p:sp>
+        <p:nvSpPr>
+          <p:cNvPr id="7" name="Title 1">
+            <a:extLst>
+              <a:ext uri="{FF2B5EF4-FFF2-40B4-BE49-F238E27FC236}">
+                <a16:creationId xmlns:a16="http://schemas.microsoft.com/office/drawing/2014/main" id="{937E850A-B737-4DA8-ABA5-6A3A1459342F}"/>
+              </a:ext>
+            </a:extLst>
+          </p:cNvPr>
+          <p:cNvSpPr txBox="1">
+            <a:spLocks/>
+          </p:cNvSpPr>
+          <p:nvPr/>
+        </p:nvSpPr>
+        <p:spPr>
+          <a:xfrm>
+            <a:off x="609600" y="7699377"/>
+            <a:ext cx="6953250" cy="1784348"/>
+          </a:xfrm>
+          <a:prstGeom prst="rect">
+            <a:avLst/>
+          </a:prstGeom>
+        </p:spPr>
+        <p:txBody>
+          <a:bodyPr vert="horz" lIns="91440" tIns="45720" rIns="91440" bIns="45720" rtlCol="0" anchor="ctr">
+            <a:normAutofit fontScale="92500"/>
+          </a:bodyPr>
+          <a:lstStyle>
+            <a:lvl1pPr algn="l" defTabSz="1828823" rtl="0" eaLnBrk="1" latinLnBrk="1" hangingPunct="1">
+              <a:lnSpc>
+                <a:spcPct val="90000"/>
+              </a:lnSpc>
+              <a:spcBef>
+                <a:spcPct val="0"/>
+              </a:spcBef>
+              <a:buNone/>
+              <a:defRPr sz="8800" kern="1200">
+                <a:solidFill>
+                  <a:schemeClr val="tx1"/>
+                </a:solidFill>
+                <a:latin typeface="+mj-lt"/>
+                <a:ea typeface="+mj-ea"/>
+                <a:cs typeface="+mj-cs"/>
+              </a:defRPr>
+            </a:lvl1pPr>
+          </a:lstStyle>
+          <a:p>
+            <a:r>
+              <a:rPr lang="en-US" altLang="ko-KR" dirty="0">
+                <a:solidFill>
+                  <a:schemeClr val="bg1"/>
+                </a:solidFill>
+              </a:rPr>
+              <a:t>Custom Setting</a:t>
+            </a:r>
+            <a:endParaRPr lang="ko-KR" altLang="en-US" dirty="0">
+              <a:solidFill>
+                <a:schemeClr val="bg1"/>
+              </a:solidFill>
+            </a:endParaRPr>
+          </a:p>
+        </p:txBody>
+      </p:sp>
+      <p:sp>
+        <p:nvSpPr>
+          <p:cNvPr id="8" name="Title 1">
+            <a:extLst>
+              <a:ext uri="{FF2B5EF4-FFF2-40B4-BE49-F238E27FC236}">
+                <a16:creationId xmlns:a16="http://schemas.microsoft.com/office/drawing/2014/main" id="{BB9D597F-4556-4D0D-BC22-9A402E6033D5}"/>
+              </a:ext>
+            </a:extLst>
+          </p:cNvPr>
+          <p:cNvSpPr txBox="1">
+            <a:spLocks/>
+          </p:cNvSpPr>
+          <p:nvPr/>
+        </p:nvSpPr>
+        <p:spPr>
+          <a:xfrm>
+            <a:off x="609600" y="9578974"/>
+            <a:ext cx="6953250" cy="1784348"/>
+          </a:xfrm>
+          <a:prstGeom prst="rect">
+            <a:avLst/>
+          </a:prstGeom>
+        </p:spPr>
+        <p:txBody>
+          <a:bodyPr vert="horz" lIns="91440" tIns="45720" rIns="91440" bIns="45720" rtlCol="0" anchor="ctr">
+            <a:normAutofit/>
+          </a:bodyPr>
+          <a:lstStyle>
+            <a:lvl1pPr algn="l" defTabSz="1828823" rtl="0" eaLnBrk="1" latinLnBrk="1" hangingPunct="1">
+              <a:lnSpc>
+                <a:spcPct val="90000"/>
+              </a:lnSpc>
+              <a:spcBef>
+                <a:spcPct val="0"/>
+              </a:spcBef>
+              <a:buNone/>
+              <a:defRPr sz="8800" kern="1200">
+                <a:solidFill>
+                  <a:schemeClr val="tx1"/>
+                </a:solidFill>
+                <a:latin typeface="+mj-lt"/>
+                <a:ea typeface="+mj-ea"/>
+                <a:cs typeface="+mj-cs"/>
+              </a:defRPr>
+            </a:lvl1pPr>
+          </a:lstStyle>
+          <a:p>
+            <a:r>
+              <a:rPr lang="en-US" altLang="ko-KR" dirty="0">
+                <a:solidFill>
+                  <a:schemeClr val="bg1"/>
+                </a:solidFill>
+              </a:rPr>
+              <a:t>Custom Map</a:t>
+            </a:r>
+            <a:endParaRPr lang="ko-KR" altLang="en-US" dirty="0">
+              <a:solidFill>
+                <a:schemeClr val="bg1"/>
+              </a:solidFill>
+            </a:endParaRPr>
+          </a:p>
+        </p:txBody>
+      </p:sp>
+      <p:cxnSp>
+        <p:nvCxnSpPr>
+          <p:cNvPr id="10" name="Straight Arrow Connector 9">
+            <a:extLst>
+              <a:ext uri="{FF2B5EF4-FFF2-40B4-BE49-F238E27FC236}">
+                <a16:creationId xmlns:a16="http://schemas.microsoft.com/office/drawing/2014/main" id="{792BBB95-96F3-4610-902A-457AA63F8CFD}"/>
+              </a:ext>
+            </a:extLst>
+          </p:cNvPr>
+          <p:cNvCxnSpPr>
+            <a:stCxn id="4" idx="2"/>
+            <a:endCxn id="7" idx="0"/>
+          </p:cNvCxnSpPr>
+          <p:nvPr/>
+        </p:nvCxnSpPr>
+        <p:spPr>
+          <a:xfrm>
+            <a:off x="4086225" y="5124450"/>
+            <a:ext cx="0" cy="2574927"/>
+          </a:xfrm>
+          <a:prstGeom prst="straightConnector1">
+            <a:avLst/>
+          </a:prstGeom>
+          <a:ln w="127000">
+            <a:solidFill>
+              <a:schemeClr val="bg1"/>
+            </a:solidFill>
+            <a:tailEnd type="triangle"/>
+          </a:ln>
+        </p:spPr>
+        <p:style>
+          <a:lnRef idx="1">
+            <a:schemeClr val="accent1"/>
+          </a:lnRef>
+          <a:fillRef idx="0">
+            <a:schemeClr val="accent1"/>
+          </a:fillRef>
+          <a:effectRef idx="0">
+            <a:schemeClr val="accent1"/>
+          </a:effectRef>
+          <a:fontRef idx="minor">
+            <a:schemeClr val="tx1"/>
+          </a:fontRef>
+        </p:style>
+      </p:cxnSp>
+    </p:spTree>
+    <p:extLst>
+      <p:ext uri="{BB962C8B-B14F-4D97-AF65-F5344CB8AC3E}">
+        <p14:creationId xmlns:p14="http://schemas.microsoft.com/office/powerpoint/2010/main" val="2537726089"/>
       </p:ext>
     </p:extLst>
   </p:cSld>

--- a/resources/MiniGameWorld.pptx
+++ b/resources/MiniGameWorld.pptx
@@ -263,7 +263,7 @@
           <a:p>
             <a:fld id="{68DD77C6-9199-49BA-BC71-D4B35AFBC7B4}" type="datetimeFigureOut">
               <a:rPr lang="ko-KR" altLang="en-US" smtClean="0"/>
-              <a:t>2022-01-11</a:t>
+              <a:t>2022-01-21</a:t>
             </a:fld>
             <a:endParaRPr lang="ko-KR" altLang="en-US"/>
           </a:p>
@@ -433,7 +433,7 @@
           <a:p>
             <a:fld id="{68DD77C6-9199-49BA-BC71-D4B35AFBC7B4}" type="datetimeFigureOut">
               <a:rPr lang="ko-KR" altLang="en-US" smtClean="0"/>
-              <a:t>2022-01-11</a:t>
+              <a:t>2022-01-21</a:t>
             </a:fld>
             <a:endParaRPr lang="ko-KR" altLang="en-US"/>
           </a:p>
@@ -613,7 +613,7 @@
           <a:p>
             <a:fld id="{68DD77C6-9199-49BA-BC71-D4B35AFBC7B4}" type="datetimeFigureOut">
               <a:rPr lang="ko-KR" altLang="en-US" smtClean="0"/>
-              <a:t>2022-01-11</a:t>
+              <a:t>2022-01-21</a:t>
             </a:fld>
             <a:endParaRPr lang="ko-KR" altLang="en-US"/>
           </a:p>
@@ -783,7 +783,7 @@
           <a:p>
             <a:fld id="{68DD77C6-9199-49BA-BC71-D4B35AFBC7B4}" type="datetimeFigureOut">
               <a:rPr lang="ko-KR" altLang="en-US" smtClean="0"/>
-              <a:t>2022-01-11</a:t>
+              <a:t>2022-01-21</a:t>
             </a:fld>
             <a:endParaRPr lang="ko-KR" altLang="en-US"/>
           </a:p>
@@ -1029,7 +1029,7 @@
           <a:p>
             <a:fld id="{68DD77C6-9199-49BA-BC71-D4B35AFBC7B4}" type="datetimeFigureOut">
               <a:rPr lang="ko-KR" altLang="en-US" smtClean="0"/>
-              <a:t>2022-01-11</a:t>
+              <a:t>2022-01-21</a:t>
             </a:fld>
             <a:endParaRPr lang="ko-KR" altLang="en-US"/>
           </a:p>
@@ -1261,7 +1261,7 @@
           <a:p>
             <a:fld id="{68DD77C6-9199-49BA-BC71-D4B35AFBC7B4}" type="datetimeFigureOut">
               <a:rPr lang="ko-KR" altLang="en-US" smtClean="0"/>
-              <a:t>2022-01-11</a:t>
+              <a:t>2022-01-21</a:t>
             </a:fld>
             <a:endParaRPr lang="ko-KR" altLang="en-US"/>
           </a:p>
@@ -1628,7 +1628,7 @@
           <a:p>
             <a:fld id="{68DD77C6-9199-49BA-BC71-D4B35AFBC7B4}" type="datetimeFigureOut">
               <a:rPr lang="ko-KR" altLang="en-US" smtClean="0"/>
-              <a:t>2022-01-11</a:t>
+              <a:t>2022-01-21</a:t>
             </a:fld>
             <a:endParaRPr lang="ko-KR" altLang="en-US"/>
           </a:p>
@@ -1746,7 +1746,7 @@
           <a:p>
             <a:fld id="{68DD77C6-9199-49BA-BC71-D4B35AFBC7B4}" type="datetimeFigureOut">
               <a:rPr lang="ko-KR" altLang="en-US" smtClean="0"/>
-              <a:t>2022-01-11</a:t>
+              <a:t>2022-01-21</a:t>
             </a:fld>
             <a:endParaRPr lang="ko-KR" altLang="en-US"/>
           </a:p>
@@ -1841,7 +1841,7 @@
           <a:p>
             <a:fld id="{68DD77C6-9199-49BA-BC71-D4B35AFBC7B4}" type="datetimeFigureOut">
               <a:rPr lang="ko-KR" altLang="en-US" smtClean="0"/>
-              <a:t>2022-01-11</a:t>
+              <a:t>2022-01-21</a:t>
             </a:fld>
             <a:endParaRPr lang="ko-KR" altLang="en-US"/>
           </a:p>
@@ -2118,7 +2118,7 @@
           <a:p>
             <a:fld id="{68DD77C6-9199-49BA-BC71-D4B35AFBC7B4}" type="datetimeFigureOut">
               <a:rPr lang="ko-KR" altLang="en-US" smtClean="0"/>
-              <a:t>2022-01-11</a:t>
+              <a:t>2022-01-21</a:t>
             </a:fld>
             <a:endParaRPr lang="ko-KR" altLang="en-US"/>
           </a:p>
@@ -2375,7 +2375,7 @@
           <a:p>
             <a:fld id="{68DD77C6-9199-49BA-BC71-D4B35AFBC7B4}" type="datetimeFigureOut">
               <a:rPr lang="ko-KR" altLang="en-US" smtClean="0"/>
-              <a:t>2022-01-11</a:t>
+              <a:t>2022-01-21</a:t>
             </a:fld>
             <a:endParaRPr lang="ko-KR" altLang="en-US"/>
           </a:p>
@@ -2588,7 +2588,7 @@
           <a:p>
             <a:fld id="{68DD77C6-9199-49BA-BC71-D4B35AFBC7B4}" type="datetimeFigureOut">
               <a:rPr lang="ko-KR" altLang="en-US" smtClean="0"/>
-              <a:t>2022-01-11</a:t>
+              <a:t>2022-01-21</a:t>
             </a:fld>
             <a:endParaRPr lang="ko-KR" altLang="en-US"/>
           </a:p>
@@ -8285,7 +8285,7 @@
         </p:nvSpPr>
         <p:spPr>
           <a:xfrm>
-            <a:off x="9409048" y="7759899"/>
+            <a:off x="748354" y="8796136"/>
             <a:ext cx="6042992" cy="4201490"/>
           </a:xfrm>
           <a:prstGeom prst="flowChartProcess">
@@ -8394,7 +8394,7 @@
         </p:nvSpPr>
         <p:spPr>
           <a:xfrm>
-            <a:off x="9409048" y="2345084"/>
+            <a:off x="7821174" y="8796136"/>
             <a:ext cx="6042992" cy="4201490"/>
           </a:xfrm>
           <a:prstGeom prst="flowChartProcess">
@@ -8487,6 +8487,10 @@
               <a:t>();</a:t>
             </a:r>
           </a:p>
+          <a:p>
+            <a:pPr algn="ctr"/>
+            <a:endParaRPr lang="en-US" altLang="ko-KR" sz="4000" dirty="0"/>
+          </a:p>
         </p:txBody>
       </p:sp>
       <p:cxnSp>
@@ -8500,18 +8504,304 @@
           </p:cNvPr>
           <p:cNvCxnSpPr>
             <a:cxnSpLocks/>
-            <a:stCxn id="16" idx="2"/>
-            <a:endCxn id="5" idx="1"/>
+            <a:stCxn id="16" idx="3"/>
+            <a:endCxn id="12" idx="1"/>
           </p:cNvCxnSpPr>
           <p:nvPr/>
         </p:nvCxnSpPr>
         <p:spPr>
-          <a:xfrm rot="16200000" flipH="1">
-            <a:off x="5584730" y="621513"/>
-            <a:ext cx="2026021" cy="5622610"/>
-          </a:xfrm>
-          <a:prstGeom prst="bentConnector2">
-            <a:avLst/>
+          <a:xfrm>
+            <a:off x="13864166" y="1819989"/>
+            <a:ext cx="2939595" cy="5084394"/>
+          </a:xfrm>
+          <a:prstGeom prst="bentConnector3">
+            <a:avLst>
+              <a:gd name="adj1" fmla="val 50000"/>
+            </a:avLst>
+          </a:prstGeom>
+          <a:ln w="57150">
+            <a:solidFill>
+              <a:schemeClr val="bg1"/>
+            </a:solidFill>
+            <a:tailEnd type="triangle"/>
+          </a:ln>
+        </p:spPr>
+        <p:style>
+          <a:lnRef idx="1">
+            <a:schemeClr val="accent1"/>
+          </a:lnRef>
+          <a:fillRef idx="0">
+            <a:schemeClr val="accent1"/>
+          </a:fillRef>
+          <a:effectRef idx="0">
+            <a:schemeClr val="accent1"/>
+          </a:effectRef>
+          <a:fontRef idx="minor">
+            <a:schemeClr val="tx1"/>
+          </a:fontRef>
+        </p:style>
+      </p:cxnSp>
+      <p:sp>
+        <p:nvSpPr>
+          <p:cNvPr id="12" name="Flowchart: Process 11">
+            <a:extLst>
+              <a:ext uri="{FF2B5EF4-FFF2-40B4-BE49-F238E27FC236}">
+                <a16:creationId xmlns:a16="http://schemas.microsoft.com/office/drawing/2014/main" id="{55442558-378F-4F2E-9045-D0905D598AE8}"/>
+              </a:ext>
+            </a:extLst>
+          </p:cNvPr>
+          <p:cNvSpPr/>
+          <p:nvPr/>
+        </p:nvSpPr>
+        <p:spPr>
+          <a:xfrm>
+            <a:off x="16803761" y="-344556"/>
+            <a:ext cx="7580244" cy="14497877"/>
+          </a:xfrm>
+          <a:prstGeom prst="flowChartProcess">
+            <a:avLst/>
+          </a:prstGeom>
+          <a:solidFill>
+            <a:schemeClr val="tx1"/>
+          </a:solidFill>
+          <a:ln>
+            <a:solidFill>
+              <a:schemeClr val="bg1"/>
+            </a:solidFill>
+          </a:ln>
+        </p:spPr>
+        <p:style>
+          <a:lnRef idx="2">
+            <a:schemeClr val="accent1">
+              <a:shade val="50000"/>
+            </a:schemeClr>
+          </a:lnRef>
+          <a:fillRef idx="1">
+            <a:schemeClr val="accent1"/>
+          </a:fillRef>
+          <a:effectRef idx="0">
+            <a:schemeClr val="accent1"/>
+          </a:effectRef>
+          <a:fontRef idx="minor">
+            <a:schemeClr val="lt1"/>
+          </a:fontRef>
+        </p:style>
+        <p:txBody>
+          <a:bodyPr rtlCol="0" anchor="ctr"/>
+          <a:lstStyle/>
+          <a:p>
+            <a:pPr algn="ctr"/>
+            <a:r>
+              <a:rPr lang="en-US" altLang="ko-KR" sz="14400" b="1" dirty="0"/>
+              <a:t>Mini</a:t>
+            </a:r>
+          </a:p>
+          <a:p>
+            <a:pPr algn="ctr"/>
+            <a:r>
+              <a:rPr lang="en-US" altLang="ko-KR" sz="14400" b="1" dirty="0"/>
+              <a:t>Game</a:t>
+            </a:r>
+          </a:p>
+          <a:p>
+            <a:pPr algn="ctr"/>
+            <a:r>
+              <a:rPr lang="en-US" altLang="ko-KR" sz="14400" b="1" dirty="0"/>
+              <a:t>World</a:t>
+            </a:r>
+          </a:p>
+          <a:p>
+            <a:pPr algn="ctr"/>
+            <a:endParaRPr lang="en-US" altLang="ko-KR" sz="14400" b="1" dirty="0"/>
+          </a:p>
+        </p:txBody>
+      </p:sp>
+      <p:cxnSp>
+        <p:nvCxnSpPr>
+          <p:cNvPr id="13" name="Connector: Elbow 12">
+            <a:extLst>
+              <a:ext uri="{FF2B5EF4-FFF2-40B4-BE49-F238E27FC236}">
+                <a16:creationId xmlns:a16="http://schemas.microsoft.com/office/drawing/2014/main" id="{8B43D6AB-7837-43CD-A29C-8E6F3F78C56D}"/>
+              </a:ext>
+            </a:extLst>
+          </p:cNvPr>
+          <p:cNvCxnSpPr>
+            <a:cxnSpLocks/>
+            <a:stCxn id="5" idx="3"/>
+            <a:endCxn id="12" idx="1"/>
+          </p:cNvCxnSpPr>
+          <p:nvPr/>
+        </p:nvCxnSpPr>
+        <p:spPr>
+          <a:xfrm flipV="1">
+            <a:off x="13864166" y="6904383"/>
+            <a:ext cx="2939595" cy="3992498"/>
+          </a:xfrm>
+          <a:prstGeom prst="bentConnector3">
+            <a:avLst/>
+          </a:prstGeom>
+          <a:ln w="57150">
+            <a:solidFill>
+              <a:schemeClr val="bg1"/>
+            </a:solidFill>
+            <a:tailEnd type="triangle"/>
+          </a:ln>
+        </p:spPr>
+        <p:style>
+          <a:lnRef idx="1">
+            <a:schemeClr val="accent1"/>
+          </a:lnRef>
+          <a:fillRef idx="0">
+            <a:schemeClr val="accent1"/>
+          </a:fillRef>
+          <a:effectRef idx="0">
+            <a:schemeClr val="accent1"/>
+          </a:effectRef>
+          <a:fontRef idx="minor">
+            <a:schemeClr val="tx1"/>
+          </a:fontRef>
+        </p:style>
+      </p:cxnSp>
+      <p:sp>
+        <p:nvSpPr>
+          <p:cNvPr id="16" name="Flowchart: Process 15">
+            <a:extLst>
+              <a:ext uri="{FF2B5EF4-FFF2-40B4-BE49-F238E27FC236}">
+                <a16:creationId xmlns:a16="http://schemas.microsoft.com/office/drawing/2014/main" id="{12908CDB-42CB-4A4B-92BF-F6696789AB66}"/>
+              </a:ext>
+            </a:extLst>
+          </p:cNvPr>
+          <p:cNvSpPr/>
+          <p:nvPr/>
+        </p:nvSpPr>
+        <p:spPr>
+          <a:xfrm>
+            <a:off x="8433990" y="1090026"/>
+            <a:ext cx="5430176" cy="1459925"/>
+          </a:xfrm>
+          <a:prstGeom prst="flowChartProcess">
+            <a:avLst/>
+          </a:prstGeom>
+          <a:solidFill>
+            <a:schemeClr val="tx1"/>
+          </a:solidFill>
+          <a:ln>
+            <a:solidFill>
+              <a:schemeClr val="bg1"/>
+            </a:solidFill>
+          </a:ln>
+        </p:spPr>
+        <p:style>
+          <a:lnRef idx="2">
+            <a:schemeClr val="accent1">
+              <a:shade val="50000"/>
+            </a:schemeClr>
+          </a:lnRef>
+          <a:fillRef idx="1">
+            <a:schemeClr val="accent1"/>
+          </a:fillRef>
+          <a:effectRef idx="0">
+            <a:schemeClr val="accent1"/>
+          </a:effectRef>
+          <a:fontRef idx="minor">
+            <a:schemeClr val="lt1"/>
+          </a:fontRef>
+        </p:style>
+        <p:txBody>
+          <a:bodyPr rtlCol="0" anchor="ctr"/>
+          <a:lstStyle/>
+          <a:p>
+            <a:pPr algn="ctr"/>
+            <a:r>
+              <a:rPr lang="en-US" altLang="ko-KR" sz="4000" b="1" dirty="0" err="1"/>
+              <a:t>ExampleMiniGame</a:t>
+            </a:r>
+            <a:endParaRPr lang="en-US" altLang="ko-KR" sz="4000" dirty="0"/>
+          </a:p>
+        </p:txBody>
+      </p:sp>
+      <p:sp>
+        <p:nvSpPr>
+          <p:cNvPr id="17" name="Flowchart: Process 16">
+            <a:extLst>
+              <a:ext uri="{FF2B5EF4-FFF2-40B4-BE49-F238E27FC236}">
+                <a16:creationId xmlns:a16="http://schemas.microsoft.com/office/drawing/2014/main" id="{EE5F4CC8-31E9-46CD-91CA-1DA2D5CD441D}"/>
+              </a:ext>
+            </a:extLst>
+          </p:cNvPr>
+          <p:cNvSpPr/>
+          <p:nvPr/>
+        </p:nvSpPr>
+        <p:spPr>
+          <a:xfrm>
+            <a:off x="4611757" y="5245012"/>
+            <a:ext cx="5430176" cy="1459925"/>
+          </a:xfrm>
+          <a:prstGeom prst="flowChartProcess">
+            <a:avLst/>
+          </a:prstGeom>
+          <a:solidFill>
+            <a:schemeClr val="tx1"/>
+          </a:solidFill>
+          <a:ln>
+            <a:solidFill>
+              <a:schemeClr val="bg1"/>
+            </a:solidFill>
+          </a:ln>
+        </p:spPr>
+        <p:style>
+          <a:lnRef idx="2">
+            <a:schemeClr val="accent1">
+              <a:shade val="50000"/>
+            </a:schemeClr>
+          </a:lnRef>
+          <a:fillRef idx="1">
+            <a:schemeClr val="accent1"/>
+          </a:fillRef>
+          <a:effectRef idx="0">
+            <a:schemeClr val="accent1"/>
+          </a:effectRef>
+          <a:fontRef idx="minor">
+            <a:schemeClr val="lt1"/>
+          </a:fontRef>
+        </p:style>
+        <p:txBody>
+          <a:bodyPr rtlCol="0" anchor="ctr"/>
+          <a:lstStyle/>
+          <a:p>
+            <a:pPr algn="ctr"/>
+            <a:r>
+              <a:rPr lang="en-US" altLang="ko-KR" sz="4000" b="1" dirty="0"/>
+              <a:t>3rd-party Plugin</a:t>
+            </a:r>
+          </a:p>
+        </p:txBody>
+      </p:sp>
+      <p:cxnSp>
+        <p:nvCxnSpPr>
+          <p:cNvPr id="18" name="Connector: Elbow 17">
+            <a:extLst>
+              <a:ext uri="{FF2B5EF4-FFF2-40B4-BE49-F238E27FC236}">
+                <a16:creationId xmlns:a16="http://schemas.microsoft.com/office/drawing/2014/main" id="{3BFD1CB1-D517-4C1E-B9C1-64B41F32FDB7}"/>
+              </a:ext>
+            </a:extLst>
+          </p:cNvPr>
+          <p:cNvCxnSpPr>
+            <a:cxnSpLocks/>
+            <a:stCxn id="17" idx="2"/>
+            <a:endCxn id="4" idx="0"/>
+          </p:cNvCxnSpPr>
+          <p:nvPr/>
+        </p:nvCxnSpPr>
+        <p:spPr>
+          <a:xfrm rot="5400000">
+            <a:off x="4502749" y="5972039"/>
+            <a:ext cx="2091199" cy="3556995"/>
+          </a:xfrm>
+          <a:prstGeom prst="bentConnector3">
+            <a:avLst>
+              <a:gd name="adj1" fmla="val 50000"/>
+            </a:avLst>
           </a:prstGeom>
           <a:ln w="57150">
             <a:solidFill>
@@ -8537,310 +8827,26 @@
       </p:cxnSp>
       <p:cxnSp>
         <p:nvCxnSpPr>
-          <p:cNvPr id="7" name="Connector: Elbow 6">
-            <a:extLst>
-              <a:ext uri="{FF2B5EF4-FFF2-40B4-BE49-F238E27FC236}">
-                <a16:creationId xmlns:a16="http://schemas.microsoft.com/office/drawing/2014/main" id="{03DE64FC-84A7-4EF0-B003-0BDE85AF1E20}"/>
+          <p:cNvPr id="25" name="Connector: Elbow 24">
+            <a:extLst>
+              <a:ext uri="{FF2B5EF4-FFF2-40B4-BE49-F238E27FC236}">
+                <a16:creationId xmlns:a16="http://schemas.microsoft.com/office/drawing/2014/main" id="{B8F1F3AC-9DF9-4434-8EE9-D6AA42903316}"/>
               </a:ext>
             </a:extLst>
           </p:cNvPr>
           <p:cNvCxnSpPr>
             <a:cxnSpLocks/>
-            <a:stCxn id="4" idx="0"/>
-            <a:endCxn id="5" idx="2"/>
+            <a:stCxn id="5" idx="0"/>
+            <a:endCxn id="17" idx="2"/>
           </p:cNvCxnSpPr>
           <p:nvPr/>
         </p:nvCxnSpPr>
         <p:spPr>
-          <a:xfrm rot="5400000" flipH="1" flipV="1">
-            <a:off x="11823882" y="7153237"/>
-            <a:ext cx="1213324" cy="25401"/>
+          <a:xfrm rot="16200000" flipV="1">
+            <a:off x="8039159" y="5992624"/>
+            <a:ext cx="2091199" cy="3515825"/>
           </a:xfrm>
           <a:prstGeom prst="bentConnector3">
-            <a:avLst>
-              <a:gd name="adj1" fmla="val 50000"/>
-            </a:avLst>
-          </a:prstGeom>
-          <a:ln w="57150">
-            <a:solidFill>
-              <a:schemeClr val="bg1"/>
-            </a:solidFill>
-            <a:tailEnd type="none"/>
-          </a:ln>
-        </p:spPr>
-        <p:style>
-          <a:lnRef idx="1">
-            <a:schemeClr val="accent1"/>
-          </a:lnRef>
-          <a:fillRef idx="0">
-            <a:schemeClr val="accent1"/>
-          </a:fillRef>
-          <a:effectRef idx="0">
-            <a:schemeClr val="accent1"/>
-          </a:effectRef>
-          <a:fontRef idx="minor">
-            <a:schemeClr val="tx1"/>
-          </a:fontRef>
-        </p:style>
-      </p:cxnSp>
-      <p:sp>
-        <p:nvSpPr>
-          <p:cNvPr id="12" name="Flowchart: Process 11">
-            <a:extLst>
-              <a:ext uri="{FF2B5EF4-FFF2-40B4-BE49-F238E27FC236}">
-                <a16:creationId xmlns:a16="http://schemas.microsoft.com/office/drawing/2014/main" id="{55442558-378F-4F2E-9045-D0905D598AE8}"/>
-              </a:ext>
-            </a:extLst>
-          </p:cNvPr>
-          <p:cNvSpPr/>
-          <p:nvPr/>
-        </p:nvSpPr>
-        <p:spPr>
-          <a:xfrm>
-            <a:off x="16803761" y="-344556"/>
-            <a:ext cx="7580244" cy="14497877"/>
-          </a:xfrm>
-          <a:prstGeom prst="flowChartProcess">
-            <a:avLst/>
-          </a:prstGeom>
-          <a:solidFill>
-            <a:schemeClr val="tx1"/>
-          </a:solidFill>
-          <a:ln>
-            <a:solidFill>
-              <a:schemeClr val="bg1"/>
-            </a:solidFill>
-          </a:ln>
-        </p:spPr>
-        <p:style>
-          <a:lnRef idx="2">
-            <a:schemeClr val="accent1">
-              <a:shade val="50000"/>
-            </a:schemeClr>
-          </a:lnRef>
-          <a:fillRef idx="1">
-            <a:schemeClr val="accent1"/>
-          </a:fillRef>
-          <a:effectRef idx="0">
-            <a:schemeClr val="accent1"/>
-          </a:effectRef>
-          <a:fontRef idx="minor">
-            <a:schemeClr val="lt1"/>
-          </a:fontRef>
-        </p:style>
-        <p:txBody>
-          <a:bodyPr rtlCol="0" anchor="ctr"/>
-          <a:lstStyle/>
-          <a:p>
-            <a:pPr algn="ctr"/>
-            <a:r>
-              <a:rPr lang="en-US" altLang="ko-KR" sz="14400" b="1" dirty="0"/>
-              <a:t>Mini</a:t>
-            </a:r>
-          </a:p>
-          <a:p>
-            <a:pPr algn="ctr"/>
-            <a:r>
-              <a:rPr lang="en-US" altLang="ko-KR" sz="14400" b="1" dirty="0"/>
-              <a:t>Game</a:t>
-            </a:r>
-          </a:p>
-          <a:p>
-            <a:pPr algn="ctr"/>
-            <a:r>
-              <a:rPr lang="en-US" altLang="ko-KR" sz="14400" b="1" dirty="0"/>
-              <a:t>World</a:t>
-            </a:r>
-          </a:p>
-          <a:p>
-            <a:pPr algn="ctr"/>
-            <a:endParaRPr lang="en-US" altLang="ko-KR" sz="14400" b="1" dirty="0"/>
-          </a:p>
-        </p:txBody>
-      </p:sp>
-      <p:cxnSp>
-        <p:nvCxnSpPr>
-          <p:cNvPr id="13" name="Connector: Elbow 12">
-            <a:extLst>
-              <a:ext uri="{FF2B5EF4-FFF2-40B4-BE49-F238E27FC236}">
-                <a16:creationId xmlns:a16="http://schemas.microsoft.com/office/drawing/2014/main" id="{8B43D6AB-7837-43CD-A29C-8E6F3F78C56D}"/>
-              </a:ext>
-            </a:extLst>
-          </p:cNvPr>
-          <p:cNvCxnSpPr>
-            <a:cxnSpLocks/>
-            <a:stCxn id="5" idx="3"/>
-            <a:endCxn id="12" idx="1"/>
-          </p:cNvCxnSpPr>
-          <p:nvPr/>
-        </p:nvCxnSpPr>
-        <p:spPr>
-          <a:xfrm>
-            <a:off x="15452035" y="4445829"/>
-            <a:ext cx="1351723" cy="2458553"/>
-          </a:xfrm>
-          <a:prstGeom prst="bentConnector3">
-            <a:avLst/>
-          </a:prstGeom>
-          <a:ln w="57150">
-            <a:solidFill>
-              <a:schemeClr val="bg1"/>
-            </a:solidFill>
-            <a:tailEnd type="triangle"/>
-          </a:ln>
-        </p:spPr>
-        <p:style>
-          <a:lnRef idx="1">
-            <a:schemeClr val="accent1"/>
-          </a:lnRef>
-          <a:fillRef idx="0">
-            <a:schemeClr val="accent1"/>
-          </a:fillRef>
-          <a:effectRef idx="0">
-            <a:schemeClr val="accent1"/>
-          </a:effectRef>
-          <a:fontRef idx="minor">
-            <a:schemeClr val="tx1"/>
-          </a:fontRef>
-        </p:style>
-      </p:cxnSp>
-      <p:sp>
-        <p:nvSpPr>
-          <p:cNvPr id="16" name="Flowchart: Process 15">
-            <a:extLst>
-              <a:ext uri="{FF2B5EF4-FFF2-40B4-BE49-F238E27FC236}">
-                <a16:creationId xmlns:a16="http://schemas.microsoft.com/office/drawing/2014/main" id="{12908CDB-42CB-4A4B-92BF-F6696789AB66}"/>
-              </a:ext>
-            </a:extLst>
-          </p:cNvPr>
-          <p:cNvSpPr/>
-          <p:nvPr/>
-        </p:nvSpPr>
-        <p:spPr>
-          <a:xfrm>
-            <a:off x="1071344" y="959883"/>
-            <a:ext cx="5430176" cy="1459925"/>
-          </a:xfrm>
-          <a:prstGeom prst="flowChartProcess">
-            <a:avLst/>
-          </a:prstGeom>
-          <a:solidFill>
-            <a:schemeClr val="tx1"/>
-          </a:solidFill>
-          <a:ln>
-            <a:solidFill>
-              <a:schemeClr val="bg1"/>
-            </a:solidFill>
-          </a:ln>
-        </p:spPr>
-        <p:style>
-          <a:lnRef idx="2">
-            <a:schemeClr val="accent1">
-              <a:shade val="50000"/>
-            </a:schemeClr>
-          </a:lnRef>
-          <a:fillRef idx="1">
-            <a:schemeClr val="accent1"/>
-          </a:fillRef>
-          <a:effectRef idx="0">
-            <a:schemeClr val="accent1"/>
-          </a:effectRef>
-          <a:fontRef idx="minor">
-            <a:schemeClr val="lt1"/>
-          </a:fontRef>
-        </p:style>
-        <p:txBody>
-          <a:bodyPr rtlCol="0" anchor="ctr"/>
-          <a:lstStyle/>
-          <a:p>
-            <a:pPr algn="ctr"/>
-            <a:r>
-              <a:rPr lang="en-US" altLang="ko-KR" sz="4000" b="1" dirty="0" err="1"/>
-              <a:t>ExampleMiniGame</a:t>
-            </a:r>
-            <a:endParaRPr lang="en-US" altLang="ko-KR" sz="4000" dirty="0"/>
-          </a:p>
-        </p:txBody>
-      </p:sp>
-      <p:sp>
-        <p:nvSpPr>
-          <p:cNvPr id="17" name="Flowchart: Process 16">
-            <a:extLst>
-              <a:ext uri="{FF2B5EF4-FFF2-40B4-BE49-F238E27FC236}">
-                <a16:creationId xmlns:a16="http://schemas.microsoft.com/office/drawing/2014/main" id="{EE5F4CC8-31E9-46CD-91CA-1DA2D5CD441D}"/>
-              </a:ext>
-            </a:extLst>
-          </p:cNvPr>
-          <p:cNvSpPr/>
-          <p:nvPr/>
-        </p:nvSpPr>
-        <p:spPr>
-          <a:xfrm>
-            <a:off x="1071342" y="6128039"/>
-            <a:ext cx="5430176" cy="1459925"/>
-          </a:xfrm>
-          <a:prstGeom prst="flowChartProcess">
-            <a:avLst/>
-          </a:prstGeom>
-          <a:solidFill>
-            <a:schemeClr val="tx1"/>
-          </a:solidFill>
-          <a:ln>
-            <a:solidFill>
-              <a:schemeClr val="bg1"/>
-            </a:solidFill>
-          </a:ln>
-        </p:spPr>
-        <p:style>
-          <a:lnRef idx="2">
-            <a:schemeClr val="accent1">
-              <a:shade val="50000"/>
-            </a:schemeClr>
-          </a:lnRef>
-          <a:fillRef idx="1">
-            <a:schemeClr val="accent1"/>
-          </a:fillRef>
-          <a:effectRef idx="0">
-            <a:schemeClr val="accent1"/>
-          </a:effectRef>
-          <a:fontRef idx="minor">
-            <a:schemeClr val="lt1"/>
-          </a:fontRef>
-        </p:style>
-        <p:txBody>
-          <a:bodyPr rtlCol="0" anchor="ctr"/>
-          <a:lstStyle/>
-          <a:p>
-            <a:pPr algn="ctr"/>
-            <a:r>
-              <a:rPr lang="en-US" altLang="ko-KR" sz="4000" b="1" dirty="0"/>
-              <a:t>3rd-party Plugin</a:t>
-            </a:r>
-          </a:p>
-        </p:txBody>
-      </p:sp>
-      <p:cxnSp>
-        <p:nvCxnSpPr>
-          <p:cNvPr id="18" name="Connector: Elbow 17">
-            <a:extLst>
-              <a:ext uri="{FF2B5EF4-FFF2-40B4-BE49-F238E27FC236}">
-                <a16:creationId xmlns:a16="http://schemas.microsoft.com/office/drawing/2014/main" id="{3BFD1CB1-D517-4C1E-B9C1-64B41F32FDB7}"/>
-              </a:ext>
-            </a:extLst>
-          </p:cNvPr>
-          <p:cNvCxnSpPr>
-            <a:cxnSpLocks/>
-            <a:stCxn id="17" idx="0"/>
-            <a:endCxn id="5" idx="1"/>
-          </p:cNvCxnSpPr>
-          <p:nvPr/>
-        </p:nvCxnSpPr>
-        <p:spPr>
-          <a:xfrm rot="5400000" flipH="1" flipV="1">
-            <a:off x="5756641" y="2475633"/>
-            <a:ext cx="1682206" cy="5622612"/>
-          </a:xfrm>
-          <a:prstGeom prst="bentConnector2">
             <a:avLst/>
           </a:prstGeom>
           <a:ln w="57150">

--- a/resources/MiniGameWorld.pptx
+++ b/resources/MiniGameWorld.pptx
@@ -26,6 +26,7 @@
     <p:sldId id="272" r:id="rId20"/>
     <p:sldId id="273" r:id="rId21"/>
     <p:sldId id="278" r:id="rId22"/>
+    <p:sldId id="279" r:id="rId23"/>
   </p:sldIdLst>
   <p:sldSz cx="24384000" cy="13716000"/>
   <p:notesSz cx="6858000" cy="9144000"/>
@@ -263,7 +264,7 @@
           <a:p>
             <a:fld id="{68DD77C6-9199-49BA-BC71-D4B35AFBC7B4}" type="datetimeFigureOut">
               <a:rPr lang="ko-KR" altLang="en-US" smtClean="0"/>
-              <a:t>2022-01-21</a:t>
+              <a:t>2022-08-09</a:t>
             </a:fld>
             <a:endParaRPr lang="ko-KR" altLang="en-US"/>
           </a:p>
@@ -433,7 +434,7 @@
           <a:p>
             <a:fld id="{68DD77C6-9199-49BA-BC71-D4B35AFBC7B4}" type="datetimeFigureOut">
               <a:rPr lang="ko-KR" altLang="en-US" smtClean="0"/>
-              <a:t>2022-01-21</a:t>
+              <a:t>2022-08-09</a:t>
             </a:fld>
             <a:endParaRPr lang="ko-KR" altLang="en-US"/>
           </a:p>
@@ -613,7 +614,7 @@
           <a:p>
             <a:fld id="{68DD77C6-9199-49BA-BC71-D4B35AFBC7B4}" type="datetimeFigureOut">
               <a:rPr lang="ko-KR" altLang="en-US" smtClean="0"/>
-              <a:t>2022-01-21</a:t>
+              <a:t>2022-08-09</a:t>
             </a:fld>
             <a:endParaRPr lang="ko-KR" altLang="en-US"/>
           </a:p>
@@ -783,7 +784,7 @@
           <a:p>
             <a:fld id="{68DD77C6-9199-49BA-BC71-D4B35AFBC7B4}" type="datetimeFigureOut">
               <a:rPr lang="ko-KR" altLang="en-US" smtClean="0"/>
-              <a:t>2022-01-21</a:t>
+              <a:t>2022-08-09</a:t>
             </a:fld>
             <a:endParaRPr lang="ko-KR" altLang="en-US"/>
           </a:p>
@@ -1029,7 +1030,7 @@
           <a:p>
             <a:fld id="{68DD77C6-9199-49BA-BC71-D4B35AFBC7B4}" type="datetimeFigureOut">
               <a:rPr lang="ko-KR" altLang="en-US" smtClean="0"/>
-              <a:t>2022-01-21</a:t>
+              <a:t>2022-08-09</a:t>
             </a:fld>
             <a:endParaRPr lang="ko-KR" altLang="en-US"/>
           </a:p>
@@ -1261,7 +1262,7 @@
           <a:p>
             <a:fld id="{68DD77C6-9199-49BA-BC71-D4B35AFBC7B4}" type="datetimeFigureOut">
               <a:rPr lang="ko-KR" altLang="en-US" smtClean="0"/>
-              <a:t>2022-01-21</a:t>
+              <a:t>2022-08-09</a:t>
             </a:fld>
             <a:endParaRPr lang="ko-KR" altLang="en-US"/>
           </a:p>
@@ -1628,7 +1629,7 @@
           <a:p>
             <a:fld id="{68DD77C6-9199-49BA-BC71-D4B35AFBC7B4}" type="datetimeFigureOut">
               <a:rPr lang="ko-KR" altLang="en-US" smtClean="0"/>
-              <a:t>2022-01-21</a:t>
+              <a:t>2022-08-09</a:t>
             </a:fld>
             <a:endParaRPr lang="ko-KR" altLang="en-US"/>
           </a:p>
@@ -1746,7 +1747,7 @@
           <a:p>
             <a:fld id="{68DD77C6-9199-49BA-BC71-D4B35AFBC7B4}" type="datetimeFigureOut">
               <a:rPr lang="ko-KR" altLang="en-US" smtClean="0"/>
-              <a:t>2022-01-21</a:t>
+              <a:t>2022-08-09</a:t>
             </a:fld>
             <a:endParaRPr lang="ko-KR" altLang="en-US"/>
           </a:p>
@@ -1841,7 +1842,7 @@
           <a:p>
             <a:fld id="{68DD77C6-9199-49BA-BC71-D4B35AFBC7B4}" type="datetimeFigureOut">
               <a:rPr lang="ko-KR" altLang="en-US" smtClean="0"/>
-              <a:t>2022-01-21</a:t>
+              <a:t>2022-08-09</a:t>
             </a:fld>
             <a:endParaRPr lang="ko-KR" altLang="en-US"/>
           </a:p>
@@ -2118,7 +2119,7 @@
           <a:p>
             <a:fld id="{68DD77C6-9199-49BA-BC71-D4B35AFBC7B4}" type="datetimeFigureOut">
               <a:rPr lang="ko-KR" altLang="en-US" smtClean="0"/>
-              <a:t>2022-01-21</a:t>
+              <a:t>2022-08-09</a:t>
             </a:fld>
             <a:endParaRPr lang="ko-KR" altLang="en-US"/>
           </a:p>
@@ -2375,7 +2376,7 @@
           <a:p>
             <a:fld id="{68DD77C6-9199-49BA-BC71-D4B35AFBC7B4}" type="datetimeFigureOut">
               <a:rPr lang="ko-KR" altLang="en-US" smtClean="0"/>
-              <a:t>2022-01-21</a:t>
+              <a:t>2022-08-09</a:t>
             </a:fld>
             <a:endParaRPr lang="ko-KR" altLang="en-US"/>
           </a:p>
@@ -2588,7 +2589,7 @@
           <a:p>
             <a:fld id="{68DD77C6-9199-49BA-BC71-D4B35AFBC7B4}" type="datetimeFigureOut">
               <a:rPr lang="ko-KR" altLang="en-US" smtClean="0"/>
-              <a:t>2022-01-21</a:t>
+              <a:t>2022-08-09</a:t>
             </a:fld>
             <a:endParaRPr lang="ko-KR" altLang="en-US"/>
           </a:p>
@@ -8246,6 +8247,267 @@
 </p:sld>
 </file>
 
+<file path=ppt/slides/slide22.xml><?xml version="1.0" encoding="utf-8"?>
+<p:sld xmlns:a="http://schemas.openxmlformats.org/drawingml/2006/main" xmlns:r="http://schemas.openxmlformats.org/officeDocument/2006/relationships" xmlns:p="http://schemas.openxmlformats.org/presentationml/2006/main">
+  <p:cSld>
+    <p:spTree>
+      <p:nvGrpSpPr>
+        <p:cNvPr id="1" name=""/>
+        <p:cNvGrpSpPr/>
+        <p:nvPr/>
+      </p:nvGrpSpPr>
+      <p:grpSpPr>
+        <a:xfrm>
+          <a:off x="0" y="0"/>
+          <a:ext cx="0" cy="0"/>
+          <a:chOff x="0" y="0"/>
+          <a:chExt cx="0" cy="0"/>
+        </a:xfrm>
+      </p:grpSpPr>
+      <p:sp>
+        <p:nvSpPr>
+          <p:cNvPr id="15" name="Oval 14">
+            <a:extLst>
+              <a:ext uri="{FF2B5EF4-FFF2-40B4-BE49-F238E27FC236}">
+                <a16:creationId xmlns:a16="http://schemas.microsoft.com/office/drawing/2014/main" id="{4B0AEA62-6CE4-798F-375D-8685F5173CD5}"/>
+              </a:ext>
+            </a:extLst>
+          </p:cNvPr>
+          <p:cNvSpPr/>
+          <p:nvPr/>
+        </p:nvSpPr>
+        <p:spPr>
+          <a:xfrm>
+            <a:off x="5119456" y="-214544"/>
+            <a:ext cx="14145088" cy="14145088"/>
+          </a:xfrm>
+          <a:prstGeom prst="ellipse">
+            <a:avLst/>
+          </a:prstGeom>
+          <a:effectLst/>
+        </p:spPr>
+        <p:style>
+          <a:lnRef idx="0">
+            <a:schemeClr val="accent4"/>
+          </a:lnRef>
+          <a:fillRef idx="3">
+            <a:schemeClr val="accent4"/>
+          </a:fillRef>
+          <a:effectRef idx="3">
+            <a:schemeClr val="accent4"/>
+          </a:effectRef>
+          <a:fontRef idx="minor">
+            <a:schemeClr val="lt1"/>
+          </a:fontRef>
+        </p:style>
+        <p:txBody>
+          <a:bodyPr rtlCol="0" anchor="ctr"/>
+          <a:lstStyle/>
+          <a:p>
+            <a:pPr algn="ctr"/>
+            <a:endParaRPr lang="ko-KR" altLang="en-US" sz="3600"/>
+          </a:p>
+        </p:txBody>
+      </p:sp>
+      <p:sp>
+        <p:nvSpPr>
+          <p:cNvPr id="8" name="Right Triangle 7">
+            <a:extLst>
+              <a:ext uri="{FF2B5EF4-FFF2-40B4-BE49-F238E27FC236}">
+                <a16:creationId xmlns:a16="http://schemas.microsoft.com/office/drawing/2014/main" id="{D1ED0F45-DFEC-8221-7855-2FD50D604119}"/>
+              </a:ext>
+            </a:extLst>
+          </p:cNvPr>
+          <p:cNvSpPr/>
+          <p:nvPr/>
+        </p:nvSpPr>
+        <p:spPr>
+          <a:xfrm rot="2700000">
+            <a:off x="12578778" y="2960964"/>
+            <a:ext cx="7486924" cy="7794068"/>
+          </a:xfrm>
+          <a:prstGeom prst="rtTriangle">
+            <a:avLst/>
+          </a:prstGeom>
+        </p:spPr>
+        <p:style>
+          <a:lnRef idx="2">
+            <a:schemeClr val="dk1">
+              <a:shade val="50000"/>
+            </a:schemeClr>
+          </a:lnRef>
+          <a:fillRef idx="1">
+            <a:schemeClr val="dk1"/>
+          </a:fillRef>
+          <a:effectRef idx="0">
+            <a:schemeClr val="dk1"/>
+          </a:effectRef>
+          <a:fontRef idx="minor">
+            <a:schemeClr val="lt1"/>
+          </a:fontRef>
+        </p:style>
+        <p:txBody>
+          <a:bodyPr rtlCol="0" anchor="ctr"/>
+          <a:lstStyle/>
+          <a:p>
+            <a:pPr algn="ctr"/>
+            <a:endParaRPr lang="ko-KR" altLang="en-US" sz="3600"/>
+          </a:p>
+        </p:txBody>
+      </p:sp>
+      <p:sp>
+        <p:nvSpPr>
+          <p:cNvPr id="9" name="Right Triangle 8">
+            <a:extLst>
+              <a:ext uri="{FF2B5EF4-FFF2-40B4-BE49-F238E27FC236}">
+                <a16:creationId xmlns:a16="http://schemas.microsoft.com/office/drawing/2014/main" id="{78A5AC32-C8EF-DB95-4F16-FF16172A29CD}"/>
+              </a:ext>
+            </a:extLst>
+          </p:cNvPr>
+          <p:cNvSpPr/>
+          <p:nvPr/>
+        </p:nvSpPr>
+        <p:spPr>
+          <a:xfrm rot="13500000">
+            <a:off x="4273902" y="3169398"/>
+            <a:ext cx="7575716" cy="7377200"/>
+          </a:xfrm>
+          <a:prstGeom prst="rtTriangle">
+            <a:avLst/>
+          </a:prstGeom>
+        </p:spPr>
+        <p:style>
+          <a:lnRef idx="2">
+            <a:schemeClr val="dk1">
+              <a:shade val="50000"/>
+            </a:schemeClr>
+          </a:lnRef>
+          <a:fillRef idx="1">
+            <a:schemeClr val="dk1"/>
+          </a:fillRef>
+          <a:effectRef idx="0">
+            <a:schemeClr val="dk1"/>
+          </a:effectRef>
+          <a:fontRef idx="minor">
+            <a:schemeClr val="lt1"/>
+          </a:fontRef>
+        </p:style>
+        <p:txBody>
+          <a:bodyPr rtlCol="0" anchor="ctr"/>
+          <a:lstStyle/>
+          <a:p>
+            <a:pPr algn="ctr"/>
+            <a:endParaRPr lang="ko-KR" altLang="en-US" sz="3600"/>
+          </a:p>
+        </p:txBody>
+      </p:sp>
+      <p:sp>
+        <p:nvSpPr>
+          <p:cNvPr id="12" name="Right Triangle 11">
+            <a:extLst>
+              <a:ext uri="{FF2B5EF4-FFF2-40B4-BE49-F238E27FC236}">
+                <a16:creationId xmlns:a16="http://schemas.microsoft.com/office/drawing/2014/main" id="{917645B7-D2DD-3F5D-EC25-D6762B6631A2}"/>
+              </a:ext>
+            </a:extLst>
+          </p:cNvPr>
+          <p:cNvSpPr/>
+          <p:nvPr/>
+        </p:nvSpPr>
+        <p:spPr>
+          <a:xfrm rot="13500000">
+            <a:off x="8309434" y="5615062"/>
+            <a:ext cx="2485876" cy="2485876"/>
+          </a:xfrm>
+          <a:prstGeom prst="rtTriangle">
+            <a:avLst/>
+          </a:prstGeom>
+          <a:solidFill>
+            <a:srgbClr val="FF0000"/>
+          </a:solidFill>
+        </p:spPr>
+        <p:style>
+          <a:lnRef idx="2">
+            <a:schemeClr val="dk1"/>
+          </a:lnRef>
+          <a:fillRef idx="1">
+            <a:schemeClr val="lt1"/>
+          </a:fillRef>
+          <a:effectRef idx="0">
+            <a:schemeClr val="dk1"/>
+          </a:effectRef>
+          <a:fontRef idx="minor">
+            <a:schemeClr val="dk1"/>
+          </a:fontRef>
+        </p:style>
+        <p:txBody>
+          <a:bodyPr rtlCol="0" anchor="ctr"/>
+          <a:lstStyle/>
+          <a:p>
+            <a:pPr algn="ctr"/>
+            <a:endParaRPr lang="ko-KR" altLang="en-US" sz="3600"/>
+          </a:p>
+        </p:txBody>
+      </p:sp>
+      <p:sp>
+        <p:nvSpPr>
+          <p:cNvPr id="13" name="Right Triangle 12">
+            <a:extLst>
+              <a:ext uri="{FF2B5EF4-FFF2-40B4-BE49-F238E27FC236}">
+                <a16:creationId xmlns:a16="http://schemas.microsoft.com/office/drawing/2014/main" id="{061C8887-1695-5FC8-33A9-BC343F1FBD52}"/>
+              </a:ext>
+            </a:extLst>
+          </p:cNvPr>
+          <p:cNvSpPr/>
+          <p:nvPr/>
+        </p:nvSpPr>
+        <p:spPr>
+          <a:xfrm rot="2700000">
+            <a:off x="13588690" y="5615060"/>
+            <a:ext cx="2485876" cy="2485876"/>
+          </a:xfrm>
+          <a:prstGeom prst="rtTriangle">
+            <a:avLst/>
+          </a:prstGeom>
+          <a:solidFill>
+            <a:srgbClr val="00B0F0"/>
+          </a:solidFill>
+        </p:spPr>
+        <p:style>
+          <a:lnRef idx="2">
+            <a:schemeClr val="dk1"/>
+          </a:lnRef>
+          <a:fillRef idx="1">
+            <a:schemeClr val="lt1"/>
+          </a:fillRef>
+          <a:effectRef idx="0">
+            <a:schemeClr val="dk1"/>
+          </a:effectRef>
+          <a:fontRef idx="minor">
+            <a:schemeClr val="dk1"/>
+          </a:fontRef>
+        </p:style>
+        <p:txBody>
+          <a:bodyPr rtlCol="0" anchor="ctr"/>
+          <a:lstStyle/>
+          <a:p>
+            <a:pPr algn="ctr"/>
+            <a:endParaRPr lang="ko-KR" altLang="en-US" sz="3600"/>
+          </a:p>
+        </p:txBody>
+      </p:sp>
+    </p:spTree>
+    <p:extLst>
+      <p:ext uri="{BB962C8B-B14F-4D97-AF65-F5344CB8AC3E}">
+        <p14:creationId xmlns:p14="http://schemas.microsoft.com/office/powerpoint/2010/main" val="3447502894"/>
+      </p:ext>
+    </p:extLst>
+  </p:cSld>
+  <p:clrMapOvr>
+    <a:masterClrMapping/>
+  </p:clrMapOvr>
+</p:sld>
+</file>
+
 <file path=ppt/slides/slide3.xml><?xml version="1.0" encoding="utf-8"?>
 <p:sld xmlns:a="http://schemas.openxmlformats.org/drawingml/2006/main" xmlns:r="http://schemas.openxmlformats.org/officeDocument/2006/relationships" xmlns:p="http://schemas.openxmlformats.org/presentationml/2006/main">
   <p:cSld>
